--- a/Slides/Lecture10 - Apps part II.pptx
+++ b/Slides/Lecture10 - Apps part II.pptx
@@ -5482,7 +5482,7 @@
         <p:spPr>
           <a:xfrm>
             <a:off x="274209" y="1212850"/>
-            <a:ext cx="8778240" cy="5490734"/>
+            <a:ext cx="8778240" cy="5176802"/>
           </a:xfrm>
         </p:spPr>
         <p:txBody>
@@ -5490,95 +5490,48 @@
           <a:lstStyle/>
           <a:p>
             <a:r>
+              <a:rPr lang="da-DK" dirty="0" err="1">
+                <a:solidFill>
+                  <a:schemeClr val="bg1"/>
+                </a:solidFill>
+              </a:rPr>
+              <a:t>Xamarin.Forms</a:t>
+            </a:r>
+            <a:endParaRPr lang="da-DK" dirty="0">
+              <a:solidFill>
+                <a:schemeClr val="bg1"/>
+              </a:solidFill>
+            </a:endParaRPr>
+          </a:p>
+          <a:p>
+            <a:endParaRPr lang="da-DK" sz="2800" dirty="0">
+              <a:solidFill>
+                <a:schemeClr val="bg1"/>
+              </a:solidFill>
+            </a:endParaRPr>
+          </a:p>
+          <a:p>
+            <a:r>
               <a:rPr lang="da-DK" dirty="0">
                 <a:solidFill>
                   <a:schemeClr val="bg1"/>
                 </a:solidFill>
               </a:rPr>
-              <a:t>More XAML</a:t>
-            </a:r>
-          </a:p>
-          <a:p>
-            <a:r>
-              <a:rPr lang="da-DK" sz="2800" dirty="0">
+              <a:t>Security in ASP.NET, UWP, and </a:t>
+            </a:r>
+            <a:r>
+              <a:rPr lang="da-DK" dirty="0" err="1">
                 <a:solidFill>
                   <a:schemeClr val="bg1"/>
                 </a:solidFill>
               </a:rPr>
-              <a:t>Back </a:t>
-            </a:r>
-            <a:r>
-              <a:rPr lang="da-DK" sz="2800" dirty="0" err="1">
-                <a:solidFill>
-                  <a:schemeClr val="bg1"/>
-                </a:solidFill>
-              </a:rPr>
-              <a:t>button</a:t>
-            </a:r>
-            <a:endParaRPr lang="da-DK" sz="2800" dirty="0">
+              <a:t>Xamarin.Forms</a:t>
+            </a:r>
+            <a:endParaRPr lang="da-DK" dirty="0">
               <a:solidFill>
                 <a:schemeClr val="bg1"/>
               </a:solidFill>
             </a:endParaRPr>
-          </a:p>
-          <a:p>
-            <a:r>
-              <a:rPr lang="da-DK" sz="2800" dirty="0" err="1">
-                <a:solidFill>
-                  <a:schemeClr val="bg1"/>
-                </a:solidFill>
-              </a:rPr>
-              <a:t>Entity</a:t>
-            </a:r>
-            <a:r>
-              <a:rPr lang="da-DK" sz="2800" dirty="0">
-                <a:solidFill>
-                  <a:schemeClr val="bg1"/>
-                </a:solidFill>
-              </a:rPr>
-              <a:t> Framework Core</a:t>
-            </a:r>
-          </a:p>
-          <a:p>
-            <a:r>
-              <a:rPr lang="da-DK" sz="2800" dirty="0" err="1">
-                <a:solidFill>
-                  <a:schemeClr val="bg1"/>
-                </a:solidFill>
-              </a:rPr>
-              <a:t>Dependency</a:t>
-            </a:r>
-            <a:r>
-              <a:rPr lang="da-DK" sz="2800" dirty="0">
-                <a:solidFill>
-                  <a:schemeClr val="bg1"/>
-                </a:solidFill>
-              </a:rPr>
-              <a:t> </a:t>
-            </a:r>
-            <a:r>
-              <a:rPr lang="da-DK" sz="2800" dirty="0" err="1">
-                <a:solidFill>
-                  <a:schemeClr val="bg1"/>
-                </a:solidFill>
-              </a:rPr>
-              <a:t>injection</a:t>
-            </a:r>
-            <a:endParaRPr lang="da-DK" sz="2800" dirty="0">
-              <a:solidFill>
-                <a:schemeClr val="bg1"/>
-              </a:solidFill>
-            </a:endParaRPr>
-          </a:p>
-          <a:p>
-            <a:r>
-              <a:rPr lang="da-DK" sz="2800" dirty="0">
-                <a:solidFill>
-                  <a:schemeClr val="bg1"/>
-                </a:solidFill>
-              </a:rPr>
-              <a:t>Application Manifest</a:t>
-            </a:r>
           </a:p>
           <a:p>
             <a:endParaRPr lang="da-DK" dirty="0">
@@ -5637,7 +5590,7 @@
               <a:t>Final </a:t>
             </a:r>
             <a:r>
-              <a:rPr lang="da-DK">
+              <a:rPr lang="da-DK" dirty="0" err="1">
                 <a:solidFill>
                   <a:schemeClr val="bg1"/>
                 </a:solidFill>
@@ -5928,7 +5881,7 @@
         <p:spPr>
           <a:xfrm>
             <a:off x="274209" y="1212850"/>
-            <a:ext cx="8778240" cy="5558445"/>
+            <a:ext cx="8778240" cy="4339650"/>
           </a:xfrm>
         </p:spPr>
         <p:txBody>
@@ -5954,32 +5907,20 @@
           </a:p>
           <a:p>
             <a:r>
+              <a:rPr lang="da-DK">
+                <a:solidFill>
+                  <a:schemeClr val="bg1"/>
+                </a:solidFill>
+              </a:rPr>
+              <a:t>Publishing </a:t>
+            </a:r>
+            <a:r>
               <a:rPr lang="da-DK" dirty="0">
                 <a:solidFill>
                   <a:schemeClr val="bg1"/>
                 </a:solidFill>
               </a:rPr>
-              <a:t>Security in ASP.NET </a:t>
-            </a:r>
-          </a:p>
-          <a:p>
-            <a:r>
-              <a:rPr lang="da-DK" dirty="0">
-                <a:solidFill>
-                  <a:schemeClr val="bg1"/>
-                </a:solidFill>
-              </a:rPr>
-              <a:t>Security in UWP</a:t>
-            </a:r>
-          </a:p>
-          <a:p>
-            <a:r>
-              <a:rPr lang="da-DK" dirty="0">
-                <a:solidFill>
-                  <a:schemeClr val="bg1"/>
-                </a:solidFill>
-              </a:rPr>
-              <a:t>Publishing apps to the cloud</a:t>
+              <a:t>apps to the cloud</a:t>
             </a:r>
           </a:p>
           <a:p>
@@ -6987,58 +6928,12 @@
 </file>
 
 <file path=customXml/item1.xml><?xml version="1.0" encoding="utf-8"?>
-<p:properties xmlns:p="http://schemas.microsoft.com/office/2006/metadata/properties" xmlns:xsi="http://www.w3.org/2001/XMLSchema-instance" xmlns:pc="http://schemas.microsoft.com/office/infopath/2007/PartnerControls">
-  <documentManagement>
-    <TrackTaxHTField0 xmlns="2295e2e7-0eeb-498e-8716-217bb2ee6ee3">
-      <Terms xmlns="http://schemas.microsoft.com/office/infopath/2007/PartnerControls"/>
-    </TrackTaxHTField0>
-    <CampaignTaxHTField0 xmlns="2295e2e7-0eeb-498e-8716-217bb2ee6ee3">
-      <Terms xmlns="http://schemas.microsoft.com/office/infopath/2007/PartnerControls"/>
-    </CampaignTaxHTField0>
-    <Event_x0020_End_x0020_Date xmlns="2295e2e7-0eeb-498e-8716-217bb2ee6ee3" xsi:nil="true"/>
-    <Event_x0020_Start_x0020_Date xmlns="2295e2e7-0eeb-498e-8716-217bb2ee6ee3" xsi:nil="true"/>
-    <MS_x0020_Speaker xmlns="2295e2e7-0eeb-498e-8716-217bb2ee6ee3">
-      <UserInfo>
-        <DisplayName/>
-        <AccountId xsi:nil="true"/>
-        <AccountType/>
-      </UserInfo>
-    </MS_x0020_Speaker>
-    <External_x0020_Speaker xmlns="2295e2e7-0eeb-498e-8716-217bb2ee6ee3" xsi:nil="true"/>
-    <Session_x0020_Code xmlns="2295e2e7-0eeb-498e-8716-217bb2ee6ee3" xsi:nil="true"/>
-    <ProductTaxHTField0 xmlns="2295e2e7-0eeb-498e-8716-217bb2ee6ee3">
-      <Terms xmlns="http://schemas.microsoft.com/office/infopath/2007/PartnerControls"/>
-    </ProductTaxHTField0>
-    <Presentation_x0020_Date xmlns="2295e2e7-0eeb-498e-8716-217bb2ee6ee3" xsi:nil="true"/>
-    <Event_x0020_LocationTaxHTField0 xmlns="2295e2e7-0eeb-498e-8716-217bb2ee6ee3">
-      <Terms xmlns="http://schemas.microsoft.com/office/infopath/2007/PartnerControls"/>
-    </Event_x0020_LocationTaxHTField0>
-    <Event1TaxHTField0 xmlns="2295e2e7-0eeb-498e-8716-217bb2ee6ee3">
-      <Terms xmlns="http://schemas.microsoft.com/office/infopath/2007/PartnerControls">
-        <TermInfo xmlns="http://schemas.microsoft.com/office/infopath/2007/PartnerControls">
-          <TermName xmlns="http://schemas.microsoft.com/office/infopath/2007/PartnerControls">Unassigned</TermName>
-          <TermId xmlns="http://schemas.microsoft.com/office/infopath/2007/PartnerControls">e51362f4-782c-41a8-bb7b-e0cfc8669933</TermId>
-        </TermInfo>
-      </Terms>
-    </Event1TaxHTField0>
-    <AudienceTaxHTField0 xmlns="8b529f77-48ab-4581-b468-93f09345b8aa">
-      <Terms xmlns="http://schemas.microsoft.com/office/infopath/2007/PartnerControls"/>
-    </AudienceTaxHTField0>
-    <MS_x0020_Content_x0020_Owner xmlns="2295e2e7-0eeb-498e-8716-217bb2ee6ee3">
-      <UserInfo>
-        <DisplayName/>
-        <AccountId xsi:nil="true"/>
-        <AccountType/>
-      </UserInfo>
-    </MS_x0020_Content_x0020_Owner>
-    <TaxCatchAll xmlns="2295e2e7-0eeb-498e-8716-217bb2ee6ee3">
-      <Value>217</Value>
-    </TaxCatchAll>
-    <Event_x0020_VenueTaxHTField0 xmlns="2295e2e7-0eeb-498e-8716-217bb2ee6ee3">
-      <Terms xmlns="http://schemas.microsoft.com/office/infopath/2007/PartnerControls"/>
-    </Event_x0020_VenueTaxHTField0>
-  </documentManagement>
-</p:properties>
+<?mso-contentType ?>
+<FormTemplates xmlns="http://schemas.microsoft.com/sharepoint/v3/contenttype/forms">
+  <Display>DocumentLibraryForm</Display>
+  <Edit>DocumentLibraryForm</Edit>
+  <New>DocumentLibraryForm</New>
+</FormTemplates>
 </file>
 
 <file path=customXml/item2.xml><?xml version="1.0" encoding="utf-8"?>
@@ -7321,27 +7216,64 @@
 </file>
 
 <file path=customXml/item3.xml><?xml version="1.0" encoding="utf-8"?>
-<?mso-contentType ?>
-<FormTemplates xmlns="http://schemas.microsoft.com/sharepoint/v3/contenttype/forms">
-  <Display>DocumentLibraryForm</Display>
-  <Edit>DocumentLibraryForm</Edit>
-  <New>DocumentLibraryForm</New>
-</FormTemplates>
+<p:properties xmlns:p="http://schemas.microsoft.com/office/2006/metadata/properties" xmlns:xsi="http://www.w3.org/2001/XMLSchema-instance" xmlns:pc="http://schemas.microsoft.com/office/infopath/2007/PartnerControls">
+  <documentManagement>
+    <TrackTaxHTField0 xmlns="2295e2e7-0eeb-498e-8716-217bb2ee6ee3">
+      <Terms xmlns="http://schemas.microsoft.com/office/infopath/2007/PartnerControls"/>
+    </TrackTaxHTField0>
+    <CampaignTaxHTField0 xmlns="2295e2e7-0eeb-498e-8716-217bb2ee6ee3">
+      <Terms xmlns="http://schemas.microsoft.com/office/infopath/2007/PartnerControls"/>
+    </CampaignTaxHTField0>
+    <Event_x0020_End_x0020_Date xmlns="2295e2e7-0eeb-498e-8716-217bb2ee6ee3" xsi:nil="true"/>
+    <Event_x0020_Start_x0020_Date xmlns="2295e2e7-0eeb-498e-8716-217bb2ee6ee3" xsi:nil="true"/>
+    <MS_x0020_Speaker xmlns="2295e2e7-0eeb-498e-8716-217bb2ee6ee3">
+      <UserInfo>
+        <DisplayName/>
+        <AccountId xsi:nil="true"/>
+        <AccountType/>
+      </UserInfo>
+    </MS_x0020_Speaker>
+    <External_x0020_Speaker xmlns="2295e2e7-0eeb-498e-8716-217bb2ee6ee3" xsi:nil="true"/>
+    <Session_x0020_Code xmlns="2295e2e7-0eeb-498e-8716-217bb2ee6ee3" xsi:nil="true"/>
+    <ProductTaxHTField0 xmlns="2295e2e7-0eeb-498e-8716-217bb2ee6ee3">
+      <Terms xmlns="http://schemas.microsoft.com/office/infopath/2007/PartnerControls"/>
+    </ProductTaxHTField0>
+    <Presentation_x0020_Date xmlns="2295e2e7-0eeb-498e-8716-217bb2ee6ee3" xsi:nil="true"/>
+    <Event_x0020_LocationTaxHTField0 xmlns="2295e2e7-0eeb-498e-8716-217bb2ee6ee3">
+      <Terms xmlns="http://schemas.microsoft.com/office/infopath/2007/PartnerControls"/>
+    </Event_x0020_LocationTaxHTField0>
+    <Event1TaxHTField0 xmlns="2295e2e7-0eeb-498e-8716-217bb2ee6ee3">
+      <Terms xmlns="http://schemas.microsoft.com/office/infopath/2007/PartnerControls">
+        <TermInfo xmlns="http://schemas.microsoft.com/office/infopath/2007/PartnerControls">
+          <TermName xmlns="http://schemas.microsoft.com/office/infopath/2007/PartnerControls">Unassigned</TermName>
+          <TermId xmlns="http://schemas.microsoft.com/office/infopath/2007/PartnerControls">e51362f4-782c-41a8-bb7b-e0cfc8669933</TermId>
+        </TermInfo>
+      </Terms>
+    </Event1TaxHTField0>
+    <AudienceTaxHTField0 xmlns="8b529f77-48ab-4581-b468-93f09345b8aa">
+      <Terms xmlns="http://schemas.microsoft.com/office/infopath/2007/PartnerControls"/>
+    </AudienceTaxHTField0>
+    <MS_x0020_Content_x0020_Owner xmlns="2295e2e7-0eeb-498e-8716-217bb2ee6ee3">
+      <UserInfo>
+        <DisplayName/>
+        <AccountId xsi:nil="true"/>
+        <AccountType/>
+      </UserInfo>
+    </MS_x0020_Content_x0020_Owner>
+    <TaxCatchAll xmlns="2295e2e7-0eeb-498e-8716-217bb2ee6ee3">
+      <Value>217</Value>
+    </TaxCatchAll>
+    <Event_x0020_VenueTaxHTField0 xmlns="2295e2e7-0eeb-498e-8716-217bb2ee6ee3">
+      <Terms xmlns="http://schemas.microsoft.com/office/infopath/2007/PartnerControls"/>
+    </Event_x0020_VenueTaxHTField0>
+  </documentManagement>
+</p:properties>
 </file>
 
 <file path=customXml/itemProps1.xml><?xml version="1.0" encoding="utf-8"?>
-<ds:datastoreItem xmlns:ds="http://schemas.openxmlformats.org/officeDocument/2006/customXml" ds:itemID="{F990F116-B58F-4255-B05B-DA3808E0E5C6}">
+<ds:datastoreItem xmlns:ds="http://schemas.openxmlformats.org/officeDocument/2006/customXml" ds:itemID="{758FDAC0-319D-4A54-8D8E-1D42CB1F8004}">
   <ds:schemaRefs>
-    <ds:schemaRef ds:uri="2295e2e7-0eeb-498e-8716-217bb2ee6ee3"/>
-    <ds:schemaRef ds:uri="http://purl.org/dc/terms/"/>
-    <ds:schemaRef ds:uri="http://schemas.microsoft.com/office/2006/documentManagement/types"/>
-    <ds:schemaRef ds:uri="http://schemas.microsoft.com/office/infopath/2007/PartnerControls"/>
-    <ds:schemaRef ds:uri="http://purl.org/dc/elements/1.1/"/>
-    <ds:schemaRef ds:uri="http://schemas.microsoft.com/office/2006/metadata/properties"/>
-    <ds:schemaRef ds:uri="8b529f77-48ab-4581-b468-93f09345b8aa"/>
-    <ds:schemaRef ds:uri="http://schemas.openxmlformats.org/package/2006/metadata/core-properties"/>
-    <ds:schemaRef ds:uri="http://www.w3.org/XML/1998/namespace"/>
-    <ds:schemaRef ds:uri="http://purl.org/dc/dcmitype/"/>
+    <ds:schemaRef ds:uri="http://schemas.microsoft.com/sharepoint/v3/contenttype/forms"/>
   </ds:schemaRefs>
 </ds:datastoreItem>
 </file>
@@ -7366,9 +7298,18 @@
 </file>
 
 <file path=customXml/itemProps3.xml><?xml version="1.0" encoding="utf-8"?>
-<ds:datastoreItem xmlns:ds="http://schemas.openxmlformats.org/officeDocument/2006/customXml" ds:itemID="{758FDAC0-319D-4A54-8D8E-1D42CB1F8004}">
+<ds:datastoreItem xmlns:ds="http://schemas.openxmlformats.org/officeDocument/2006/customXml" ds:itemID="{F990F116-B58F-4255-B05B-DA3808E0E5C6}">
   <ds:schemaRefs>
-    <ds:schemaRef ds:uri="http://schemas.microsoft.com/sharepoint/v3/contenttype/forms"/>
+    <ds:schemaRef ds:uri="2295e2e7-0eeb-498e-8716-217bb2ee6ee3"/>
+    <ds:schemaRef ds:uri="http://purl.org/dc/terms/"/>
+    <ds:schemaRef ds:uri="http://schemas.microsoft.com/office/2006/documentManagement/types"/>
+    <ds:schemaRef ds:uri="http://schemas.microsoft.com/office/infopath/2007/PartnerControls"/>
+    <ds:schemaRef ds:uri="http://purl.org/dc/elements/1.1/"/>
+    <ds:schemaRef ds:uri="http://schemas.microsoft.com/office/2006/metadata/properties"/>
+    <ds:schemaRef ds:uri="8b529f77-48ab-4581-b468-93f09345b8aa"/>
+    <ds:schemaRef ds:uri="http://schemas.openxmlformats.org/package/2006/metadata/core-properties"/>
+    <ds:schemaRef ds:uri="http://www.w3.org/XML/1998/namespace"/>
+    <ds:schemaRef ds:uri="http://purl.org/dc/dcmitype/"/>
   </ds:schemaRefs>
 </ds:datastoreItem>
 </file>
--- a/Slides/Lecture10 - Apps part II.pptx
+++ b/Slides/Lecture10 - Apps part II.pptx
@@ -5,16 +5,20 @@
     <p:sldMasterId id="2147484082" r:id="rId4"/>
   </p:sldMasterIdLst>
   <p:notesMasterIdLst>
-    <p:notesMasterId r:id="rId9"/>
+    <p:notesMasterId r:id="rId13"/>
   </p:notesMasterIdLst>
   <p:handoutMasterIdLst>
-    <p:handoutMasterId r:id="rId10"/>
+    <p:handoutMasterId r:id="rId14"/>
   </p:handoutMasterIdLst>
   <p:sldIdLst>
     <p:sldId id="897" r:id="rId5"/>
     <p:sldId id="927" r:id="rId6"/>
-    <p:sldId id="928" r:id="rId7"/>
-    <p:sldId id="929" r:id="rId8"/>
+    <p:sldId id="930" r:id="rId7"/>
+    <p:sldId id="931" r:id="rId8"/>
+    <p:sldId id="928" r:id="rId9"/>
+    <p:sldId id="932" r:id="rId10"/>
+    <p:sldId id="933" r:id="rId11"/>
+    <p:sldId id="929" r:id="rId12"/>
   </p:sldIdLst>
   <p:sldSz cx="9326563" cy="6994525"/>
   <p:notesSz cx="6858000" cy="9144000"/>
@@ -120,7 +124,11 @@
           <p14:sldIdLst>
             <p14:sldId id="897"/>
             <p14:sldId id="927"/>
+            <p14:sldId id="930"/>
+            <p14:sldId id="931"/>
             <p14:sldId id="928"/>
+            <p14:sldId id="932"/>
+            <p14:sldId id="933"/>
             <p14:sldId id="929"/>
           </p14:sldIdLst>
         </p14:section>
@@ -340,7 +348,7 @@
               <a:rPr lang="en-US" smtClean="0">
                 <a:latin typeface="Segoe UI" pitchFamily="34" charset="0"/>
               </a:rPr>
-              <a:t>11/2/2017</a:t>
+              <a:t>11/14/2017</a:t>
             </a:fld>
             <a:endParaRPr lang="en-US" dirty="0">
               <a:latin typeface="Segoe UI" pitchFamily="34" charset="0"/>
@@ -663,7 +671,7 @@
             <a:fld id="{D51B1278-D92B-4AF3-A9C1-71DD298190CE}" type="datetimeFigureOut">
               <a:rPr lang="en-US" smtClean="0"/>
               <a:pPr/>
-              <a:t>11/2/2017</a:t>
+              <a:t>11/14/2017</a:t>
             </a:fld>
             <a:endParaRPr lang="en-US" dirty="0"/>
           </a:p>
@@ -1068,7 +1076,7 @@
           <a:p>
             <a:fld id="{23C664AC-E9A8-46F0-BB26-995D9E922CBA}" type="datetime1">
               <a:rPr lang="en-US" smtClean="0"/>
-              <a:t>11/2/2017</a:t>
+              <a:t>11/14/2017</a:t>
             </a:fld>
             <a:endParaRPr lang="en-US" dirty="0"/>
           </a:p>
@@ -1271,7 +1279,7 @@
           <a:p>
             <a:fld id="{C4F94B10-4342-40FC-AEC6-5C03AF201BA2}" type="datetime1">
               <a:rPr lang="en-US" smtClean="0"/>
-              <a:t>11/2/2017</a:t>
+              <a:t>11/14/2017</a:t>
             </a:fld>
             <a:endParaRPr lang="en-US" dirty="0"/>
           </a:p>
@@ -1472,9 +1480,9 @@
           <a:bodyPr/>
           <a:lstStyle/>
           <a:p>
-            <a:fld id="{CFA64FBE-D613-4251-8C47-A46D32E2625C}" type="datetime1">
+            <a:fld id="{39AB06BC-B772-4253-9B97-59D9DCD16D68}" type="datetime1">
               <a:rPr lang="en-US" smtClean="0"/>
-              <a:t>11/2/2017</a:t>
+              <a:t>11/14/2017</a:t>
             </a:fld>
             <a:endParaRPr lang="en-US" dirty="0"/>
           </a:p>
@@ -1507,7 +1515,7 @@
     </p:spTree>
     <p:extLst>
       <p:ext uri="{BB962C8B-B14F-4D97-AF65-F5344CB8AC3E}">
-        <p14:creationId xmlns:p14="http://schemas.microsoft.com/office/powerpoint/2010/main" val="4004411603"/>
+        <p14:creationId xmlns:p14="http://schemas.microsoft.com/office/powerpoint/2010/main" val="2085932017"/>
       </p:ext>
     </p:extLst>
   </p:cSld>
@@ -1675,9 +1683,9 @@
           <a:bodyPr/>
           <a:lstStyle/>
           <a:p>
-            <a:fld id="{664D81C8-F2DB-4680-BACD-87EC6828ADB5}" type="datetime1">
+            <a:fld id="{39AB06BC-B772-4253-9B97-59D9DCD16D68}" type="datetime1">
               <a:rPr lang="en-US" smtClean="0"/>
-              <a:t>11/2/2017</a:t>
+              <a:t>11/14/2017</a:t>
             </a:fld>
             <a:endParaRPr lang="en-US" dirty="0"/>
           </a:p>
@@ -1702,6 +1710,818 @@
               <a:rPr lang="en-US" smtClean="0"/>
               <a:pPr/>
               <a:t>4</a:t>
+            </a:fld>
+            <a:endParaRPr lang="en-US" dirty="0"/>
+          </a:p>
+        </p:txBody>
+      </p:sp>
+    </p:spTree>
+    <p:extLst>
+      <p:ext uri="{BB962C8B-B14F-4D97-AF65-F5344CB8AC3E}">
+        <p14:creationId xmlns:p14="http://schemas.microsoft.com/office/powerpoint/2010/main" val="3784537731"/>
+      </p:ext>
+    </p:extLst>
+  </p:cSld>
+  <p:clrMapOvr>
+    <a:masterClrMapping/>
+  </p:clrMapOvr>
+</p:notes>
+</file>
+
+<file path=ppt/notesSlides/notesSlide5.xml><?xml version="1.0" encoding="utf-8"?>
+<p:notes xmlns:a="http://schemas.openxmlformats.org/drawingml/2006/main" xmlns:r="http://schemas.openxmlformats.org/officeDocument/2006/relationships" xmlns:p="http://schemas.openxmlformats.org/presentationml/2006/main">
+  <p:cSld>
+    <p:spTree>
+      <p:nvGrpSpPr>
+        <p:cNvPr id="1" name=""/>
+        <p:cNvGrpSpPr/>
+        <p:nvPr/>
+      </p:nvGrpSpPr>
+      <p:grpSpPr>
+        <a:xfrm>
+          <a:off x="0" y="0"/>
+          <a:ext cx="0" cy="0"/>
+          <a:chOff x="0" y="0"/>
+          <a:chExt cx="0" cy="0"/>
+        </a:xfrm>
+      </p:grpSpPr>
+      <p:sp>
+        <p:nvSpPr>
+          <p:cNvPr id="2" name="Slide Image Placeholder 1"/>
+          <p:cNvSpPr>
+            <a:spLocks noGrp="1" noRot="1" noChangeAspect="1"/>
+          </p:cNvSpPr>
+          <p:nvPr>
+            <p:ph type="sldImg"/>
+          </p:nvPr>
+        </p:nvSpPr>
+        <p:spPr/>
+      </p:sp>
+      <p:sp>
+        <p:nvSpPr>
+          <p:cNvPr id="3" name="Notes Placeholder 2"/>
+          <p:cNvSpPr>
+            <a:spLocks noGrp="1"/>
+          </p:cNvSpPr>
+          <p:nvPr>
+            <p:ph type="body" idx="1"/>
+          </p:nvPr>
+        </p:nvSpPr>
+        <p:spPr/>
+        <p:txBody>
+          <a:bodyPr/>
+          <a:lstStyle/>
+          <a:p>
+            <a:endParaRPr lang="en-US"/>
+          </a:p>
+        </p:txBody>
+      </p:sp>
+      <p:sp>
+        <p:nvSpPr>
+          <p:cNvPr id="4" name="Header Placeholder 3"/>
+          <p:cNvSpPr>
+            <a:spLocks noGrp="1"/>
+          </p:cNvSpPr>
+          <p:nvPr>
+            <p:ph type="hdr" sz="quarter" idx="10"/>
+          </p:nvPr>
+        </p:nvSpPr>
+        <p:spPr/>
+        <p:txBody>
+          <a:bodyPr/>
+          <a:lstStyle/>
+          <a:p>
+            <a:endParaRPr lang="en-US" dirty="0"/>
+          </a:p>
+        </p:txBody>
+      </p:sp>
+      <p:sp>
+        <p:nvSpPr>
+          <p:cNvPr id="5" name="Footer Placeholder 4"/>
+          <p:cNvSpPr>
+            <a:spLocks noGrp="1"/>
+          </p:cNvSpPr>
+          <p:nvPr>
+            <p:ph type="ftr" sz="quarter" idx="11"/>
+          </p:nvPr>
+        </p:nvSpPr>
+        <p:spPr/>
+        <p:txBody>
+          <a:bodyPr/>
+          <a:lstStyle/>
+          <a:p>
+            <a:pPr defTabSz="914099" eaLnBrk="0" hangingPunct="0"/>
+            <a:r>
+              <a:rPr lang="en-US" sz="400">
+                <a:gradFill>
+                  <a:gsLst>
+                    <a:gs pos="0">
+                      <a:prstClr val="black"/>
+                    </a:gs>
+                    <a:gs pos="100000">
+                      <a:prstClr val="black"/>
+                    </a:gs>
+                  </a:gsLst>
+                  <a:lin ang="5400000" scaled="0"/>
+                </a:gradFill>
+                <a:latin typeface="Segoe UI" pitchFamily="34" charset="0"/>
+                <a:ea typeface="Segoe UI" pitchFamily="34" charset="0"/>
+                <a:cs typeface="Segoe UI" pitchFamily="34" charset="0"/>
+              </a:rPr>
+              <a:t>© 2012 Microsoft Corporation. All rights reserved. Microsoft, Windows, and other product names are or may be registered trademarks and/or trademarks in the U.S. and/or other countries.</a:t>
+            </a:r>
+          </a:p>
+          <a:p>
+            <a:pPr defTabSz="914099" eaLnBrk="0" hangingPunct="0"/>
+            <a:r>
+              <a:rPr lang="en-US" sz="400">
+                <a:gradFill>
+                  <a:gsLst>
+                    <a:gs pos="0">
+                      <a:prstClr val="black"/>
+                    </a:gs>
+                    <a:gs pos="100000">
+                      <a:prstClr val="black"/>
+                    </a:gs>
+                  </a:gsLst>
+                  <a:lin ang="5400000" scaled="0"/>
+                </a:gradFill>
+                <a:latin typeface="Segoe UI" pitchFamily="34" charset="0"/>
+                <a:ea typeface="Segoe UI" pitchFamily="34" charset="0"/>
+                <a:cs typeface="Segoe UI" pitchFamily="34" charset="0"/>
+              </a:rPr>
+              <a:t>The information herein is for informational purposes only and represents the current view of Microsoft Corporation as of the date of this presentation.  Because Microsoft must respond to changing market conditions, it should not be interpreted to be a commitment on the part of Microsoft, and Microsoft cannot guarantee the accuracy of any information provided after the date of this presentation.  MICROSOFT MAKES NO WARRANTIES, EXPRESS, IMPLIED OR STATUTORY, AS TO THE INFORMATION IN THIS PRESENTATION.</a:t>
+            </a:r>
+            <a:endParaRPr lang="en-US" sz="400" dirty="0">
+              <a:gradFill>
+                <a:gsLst>
+                  <a:gs pos="0">
+                    <a:prstClr val="black"/>
+                  </a:gs>
+                  <a:gs pos="100000">
+                    <a:prstClr val="black"/>
+                  </a:gs>
+                </a:gsLst>
+                <a:lin ang="5400000" scaled="0"/>
+              </a:gradFill>
+              <a:latin typeface="Segoe UI" pitchFamily="34" charset="0"/>
+              <a:ea typeface="Segoe UI" pitchFamily="34" charset="0"/>
+              <a:cs typeface="Segoe UI" pitchFamily="34" charset="0"/>
+            </a:endParaRPr>
+          </a:p>
+        </p:txBody>
+      </p:sp>
+      <p:sp>
+        <p:nvSpPr>
+          <p:cNvPr id="6" name="Date Placeholder 5"/>
+          <p:cNvSpPr>
+            <a:spLocks noGrp="1"/>
+          </p:cNvSpPr>
+          <p:nvPr>
+            <p:ph type="dt" idx="12"/>
+          </p:nvPr>
+        </p:nvSpPr>
+        <p:spPr/>
+        <p:txBody>
+          <a:bodyPr/>
+          <a:lstStyle/>
+          <a:p>
+            <a:fld id="{CFA64FBE-D613-4251-8C47-A46D32E2625C}" type="datetime1">
+              <a:rPr lang="en-US" smtClean="0"/>
+              <a:t>11/14/2017</a:t>
+            </a:fld>
+            <a:endParaRPr lang="en-US" dirty="0"/>
+          </a:p>
+        </p:txBody>
+      </p:sp>
+      <p:sp>
+        <p:nvSpPr>
+          <p:cNvPr id="7" name="Slide Number Placeholder 6"/>
+          <p:cNvSpPr>
+            <a:spLocks noGrp="1"/>
+          </p:cNvSpPr>
+          <p:nvPr>
+            <p:ph type="sldNum" sz="quarter" idx="13"/>
+          </p:nvPr>
+        </p:nvSpPr>
+        <p:spPr/>
+        <p:txBody>
+          <a:bodyPr/>
+          <a:lstStyle/>
+          <a:p>
+            <a:fld id="{B4008EB6-D09E-4580-8CD6-DDB14511944F}" type="slidenum">
+              <a:rPr lang="en-US" smtClean="0"/>
+              <a:pPr/>
+              <a:t>5</a:t>
+            </a:fld>
+            <a:endParaRPr lang="en-US" dirty="0"/>
+          </a:p>
+        </p:txBody>
+      </p:sp>
+    </p:spTree>
+    <p:extLst>
+      <p:ext uri="{BB962C8B-B14F-4D97-AF65-F5344CB8AC3E}">
+        <p14:creationId xmlns:p14="http://schemas.microsoft.com/office/powerpoint/2010/main" val="4004411603"/>
+      </p:ext>
+    </p:extLst>
+  </p:cSld>
+  <p:clrMapOvr>
+    <a:masterClrMapping/>
+  </p:clrMapOvr>
+</p:notes>
+</file>
+
+<file path=ppt/notesSlides/notesSlide6.xml><?xml version="1.0" encoding="utf-8"?>
+<p:notes xmlns:a="http://schemas.openxmlformats.org/drawingml/2006/main" xmlns:r="http://schemas.openxmlformats.org/officeDocument/2006/relationships" xmlns:p="http://schemas.openxmlformats.org/presentationml/2006/main">
+  <p:cSld>
+    <p:spTree>
+      <p:nvGrpSpPr>
+        <p:cNvPr id="1" name=""/>
+        <p:cNvGrpSpPr/>
+        <p:nvPr/>
+      </p:nvGrpSpPr>
+      <p:grpSpPr>
+        <a:xfrm>
+          <a:off x="0" y="0"/>
+          <a:ext cx="0" cy="0"/>
+          <a:chOff x="0" y="0"/>
+          <a:chExt cx="0" cy="0"/>
+        </a:xfrm>
+      </p:grpSpPr>
+      <p:sp>
+        <p:nvSpPr>
+          <p:cNvPr id="2" name="Slide Image Placeholder 1"/>
+          <p:cNvSpPr>
+            <a:spLocks noGrp="1" noRot="1" noChangeAspect="1"/>
+          </p:cNvSpPr>
+          <p:nvPr>
+            <p:ph type="sldImg"/>
+          </p:nvPr>
+        </p:nvSpPr>
+        <p:spPr/>
+      </p:sp>
+      <p:sp>
+        <p:nvSpPr>
+          <p:cNvPr id="3" name="Notes Placeholder 2"/>
+          <p:cNvSpPr>
+            <a:spLocks noGrp="1"/>
+          </p:cNvSpPr>
+          <p:nvPr>
+            <p:ph type="body" idx="1"/>
+          </p:nvPr>
+        </p:nvSpPr>
+        <p:spPr/>
+        <p:txBody>
+          <a:bodyPr/>
+          <a:lstStyle/>
+          <a:p>
+            <a:endParaRPr lang="en-US"/>
+          </a:p>
+        </p:txBody>
+      </p:sp>
+      <p:sp>
+        <p:nvSpPr>
+          <p:cNvPr id="4" name="Header Placeholder 3"/>
+          <p:cNvSpPr>
+            <a:spLocks noGrp="1"/>
+          </p:cNvSpPr>
+          <p:nvPr>
+            <p:ph type="hdr" sz="quarter" idx="10"/>
+          </p:nvPr>
+        </p:nvSpPr>
+        <p:spPr/>
+        <p:txBody>
+          <a:bodyPr/>
+          <a:lstStyle/>
+          <a:p>
+            <a:endParaRPr lang="en-US" dirty="0"/>
+          </a:p>
+        </p:txBody>
+      </p:sp>
+      <p:sp>
+        <p:nvSpPr>
+          <p:cNvPr id="5" name="Footer Placeholder 4"/>
+          <p:cNvSpPr>
+            <a:spLocks noGrp="1"/>
+          </p:cNvSpPr>
+          <p:nvPr>
+            <p:ph type="ftr" sz="quarter" idx="11"/>
+          </p:nvPr>
+        </p:nvSpPr>
+        <p:spPr/>
+        <p:txBody>
+          <a:bodyPr/>
+          <a:lstStyle/>
+          <a:p>
+            <a:pPr defTabSz="914099" eaLnBrk="0" hangingPunct="0"/>
+            <a:r>
+              <a:rPr lang="en-US" sz="400">
+                <a:gradFill>
+                  <a:gsLst>
+                    <a:gs pos="0">
+                      <a:prstClr val="black"/>
+                    </a:gs>
+                    <a:gs pos="100000">
+                      <a:prstClr val="black"/>
+                    </a:gs>
+                  </a:gsLst>
+                  <a:lin ang="5400000" scaled="0"/>
+                </a:gradFill>
+                <a:latin typeface="Segoe UI" pitchFamily="34" charset="0"/>
+                <a:ea typeface="Segoe UI" pitchFamily="34" charset="0"/>
+                <a:cs typeface="Segoe UI" pitchFamily="34" charset="0"/>
+              </a:rPr>
+              <a:t>© 2012 Microsoft Corporation. All rights reserved. Microsoft, Windows, and other product names are or may be registered trademarks and/or trademarks in the U.S. and/or other countries.</a:t>
+            </a:r>
+          </a:p>
+          <a:p>
+            <a:pPr defTabSz="914099" eaLnBrk="0" hangingPunct="0"/>
+            <a:r>
+              <a:rPr lang="en-US" sz="400">
+                <a:gradFill>
+                  <a:gsLst>
+                    <a:gs pos="0">
+                      <a:prstClr val="black"/>
+                    </a:gs>
+                    <a:gs pos="100000">
+                      <a:prstClr val="black"/>
+                    </a:gs>
+                  </a:gsLst>
+                  <a:lin ang="5400000" scaled="0"/>
+                </a:gradFill>
+                <a:latin typeface="Segoe UI" pitchFamily="34" charset="0"/>
+                <a:ea typeface="Segoe UI" pitchFamily="34" charset="0"/>
+                <a:cs typeface="Segoe UI" pitchFamily="34" charset="0"/>
+              </a:rPr>
+              <a:t>The information herein is for informational purposes only and represents the current view of Microsoft Corporation as of the date of this presentation.  Because Microsoft must respond to changing market conditions, it should not be interpreted to be a commitment on the part of Microsoft, and Microsoft cannot guarantee the accuracy of any information provided after the date of this presentation.  MICROSOFT MAKES NO WARRANTIES, EXPRESS, IMPLIED OR STATUTORY, AS TO THE INFORMATION IN THIS PRESENTATION.</a:t>
+            </a:r>
+            <a:endParaRPr lang="en-US" sz="400" dirty="0">
+              <a:gradFill>
+                <a:gsLst>
+                  <a:gs pos="0">
+                    <a:prstClr val="black"/>
+                  </a:gs>
+                  <a:gs pos="100000">
+                    <a:prstClr val="black"/>
+                  </a:gs>
+                </a:gsLst>
+                <a:lin ang="5400000" scaled="0"/>
+              </a:gradFill>
+              <a:latin typeface="Segoe UI" pitchFamily="34" charset="0"/>
+              <a:ea typeface="Segoe UI" pitchFamily="34" charset="0"/>
+              <a:cs typeface="Segoe UI" pitchFamily="34" charset="0"/>
+            </a:endParaRPr>
+          </a:p>
+        </p:txBody>
+      </p:sp>
+      <p:sp>
+        <p:nvSpPr>
+          <p:cNvPr id="6" name="Date Placeholder 5"/>
+          <p:cNvSpPr>
+            <a:spLocks noGrp="1"/>
+          </p:cNvSpPr>
+          <p:nvPr>
+            <p:ph type="dt" idx="12"/>
+          </p:nvPr>
+        </p:nvSpPr>
+        <p:spPr/>
+        <p:txBody>
+          <a:bodyPr/>
+          <a:lstStyle/>
+          <a:p>
+            <a:fld id="{53596968-992A-414E-8ED3-8C05A9EDAB51}" type="datetime1">
+              <a:rPr lang="en-US" smtClean="0"/>
+              <a:t>11/14/2017</a:t>
+            </a:fld>
+            <a:endParaRPr lang="en-US" dirty="0"/>
+          </a:p>
+        </p:txBody>
+      </p:sp>
+      <p:sp>
+        <p:nvSpPr>
+          <p:cNvPr id="7" name="Slide Number Placeholder 6"/>
+          <p:cNvSpPr>
+            <a:spLocks noGrp="1"/>
+          </p:cNvSpPr>
+          <p:nvPr>
+            <p:ph type="sldNum" sz="quarter" idx="13"/>
+          </p:nvPr>
+        </p:nvSpPr>
+        <p:spPr/>
+        <p:txBody>
+          <a:bodyPr/>
+          <a:lstStyle/>
+          <a:p>
+            <a:fld id="{B4008EB6-D09E-4580-8CD6-DDB14511944F}" type="slidenum">
+              <a:rPr lang="en-US" smtClean="0"/>
+              <a:pPr/>
+              <a:t>6</a:t>
+            </a:fld>
+            <a:endParaRPr lang="en-US" dirty="0"/>
+          </a:p>
+        </p:txBody>
+      </p:sp>
+    </p:spTree>
+    <p:extLst>
+      <p:ext uri="{BB962C8B-B14F-4D97-AF65-F5344CB8AC3E}">
+        <p14:creationId xmlns:p14="http://schemas.microsoft.com/office/powerpoint/2010/main" val="1444801613"/>
+      </p:ext>
+    </p:extLst>
+  </p:cSld>
+  <p:clrMapOvr>
+    <a:masterClrMapping/>
+  </p:clrMapOvr>
+</p:notes>
+</file>
+
+<file path=ppt/notesSlides/notesSlide7.xml><?xml version="1.0" encoding="utf-8"?>
+<p:notes xmlns:a="http://schemas.openxmlformats.org/drawingml/2006/main" xmlns:r="http://schemas.openxmlformats.org/officeDocument/2006/relationships" xmlns:p="http://schemas.openxmlformats.org/presentationml/2006/main">
+  <p:cSld>
+    <p:spTree>
+      <p:nvGrpSpPr>
+        <p:cNvPr id="1" name=""/>
+        <p:cNvGrpSpPr/>
+        <p:nvPr/>
+      </p:nvGrpSpPr>
+      <p:grpSpPr>
+        <a:xfrm>
+          <a:off x="0" y="0"/>
+          <a:ext cx="0" cy="0"/>
+          <a:chOff x="0" y="0"/>
+          <a:chExt cx="0" cy="0"/>
+        </a:xfrm>
+      </p:grpSpPr>
+      <p:sp>
+        <p:nvSpPr>
+          <p:cNvPr id="2" name="Slide Image Placeholder 1"/>
+          <p:cNvSpPr>
+            <a:spLocks noGrp="1" noRot="1" noChangeAspect="1"/>
+          </p:cNvSpPr>
+          <p:nvPr>
+            <p:ph type="sldImg"/>
+          </p:nvPr>
+        </p:nvSpPr>
+        <p:spPr/>
+      </p:sp>
+      <p:sp>
+        <p:nvSpPr>
+          <p:cNvPr id="3" name="Notes Placeholder 2"/>
+          <p:cNvSpPr>
+            <a:spLocks noGrp="1"/>
+          </p:cNvSpPr>
+          <p:nvPr>
+            <p:ph type="body" idx="1"/>
+          </p:nvPr>
+        </p:nvSpPr>
+        <p:spPr/>
+        <p:txBody>
+          <a:bodyPr/>
+          <a:lstStyle/>
+          <a:p>
+            <a:endParaRPr lang="en-US"/>
+          </a:p>
+        </p:txBody>
+      </p:sp>
+      <p:sp>
+        <p:nvSpPr>
+          <p:cNvPr id="4" name="Header Placeholder 3"/>
+          <p:cNvSpPr>
+            <a:spLocks noGrp="1"/>
+          </p:cNvSpPr>
+          <p:nvPr>
+            <p:ph type="hdr" sz="quarter" idx="10"/>
+          </p:nvPr>
+        </p:nvSpPr>
+        <p:spPr/>
+        <p:txBody>
+          <a:bodyPr/>
+          <a:lstStyle/>
+          <a:p>
+            <a:endParaRPr lang="en-US" dirty="0"/>
+          </a:p>
+        </p:txBody>
+      </p:sp>
+      <p:sp>
+        <p:nvSpPr>
+          <p:cNvPr id="5" name="Footer Placeholder 4"/>
+          <p:cNvSpPr>
+            <a:spLocks noGrp="1"/>
+          </p:cNvSpPr>
+          <p:nvPr>
+            <p:ph type="ftr" sz="quarter" idx="11"/>
+          </p:nvPr>
+        </p:nvSpPr>
+        <p:spPr/>
+        <p:txBody>
+          <a:bodyPr/>
+          <a:lstStyle/>
+          <a:p>
+            <a:pPr defTabSz="914099" eaLnBrk="0" hangingPunct="0"/>
+            <a:r>
+              <a:rPr lang="en-US" sz="400">
+                <a:gradFill>
+                  <a:gsLst>
+                    <a:gs pos="0">
+                      <a:prstClr val="black"/>
+                    </a:gs>
+                    <a:gs pos="100000">
+                      <a:prstClr val="black"/>
+                    </a:gs>
+                  </a:gsLst>
+                  <a:lin ang="5400000" scaled="0"/>
+                </a:gradFill>
+                <a:latin typeface="Segoe UI" pitchFamily="34" charset="0"/>
+                <a:ea typeface="Segoe UI" pitchFamily="34" charset="0"/>
+                <a:cs typeface="Segoe UI" pitchFamily="34" charset="0"/>
+              </a:rPr>
+              <a:t>© 2012 Microsoft Corporation. All rights reserved. Microsoft, Windows, and other product names are or may be registered trademarks and/or trademarks in the U.S. and/or other countries.</a:t>
+            </a:r>
+          </a:p>
+          <a:p>
+            <a:pPr defTabSz="914099" eaLnBrk="0" hangingPunct="0"/>
+            <a:r>
+              <a:rPr lang="en-US" sz="400">
+                <a:gradFill>
+                  <a:gsLst>
+                    <a:gs pos="0">
+                      <a:prstClr val="black"/>
+                    </a:gs>
+                    <a:gs pos="100000">
+                      <a:prstClr val="black"/>
+                    </a:gs>
+                  </a:gsLst>
+                  <a:lin ang="5400000" scaled="0"/>
+                </a:gradFill>
+                <a:latin typeface="Segoe UI" pitchFamily="34" charset="0"/>
+                <a:ea typeface="Segoe UI" pitchFamily="34" charset="0"/>
+                <a:cs typeface="Segoe UI" pitchFamily="34" charset="0"/>
+              </a:rPr>
+              <a:t>The information herein is for informational purposes only and represents the current view of Microsoft Corporation as of the date of this presentation.  Because Microsoft must respond to changing market conditions, it should not be interpreted to be a commitment on the part of Microsoft, and Microsoft cannot guarantee the accuracy of any information provided after the date of this presentation.  MICROSOFT MAKES NO WARRANTIES, EXPRESS, IMPLIED OR STATUTORY, AS TO THE INFORMATION IN THIS PRESENTATION.</a:t>
+            </a:r>
+            <a:endParaRPr lang="en-US" sz="400" dirty="0">
+              <a:gradFill>
+                <a:gsLst>
+                  <a:gs pos="0">
+                    <a:prstClr val="black"/>
+                  </a:gs>
+                  <a:gs pos="100000">
+                    <a:prstClr val="black"/>
+                  </a:gs>
+                </a:gsLst>
+                <a:lin ang="5400000" scaled="0"/>
+              </a:gradFill>
+              <a:latin typeface="Segoe UI" pitchFamily="34" charset="0"/>
+              <a:ea typeface="Segoe UI" pitchFamily="34" charset="0"/>
+              <a:cs typeface="Segoe UI" pitchFamily="34" charset="0"/>
+            </a:endParaRPr>
+          </a:p>
+        </p:txBody>
+      </p:sp>
+      <p:sp>
+        <p:nvSpPr>
+          <p:cNvPr id="6" name="Date Placeholder 5"/>
+          <p:cNvSpPr>
+            <a:spLocks noGrp="1"/>
+          </p:cNvSpPr>
+          <p:nvPr>
+            <p:ph type="dt" idx="12"/>
+          </p:nvPr>
+        </p:nvSpPr>
+        <p:spPr/>
+        <p:txBody>
+          <a:bodyPr/>
+          <a:lstStyle/>
+          <a:p>
+            <a:fld id="{53596968-992A-414E-8ED3-8C05A9EDAB51}" type="datetime1">
+              <a:rPr lang="en-US" smtClean="0"/>
+              <a:t>11/14/2017</a:t>
+            </a:fld>
+            <a:endParaRPr lang="en-US" dirty="0"/>
+          </a:p>
+        </p:txBody>
+      </p:sp>
+      <p:sp>
+        <p:nvSpPr>
+          <p:cNvPr id="7" name="Slide Number Placeholder 6"/>
+          <p:cNvSpPr>
+            <a:spLocks noGrp="1"/>
+          </p:cNvSpPr>
+          <p:nvPr>
+            <p:ph type="sldNum" sz="quarter" idx="13"/>
+          </p:nvPr>
+        </p:nvSpPr>
+        <p:spPr/>
+        <p:txBody>
+          <a:bodyPr/>
+          <a:lstStyle/>
+          <a:p>
+            <a:fld id="{B4008EB6-D09E-4580-8CD6-DDB14511944F}" type="slidenum">
+              <a:rPr lang="en-US" smtClean="0"/>
+              <a:pPr/>
+              <a:t>7</a:t>
+            </a:fld>
+            <a:endParaRPr lang="en-US" dirty="0"/>
+          </a:p>
+        </p:txBody>
+      </p:sp>
+    </p:spTree>
+    <p:extLst>
+      <p:ext uri="{BB962C8B-B14F-4D97-AF65-F5344CB8AC3E}">
+        <p14:creationId xmlns:p14="http://schemas.microsoft.com/office/powerpoint/2010/main" val="1008990937"/>
+      </p:ext>
+    </p:extLst>
+  </p:cSld>
+  <p:clrMapOvr>
+    <a:masterClrMapping/>
+  </p:clrMapOvr>
+</p:notes>
+</file>
+
+<file path=ppt/notesSlides/notesSlide8.xml><?xml version="1.0" encoding="utf-8"?>
+<p:notes xmlns:a="http://schemas.openxmlformats.org/drawingml/2006/main" xmlns:r="http://schemas.openxmlformats.org/officeDocument/2006/relationships" xmlns:p="http://schemas.openxmlformats.org/presentationml/2006/main">
+  <p:cSld>
+    <p:spTree>
+      <p:nvGrpSpPr>
+        <p:cNvPr id="1" name=""/>
+        <p:cNvGrpSpPr/>
+        <p:nvPr/>
+      </p:nvGrpSpPr>
+      <p:grpSpPr>
+        <a:xfrm>
+          <a:off x="0" y="0"/>
+          <a:ext cx="0" cy="0"/>
+          <a:chOff x="0" y="0"/>
+          <a:chExt cx="0" cy="0"/>
+        </a:xfrm>
+      </p:grpSpPr>
+      <p:sp>
+        <p:nvSpPr>
+          <p:cNvPr id="2" name="Slide Image Placeholder 1"/>
+          <p:cNvSpPr>
+            <a:spLocks noGrp="1" noRot="1" noChangeAspect="1"/>
+          </p:cNvSpPr>
+          <p:nvPr>
+            <p:ph type="sldImg"/>
+          </p:nvPr>
+        </p:nvSpPr>
+        <p:spPr/>
+      </p:sp>
+      <p:sp>
+        <p:nvSpPr>
+          <p:cNvPr id="3" name="Notes Placeholder 2"/>
+          <p:cNvSpPr>
+            <a:spLocks noGrp="1"/>
+          </p:cNvSpPr>
+          <p:nvPr>
+            <p:ph type="body" idx="1"/>
+          </p:nvPr>
+        </p:nvSpPr>
+        <p:spPr/>
+        <p:txBody>
+          <a:bodyPr/>
+          <a:lstStyle/>
+          <a:p>
+            <a:endParaRPr lang="en-US"/>
+          </a:p>
+        </p:txBody>
+      </p:sp>
+      <p:sp>
+        <p:nvSpPr>
+          <p:cNvPr id="4" name="Header Placeholder 3"/>
+          <p:cNvSpPr>
+            <a:spLocks noGrp="1"/>
+          </p:cNvSpPr>
+          <p:nvPr>
+            <p:ph type="hdr" sz="quarter" idx="10"/>
+          </p:nvPr>
+        </p:nvSpPr>
+        <p:spPr/>
+        <p:txBody>
+          <a:bodyPr/>
+          <a:lstStyle/>
+          <a:p>
+            <a:endParaRPr lang="en-US" dirty="0"/>
+          </a:p>
+        </p:txBody>
+      </p:sp>
+      <p:sp>
+        <p:nvSpPr>
+          <p:cNvPr id="5" name="Footer Placeholder 4"/>
+          <p:cNvSpPr>
+            <a:spLocks noGrp="1"/>
+          </p:cNvSpPr>
+          <p:nvPr>
+            <p:ph type="ftr" sz="quarter" idx="11"/>
+          </p:nvPr>
+        </p:nvSpPr>
+        <p:spPr/>
+        <p:txBody>
+          <a:bodyPr/>
+          <a:lstStyle/>
+          <a:p>
+            <a:pPr defTabSz="914099" eaLnBrk="0" hangingPunct="0"/>
+            <a:r>
+              <a:rPr lang="en-US" sz="400">
+                <a:gradFill>
+                  <a:gsLst>
+                    <a:gs pos="0">
+                      <a:prstClr val="black"/>
+                    </a:gs>
+                    <a:gs pos="100000">
+                      <a:prstClr val="black"/>
+                    </a:gs>
+                  </a:gsLst>
+                  <a:lin ang="5400000" scaled="0"/>
+                </a:gradFill>
+                <a:latin typeface="Segoe UI" pitchFamily="34" charset="0"/>
+                <a:ea typeface="Segoe UI" pitchFamily="34" charset="0"/>
+                <a:cs typeface="Segoe UI" pitchFamily="34" charset="0"/>
+              </a:rPr>
+              <a:t>© 2012 Microsoft Corporation. All rights reserved. Microsoft, Windows, and other product names are or may be registered trademarks and/or trademarks in the U.S. and/or other countries.</a:t>
+            </a:r>
+          </a:p>
+          <a:p>
+            <a:pPr defTabSz="914099" eaLnBrk="0" hangingPunct="0"/>
+            <a:r>
+              <a:rPr lang="en-US" sz="400">
+                <a:gradFill>
+                  <a:gsLst>
+                    <a:gs pos="0">
+                      <a:prstClr val="black"/>
+                    </a:gs>
+                    <a:gs pos="100000">
+                      <a:prstClr val="black"/>
+                    </a:gs>
+                  </a:gsLst>
+                  <a:lin ang="5400000" scaled="0"/>
+                </a:gradFill>
+                <a:latin typeface="Segoe UI" pitchFamily="34" charset="0"/>
+                <a:ea typeface="Segoe UI" pitchFamily="34" charset="0"/>
+                <a:cs typeface="Segoe UI" pitchFamily="34" charset="0"/>
+              </a:rPr>
+              <a:t>The information herein is for informational purposes only and represents the current view of Microsoft Corporation as of the date of this presentation.  Because Microsoft must respond to changing market conditions, it should not be interpreted to be a commitment on the part of Microsoft, and Microsoft cannot guarantee the accuracy of any information provided after the date of this presentation.  MICROSOFT MAKES NO WARRANTIES, EXPRESS, IMPLIED OR STATUTORY, AS TO THE INFORMATION IN THIS PRESENTATION.</a:t>
+            </a:r>
+            <a:endParaRPr lang="en-US" sz="400" dirty="0">
+              <a:gradFill>
+                <a:gsLst>
+                  <a:gs pos="0">
+                    <a:prstClr val="black"/>
+                  </a:gs>
+                  <a:gs pos="100000">
+                    <a:prstClr val="black"/>
+                  </a:gs>
+                </a:gsLst>
+                <a:lin ang="5400000" scaled="0"/>
+              </a:gradFill>
+              <a:latin typeface="Segoe UI" pitchFamily="34" charset="0"/>
+              <a:ea typeface="Segoe UI" pitchFamily="34" charset="0"/>
+              <a:cs typeface="Segoe UI" pitchFamily="34" charset="0"/>
+            </a:endParaRPr>
+          </a:p>
+        </p:txBody>
+      </p:sp>
+      <p:sp>
+        <p:nvSpPr>
+          <p:cNvPr id="6" name="Date Placeholder 5"/>
+          <p:cNvSpPr>
+            <a:spLocks noGrp="1"/>
+          </p:cNvSpPr>
+          <p:nvPr>
+            <p:ph type="dt" idx="12"/>
+          </p:nvPr>
+        </p:nvSpPr>
+        <p:spPr/>
+        <p:txBody>
+          <a:bodyPr/>
+          <a:lstStyle/>
+          <a:p>
+            <a:fld id="{664D81C8-F2DB-4680-BACD-87EC6828ADB5}" type="datetime1">
+              <a:rPr lang="en-US" smtClean="0"/>
+              <a:t>11/14/2017</a:t>
+            </a:fld>
+            <a:endParaRPr lang="en-US" dirty="0"/>
+          </a:p>
+        </p:txBody>
+      </p:sp>
+      <p:sp>
+        <p:nvSpPr>
+          <p:cNvPr id="7" name="Slide Number Placeholder 6"/>
+          <p:cNvSpPr>
+            <a:spLocks noGrp="1"/>
+          </p:cNvSpPr>
+          <p:nvPr>
+            <p:ph type="sldNum" sz="quarter" idx="13"/>
+          </p:nvPr>
+        </p:nvSpPr>
+        <p:spPr/>
+        <p:txBody>
+          <a:bodyPr/>
+          <a:lstStyle/>
+          <a:p>
+            <a:fld id="{B4008EB6-D09E-4580-8CD6-DDB14511944F}" type="slidenum">
+              <a:rPr lang="en-US" smtClean="0"/>
+              <a:pPr/>
+              <a:t>8</a:t>
             </a:fld>
             <a:endParaRPr lang="en-US" dirty="0"/>
           </a:p>
@@ -5482,7 +6302,7 @@
         <p:spPr>
           <a:xfrm>
             <a:off x="274209" y="1212850"/>
-            <a:ext cx="8778240" cy="5176802"/>
+            <a:ext cx="8778240" cy="4702826"/>
           </a:xfrm>
         </p:spPr>
         <p:txBody>
@@ -5555,17 +6375,15 @@
                   <a:schemeClr val="bg1"/>
                 </a:solidFill>
               </a:rPr>
-              <a:t> a REST API</a:t>
-            </a:r>
-          </a:p>
-          <a:p>
-            <a:r>
-              <a:rPr lang="da-DK" sz="2800" b="1" dirty="0" err="1">
-                <a:solidFill>
-                  <a:schemeClr val="bg1"/>
-                </a:solidFill>
-              </a:rPr>
-              <a:t>bson</a:t>
+              <a:t> a </a:t>
+            </a:r>
+            <a:r>
+              <a:rPr lang="da-DK">
+                <a:solidFill>
+                  <a:schemeClr val="bg1"/>
+                </a:solidFill>
+              </a:rPr>
+              <a:t>REST API</a:t>
             </a:r>
             <a:endParaRPr lang="da-DK" b="1" dirty="0">
               <a:solidFill>
@@ -5622,6 +6440,749 @@
 </file>
 
 <file path=ppt/slides/slide3.xml><?xml version="1.0" encoding="utf-8"?>
+<p:sld xmlns:a="http://schemas.openxmlformats.org/drawingml/2006/main" xmlns:r="http://schemas.openxmlformats.org/officeDocument/2006/relationships" xmlns:p="http://schemas.openxmlformats.org/presentationml/2006/main">
+  <p:cSld>
+    <p:bg>
+      <p:bgPr>
+        <a:solidFill>
+          <a:srgbClr val="002060"/>
+        </a:solidFill>
+        <a:effectLst/>
+      </p:bgPr>
+    </p:bg>
+    <p:spTree>
+      <p:nvGrpSpPr>
+        <p:cNvPr id="1" name=""/>
+        <p:cNvGrpSpPr/>
+        <p:nvPr/>
+      </p:nvGrpSpPr>
+      <p:grpSpPr>
+        <a:xfrm>
+          <a:off x="0" y="0"/>
+          <a:ext cx="0" cy="0"/>
+          <a:chOff x="0" y="0"/>
+          <a:chExt cx="0" cy="0"/>
+        </a:xfrm>
+      </p:grpSpPr>
+      <p:sp>
+        <p:nvSpPr>
+          <p:cNvPr id="2" name="Title 1">
+            <a:extLst>
+              <a:ext uri="{FF2B5EF4-FFF2-40B4-BE49-F238E27FC236}">
+                <a16:creationId xmlns:a16="http://schemas.microsoft.com/office/drawing/2014/main" id="{81FF1D69-B585-4BFA-862A-55AEEAF0CFE2}"/>
+              </a:ext>
+            </a:extLst>
+          </p:cNvPr>
+          <p:cNvSpPr>
+            <a:spLocks noGrp="1"/>
+          </p:cNvSpPr>
+          <p:nvPr>
+            <p:ph type="title"/>
+          </p:nvPr>
+        </p:nvSpPr>
+        <p:spPr/>
+        <p:txBody>
+          <a:bodyPr/>
+          <a:lstStyle/>
+          <a:p>
+            <a:r>
+              <a:rPr lang="en-US" dirty="0">
+                <a:solidFill>
+                  <a:schemeClr val="bg1"/>
+                </a:solidFill>
+              </a:rPr>
+              <a:t>Upgrade </a:t>
+            </a:r>
+            <a:r>
+              <a:rPr lang="en-US" dirty="0" err="1">
+                <a:solidFill>
+                  <a:schemeClr val="bg1"/>
+                </a:solidFill>
+              </a:rPr>
+              <a:t>Xamarin.Forms</a:t>
+            </a:r>
+            <a:r>
+              <a:rPr lang="en-US" dirty="0">
+                <a:solidFill>
+                  <a:schemeClr val="bg1"/>
+                </a:solidFill>
+              </a:rPr>
+              <a:t> I/II</a:t>
+            </a:r>
+          </a:p>
+        </p:txBody>
+      </p:sp>
+      <p:sp>
+        <p:nvSpPr>
+          <p:cNvPr id="3" name="Text Placeholder 2">
+            <a:extLst>
+              <a:ext uri="{FF2B5EF4-FFF2-40B4-BE49-F238E27FC236}">
+                <a16:creationId xmlns:a16="http://schemas.microsoft.com/office/drawing/2014/main" id="{DF0F47EB-20FB-4AA9-BDD5-47397F23E4AB}"/>
+              </a:ext>
+            </a:extLst>
+          </p:cNvPr>
+          <p:cNvSpPr>
+            <a:spLocks noGrp="1"/>
+          </p:cNvSpPr>
+          <p:nvPr>
+            <p:ph type="body" sz="quarter" idx="10"/>
+          </p:nvPr>
+        </p:nvSpPr>
+        <p:spPr>
+          <a:xfrm>
+            <a:off x="274209" y="1212850"/>
+            <a:ext cx="8778240" cy="683264"/>
+          </a:xfrm>
+        </p:spPr>
+        <p:txBody>
+          <a:bodyPr/>
+          <a:lstStyle/>
+          <a:p>
+            <a:r>
+              <a:rPr lang="en-US" dirty="0">
+                <a:solidFill>
+                  <a:schemeClr val="bg1"/>
+                </a:solidFill>
+              </a:rPr>
+              <a:t>Move from PCL to .NET Standard</a:t>
+            </a:r>
+          </a:p>
+        </p:txBody>
+      </p:sp>
+      <p:sp>
+        <p:nvSpPr>
+          <p:cNvPr id="4" name="Rectangle 3">
+            <a:extLst>
+              <a:ext uri="{FF2B5EF4-FFF2-40B4-BE49-F238E27FC236}">
+                <a16:creationId xmlns:a16="http://schemas.microsoft.com/office/drawing/2014/main" id="{0530E1AB-5794-4B34-98A9-9BEDC009E7DF}"/>
+              </a:ext>
+            </a:extLst>
+          </p:cNvPr>
+          <p:cNvSpPr/>
+          <p:nvPr/>
+        </p:nvSpPr>
+        <p:spPr>
+          <a:xfrm>
+            <a:off x="365648" y="2130425"/>
+            <a:ext cx="8229510" cy="4524315"/>
+          </a:xfrm>
+          <a:prstGeom prst="rect">
+            <a:avLst/>
+          </a:prstGeom>
+        </p:spPr>
+        <p:txBody>
+          <a:bodyPr wrap="square">
+            <a:spAutoFit/>
+          </a:bodyPr>
+          <a:lstStyle/>
+          <a:p>
+            <a:r>
+              <a:rPr lang="en-US" sz="3600" dirty="0">
+                <a:solidFill>
+                  <a:schemeClr val="bg1"/>
+                </a:solidFill>
+              </a:rPr>
+              <a:t>1. Close Visual Studio</a:t>
+            </a:r>
+          </a:p>
+          <a:p>
+            <a:r>
+              <a:rPr lang="en-US" sz="3600" dirty="0">
+                <a:solidFill>
+                  <a:schemeClr val="bg1"/>
+                </a:solidFill>
+              </a:rPr>
+              <a:t>2. Open folder with PCL project</a:t>
+            </a:r>
+          </a:p>
+          <a:p>
+            <a:r>
+              <a:rPr lang="en-US" sz="3600" dirty="0">
+                <a:solidFill>
+                  <a:schemeClr val="bg1"/>
+                </a:solidFill>
+              </a:rPr>
+              <a:t>3. Delete the following folders and files:</a:t>
+            </a:r>
+          </a:p>
+          <a:p>
+            <a:r>
+              <a:rPr lang="en-US" sz="3600" dirty="0">
+                <a:solidFill>
+                  <a:schemeClr val="bg1"/>
+                </a:solidFill>
+              </a:rPr>
+              <a:t>   - bin</a:t>
+            </a:r>
+          </a:p>
+          <a:p>
+            <a:r>
+              <a:rPr lang="en-US" sz="3600" dirty="0">
+                <a:solidFill>
+                  <a:schemeClr val="bg1"/>
+                </a:solidFill>
+              </a:rPr>
+              <a:t>   - </a:t>
+            </a:r>
+            <a:r>
+              <a:rPr lang="en-US" sz="3600" dirty="0" err="1">
+                <a:solidFill>
+                  <a:schemeClr val="bg1"/>
+                </a:solidFill>
+              </a:rPr>
+              <a:t>obj</a:t>
+            </a:r>
+            <a:endParaRPr lang="en-US" sz="3600" dirty="0">
+              <a:solidFill>
+                <a:schemeClr val="bg1"/>
+              </a:solidFill>
+            </a:endParaRPr>
+          </a:p>
+          <a:p>
+            <a:r>
+              <a:rPr lang="en-US" sz="3600" dirty="0">
+                <a:solidFill>
+                  <a:schemeClr val="bg1"/>
+                </a:solidFill>
+              </a:rPr>
+              <a:t>   - Properties</a:t>
+            </a:r>
+          </a:p>
+          <a:p>
+            <a:r>
+              <a:rPr lang="en-US" sz="3600" dirty="0">
+                <a:solidFill>
+                  <a:schemeClr val="bg1"/>
+                </a:solidFill>
+              </a:rPr>
+              <a:t>   - </a:t>
+            </a:r>
+            <a:r>
+              <a:rPr lang="en-US" sz="3600" dirty="0" err="1">
+                <a:solidFill>
+                  <a:schemeClr val="bg1"/>
+                </a:solidFill>
+              </a:rPr>
+              <a:t>packages.config</a:t>
+            </a:r>
+            <a:endParaRPr lang="en-US" sz="3600" dirty="0">
+              <a:solidFill>
+                <a:schemeClr val="bg1"/>
+              </a:solidFill>
+            </a:endParaRPr>
+          </a:p>
+          <a:p>
+            <a:endParaRPr lang="en-US" sz="3600" dirty="0">
+              <a:solidFill>
+                <a:schemeClr val="bg1"/>
+              </a:solidFill>
+            </a:endParaRPr>
+          </a:p>
+        </p:txBody>
+      </p:sp>
+    </p:spTree>
+    <p:extLst>
+      <p:ext uri="{BB962C8B-B14F-4D97-AF65-F5344CB8AC3E}">
+        <p14:creationId xmlns:p14="http://schemas.microsoft.com/office/powerpoint/2010/main" val="80049831"/>
+      </p:ext>
+    </p:extLst>
+  </p:cSld>
+  <p:clrMapOvr>
+    <a:masterClrMapping/>
+  </p:clrMapOvr>
+  <p:transition>
+    <p:fade/>
+  </p:transition>
+</p:sld>
+</file>
+
+<file path=ppt/slides/slide4.xml><?xml version="1.0" encoding="utf-8"?>
+<p:sld xmlns:a="http://schemas.openxmlformats.org/drawingml/2006/main" xmlns:r="http://schemas.openxmlformats.org/officeDocument/2006/relationships" xmlns:p="http://schemas.openxmlformats.org/presentationml/2006/main">
+  <p:cSld>
+    <p:bg>
+      <p:bgPr>
+        <a:solidFill>
+          <a:srgbClr val="002060"/>
+        </a:solidFill>
+        <a:effectLst/>
+      </p:bgPr>
+    </p:bg>
+    <p:spTree>
+      <p:nvGrpSpPr>
+        <p:cNvPr id="1" name=""/>
+        <p:cNvGrpSpPr/>
+        <p:nvPr/>
+      </p:nvGrpSpPr>
+      <p:grpSpPr>
+        <a:xfrm>
+          <a:off x="0" y="0"/>
+          <a:ext cx="0" cy="0"/>
+          <a:chOff x="0" y="0"/>
+          <a:chExt cx="0" cy="0"/>
+        </a:xfrm>
+      </p:grpSpPr>
+      <p:sp>
+        <p:nvSpPr>
+          <p:cNvPr id="2" name="Title 1">
+            <a:extLst>
+              <a:ext uri="{FF2B5EF4-FFF2-40B4-BE49-F238E27FC236}">
+                <a16:creationId xmlns:a16="http://schemas.microsoft.com/office/drawing/2014/main" id="{81FF1D69-B585-4BFA-862A-55AEEAF0CFE2}"/>
+              </a:ext>
+            </a:extLst>
+          </p:cNvPr>
+          <p:cNvSpPr>
+            <a:spLocks noGrp="1"/>
+          </p:cNvSpPr>
+          <p:nvPr>
+            <p:ph type="title"/>
+          </p:nvPr>
+        </p:nvSpPr>
+        <p:spPr/>
+        <p:txBody>
+          <a:bodyPr/>
+          <a:lstStyle/>
+          <a:p>
+            <a:r>
+              <a:rPr lang="en-US" dirty="0">
+                <a:solidFill>
+                  <a:schemeClr val="bg1"/>
+                </a:solidFill>
+              </a:rPr>
+              <a:t>Upgrade </a:t>
+            </a:r>
+            <a:r>
+              <a:rPr lang="en-US" dirty="0" err="1">
+                <a:solidFill>
+                  <a:schemeClr val="bg1"/>
+                </a:solidFill>
+              </a:rPr>
+              <a:t>Xamarin.Forms</a:t>
+            </a:r>
+            <a:r>
+              <a:rPr lang="en-US" dirty="0">
+                <a:solidFill>
+                  <a:schemeClr val="bg1"/>
+                </a:solidFill>
+              </a:rPr>
+              <a:t> I/II</a:t>
+            </a:r>
+          </a:p>
+        </p:txBody>
+      </p:sp>
+      <p:sp>
+        <p:nvSpPr>
+          <p:cNvPr id="4" name="Rectangle 3">
+            <a:extLst>
+              <a:ext uri="{FF2B5EF4-FFF2-40B4-BE49-F238E27FC236}">
+                <a16:creationId xmlns:a16="http://schemas.microsoft.com/office/drawing/2014/main" id="{0530E1AB-5794-4B34-98A9-9BEDC009E7DF}"/>
+              </a:ext>
+            </a:extLst>
+          </p:cNvPr>
+          <p:cNvSpPr/>
+          <p:nvPr/>
+        </p:nvSpPr>
+        <p:spPr>
+          <a:xfrm>
+            <a:off x="365647" y="1394165"/>
+            <a:ext cx="8778875" cy="5078313"/>
+          </a:xfrm>
+          <a:prstGeom prst="rect">
+            <a:avLst/>
+          </a:prstGeom>
+        </p:spPr>
+        <p:txBody>
+          <a:bodyPr wrap="square">
+            <a:spAutoFit/>
+          </a:bodyPr>
+          <a:lstStyle/>
+          <a:p>
+            <a:r>
+              <a:rPr lang="en-US" sz="2400" dirty="0">
+                <a:solidFill>
+                  <a:schemeClr val="bg1"/>
+                </a:solidFill>
+              </a:rPr>
+              <a:t>4. Open the .</a:t>
+            </a:r>
+            <a:r>
+              <a:rPr lang="en-US" sz="2400" dirty="0" err="1">
+                <a:solidFill>
+                  <a:schemeClr val="bg1"/>
+                </a:solidFill>
+              </a:rPr>
+              <a:t>csproj</a:t>
+            </a:r>
+            <a:r>
+              <a:rPr lang="en-US" sz="2400" dirty="0">
+                <a:solidFill>
+                  <a:schemeClr val="bg1"/>
+                </a:solidFill>
+              </a:rPr>
+              <a:t> file and replace the contents with:</a:t>
+            </a:r>
+          </a:p>
+          <a:p>
+            <a:r>
+              <a:rPr lang="en-US" dirty="0">
+                <a:solidFill>
+                  <a:schemeClr val="bg1"/>
+                </a:solidFill>
+              </a:rPr>
+              <a:t>   </a:t>
+            </a:r>
+          </a:p>
+          <a:p>
+            <a:r>
+              <a:rPr lang="en-US" dirty="0">
+                <a:solidFill>
+                  <a:schemeClr val="bg1"/>
+                </a:solidFill>
+                <a:latin typeface="Consolas" panose="020B0609020204030204" pitchFamily="49" charset="0"/>
+              </a:rPr>
+              <a:t>  &lt;Project </a:t>
+            </a:r>
+            <a:r>
+              <a:rPr lang="en-US" dirty="0" err="1">
+                <a:solidFill>
+                  <a:schemeClr val="bg1"/>
+                </a:solidFill>
+                <a:latin typeface="Consolas" panose="020B0609020204030204" pitchFamily="49" charset="0"/>
+              </a:rPr>
+              <a:t>Sdk</a:t>
+            </a:r>
+            <a:r>
+              <a:rPr lang="en-US" dirty="0">
+                <a:solidFill>
+                  <a:schemeClr val="bg1"/>
+                </a:solidFill>
+                <a:latin typeface="Consolas" panose="020B0609020204030204" pitchFamily="49" charset="0"/>
+              </a:rPr>
+              <a:t>="</a:t>
+            </a:r>
+            <a:r>
+              <a:rPr lang="en-US" dirty="0" err="1">
+                <a:solidFill>
+                  <a:schemeClr val="bg1"/>
+                </a:solidFill>
+                <a:latin typeface="Consolas" panose="020B0609020204030204" pitchFamily="49" charset="0"/>
+              </a:rPr>
+              <a:t>Microsoft.NET.Sdk</a:t>
+            </a:r>
+            <a:r>
+              <a:rPr lang="en-US" dirty="0">
+                <a:solidFill>
+                  <a:schemeClr val="bg1"/>
+                </a:solidFill>
+                <a:latin typeface="Consolas" panose="020B0609020204030204" pitchFamily="49" charset="0"/>
+              </a:rPr>
+              <a:t>"&gt;</a:t>
+            </a:r>
+          </a:p>
+          <a:p>
+            <a:endParaRPr lang="en-US" dirty="0">
+              <a:solidFill>
+                <a:schemeClr val="bg1"/>
+              </a:solidFill>
+              <a:latin typeface="Consolas" panose="020B0609020204030204" pitchFamily="49" charset="0"/>
+            </a:endParaRPr>
+          </a:p>
+          <a:p>
+            <a:r>
+              <a:rPr lang="en-US" dirty="0">
+                <a:solidFill>
+                  <a:schemeClr val="bg1"/>
+                </a:solidFill>
+                <a:latin typeface="Consolas" panose="020B0609020204030204" pitchFamily="49" charset="0"/>
+              </a:rPr>
+              <a:t>    &lt;</a:t>
+            </a:r>
+            <a:r>
+              <a:rPr lang="en-US" dirty="0" err="1">
+                <a:solidFill>
+                  <a:schemeClr val="bg1"/>
+                </a:solidFill>
+                <a:latin typeface="Consolas" panose="020B0609020204030204" pitchFamily="49" charset="0"/>
+              </a:rPr>
+              <a:t>PropertyGroup</a:t>
+            </a:r>
+            <a:r>
+              <a:rPr lang="en-US" dirty="0">
+                <a:solidFill>
+                  <a:schemeClr val="bg1"/>
+                </a:solidFill>
+                <a:latin typeface="Consolas" panose="020B0609020204030204" pitchFamily="49" charset="0"/>
+              </a:rPr>
+              <a:t>&gt;</a:t>
+            </a:r>
+          </a:p>
+          <a:p>
+            <a:r>
+              <a:rPr lang="en-US" dirty="0">
+                <a:solidFill>
+                  <a:schemeClr val="bg1"/>
+                </a:solidFill>
+                <a:latin typeface="Consolas" panose="020B0609020204030204" pitchFamily="49" charset="0"/>
+              </a:rPr>
+              <a:t>      &lt;</a:t>
+            </a:r>
+            <a:r>
+              <a:rPr lang="en-US" dirty="0" err="1">
+                <a:solidFill>
+                  <a:schemeClr val="bg1"/>
+                </a:solidFill>
+                <a:latin typeface="Consolas" panose="020B0609020204030204" pitchFamily="49" charset="0"/>
+              </a:rPr>
+              <a:t>TargetFramework</a:t>
+            </a:r>
+            <a:r>
+              <a:rPr lang="en-US" dirty="0">
+                <a:solidFill>
+                  <a:schemeClr val="bg1"/>
+                </a:solidFill>
+                <a:latin typeface="Consolas" panose="020B0609020204030204" pitchFamily="49" charset="0"/>
+              </a:rPr>
+              <a:t>&gt;netstandard2.0&lt;/</a:t>
+            </a:r>
+            <a:r>
+              <a:rPr lang="en-US" dirty="0" err="1">
+                <a:solidFill>
+                  <a:schemeClr val="bg1"/>
+                </a:solidFill>
+                <a:latin typeface="Consolas" panose="020B0609020204030204" pitchFamily="49" charset="0"/>
+              </a:rPr>
+              <a:t>TargetFramework</a:t>
+            </a:r>
+            <a:r>
+              <a:rPr lang="en-US" dirty="0">
+                <a:solidFill>
+                  <a:schemeClr val="bg1"/>
+                </a:solidFill>
+                <a:latin typeface="Consolas" panose="020B0609020204030204" pitchFamily="49" charset="0"/>
+              </a:rPr>
+              <a:t>&gt;</a:t>
+            </a:r>
+          </a:p>
+          <a:p>
+            <a:r>
+              <a:rPr lang="en-US" dirty="0">
+                <a:solidFill>
+                  <a:schemeClr val="bg1"/>
+                </a:solidFill>
+                <a:latin typeface="Consolas" panose="020B0609020204030204" pitchFamily="49" charset="0"/>
+              </a:rPr>
+              <a:t>    &lt;/</a:t>
+            </a:r>
+            <a:r>
+              <a:rPr lang="en-US" dirty="0" err="1">
+                <a:solidFill>
+                  <a:schemeClr val="bg1"/>
+                </a:solidFill>
+                <a:latin typeface="Consolas" panose="020B0609020204030204" pitchFamily="49" charset="0"/>
+              </a:rPr>
+              <a:t>PropertyGroup</a:t>
+            </a:r>
+            <a:r>
+              <a:rPr lang="en-US" dirty="0">
+                <a:solidFill>
+                  <a:schemeClr val="bg1"/>
+                </a:solidFill>
+                <a:latin typeface="Consolas" panose="020B0609020204030204" pitchFamily="49" charset="0"/>
+              </a:rPr>
+              <a:t>&gt;</a:t>
+            </a:r>
+          </a:p>
+          <a:p>
+            <a:endParaRPr lang="en-US" dirty="0">
+              <a:solidFill>
+                <a:schemeClr val="bg1"/>
+              </a:solidFill>
+              <a:latin typeface="Consolas" panose="020B0609020204030204" pitchFamily="49" charset="0"/>
+            </a:endParaRPr>
+          </a:p>
+          <a:p>
+            <a:r>
+              <a:rPr lang="en-US" dirty="0">
+                <a:solidFill>
+                  <a:schemeClr val="bg1"/>
+                </a:solidFill>
+                <a:latin typeface="Consolas" panose="020B0609020204030204" pitchFamily="49" charset="0"/>
+              </a:rPr>
+              <a:t>    &lt;</a:t>
+            </a:r>
+            <a:r>
+              <a:rPr lang="en-US" dirty="0" err="1">
+                <a:solidFill>
+                  <a:schemeClr val="bg1"/>
+                </a:solidFill>
+                <a:latin typeface="Consolas" panose="020B0609020204030204" pitchFamily="49" charset="0"/>
+              </a:rPr>
+              <a:t>ItemGroup</a:t>
+            </a:r>
+            <a:r>
+              <a:rPr lang="en-US" dirty="0">
+                <a:solidFill>
+                  <a:schemeClr val="bg1"/>
+                </a:solidFill>
+                <a:latin typeface="Consolas" panose="020B0609020204030204" pitchFamily="49" charset="0"/>
+              </a:rPr>
+              <a:t>&gt;</a:t>
+            </a:r>
+          </a:p>
+          <a:p>
+            <a:r>
+              <a:rPr lang="en-US" dirty="0">
+                <a:solidFill>
+                  <a:schemeClr val="bg1"/>
+                </a:solidFill>
+                <a:latin typeface="Consolas" panose="020B0609020204030204" pitchFamily="49" charset="0"/>
+              </a:rPr>
+              <a:t>      &lt;</a:t>
+            </a:r>
+            <a:r>
+              <a:rPr lang="en-US" dirty="0" err="1">
+                <a:solidFill>
+                  <a:schemeClr val="bg1"/>
+                </a:solidFill>
+                <a:latin typeface="Consolas" panose="020B0609020204030204" pitchFamily="49" charset="0"/>
+              </a:rPr>
+              <a:t>PackageReference</a:t>
+            </a:r>
+            <a:r>
+              <a:rPr lang="en-US" dirty="0">
+                <a:solidFill>
+                  <a:schemeClr val="bg1"/>
+                </a:solidFill>
+                <a:latin typeface="Consolas" panose="020B0609020204030204" pitchFamily="49" charset="0"/>
+              </a:rPr>
+              <a:t> Include="</a:t>
+            </a:r>
+            <a:r>
+              <a:rPr lang="en-US" dirty="0" err="1">
+                <a:solidFill>
+                  <a:schemeClr val="bg1"/>
+                </a:solidFill>
+                <a:latin typeface="Consolas" panose="020B0609020204030204" pitchFamily="49" charset="0"/>
+              </a:rPr>
+              <a:t>Xamarin.Forms</a:t>
+            </a:r>
+            <a:r>
+              <a:rPr lang="en-US" dirty="0">
+                <a:solidFill>
+                  <a:schemeClr val="bg1"/>
+                </a:solidFill>
+                <a:latin typeface="Consolas" panose="020B0609020204030204" pitchFamily="49" charset="0"/>
+              </a:rPr>
+              <a:t>“                         </a:t>
+            </a:r>
+          </a:p>
+          <a:p>
+            <a:r>
+              <a:rPr lang="en-US" dirty="0">
+                <a:solidFill>
+                  <a:schemeClr val="bg1"/>
+                </a:solidFill>
+                <a:latin typeface="Consolas" panose="020B0609020204030204" pitchFamily="49" charset="0"/>
+              </a:rPr>
+              <a:t>                        Version="2.4.0.74863" /&gt;</a:t>
+            </a:r>
+          </a:p>
+          <a:p>
+            <a:r>
+              <a:rPr lang="en-US" dirty="0">
+                <a:solidFill>
+                  <a:schemeClr val="bg1"/>
+                </a:solidFill>
+                <a:latin typeface="Consolas" panose="020B0609020204030204" pitchFamily="49" charset="0"/>
+              </a:rPr>
+              <a:t>    &lt;/</a:t>
+            </a:r>
+            <a:r>
+              <a:rPr lang="en-US" dirty="0" err="1">
+                <a:solidFill>
+                  <a:schemeClr val="bg1"/>
+                </a:solidFill>
+                <a:latin typeface="Consolas" panose="020B0609020204030204" pitchFamily="49" charset="0"/>
+              </a:rPr>
+              <a:t>ItemGroup</a:t>
+            </a:r>
+            <a:r>
+              <a:rPr lang="en-US" dirty="0">
+                <a:solidFill>
+                  <a:schemeClr val="bg1"/>
+                </a:solidFill>
+                <a:latin typeface="Consolas" panose="020B0609020204030204" pitchFamily="49" charset="0"/>
+              </a:rPr>
+              <a:t>&gt;</a:t>
+            </a:r>
+          </a:p>
+          <a:p>
+            <a:endParaRPr lang="en-US" dirty="0">
+              <a:solidFill>
+                <a:schemeClr val="bg1"/>
+              </a:solidFill>
+              <a:latin typeface="Consolas" panose="020B0609020204030204" pitchFamily="49" charset="0"/>
+            </a:endParaRPr>
+          </a:p>
+          <a:p>
+            <a:r>
+              <a:rPr lang="en-US" dirty="0">
+                <a:solidFill>
+                  <a:schemeClr val="bg1"/>
+                </a:solidFill>
+                <a:latin typeface="Consolas" panose="020B0609020204030204" pitchFamily="49" charset="0"/>
+              </a:rPr>
+              <a:t>  &lt;/Project&gt;</a:t>
+            </a:r>
+          </a:p>
+          <a:p>
+            <a:r>
+              <a:rPr lang="en-US" dirty="0">
+                <a:solidFill>
+                  <a:schemeClr val="bg1"/>
+                </a:solidFill>
+              </a:rPr>
+              <a:t>    </a:t>
+            </a:r>
+          </a:p>
+          <a:p>
+            <a:r>
+              <a:rPr lang="en-US" sz="2400" dirty="0">
+                <a:solidFill>
+                  <a:schemeClr val="bg1"/>
+                </a:solidFill>
+              </a:rPr>
+              <a:t>5. Open Visual Studio</a:t>
+            </a:r>
+          </a:p>
+          <a:p>
+            <a:r>
+              <a:rPr lang="en-US" sz="2400" dirty="0">
+                <a:solidFill>
+                  <a:schemeClr val="bg1"/>
+                </a:solidFill>
+              </a:rPr>
+              <a:t>6. Update packages and build</a:t>
+            </a:r>
+          </a:p>
+        </p:txBody>
+      </p:sp>
+    </p:spTree>
+    <p:extLst>
+      <p:ext uri="{BB962C8B-B14F-4D97-AF65-F5344CB8AC3E}">
+        <p14:creationId xmlns:p14="http://schemas.microsoft.com/office/powerpoint/2010/main" val="1528964979"/>
+      </p:ext>
+    </p:extLst>
+  </p:cSld>
+  <p:clrMapOvr>
+    <a:masterClrMapping/>
+  </p:clrMapOvr>
+  <p:transition>
+    <p:fade/>
+  </p:transition>
+</p:sld>
+</file>
+
+<file path=ppt/slides/slide5.xml><?xml version="1.0" encoding="utf-8"?>
 <p:sld xmlns:a="http://schemas.openxmlformats.org/drawingml/2006/main" xmlns:r="http://schemas.openxmlformats.org/officeDocument/2006/relationships" xmlns:p="http://schemas.openxmlformats.org/presentationml/2006/main">
   <p:cSld>
     <p:bg>
@@ -5707,7 +7268,7 @@
                   <a:schemeClr val="bg1"/>
                 </a:solidFill>
               </a:rPr>
-              <a:t>1 December 2016</a:t>
+              <a:t>23 November 2017</a:t>
             </a:r>
           </a:p>
           <a:p>
@@ -5801,7 +7362,852 @@
 </p:sld>
 </file>
 
-<file path=ppt/slides/slide4.xml><?xml version="1.0" encoding="utf-8"?>
+<file path=ppt/slides/slide6.xml><?xml version="1.0" encoding="utf-8"?>
+<p:sld xmlns:a="http://schemas.openxmlformats.org/drawingml/2006/main" xmlns:r="http://schemas.openxmlformats.org/officeDocument/2006/relationships" xmlns:p="http://schemas.openxmlformats.org/presentationml/2006/main">
+  <p:cSld>
+    <p:bg>
+      <p:bgPr>
+        <a:solidFill>
+          <a:srgbClr val="007233"/>
+        </a:solidFill>
+        <a:effectLst/>
+      </p:bgPr>
+    </p:bg>
+    <p:spTree>
+      <p:nvGrpSpPr>
+        <p:cNvPr id="1" name=""/>
+        <p:cNvGrpSpPr/>
+        <p:nvPr/>
+      </p:nvGrpSpPr>
+      <p:grpSpPr>
+        <a:xfrm>
+          <a:off x="0" y="0"/>
+          <a:ext cx="0" cy="0"/>
+          <a:chOff x="0" y="0"/>
+          <a:chExt cx="0" cy="0"/>
+        </a:xfrm>
+      </p:grpSpPr>
+      <p:sp>
+        <p:nvSpPr>
+          <p:cNvPr id="2" name="Title 1">
+            <a:extLst>
+              <a:ext uri="{FF2B5EF4-FFF2-40B4-BE49-F238E27FC236}">
+                <a16:creationId xmlns:a16="http://schemas.microsoft.com/office/drawing/2014/main" id="{872A787B-93B2-4072-91D2-2213BEEBBCF3}"/>
+              </a:ext>
+            </a:extLst>
+          </p:cNvPr>
+          <p:cNvSpPr>
+            <a:spLocks noGrp="1"/>
+          </p:cNvSpPr>
+          <p:nvPr>
+            <p:ph type="title"/>
+          </p:nvPr>
+        </p:nvSpPr>
+        <p:spPr/>
+        <p:txBody>
+          <a:bodyPr/>
+          <a:lstStyle/>
+          <a:p>
+            <a:r>
+              <a:rPr lang="en-US" dirty="0">
+                <a:solidFill>
+                  <a:schemeClr val="bg1"/>
+                </a:solidFill>
+              </a:rPr>
+              <a:t>Swagger I/II</a:t>
+            </a:r>
+          </a:p>
+        </p:txBody>
+      </p:sp>
+      <p:sp>
+        <p:nvSpPr>
+          <p:cNvPr id="3" name="Text Placeholder 2">
+            <a:extLst>
+              <a:ext uri="{FF2B5EF4-FFF2-40B4-BE49-F238E27FC236}">
+                <a16:creationId xmlns:a16="http://schemas.microsoft.com/office/drawing/2014/main" id="{97ADE499-75F6-49F0-8F6D-8C18236064EC}"/>
+              </a:ext>
+            </a:extLst>
+          </p:cNvPr>
+          <p:cNvSpPr>
+            <a:spLocks noGrp="1"/>
+          </p:cNvSpPr>
+          <p:nvPr>
+            <p:ph type="body" sz="quarter" idx="10"/>
+          </p:nvPr>
+        </p:nvSpPr>
+        <p:spPr>
+          <a:xfrm>
+            <a:off x="274209" y="1212850"/>
+            <a:ext cx="8778240" cy="5139869"/>
+          </a:xfrm>
+        </p:spPr>
+        <p:txBody>
+          <a:bodyPr/>
+          <a:lstStyle/>
+          <a:p>
+            <a:r>
+              <a:rPr lang="en-US" sz="2000" dirty="0">
+                <a:solidFill>
+                  <a:schemeClr val="bg1"/>
+                </a:solidFill>
+                <a:latin typeface="Consolas" panose="020B0609020204030204" pitchFamily="49" charset="0"/>
+              </a:rPr>
+              <a:t>PS&gt; Install-Package </a:t>
+            </a:r>
+            <a:r>
+              <a:rPr lang="en-US" sz="2000" dirty="0" err="1">
+                <a:solidFill>
+                  <a:schemeClr val="bg1"/>
+                </a:solidFill>
+                <a:latin typeface="Consolas" panose="020B0609020204030204" pitchFamily="49" charset="0"/>
+              </a:rPr>
+              <a:t>Swashbuckle.AspNetCore</a:t>
+            </a:r>
+            <a:endParaRPr lang="en-US" sz="2000" dirty="0">
+              <a:solidFill>
+                <a:schemeClr val="bg1"/>
+              </a:solidFill>
+              <a:latin typeface="Consolas" panose="020B0609020204030204" pitchFamily="49" charset="0"/>
+            </a:endParaRPr>
+          </a:p>
+          <a:p>
+            <a:endParaRPr lang="en-US" sz="2000" dirty="0">
+              <a:solidFill>
+                <a:schemeClr val="bg1"/>
+              </a:solidFill>
+              <a:latin typeface="Consolas" panose="020B0609020204030204" pitchFamily="49" charset="0"/>
+            </a:endParaRPr>
+          </a:p>
+          <a:p>
+            <a:r>
+              <a:rPr lang="en-US" sz="2000" dirty="0" err="1">
+                <a:solidFill>
+                  <a:schemeClr val="bg1"/>
+                </a:solidFill>
+                <a:latin typeface="Consolas" panose="020B0609020204030204" pitchFamily="49" charset="0"/>
+              </a:rPr>
+              <a:t>services.AddRouting</a:t>
+            </a:r>
+            <a:r>
+              <a:rPr lang="en-US" sz="2000" dirty="0">
+                <a:solidFill>
+                  <a:schemeClr val="bg1"/>
+                </a:solidFill>
+                <a:latin typeface="Consolas" panose="020B0609020204030204" pitchFamily="49" charset="0"/>
+              </a:rPr>
+              <a:t>(options =&gt;</a:t>
+            </a:r>
+          </a:p>
+          <a:p>
+            <a:r>
+              <a:rPr lang="en-US" sz="2000" dirty="0">
+                <a:solidFill>
+                  <a:schemeClr val="bg1"/>
+                </a:solidFill>
+                <a:latin typeface="Consolas" panose="020B0609020204030204" pitchFamily="49" charset="0"/>
+              </a:rPr>
+              <a:t>{</a:t>
+            </a:r>
+          </a:p>
+          <a:p>
+            <a:r>
+              <a:rPr lang="en-US" sz="2000" dirty="0">
+                <a:solidFill>
+                  <a:schemeClr val="bg1"/>
+                </a:solidFill>
+                <a:latin typeface="Consolas" panose="020B0609020204030204" pitchFamily="49" charset="0"/>
+              </a:rPr>
+              <a:t>    </a:t>
+            </a:r>
+            <a:r>
+              <a:rPr lang="en-US" sz="2000" dirty="0" err="1">
+                <a:solidFill>
+                  <a:schemeClr val="bg1"/>
+                </a:solidFill>
+                <a:latin typeface="Consolas" panose="020B0609020204030204" pitchFamily="49" charset="0"/>
+              </a:rPr>
+              <a:t>options.LowercaseUrls</a:t>
+            </a:r>
+            <a:r>
+              <a:rPr lang="en-US" sz="2000" dirty="0">
+                <a:solidFill>
+                  <a:schemeClr val="bg1"/>
+                </a:solidFill>
+                <a:latin typeface="Consolas" panose="020B0609020204030204" pitchFamily="49" charset="0"/>
+              </a:rPr>
+              <a:t> = true;</a:t>
+            </a:r>
+          </a:p>
+          <a:p>
+            <a:r>
+              <a:rPr lang="en-US" sz="2000" dirty="0">
+                <a:solidFill>
+                  <a:schemeClr val="bg1"/>
+                </a:solidFill>
+                <a:latin typeface="Consolas" panose="020B0609020204030204" pitchFamily="49" charset="0"/>
+              </a:rPr>
+              <a:t>});</a:t>
+            </a:r>
+          </a:p>
+          <a:p>
+            <a:endParaRPr lang="en-US" sz="2000" dirty="0">
+              <a:solidFill>
+                <a:schemeClr val="bg1"/>
+              </a:solidFill>
+              <a:latin typeface="Consolas" panose="020B0609020204030204" pitchFamily="49" charset="0"/>
+            </a:endParaRPr>
+          </a:p>
+          <a:p>
+            <a:r>
+              <a:rPr lang="en-US" sz="2000" dirty="0" err="1">
+                <a:solidFill>
+                  <a:schemeClr val="bg1"/>
+                </a:solidFill>
+                <a:latin typeface="Consolas" panose="020B0609020204030204" pitchFamily="49" charset="0"/>
+              </a:rPr>
+              <a:t>services.AddSwaggerGen</a:t>
+            </a:r>
+            <a:r>
+              <a:rPr lang="en-US" sz="2000" dirty="0">
+                <a:solidFill>
+                  <a:schemeClr val="bg1"/>
+                </a:solidFill>
+                <a:latin typeface="Consolas" panose="020B0609020204030204" pitchFamily="49" charset="0"/>
+              </a:rPr>
+              <a:t>(c =&gt;</a:t>
+            </a:r>
+          </a:p>
+          <a:p>
+            <a:r>
+              <a:rPr lang="en-US" sz="2000" dirty="0">
+                <a:solidFill>
+                  <a:schemeClr val="bg1"/>
+                </a:solidFill>
+                <a:latin typeface="Consolas" panose="020B0609020204030204" pitchFamily="49" charset="0"/>
+              </a:rPr>
+              <a:t>{</a:t>
+            </a:r>
+          </a:p>
+          <a:p>
+            <a:r>
+              <a:rPr lang="en-US" sz="2000" dirty="0">
+                <a:solidFill>
+                  <a:schemeClr val="bg1"/>
+                </a:solidFill>
+                <a:latin typeface="Consolas" panose="020B0609020204030204" pitchFamily="49" charset="0"/>
+              </a:rPr>
+              <a:t>    </a:t>
+            </a:r>
+            <a:r>
+              <a:rPr lang="en-US" sz="2000" dirty="0" err="1">
+                <a:solidFill>
+                  <a:schemeClr val="bg1"/>
+                </a:solidFill>
+                <a:latin typeface="Consolas" panose="020B0609020204030204" pitchFamily="49" charset="0"/>
+              </a:rPr>
+              <a:t>c.SwaggerDoc</a:t>
+            </a:r>
+            <a:r>
+              <a:rPr lang="en-US" sz="2000" dirty="0">
+                <a:solidFill>
+                  <a:schemeClr val="bg1"/>
+                </a:solidFill>
+                <a:latin typeface="Consolas" panose="020B0609020204030204" pitchFamily="49" charset="0"/>
+              </a:rPr>
+              <a:t>("v1", new Info { Title = "MVOW B2B API", Version = "v1" });</a:t>
+            </a:r>
+          </a:p>
+          <a:p>
+            <a:r>
+              <a:rPr lang="en-US" sz="2000" dirty="0">
+                <a:solidFill>
+                  <a:schemeClr val="bg1"/>
+                </a:solidFill>
+                <a:latin typeface="Consolas" panose="020B0609020204030204" pitchFamily="49" charset="0"/>
+              </a:rPr>
+              <a:t>    </a:t>
+            </a:r>
+            <a:r>
+              <a:rPr lang="en-US" sz="2000" dirty="0" err="1">
+                <a:solidFill>
+                  <a:schemeClr val="bg1"/>
+                </a:solidFill>
+                <a:latin typeface="Consolas" panose="020B0609020204030204" pitchFamily="49" charset="0"/>
+              </a:rPr>
+              <a:t>c.DocumentFilter</a:t>
+            </a:r>
+            <a:r>
+              <a:rPr lang="en-US" sz="2000" dirty="0">
+                <a:solidFill>
+                  <a:schemeClr val="bg1"/>
+                </a:solidFill>
+                <a:latin typeface="Consolas" panose="020B0609020204030204" pitchFamily="49" charset="0"/>
+              </a:rPr>
+              <a:t>&lt;</a:t>
+            </a:r>
+            <a:r>
+              <a:rPr lang="en-US" sz="2000" dirty="0" err="1">
+                <a:solidFill>
+                  <a:schemeClr val="bg1"/>
+                </a:solidFill>
+                <a:latin typeface="Consolas" panose="020B0609020204030204" pitchFamily="49" charset="0"/>
+              </a:rPr>
+              <a:t>LowerCaseDocumentFilter</a:t>
+            </a:r>
+            <a:r>
+              <a:rPr lang="en-US" sz="2000" dirty="0">
+                <a:solidFill>
+                  <a:schemeClr val="bg1"/>
+                </a:solidFill>
+                <a:latin typeface="Consolas" panose="020B0609020204030204" pitchFamily="49" charset="0"/>
+              </a:rPr>
+              <a:t>&gt;();</a:t>
+            </a:r>
+          </a:p>
+          <a:p>
+            <a:r>
+              <a:rPr lang="en-US" sz="2000" dirty="0">
+                <a:solidFill>
+                  <a:schemeClr val="bg1"/>
+                </a:solidFill>
+                <a:latin typeface="Consolas" panose="020B0609020204030204" pitchFamily="49" charset="0"/>
+              </a:rPr>
+              <a:t>});</a:t>
+            </a:r>
+          </a:p>
+          <a:p>
+            <a:endParaRPr lang="en-US" sz="2000" dirty="0">
+              <a:solidFill>
+                <a:schemeClr val="bg1"/>
+              </a:solidFill>
+              <a:latin typeface="Consolas" panose="020B0609020204030204" pitchFamily="49" charset="0"/>
+            </a:endParaRPr>
+          </a:p>
+          <a:p>
+            <a:r>
+              <a:rPr lang="en-US" sz="2000" dirty="0" err="1">
+                <a:solidFill>
+                  <a:schemeClr val="bg1"/>
+                </a:solidFill>
+                <a:latin typeface="Consolas" panose="020B0609020204030204" pitchFamily="49" charset="0"/>
+              </a:rPr>
+              <a:t>app.UseSwagger</a:t>
+            </a:r>
+            <a:r>
+              <a:rPr lang="en-US" sz="2000" dirty="0">
+                <a:solidFill>
+                  <a:schemeClr val="bg1"/>
+                </a:solidFill>
+                <a:latin typeface="Consolas" panose="020B0609020204030204" pitchFamily="49" charset="0"/>
+              </a:rPr>
+              <a:t>();</a:t>
+            </a:r>
+          </a:p>
+        </p:txBody>
+      </p:sp>
+    </p:spTree>
+    <p:extLst>
+      <p:ext uri="{BB962C8B-B14F-4D97-AF65-F5344CB8AC3E}">
+        <p14:creationId xmlns:p14="http://schemas.microsoft.com/office/powerpoint/2010/main" val="3428255184"/>
+      </p:ext>
+    </p:extLst>
+  </p:cSld>
+  <p:clrMapOvr>
+    <a:masterClrMapping/>
+  </p:clrMapOvr>
+  <p:transition>
+    <p:fade/>
+  </p:transition>
+</p:sld>
+</file>
+
+<file path=ppt/slides/slide7.xml><?xml version="1.0" encoding="utf-8"?>
+<p:sld xmlns:a="http://schemas.openxmlformats.org/drawingml/2006/main" xmlns:r="http://schemas.openxmlformats.org/officeDocument/2006/relationships" xmlns:p="http://schemas.openxmlformats.org/presentationml/2006/main">
+  <p:cSld>
+    <p:bg>
+      <p:bgPr>
+        <a:solidFill>
+          <a:srgbClr val="007233"/>
+        </a:solidFill>
+        <a:effectLst/>
+      </p:bgPr>
+    </p:bg>
+    <p:spTree>
+      <p:nvGrpSpPr>
+        <p:cNvPr id="1" name=""/>
+        <p:cNvGrpSpPr/>
+        <p:nvPr/>
+      </p:nvGrpSpPr>
+      <p:grpSpPr>
+        <a:xfrm>
+          <a:off x="0" y="0"/>
+          <a:ext cx="0" cy="0"/>
+          <a:chOff x="0" y="0"/>
+          <a:chExt cx="0" cy="0"/>
+        </a:xfrm>
+      </p:grpSpPr>
+      <p:sp>
+        <p:nvSpPr>
+          <p:cNvPr id="2" name="Title 1">
+            <a:extLst>
+              <a:ext uri="{FF2B5EF4-FFF2-40B4-BE49-F238E27FC236}">
+                <a16:creationId xmlns:a16="http://schemas.microsoft.com/office/drawing/2014/main" id="{872A787B-93B2-4072-91D2-2213BEEBBCF3}"/>
+              </a:ext>
+            </a:extLst>
+          </p:cNvPr>
+          <p:cNvSpPr>
+            <a:spLocks noGrp="1"/>
+          </p:cNvSpPr>
+          <p:nvPr>
+            <p:ph type="title"/>
+          </p:nvPr>
+        </p:nvSpPr>
+        <p:spPr/>
+        <p:txBody>
+          <a:bodyPr/>
+          <a:lstStyle/>
+          <a:p>
+            <a:r>
+              <a:rPr lang="en-US" dirty="0">
+                <a:solidFill>
+                  <a:schemeClr val="bg1"/>
+                </a:solidFill>
+              </a:rPr>
+              <a:t>Swagger II/II</a:t>
+            </a:r>
+          </a:p>
+        </p:txBody>
+      </p:sp>
+      <p:sp>
+        <p:nvSpPr>
+          <p:cNvPr id="3" name="Text Placeholder 2">
+            <a:extLst>
+              <a:ext uri="{FF2B5EF4-FFF2-40B4-BE49-F238E27FC236}">
+                <a16:creationId xmlns:a16="http://schemas.microsoft.com/office/drawing/2014/main" id="{97ADE499-75F6-49F0-8F6D-8C18236064EC}"/>
+              </a:ext>
+            </a:extLst>
+          </p:cNvPr>
+          <p:cNvSpPr>
+            <a:spLocks noGrp="1"/>
+          </p:cNvSpPr>
+          <p:nvPr>
+            <p:ph type="body" sz="quarter" idx="10"/>
+          </p:nvPr>
+        </p:nvSpPr>
+        <p:spPr>
+          <a:xfrm>
+            <a:off x="274209" y="1212850"/>
+            <a:ext cx="8778240" cy="5416868"/>
+          </a:xfrm>
+        </p:spPr>
+        <p:txBody>
+          <a:bodyPr/>
+          <a:lstStyle/>
+          <a:p>
+            <a:r>
+              <a:rPr lang="en-US" sz="2000" dirty="0" err="1">
+                <a:solidFill>
+                  <a:schemeClr val="bg1"/>
+                </a:solidFill>
+                <a:latin typeface="Consolas" panose="020B0609020204030204" pitchFamily="49" charset="0"/>
+              </a:rPr>
+              <a:t>app.UseSwaggerUI</a:t>
+            </a:r>
+            <a:r>
+              <a:rPr lang="en-US" sz="2000" dirty="0">
+                <a:solidFill>
+                  <a:schemeClr val="bg1"/>
+                </a:solidFill>
+                <a:latin typeface="Consolas" panose="020B0609020204030204" pitchFamily="49" charset="0"/>
+              </a:rPr>
+              <a:t>(c =&gt;</a:t>
+            </a:r>
+          </a:p>
+          <a:p>
+            <a:r>
+              <a:rPr lang="en-US" sz="2000" dirty="0">
+                <a:solidFill>
+                  <a:schemeClr val="bg1"/>
+                </a:solidFill>
+                <a:latin typeface="Consolas" panose="020B0609020204030204" pitchFamily="49" charset="0"/>
+              </a:rPr>
+              <a:t>{</a:t>
+            </a:r>
+          </a:p>
+          <a:p>
+            <a:r>
+              <a:rPr lang="en-US" sz="2000" dirty="0">
+                <a:solidFill>
+                  <a:schemeClr val="bg1"/>
+                </a:solidFill>
+                <a:latin typeface="Consolas" panose="020B0609020204030204" pitchFamily="49" charset="0"/>
+              </a:rPr>
+              <a:t>    </a:t>
+            </a:r>
+            <a:r>
+              <a:rPr lang="en-US" sz="2000" dirty="0" err="1">
+                <a:solidFill>
+                  <a:schemeClr val="bg1"/>
+                </a:solidFill>
+                <a:latin typeface="Consolas" panose="020B0609020204030204" pitchFamily="49" charset="0"/>
+              </a:rPr>
+              <a:t>c.SwaggerEndpoint</a:t>
+            </a:r>
+            <a:r>
+              <a:rPr lang="en-US" sz="2000" dirty="0">
+                <a:solidFill>
+                  <a:schemeClr val="bg1"/>
+                </a:solidFill>
+                <a:latin typeface="Consolas" panose="020B0609020204030204" pitchFamily="49" charset="0"/>
+              </a:rPr>
+              <a:t>("/swagger/v1/</a:t>
+            </a:r>
+            <a:r>
+              <a:rPr lang="en-US" sz="2000" dirty="0" err="1">
+                <a:solidFill>
+                  <a:schemeClr val="bg1"/>
+                </a:solidFill>
+                <a:latin typeface="Consolas" panose="020B0609020204030204" pitchFamily="49" charset="0"/>
+              </a:rPr>
+              <a:t>swagger.json</a:t>
+            </a:r>
+            <a:r>
+              <a:rPr lang="en-US" sz="2000" dirty="0">
+                <a:solidFill>
+                  <a:schemeClr val="bg1"/>
+                </a:solidFill>
+                <a:latin typeface="Consolas" panose="020B0609020204030204" pitchFamily="49" charset="0"/>
+              </a:rPr>
+              <a:t>", “My API");</a:t>
+            </a:r>
+          </a:p>
+          <a:p>
+            <a:r>
+              <a:rPr lang="en-US" sz="2000" dirty="0">
+                <a:solidFill>
+                  <a:schemeClr val="bg1"/>
+                </a:solidFill>
+                <a:latin typeface="Consolas" panose="020B0609020204030204" pitchFamily="49" charset="0"/>
+              </a:rPr>
+              <a:t>});</a:t>
+            </a:r>
+          </a:p>
+          <a:p>
+            <a:endParaRPr lang="en-US" sz="2000" dirty="0">
+              <a:solidFill>
+                <a:schemeClr val="bg1"/>
+              </a:solidFill>
+              <a:latin typeface="Consolas" panose="020B0609020204030204" pitchFamily="49" charset="0"/>
+            </a:endParaRPr>
+          </a:p>
+          <a:p>
+            <a:r>
+              <a:rPr lang="en-US" sz="2000" dirty="0">
+                <a:solidFill>
+                  <a:schemeClr val="bg1"/>
+                </a:solidFill>
+                <a:latin typeface="Consolas" panose="020B0609020204030204" pitchFamily="49" charset="0"/>
+              </a:rPr>
+              <a:t>public class </a:t>
+            </a:r>
+            <a:r>
+              <a:rPr lang="en-US" sz="2000" dirty="0" err="1">
+                <a:solidFill>
+                  <a:schemeClr val="bg1"/>
+                </a:solidFill>
+                <a:latin typeface="Consolas" panose="020B0609020204030204" pitchFamily="49" charset="0"/>
+              </a:rPr>
+              <a:t>LowerCaseDocumentFilter</a:t>
+            </a:r>
+            <a:r>
+              <a:rPr lang="en-US" sz="2000" dirty="0">
+                <a:solidFill>
+                  <a:schemeClr val="bg1"/>
+                </a:solidFill>
+                <a:latin typeface="Consolas" panose="020B0609020204030204" pitchFamily="49" charset="0"/>
+              </a:rPr>
+              <a:t> : </a:t>
+            </a:r>
+            <a:r>
+              <a:rPr lang="en-US" sz="2000" dirty="0" err="1">
+                <a:solidFill>
+                  <a:schemeClr val="bg1"/>
+                </a:solidFill>
+                <a:latin typeface="Consolas" panose="020B0609020204030204" pitchFamily="49" charset="0"/>
+              </a:rPr>
+              <a:t>IDocumentFilter</a:t>
+            </a:r>
+            <a:endParaRPr lang="en-US" sz="2000" dirty="0">
+              <a:solidFill>
+                <a:schemeClr val="bg1"/>
+              </a:solidFill>
+              <a:latin typeface="Consolas" panose="020B0609020204030204" pitchFamily="49" charset="0"/>
+            </a:endParaRPr>
+          </a:p>
+          <a:p>
+            <a:r>
+              <a:rPr lang="en-US" sz="2000" dirty="0">
+                <a:solidFill>
+                  <a:schemeClr val="bg1"/>
+                </a:solidFill>
+                <a:latin typeface="Consolas" panose="020B0609020204030204" pitchFamily="49" charset="0"/>
+              </a:rPr>
+              <a:t>{</a:t>
+            </a:r>
+          </a:p>
+          <a:p>
+            <a:r>
+              <a:rPr lang="en-US" sz="2000" dirty="0">
+                <a:solidFill>
+                  <a:schemeClr val="bg1"/>
+                </a:solidFill>
+                <a:latin typeface="Consolas" panose="020B0609020204030204" pitchFamily="49" charset="0"/>
+              </a:rPr>
+              <a:t>    public void Apply(</a:t>
+            </a:r>
+            <a:r>
+              <a:rPr lang="en-US" sz="2000" dirty="0" err="1">
+                <a:solidFill>
+                  <a:schemeClr val="bg1"/>
+                </a:solidFill>
+                <a:latin typeface="Consolas" panose="020B0609020204030204" pitchFamily="49" charset="0"/>
+              </a:rPr>
+              <a:t>SwaggerDocument</a:t>
+            </a:r>
+            <a:r>
+              <a:rPr lang="en-US" sz="2000" dirty="0">
+                <a:solidFill>
+                  <a:schemeClr val="bg1"/>
+                </a:solidFill>
+                <a:latin typeface="Consolas" panose="020B0609020204030204" pitchFamily="49" charset="0"/>
+              </a:rPr>
+              <a:t> </a:t>
+            </a:r>
+            <a:r>
+              <a:rPr lang="en-US" sz="2000" dirty="0" err="1">
+                <a:solidFill>
+                  <a:schemeClr val="bg1"/>
+                </a:solidFill>
+                <a:latin typeface="Consolas" panose="020B0609020204030204" pitchFamily="49" charset="0"/>
+              </a:rPr>
+              <a:t>swaggerDoc</a:t>
+            </a:r>
+            <a:r>
+              <a:rPr lang="en-US" sz="2000" dirty="0">
+                <a:solidFill>
+                  <a:schemeClr val="bg1"/>
+                </a:solidFill>
+                <a:latin typeface="Consolas" panose="020B0609020204030204" pitchFamily="49" charset="0"/>
+              </a:rPr>
+              <a:t>, </a:t>
+            </a:r>
+            <a:r>
+              <a:rPr lang="en-US" sz="2000" dirty="0" err="1">
+                <a:solidFill>
+                  <a:schemeClr val="bg1"/>
+                </a:solidFill>
+                <a:latin typeface="Consolas" panose="020B0609020204030204" pitchFamily="49" charset="0"/>
+              </a:rPr>
+              <a:t>DocumentFilterContext</a:t>
+            </a:r>
+            <a:r>
+              <a:rPr lang="en-US" sz="2000" dirty="0">
+                <a:solidFill>
+                  <a:schemeClr val="bg1"/>
+                </a:solidFill>
+                <a:latin typeface="Consolas" panose="020B0609020204030204" pitchFamily="49" charset="0"/>
+              </a:rPr>
+              <a:t> context)</a:t>
+            </a:r>
+          </a:p>
+          <a:p>
+            <a:r>
+              <a:rPr lang="en-US" sz="2000" dirty="0">
+                <a:solidFill>
+                  <a:schemeClr val="bg1"/>
+                </a:solidFill>
+                <a:latin typeface="Consolas" panose="020B0609020204030204" pitchFamily="49" charset="0"/>
+              </a:rPr>
+              <a:t>    {</a:t>
+            </a:r>
+          </a:p>
+          <a:p>
+            <a:r>
+              <a:rPr lang="en-US" sz="2000" dirty="0">
+                <a:solidFill>
+                  <a:schemeClr val="bg1"/>
+                </a:solidFill>
+                <a:latin typeface="Consolas" panose="020B0609020204030204" pitchFamily="49" charset="0"/>
+              </a:rPr>
+              <a:t>        </a:t>
+            </a:r>
+            <a:r>
+              <a:rPr lang="en-US" sz="2000" dirty="0" err="1">
+                <a:solidFill>
+                  <a:schemeClr val="bg1"/>
+                </a:solidFill>
+                <a:latin typeface="Consolas" panose="020B0609020204030204" pitchFamily="49" charset="0"/>
+              </a:rPr>
+              <a:t>swaggerDoc.Paths</a:t>
+            </a:r>
+            <a:r>
+              <a:rPr lang="en-US" sz="2000" dirty="0">
+                <a:solidFill>
+                  <a:schemeClr val="bg1"/>
+                </a:solidFill>
+                <a:latin typeface="Consolas" panose="020B0609020204030204" pitchFamily="49" charset="0"/>
+              </a:rPr>
+              <a:t> = </a:t>
+            </a:r>
+            <a:r>
+              <a:rPr lang="en-US" sz="2000" dirty="0" err="1">
+                <a:solidFill>
+                  <a:schemeClr val="bg1"/>
+                </a:solidFill>
+                <a:latin typeface="Consolas" panose="020B0609020204030204" pitchFamily="49" charset="0"/>
+              </a:rPr>
+              <a:t>swaggerDoc.Paths.ToDictionary</a:t>
+            </a:r>
+            <a:r>
+              <a:rPr lang="en-US" sz="2000" dirty="0">
+                <a:solidFill>
+                  <a:schemeClr val="bg1"/>
+                </a:solidFill>
+                <a:latin typeface="Consolas" panose="020B0609020204030204" pitchFamily="49" charset="0"/>
+              </a:rPr>
+              <a:t>(d =&gt; </a:t>
+            </a:r>
+            <a:r>
+              <a:rPr lang="en-US" sz="2000" dirty="0" err="1">
+                <a:solidFill>
+                  <a:schemeClr val="bg1"/>
+                </a:solidFill>
+                <a:latin typeface="Consolas" panose="020B0609020204030204" pitchFamily="49" charset="0"/>
+              </a:rPr>
+              <a:t>d.Key.ToLower</a:t>
+            </a:r>
+            <a:r>
+              <a:rPr lang="en-US" sz="2000" dirty="0">
+                <a:solidFill>
+                  <a:schemeClr val="bg1"/>
+                </a:solidFill>
+                <a:latin typeface="Consolas" panose="020B0609020204030204" pitchFamily="49" charset="0"/>
+              </a:rPr>
+              <a:t>(), d =&gt; </a:t>
+            </a:r>
+            <a:r>
+              <a:rPr lang="en-US" sz="2000" dirty="0" err="1">
+                <a:solidFill>
+                  <a:schemeClr val="bg1"/>
+                </a:solidFill>
+                <a:latin typeface="Consolas" panose="020B0609020204030204" pitchFamily="49" charset="0"/>
+              </a:rPr>
+              <a:t>d.Value</a:t>
+            </a:r>
+            <a:r>
+              <a:rPr lang="en-US" sz="2000" dirty="0">
+                <a:solidFill>
+                  <a:schemeClr val="bg1"/>
+                </a:solidFill>
+                <a:latin typeface="Consolas" panose="020B0609020204030204" pitchFamily="49" charset="0"/>
+              </a:rPr>
+              <a:t>);</a:t>
+            </a:r>
+          </a:p>
+          <a:p>
+            <a:r>
+              <a:rPr lang="en-US" sz="2000" dirty="0">
+                <a:solidFill>
+                  <a:schemeClr val="bg1"/>
+                </a:solidFill>
+                <a:latin typeface="Consolas" panose="020B0609020204030204" pitchFamily="49" charset="0"/>
+              </a:rPr>
+              <a:t>    }</a:t>
+            </a:r>
+          </a:p>
+          <a:p>
+            <a:r>
+              <a:rPr lang="en-US" sz="2000" dirty="0">
+                <a:solidFill>
+                  <a:schemeClr val="bg1"/>
+                </a:solidFill>
+                <a:latin typeface="Consolas" panose="020B0609020204030204" pitchFamily="49" charset="0"/>
+              </a:rPr>
+              <a:t>}</a:t>
+            </a:r>
+          </a:p>
+          <a:p>
+            <a:endParaRPr lang="en-US" sz="2000" dirty="0">
+              <a:solidFill>
+                <a:schemeClr val="bg1"/>
+              </a:solidFill>
+              <a:latin typeface="Consolas" panose="020B0609020204030204" pitchFamily="49" charset="0"/>
+            </a:endParaRPr>
+          </a:p>
+          <a:p>
+            <a:r>
+              <a:rPr lang="en-US" sz="2000" dirty="0">
+                <a:solidFill>
+                  <a:schemeClr val="bg1"/>
+                </a:solidFill>
+                <a:latin typeface="Consolas" panose="020B0609020204030204" pitchFamily="49" charset="0"/>
+              </a:rPr>
+              <a:t>"</a:t>
+            </a:r>
+            <a:r>
+              <a:rPr lang="en-US" sz="2000" dirty="0" err="1">
+                <a:solidFill>
+                  <a:schemeClr val="bg1"/>
+                </a:solidFill>
+                <a:latin typeface="Consolas" panose="020B0609020204030204" pitchFamily="49" charset="0"/>
+              </a:rPr>
+              <a:t>launchUrl</a:t>
+            </a:r>
+            <a:r>
+              <a:rPr lang="en-US" sz="2000" dirty="0">
+                <a:solidFill>
+                  <a:schemeClr val="bg1"/>
+                </a:solidFill>
+                <a:latin typeface="Consolas" panose="020B0609020204030204" pitchFamily="49" charset="0"/>
+              </a:rPr>
+              <a:t>": </a:t>
+            </a:r>
+            <a:r>
+              <a:rPr lang="en-US" sz="2000" dirty="0">
+                <a:solidFill>
+                  <a:schemeClr val="bg1"/>
+                </a:solidFill>
+                <a:latin typeface="Consolas" panose="020B0609020204030204" pitchFamily="49" charset="0"/>
+                <a:hlinkClick r:id="rId3"/>
+              </a:rPr>
+              <a:t>https://localhost:[port]/swagger/</a:t>
+            </a:r>
+            <a:endParaRPr lang="en-US" sz="2000" dirty="0">
+              <a:solidFill>
+                <a:schemeClr val="bg1"/>
+              </a:solidFill>
+              <a:latin typeface="Consolas" panose="020B0609020204030204" pitchFamily="49" charset="0"/>
+            </a:endParaRPr>
+          </a:p>
+        </p:txBody>
+      </p:sp>
+    </p:spTree>
+    <p:extLst>
+      <p:ext uri="{BB962C8B-B14F-4D97-AF65-F5344CB8AC3E}">
+        <p14:creationId xmlns:p14="http://schemas.microsoft.com/office/powerpoint/2010/main" val="751072870"/>
+      </p:ext>
+    </p:extLst>
+  </p:cSld>
+  <p:clrMapOvr>
+    <a:masterClrMapping/>
+  </p:clrMapOvr>
+  <p:transition>
+    <p:fade/>
+  </p:transition>
+</p:sld>
+</file>
+
+<file path=ppt/slides/slide8.xml><?xml version="1.0" encoding="utf-8"?>
 <p:sld xmlns:a="http://schemas.openxmlformats.org/drawingml/2006/main" xmlns:r="http://schemas.openxmlformats.org/officeDocument/2006/relationships" xmlns:p="http://schemas.openxmlformats.org/presentationml/2006/main">
   <p:cSld>
     <p:bg>
@@ -5907,20 +8313,12 @@
           </a:p>
           <a:p>
             <a:r>
-              <a:rPr lang="da-DK">
-                <a:solidFill>
-                  <a:schemeClr val="bg1"/>
-                </a:solidFill>
-              </a:rPr>
-              <a:t>Publishing </a:t>
-            </a:r>
-            <a:r>
               <a:rPr lang="da-DK" dirty="0">
                 <a:solidFill>
                   <a:schemeClr val="bg1"/>
                 </a:solidFill>
               </a:rPr>
-              <a:t>apps to the cloud</a:t>
+              <a:t>Publishing apps to the cloud</a:t>
             </a:r>
           </a:p>
           <a:p>
@@ -5948,7 +8346,7 @@
                   <a:schemeClr val="bg1"/>
                 </a:solidFill>
               </a:rPr>
-              <a:t>Idisposable</a:t>
+              <a:t>IDisposable</a:t>
             </a:r>
             <a:endParaRPr lang="da-DK" dirty="0">
               <a:solidFill>
@@ -6928,15 +9326,6 @@
 </file>
 
 <file path=customXml/item1.xml><?xml version="1.0" encoding="utf-8"?>
-<?mso-contentType ?>
-<FormTemplates xmlns="http://schemas.microsoft.com/sharepoint/v3/contenttype/forms">
-  <Display>DocumentLibraryForm</Display>
-  <Edit>DocumentLibraryForm</Edit>
-  <New>DocumentLibraryForm</New>
-</FormTemplates>
-</file>
-
-<file path=customXml/item2.xml><?xml version="1.0" encoding="utf-8"?>
 <ct:contentTypeSchema xmlns:ct="http://schemas.microsoft.com/office/2006/metadata/contentType" xmlns:ma="http://schemas.microsoft.com/office/2006/metadata/properties/metaAttributes" ct:_="" ma:_="" ma:contentTypeName="PresentationsDoc" ma:contentTypeID="0x010100B88FC3ECA26D1C46B3C4C83281D2EB9C003BBE479AF4108146A616B6B5E7069DBC" ma:contentTypeVersion="61" ma:contentTypeDescription="" ma:contentTypeScope="" ma:versionID="72533711bacf991a4680f48ae6b725f9">
   <xsd:schema xmlns:xsd="http://www.w3.org/2001/XMLSchema" xmlns:xs="http://www.w3.org/2001/XMLSchema" xmlns:p="http://schemas.microsoft.com/office/2006/metadata/properties" xmlns:ns2="2295e2e7-0eeb-498e-8716-217bb2ee6ee3" xmlns:ns3="8b529f77-48ab-4581-b468-93f09345b8aa" targetNamespace="http://schemas.microsoft.com/office/2006/metadata/properties" ma:root="true" ma:fieldsID="dde17010d50e6e632f300eac8dfd378e" ns2:_="" ns3:_="">
     <xsd:import namespace="2295e2e7-0eeb-498e-8716-217bb2ee6ee3"/>
@@ -7215,7 +9604,7 @@
 </ct:contentTypeSchema>
 </file>
 
-<file path=customXml/item3.xml><?xml version="1.0" encoding="utf-8"?>
+<file path=customXml/item2.xml><?xml version="1.0" encoding="utf-8"?>
 <p:properties xmlns:p="http://schemas.microsoft.com/office/2006/metadata/properties" xmlns:xsi="http://www.w3.org/2001/XMLSchema-instance" xmlns:pc="http://schemas.microsoft.com/office/infopath/2007/PartnerControls">
   <documentManagement>
     <TrackTaxHTField0 xmlns="2295e2e7-0eeb-498e-8716-217bb2ee6ee3">
@@ -7270,15 +9659,16 @@
 </p:properties>
 </file>
 
-<file path=customXml/itemProps1.xml><?xml version="1.0" encoding="utf-8"?>
-<ds:datastoreItem xmlns:ds="http://schemas.openxmlformats.org/officeDocument/2006/customXml" ds:itemID="{758FDAC0-319D-4A54-8D8E-1D42CB1F8004}">
-  <ds:schemaRefs>
-    <ds:schemaRef ds:uri="http://schemas.microsoft.com/sharepoint/v3/contenttype/forms"/>
-  </ds:schemaRefs>
-</ds:datastoreItem>
+<file path=customXml/item3.xml><?xml version="1.0" encoding="utf-8"?>
+<?mso-contentType ?>
+<FormTemplates xmlns="http://schemas.microsoft.com/sharepoint/v3/contenttype/forms">
+  <Display>DocumentLibraryForm</Display>
+  <Edit>DocumentLibraryForm</Edit>
+  <New>DocumentLibraryForm</New>
+</FormTemplates>
 </file>
 
-<file path=customXml/itemProps2.xml><?xml version="1.0" encoding="utf-8"?>
+<file path=customXml/itemProps1.xml><?xml version="1.0" encoding="utf-8"?>
 <ds:datastoreItem xmlns:ds="http://schemas.openxmlformats.org/officeDocument/2006/customXml" ds:itemID="{A4A71FB1-3FB8-468F-9C64-2246CB74C7D9}">
   <ds:schemaRefs>
     <ds:schemaRef ds:uri="http://schemas.microsoft.com/office/2006/metadata/contentType"/>
@@ -7297,7 +9687,7 @@
 </ds:datastoreItem>
 </file>
 
-<file path=customXml/itemProps3.xml><?xml version="1.0" encoding="utf-8"?>
+<file path=customXml/itemProps2.xml><?xml version="1.0" encoding="utf-8"?>
 <ds:datastoreItem xmlns:ds="http://schemas.openxmlformats.org/officeDocument/2006/customXml" ds:itemID="{F990F116-B58F-4255-B05B-DA3808E0E5C6}">
   <ds:schemaRefs>
     <ds:schemaRef ds:uri="2295e2e7-0eeb-498e-8716-217bb2ee6ee3"/>
@@ -7312,4 +9702,12 @@
     <ds:schemaRef ds:uri="http://purl.org/dc/dcmitype/"/>
   </ds:schemaRefs>
 </ds:datastoreItem>
+</file>
+
+<file path=customXml/itemProps3.xml><?xml version="1.0" encoding="utf-8"?>
+<ds:datastoreItem xmlns:ds="http://schemas.openxmlformats.org/officeDocument/2006/customXml" ds:itemID="{758FDAC0-319D-4A54-8D8E-1D42CB1F8004}">
+  <ds:schemaRefs>
+    <ds:schemaRef ds:uri="http://schemas.microsoft.com/sharepoint/v3/contenttype/forms"/>
+  </ds:schemaRefs>
+</ds:datastoreItem>
 </file>
--- a/Slides/Lecture10 - Apps part II.pptx
+++ b/Slides/Lecture10 - Apps part II.pptx
@@ -5,20 +5,22 @@
     <p:sldMasterId id="2147484082" r:id="rId4"/>
   </p:sldMasterIdLst>
   <p:notesMasterIdLst>
-    <p:notesMasterId r:id="rId13"/>
+    <p:notesMasterId r:id="rId15"/>
   </p:notesMasterIdLst>
   <p:handoutMasterIdLst>
-    <p:handoutMasterId r:id="rId14"/>
+    <p:handoutMasterId r:id="rId16"/>
   </p:handoutMasterIdLst>
   <p:sldIdLst>
     <p:sldId id="897" r:id="rId5"/>
     <p:sldId id="927" r:id="rId6"/>
-    <p:sldId id="930" r:id="rId7"/>
-    <p:sldId id="931" r:id="rId8"/>
-    <p:sldId id="928" r:id="rId9"/>
-    <p:sldId id="932" r:id="rId10"/>
-    <p:sldId id="933" r:id="rId11"/>
-    <p:sldId id="929" r:id="rId12"/>
+    <p:sldId id="934" r:id="rId7"/>
+    <p:sldId id="936" r:id="rId8"/>
+    <p:sldId id="930" r:id="rId9"/>
+    <p:sldId id="931" r:id="rId10"/>
+    <p:sldId id="932" r:id="rId11"/>
+    <p:sldId id="933" r:id="rId12"/>
+    <p:sldId id="928" r:id="rId13"/>
+    <p:sldId id="929" r:id="rId14"/>
   </p:sldIdLst>
   <p:sldSz cx="9326563" cy="6994525"/>
   <p:notesSz cx="6858000" cy="9144000"/>
@@ -124,11 +126,13 @@
           <p14:sldIdLst>
             <p14:sldId id="897"/>
             <p14:sldId id="927"/>
+            <p14:sldId id="934"/>
+            <p14:sldId id="936"/>
             <p14:sldId id="930"/>
             <p14:sldId id="931"/>
-            <p14:sldId id="928"/>
             <p14:sldId id="932"/>
             <p14:sldId id="933"/>
+            <p14:sldId id="928"/>
             <p14:sldId id="929"/>
           </p14:sldIdLst>
         </p14:section>
@@ -348,7 +352,7 @@
               <a:rPr lang="en-US" smtClean="0">
                 <a:latin typeface="Segoe UI" pitchFamily="34" charset="0"/>
               </a:rPr>
-              <a:t>11/14/2017</a:t>
+              <a:t>11/15/2017</a:t>
             </a:fld>
             <a:endParaRPr lang="en-US" dirty="0">
               <a:latin typeface="Segoe UI" pitchFamily="34" charset="0"/>
@@ -671,7 +675,7 @@
             <a:fld id="{D51B1278-D92B-4AF3-A9C1-71DD298190CE}" type="datetimeFigureOut">
               <a:rPr lang="en-US" smtClean="0"/>
               <a:pPr/>
-              <a:t>11/14/2017</a:t>
+              <a:t>11/15/2017</a:t>
             </a:fld>
             <a:endParaRPr lang="en-US" dirty="0"/>
           </a:p>
@@ -1076,7 +1080,7 @@
           <a:p>
             <a:fld id="{23C664AC-E9A8-46F0-BB26-995D9E922CBA}" type="datetime1">
               <a:rPr lang="en-US" smtClean="0"/>
-              <a:t>11/14/2017</a:t>
+              <a:t>11/15/2017</a:t>
             </a:fld>
             <a:endParaRPr lang="en-US" dirty="0"/>
           </a:p>
@@ -1110,6 +1114,209 @@
     <p:extLst>
       <p:ext uri="{BB962C8B-B14F-4D97-AF65-F5344CB8AC3E}">
         <p14:creationId xmlns:p14="http://schemas.microsoft.com/office/powerpoint/2010/main" val="1119262209"/>
+      </p:ext>
+    </p:extLst>
+  </p:cSld>
+  <p:clrMapOvr>
+    <a:masterClrMapping/>
+  </p:clrMapOvr>
+</p:notes>
+</file>
+
+<file path=ppt/notesSlides/notesSlide10.xml><?xml version="1.0" encoding="utf-8"?>
+<p:notes xmlns:a="http://schemas.openxmlformats.org/drawingml/2006/main" xmlns:r="http://schemas.openxmlformats.org/officeDocument/2006/relationships" xmlns:p="http://schemas.openxmlformats.org/presentationml/2006/main">
+  <p:cSld>
+    <p:spTree>
+      <p:nvGrpSpPr>
+        <p:cNvPr id="1" name=""/>
+        <p:cNvGrpSpPr/>
+        <p:nvPr/>
+      </p:nvGrpSpPr>
+      <p:grpSpPr>
+        <a:xfrm>
+          <a:off x="0" y="0"/>
+          <a:ext cx="0" cy="0"/>
+          <a:chOff x="0" y="0"/>
+          <a:chExt cx="0" cy="0"/>
+        </a:xfrm>
+      </p:grpSpPr>
+      <p:sp>
+        <p:nvSpPr>
+          <p:cNvPr id="2" name="Slide Image Placeholder 1"/>
+          <p:cNvSpPr>
+            <a:spLocks noGrp="1" noRot="1" noChangeAspect="1"/>
+          </p:cNvSpPr>
+          <p:nvPr>
+            <p:ph type="sldImg"/>
+          </p:nvPr>
+        </p:nvSpPr>
+        <p:spPr/>
+      </p:sp>
+      <p:sp>
+        <p:nvSpPr>
+          <p:cNvPr id="3" name="Notes Placeholder 2"/>
+          <p:cNvSpPr>
+            <a:spLocks noGrp="1"/>
+          </p:cNvSpPr>
+          <p:nvPr>
+            <p:ph type="body" idx="1"/>
+          </p:nvPr>
+        </p:nvSpPr>
+        <p:spPr/>
+        <p:txBody>
+          <a:bodyPr/>
+          <a:lstStyle/>
+          <a:p>
+            <a:endParaRPr lang="en-US"/>
+          </a:p>
+        </p:txBody>
+      </p:sp>
+      <p:sp>
+        <p:nvSpPr>
+          <p:cNvPr id="4" name="Header Placeholder 3"/>
+          <p:cNvSpPr>
+            <a:spLocks noGrp="1"/>
+          </p:cNvSpPr>
+          <p:nvPr>
+            <p:ph type="hdr" sz="quarter" idx="10"/>
+          </p:nvPr>
+        </p:nvSpPr>
+        <p:spPr/>
+        <p:txBody>
+          <a:bodyPr/>
+          <a:lstStyle/>
+          <a:p>
+            <a:endParaRPr lang="en-US" dirty="0"/>
+          </a:p>
+        </p:txBody>
+      </p:sp>
+      <p:sp>
+        <p:nvSpPr>
+          <p:cNvPr id="5" name="Footer Placeholder 4"/>
+          <p:cNvSpPr>
+            <a:spLocks noGrp="1"/>
+          </p:cNvSpPr>
+          <p:nvPr>
+            <p:ph type="ftr" sz="quarter" idx="11"/>
+          </p:nvPr>
+        </p:nvSpPr>
+        <p:spPr/>
+        <p:txBody>
+          <a:bodyPr/>
+          <a:lstStyle/>
+          <a:p>
+            <a:pPr defTabSz="914099" eaLnBrk="0" hangingPunct="0"/>
+            <a:r>
+              <a:rPr lang="en-US" sz="400">
+                <a:gradFill>
+                  <a:gsLst>
+                    <a:gs pos="0">
+                      <a:prstClr val="black"/>
+                    </a:gs>
+                    <a:gs pos="100000">
+                      <a:prstClr val="black"/>
+                    </a:gs>
+                  </a:gsLst>
+                  <a:lin ang="5400000" scaled="0"/>
+                </a:gradFill>
+                <a:latin typeface="Segoe UI" pitchFamily="34" charset="0"/>
+                <a:ea typeface="Segoe UI" pitchFamily="34" charset="0"/>
+                <a:cs typeface="Segoe UI" pitchFamily="34" charset="0"/>
+              </a:rPr>
+              <a:t>© 2012 Microsoft Corporation. All rights reserved. Microsoft, Windows, and other product names are or may be registered trademarks and/or trademarks in the U.S. and/or other countries.</a:t>
+            </a:r>
+          </a:p>
+          <a:p>
+            <a:pPr defTabSz="914099" eaLnBrk="0" hangingPunct="0"/>
+            <a:r>
+              <a:rPr lang="en-US" sz="400">
+                <a:gradFill>
+                  <a:gsLst>
+                    <a:gs pos="0">
+                      <a:prstClr val="black"/>
+                    </a:gs>
+                    <a:gs pos="100000">
+                      <a:prstClr val="black"/>
+                    </a:gs>
+                  </a:gsLst>
+                  <a:lin ang="5400000" scaled="0"/>
+                </a:gradFill>
+                <a:latin typeface="Segoe UI" pitchFamily="34" charset="0"/>
+                <a:ea typeface="Segoe UI" pitchFamily="34" charset="0"/>
+                <a:cs typeface="Segoe UI" pitchFamily="34" charset="0"/>
+              </a:rPr>
+              <a:t>The information herein is for informational purposes only and represents the current view of Microsoft Corporation as of the date of this presentation.  Because Microsoft must respond to changing market conditions, it should not be interpreted to be a commitment on the part of Microsoft, and Microsoft cannot guarantee the accuracy of any information provided after the date of this presentation.  MICROSOFT MAKES NO WARRANTIES, EXPRESS, IMPLIED OR STATUTORY, AS TO THE INFORMATION IN THIS PRESENTATION.</a:t>
+            </a:r>
+            <a:endParaRPr lang="en-US" sz="400" dirty="0">
+              <a:gradFill>
+                <a:gsLst>
+                  <a:gs pos="0">
+                    <a:prstClr val="black"/>
+                  </a:gs>
+                  <a:gs pos="100000">
+                    <a:prstClr val="black"/>
+                  </a:gs>
+                </a:gsLst>
+                <a:lin ang="5400000" scaled="0"/>
+              </a:gradFill>
+              <a:latin typeface="Segoe UI" pitchFamily="34" charset="0"/>
+              <a:ea typeface="Segoe UI" pitchFamily="34" charset="0"/>
+              <a:cs typeface="Segoe UI" pitchFamily="34" charset="0"/>
+            </a:endParaRPr>
+          </a:p>
+        </p:txBody>
+      </p:sp>
+      <p:sp>
+        <p:nvSpPr>
+          <p:cNvPr id="6" name="Date Placeholder 5"/>
+          <p:cNvSpPr>
+            <a:spLocks noGrp="1"/>
+          </p:cNvSpPr>
+          <p:nvPr>
+            <p:ph type="dt" idx="12"/>
+          </p:nvPr>
+        </p:nvSpPr>
+        <p:spPr/>
+        <p:txBody>
+          <a:bodyPr/>
+          <a:lstStyle/>
+          <a:p>
+            <a:fld id="{664D81C8-F2DB-4680-BACD-87EC6828ADB5}" type="datetime1">
+              <a:rPr lang="en-US" smtClean="0"/>
+              <a:t>11/15/2017</a:t>
+            </a:fld>
+            <a:endParaRPr lang="en-US" dirty="0"/>
+          </a:p>
+        </p:txBody>
+      </p:sp>
+      <p:sp>
+        <p:nvSpPr>
+          <p:cNvPr id="7" name="Slide Number Placeholder 6"/>
+          <p:cNvSpPr>
+            <a:spLocks noGrp="1"/>
+          </p:cNvSpPr>
+          <p:nvPr>
+            <p:ph type="sldNum" sz="quarter" idx="13"/>
+          </p:nvPr>
+        </p:nvSpPr>
+        <p:spPr/>
+        <p:txBody>
+          <a:bodyPr/>
+          <a:lstStyle/>
+          <a:p>
+            <a:fld id="{B4008EB6-D09E-4580-8CD6-DDB14511944F}" type="slidenum">
+              <a:rPr lang="en-US" smtClean="0"/>
+              <a:pPr/>
+              <a:t>10</a:t>
+            </a:fld>
+            <a:endParaRPr lang="en-US" dirty="0"/>
+          </a:p>
+        </p:txBody>
+      </p:sp>
+    </p:spTree>
+    <p:extLst>
+      <p:ext uri="{BB962C8B-B14F-4D97-AF65-F5344CB8AC3E}">
+        <p14:creationId xmlns:p14="http://schemas.microsoft.com/office/powerpoint/2010/main" val="2402448565"/>
       </p:ext>
     </p:extLst>
   </p:cSld>
@@ -1279,7 +1486,7 @@
           <a:p>
             <a:fld id="{C4F94B10-4342-40FC-AEC6-5C03AF201BA2}" type="datetime1">
               <a:rPr lang="en-US" smtClean="0"/>
-              <a:t>11/14/2017</a:t>
+              <a:t>11/15/2017</a:t>
             </a:fld>
             <a:endParaRPr lang="en-US" dirty="0"/>
           </a:p>
@@ -1480,9 +1687,9 @@
           <a:bodyPr/>
           <a:lstStyle/>
           <a:p>
-            <a:fld id="{39AB06BC-B772-4253-9B97-59D9DCD16D68}" type="datetime1">
+            <a:fld id="{CF7A335A-266F-4892-AC8C-510DA7BF2604}" type="datetime1">
               <a:rPr lang="en-US" smtClean="0"/>
-              <a:t>11/14/2017</a:t>
+              <a:t>11/15/2017</a:t>
             </a:fld>
             <a:endParaRPr lang="en-US" dirty="0"/>
           </a:p>
@@ -1515,7 +1722,7 @@
     </p:spTree>
     <p:extLst>
       <p:ext uri="{BB962C8B-B14F-4D97-AF65-F5344CB8AC3E}">
-        <p14:creationId xmlns:p14="http://schemas.microsoft.com/office/powerpoint/2010/main" val="2085932017"/>
+        <p14:creationId xmlns:p14="http://schemas.microsoft.com/office/powerpoint/2010/main" val="1506820690"/>
       </p:ext>
     </p:extLst>
   </p:cSld>
@@ -1683,9 +1890,9 @@
           <a:bodyPr/>
           <a:lstStyle/>
           <a:p>
-            <a:fld id="{39AB06BC-B772-4253-9B97-59D9DCD16D68}" type="datetime1">
+            <a:fld id="{CF7A335A-266F-4892-AC8C-510DA7BF2604}" type="datetime1">
               <a:rPr lang="en-US" smtClean="0"/>
-              <a:t>11/14/2017</a:t>
+              <a:t>11/15/2017</a:t>
             </a:fld>
             <a:endParaRPr lang="en-US" dirty="0"/>
           </a:p>
@@ -1718,7 +1925,7 @@
     </p:spTree>
     <p:extLst>
       <p:ext uri="{BB962C8B-B14F-4D97-AF65-F5344CB8AC3E}">
-        <p14:creationId xmlns:p14="http://schemas.microsoft.com/office/powerpoint/2010/main" val="3784537731"/>
+        <p14:creationId xmlns:p14="http://schemas.microsoft.com/office/powerpoint/2010/main" val="3903822400"/>
       </p:ext>
     </p:extLst>
   </p:cSld>
@@ -1886,9 +2093,9 @@
           <a:bodyPr/>
           <a:lstStyle/>
           <a:p>
-            <a:fld id="{CFA64FBE-D613-4251-8C47-A46D32E2625C}" type="datetime1">
+            <a:fld id="{39AB06BC-B772-4253-9B97-59D9DCD16D68}" type="datetime1">
               <a:rPr lang="en-US" smtClean="0"/>
-              <a:t>11/14/2017</a:t>
+              <a:t>11/15/2017</a:t>
             </a:fld>
             <a:endParaRPr lang="en-US" dirty="0"/>
           </a:p>
@@ -1921,7 +2128,7 @@
     </p:spTree>
     <p:extLst>
       <p:ext uri="{BB962C8B-B14F-4D97-AF65-F5344CB8AC3E}">
-        <p14:creationId xmlns:p14="http://schemas.microsoft.com/office/powerpoint/2010/main" val="4004411603"/>
+        <p14:creationId xmlns:p14="http://schemas.microsoft.com/office/powerpoint/2010/main" val="2085932017"/>
       </p:ext>
     </p:extLst>
   </p:cSld>
@@ -2089,9 +2296,9 @@
           <a:bodyPr/>
           <a:lstStyle/>
           <a:p>
-            <a:fld id="{53596968-992A-414E-8ED3-8C05A9EDAB51}" type="datetime1">
+            <a:fld id="{39AB06BC-B772-4253-9B97-59D9DCD16D68}" type="datetime1">
               <a:rPr lang="en-US" smtClean="0"/>
-              <a:t>11/14/2017</a:t>
+              <a:t>11/15/2017</a:t>
             </a:fld>
             <a:endParaRPr lang="en-US" dirty="0"/>
           </a:p>
@@ -2124,7 +2331,7 @@
     </p:spTree>
     <p:extLst>
       <p:ext uri="{BB962C8B-B14F-4D97-AF65-F5344CB8AC3E}">
-        <p14:creationId xmlns:p14="http://schemas.microsoft.com/office/powerpoint/2010/main" val="1444801613"/>
+        <p14:creationId xmlns:p14="http://schemas.microsoft.com/office/powerpoint/2010/main" val="3784537731"/>
       </p:ext>
     </p:extLst>
   </p:cSld>
@@ -2294,7 +2501,7 @@
           <a:p>
             <a:fld id="{53596968-992A-414E-8ED3-8C05A9EDAB51}" type="datetime1">
               <a:rPr lang="en-US" smtClean="0"/>
-              <a:t>11/14/2017</a:t>
+              <a:t>11/15/2017</a:t>
             </a:fld>
             <a:endParaRPr lang="en-US" dirty="0"/>
           </a:p>
@@ -2327,7 +2534,7 @@
     </p:spTree>
     <p:extLst>
       <p:ext uri="{BB962C8B-B14F-4D97-AF65-F5344CB8AC3E}">
-        <p14:creationId xmlns:p14="http://schemas.microsoft.com/office/powerpoint/2010/main" val="1008990937"/>
+        <p14:creationId xmlns:p14="http://schemas.microsoft.com/office/powerpoint/2010/main" val="1444801613"/>
       </p:ext>
     </p:extLst>
   </p:cSld>
@@ -2495,9 +2702,9 @@
           <a:bodyPr/>
           <a:lstStyle/>
           <a:p>
-            <a:fld id="{664D81C8-F2DB-4680-BACD-87EC6828ADB5}" type="datetime1">
+            <a:fld id="{53596968-992A-414E-8ED3-8C05A9EDAB51}" type="datetime1">
               <a:rPr lang="en-US" smtClean="0"/>
-              <a:t>11/14/2017</a:t>
+              <a:t>11/15/2017</a:t>
             </a:fld>
             <a:endParaRPr lang="en-US" dirty="0"/>
           </a:p>
@@ -2530,7 +2737,210 @@
     </p:spTree>
     <p:extLst>
       <p:ext uri="{BB962C8B-B14F-4D97-AF65-F5344CB8AC3E}">
-        <p14:creationId xmlns:p14="http://schemas.microsoft.com/office/powerpoint/2010/main" val="2402448565"/>
+        <p14:creationId xmlns:p14="http://schemas.microsoft.com/office/powerpoint/2010/main" val="1008990937"/>
+      </p:ext>
+    </p:extLst>
+  </p:cSld>
+  <p:clrMapOvr>
+    <a:masterClrMapping/>
+  </p:clrMapOvr>
+</p:notes>
+</file>
+
+<file path=ppt/notesSlides/notesSlide9.xml><?xml version="1.0" encoding="utf-8"?>
+<p:notes xmlns:a="http://schemas.openxmlformats.org/drawingml/2006/main" xmlns:r="http://schemas.openxmlformats.org/officeDocument/2006/relationships" xmlns:p="http://schemas.openxmlformats.org/presentationml/2006/main">
+  <p:cSld>
+    <p:spTree>
+      <p:nvGrpSpPr>
+        <p:cNvPr id="1" name=""/>
+        <p:cNvGrpSpPr/>
+        <p:nvPr/>
+      </p:nvGrpSpPr>
+      <p:grpSpPr>
+        <a:xfrm>
+          <a:off x="0" y="0"/>
+          <a:ext cx="0" cy="0"/>
+          <a:chOff x="0" y="0"/>
+          <a:chExt cx="0" cy="0"/>
+        </a:xfrm>
+      </p:grpSpPr>
+      <p:sp>
+        <p:nvSpPr>
+          <p:cNvPr id="2" name="Slide Image Placeholder 1"/>
+          <p:cNvSpPr>
+            <a:spLocks noGrp="1" noRot="1" noChangeAspect="1"/>
+          </p:cNvSpPr>
+          <p:nvPr>
+            <p:ph type="sldImg"/>
+          </p:nvPr>
+        </p:nvSpPr>
+        <p:spPr/>
+      </p:sp>
+      <p:sp>
+        <p:nvSpPr>
+          <p:cNvPr id="3" name="Notes Placeholder 2"/>
+          <p:cNvSpPr>
+            <a:spLocks noGrp="1"/>
+          </p:cNvSpPr>
+          <p:nvPr>
+            <p:ph type="body" idx="1"/>
+          </p:nvPr>
+        </p:nvSpPr>
+        <p:spPr/>
+        <p:txBody>
+          <a:bodyPr/>
+          <a:lstStyle/>
+          <a:p>
+            <a:endParaRPr lang="en-US"/>
+          </a:p>
+        </p:txBody>
+      </p:sp>
+      <p:sp>
+        <p:nvSpPr>
+          <p:cNvPr id="4" name="Header Placeholder 3"/>
+          <p:cNvSpPr>
+            <a:spLocks noGrp="1"/>
+          </p:cNvSpPr>
+          <p:nvPr>
+            <p:ph type="hdr" sz="quarter" idx="10"/>
+          </p:nvPr>
+        </p:nvSpPr>
+        <p:spPr/>
+        <p:txBody>
+          <a:bodyPr/>
+          <a:lstStyle/>
+          <a:p>
+            <a:endParaRPr lang="en-US" dirty="0"/>
+          </a:p>
+        </p:txBody>
+      </p:sp>
+      <p:sp>
+        <p:nvSpPr>
+          <p:cNvPr id="5" name="Footer Placeholder 4"/>
+          <p:cNvSpPr>
+            <a:spLocks noGrp="1"/>
+          </p:cNvSpPr>
+          <p:nvPr>
+            <p:ph type="ftr" sz="quarter" idx="11"/>
+          </p:nvPr>
+        </p:nvSpPr>
+        <p:spPr/>
+        <p:txBody>
+          <a:bodyPr/>
+          <a:lstStyle/>
+          <a:p>
+            <a:pPr defTabSz="914099" eaLnBrk="0" hangingPunct="0"/>
+            <a:r>
+              <a:rPr lang="en-US" sz="400">
+                <a:gradFill>
+                  <a:gsLst>
+                    <a:gs pos="0">
+                      <a:prstClr val="black"/>
+                    </a:gs>
+                    <a:gs pos="100000">
+                      <a:prstClr val="black"/>
+                    </a:gs>
+                  </a:gsLst>
+                  <a:lin ang="5400000" scaled="0"/>
+                </a:gradFill>
+                <a:latin typeface="Segoe UI" pitchFamily="34" charset="0"/>
+                <a:ea typeface="Segoe UI" pitchFamily="34" charset="0"/>
+                <a:cs typeface="Segoe UI" pitchFamily="34" charset="0"/>
+              </a:rPr>
+              <a:t>© 2012 Microsoft Corporation. All rights reserved. Microsoft, Windows, and other product names are or may be registered trademarks and/or trademarks in the U.S. and/or other countries.</a:t>
+            </a:r>
+          </a:p>
+          <a:p>
+            <a:pPr defTabSz="914099" eaLnBrk="0" hangingPunct="0"/>
+            <a:r>
+              <a:rPr lang="en-US" sz="400">
+                <a:gradFill>
+                  <a:gsLst>
+                    <a:gs pos="0">
+                      <a:prstClr val="black"/>
+                    </a:gs>
+                    <a:gs pos="100000">
+                      <a:prstClr val="black"/>
+                    </a:gs>
+                  </a:gsLst>
+                  <a:lin ang="5400000" scaled="0"/>
+                </a:gradFill>
+                <a:latin typeface="Segoe UI" pitchFamily="34" charset="0"/>
+                <a:ea typeface="Segoe UI" pitchFamily="34" charset="0"/>
+                <a:cs typeface="Segoe UI" pitchFamily="34" charset="0"/>
+              </a:rPr>
+              <a:t>The information herein is for informational purposes only and represents the current view of Microsoft Corporation as of the date of this presentation.  Because Microsoft must respond to changing market conditions, it should not be interpreted to be a commitment on the part of Microsoft, and Microsoft cannot guarantee the accuracy of any information provided after the date of this presentation.  MICROSOFT MAKES NO WARRANTIES, EXPRESS, IMPLIED OR STATUTORY, AS TO THE INFORMATION IN THIS PRESENTATION.</a:t>
+            </a:r>
+            <a:endParaRPr lang="en-US" sz="400" dirty="0">
+              <a:gradFill>
+                <a:gsLst>
+                  <a:gs pos="0">
+                    <a:prstClr val="black"/>
+                  </a:gs>
+                  <a:gs pos="100000">
+                    <a:prstClr val="black"/>
+                  </a:gs>
+                </a:gsLst>
+                <a:lin ang="5400000" scaled="0"/>
+              </a:gradFill>
+              <a:latin typeface="Segoe UI" pitchFamily="34" charset="0"/>
+              <a:ea typeface="Segoe UI" pitchFamily="34" charset="0"/>
+              <a:cs typeface="Segoe UI" pitchFamily="34" charset="0"/>
+            </a:endParaRPr>
+          </a:p>
+        </p:txBody>
+      </p:sp>
+      <p:sp>
+        <p:nvSpPr>
+          <p:cNvPr id="6" name="Date Placeholder 5"/>
+          <p:cNvSpPr>
+            <a:spLocks noGrp="1"/>
+          </p:cNvSpPr>
+          <p:nvPr>
+            <p:ph type="dt" idx="12"/>
+          </p:nvPr>
+        </p:nvSpPr>
+        <p:spPr/>
+        <p:txBody>
+          <a:bodyPr/>
+          <a:lstStyle/>
+          <a:p>
+            <a:fld id="{CFA64FBE-D613-4251-8C47-A46D32E2625C}" type="datetime1">
+              <a:rPr lang="en-US" smtClean="0"/>
+              <a:t>11/15/2017</a:t>
+            </a:fld>
+            <a:endParaRPr lang="en-US" dirty="0"/>
+          </a:p>
+        </p:txBody>
+      </p:sp>
+      <p:sp>
+        <p:nvSpPr>
+          <p:cNvPr id="7" name="Slide Number Placeholder 6"/>
+          <p:cNvSpPr>
+            <a:spLocks noGrp="1"/>
+          </p:cNvSpPr>
+          <p:nvPr>
+            <p:ph type="sldNum" sz="quarter" idx="13"/>
+          </p:nvPr>
+        </p:nvSpPr>
+        <p:spPr/>
+        <p:txBody>
+          <a:bodyPr/>
+          <a:lstStyle/>
+          <a:p>
+            <a:fld id="{B4008EB6-D09E-4580-8CD6-DDB14511944F}" type="slidenum">
+              <a:rPr lang="en-US" smtClean="0"/>
+              <a:pPr/>
+              <a:t>9</a:t>
+            </a:fld>
+            <a:endParaRPr lang="en-US" dirty="0"/>
+          </a:p>
+        </p:txBody>
+      </p:sp>
+    </p:spTree>
+    <p:extLst>
+      <p:ext uri="{BB962C8B-B14F-4D97-AF65-F5344CB8AC3E}">
+        <p14:creationId xmlns:p14="http://schemas.microsoft.com/office/powerpoint/2010/main" val="4004411603"/>
       </p:ext>
     </p:extLst>
   </p:cSld>
@@ -6238,6 +6648,264 @@
 </p:sld>
 </file>
 
+<file path=ppt/slides/slide10.xml><?xml version="1.0" encoding="utf-8"?>
+<p:sld xmlns:a="http://schemas.openxmlformats.org/drawingml/2006/main" xmlns:r="http://schemas.openxmlformats.org/officeDocument/2006/relationships" xmlns:p="http://schemas.openxmlformats.org/presentationml/2006/main">
+  <p:cSld>
+    <p:bg>
+      <p:bgPr>
+        <a:solidFill>
+          <a:srgbClr val="BA141A"/>
+        </a:solidFill>
+        <a:effectLst/>
+      </p:bgPr>
+    </p:bg>
+    <p:spTree>
+      <p:nvGrpSpPr>
+        <p:cNvPr id="1" name=""/>
+        <p:cNvGrpSpPr/>
+        <p:nvPr/>
+      </p:nvGrpSpPr>
+      <p:grpSpPr>
+        <a:xfrm>
+          <a:off x="0" y="0"/>
+          <a:ext cx="0" cy="0"/>
+          <a:chOff x="0" y="0"/>
+          <a:chExt cx="0" cy="0"/>
+        </a:xfrm>
+      </p:grpSpPr>
+      <p:sp>
+        <p:nvSpPr>
+          <p:cNvPr id="2" name="Title 1"/>
+          <p:cNvSpPr>
+            <a:spLocks noGrp="1"/>
+          </p:cNvSpPr>
+          <p:nvPr>
+            <p:ph type="title"/>
+          </p:nvPr>
+        </p:nvSpPr>
+        <p:spPr/>
+        <p:txBody>
+          <a:bodyPr/>
+          <a:lstStyle/>
+          <a:p>
+            <a:r>
+              <a:rPr lang="da-DK" dirty="0">
+                <a:solidFill>
+                  <a:schemeClr val="bg1"/>
+                </a:solidFill>
+              </a:rPr>
+              <a:t>Final </a:t>
+            </a:r>
+            <a:r>
+              <a:rPr lang="da-DK" dirty="0" err="1">
+                <a:solidFill>
+                  <a:schemeClr val="bg1"/>
+                </a:solidFill>
+              </a:rPr>
+              <a:t>Lecture</a:t>
+            </a:r>
+            <a:r>
+              <a:rPr lang="da-DK" dirty="0">
+                <a:solidFill>
+                  <a:schemeClr val="bg1"/>
+                </a:solidFill>
+              </a:rPr>
+              <a:t> II</a:t>
+            </a:r>
+          </a:p>
+        </p:txBody>
+      </p:sp>
+      <p:sp>
+        <p:nvSpPr>
+          <p:cNvPr id="3" name="Text Placeholder 2"/>
+          <p:cNvSpPr>
+            <a:spLocks noGrp="1"/>
+          </p:cNvSpPr>
+          <p:nvPr>
+            <p:ph type="body" sz="quarter" idx="10"/>
+          </p:nvPr>
+        </p:nvSpPr>
+        <p:spPr>
+          <a:xfrm>
+            <a:off x="274209" y="1212850"/>
+            <a:ext cx="8778240" cy="4339650"/>
+          </a:xfrm>
+        </p:spPr>
+        <p:txBody>
+          <a:bodyPr/>
+          <a:lstStyle/>
+          <a:p>
+            <a:r>
+              <a:rPr lang="da-DK" dirty="0" err="1">
+                <a:solidFill>
+                  <a:schemeClr val="bg1"/>
+                </a:solidFill>
+              </a:rPr>
+              <a:t>Topics</a:t>
+            </a:r>
+            <a:r>
+              <a:rPr lang="da-DK" dirty="0">
+                <a:solidFill>
+                  <a:schemeClr val="bg1"/>
+                </a:solidFill>
+              </a:rPr>
+              <a:t>:</a:t>
+            </a:r>
+          </a:p>
+          <a:p>
+            <a:r>
+              <a:rPr lang="da-DK" dirty="0">
+                <a:solidFill>
+                  <a:schemeClr val="bg1"/>
+                </a:solidFill>
+              </a:rPr>
+              <a:t>Publishing apps to the cloud</a:t>
+            </a:r>
+          </a:p>
+          <a:p>
+            <a:r>
+              <a:rPr lang="da-DK" dirty="0" err="1">
+                <a:solidFill>
+                  <a:schemeClr val="bg1"/>
+                </a:solidFill>
+              </a:rPr>
+              <a:t>Exception</a:t>
+            </a:r>
+            <a:r>
+              <a:rPr lang="da-DK" dirty="0">
+                <a:solidFill>
+                  <a:schemeClr val="bg1"/>
+                </a:solidFill>
+              </a:rPr>
+              <a:t> handling</a:t>
+            </a:r>
+          </a:p>
+          <a:p>
+            <a:r>
+              <a:rPr lang="da-DK" dirty="0" err="1">
+                <a:solidFill>
+                  <a:schemeClr val="bg1"/>
+                </a:solidFill>
+              </a:rPr>
+              <a:t>IDisposable</a:t>
+            </a:r>
+            <a:endParaRPr lang="da-DK" dirty="0">
+              <a:solidFill>
+                <a:schemeClr val="bg1"/>
+              </a:solidFill>
+            </a:endParaRPr>
+          </a:p>
+          <a:p>
+            <a:r>
+              <a:rPr lang="da-DK" dirty="0" err="1">
+                <a:solidFill>
+                  <a:schemeClr val="bg1"/>
+                </a:solidFill>
+              </a:rPr>
+              <a:t>Settings</a:t>
+            </a:r>
+            <a:r>
+              <a:rPr lang="da-DK" dirty="0">
+                <a:solidFill>
+                  <a:schemeClr val="bg1"/>
+                </a:solidFill>
+              </a:rPr>
+              <a:t> and </a:t>
+            </a:r>
+            <a:r>
+              <a:rPr lang="da-DK" dirty="0" err="1">
+                <a:solidFill>
+                  <a:schemeClr val="bg1"/>
+                </a:solidFill>
+              </a:rPr>
+              <a:t>secrets</a:t>
+            </a:r>
+            <a:endParaRPr lang="da-DK" dirty="0">
+              <a:solidFill>
+                <a:schemeClr val="bg1"/>
+              </a:solidFill>
+            </a:endParaRPr>
+          </a:p>
+          <a:p>
+            <a:r>
+              <a:rPr lang="da-DK" dirty="0" err="1">
+                <a:solidFill>
+                  <a:schemeClr val="bg1"/>
+                </a:solidFill>
+              </a:rPr>
+              <a:t>Logging</a:t>
+            </a:r>
+            <a:endParaRPr lang="da-DK" dirty="0">
+              <a:solidFill>
+                <a:schemeClr val="bg1"/>
+              </a:solidFill>
+            </a:endParaRPr>
+          </a:p>
+          <a:p>
+            <a:r>
+              <a:rPr lang="da-DK" dirty="0" err="1">
+                <a:solidFill>
+                  <a:schemeClr val="bg1"/>
+                </a:solidFill>
+              </a:rPr>
+              <a:t>Exam</a:t>
+            </a:r>
+            <a:r>
+              <a:rPr lang="da-DK" dirty="0">
+                <a:solidFill>
+                  <a:schemeClr val="bg1"/>
+                </a:solidFill>
+              </a:rPr>
+              <a:t> format – </a:t>
+            </a:r>
+            <a:r>
+              <a:rPr lang="da-DK" dirty="0" err="1">
+                <a:solidFill>
+                  <a:schemeClr val="bg1"/>
+                </a:solidFill>
+              </a:rPr>
+              <a:t>degrees</a:t>
+            </a:r>
+            <a:r>
+              <a:rPr lang="da-DK" dirty="0">
+                <a:solidFill>
+                  <a:schemeClr val="bg1"/>
+                </a:solidFill>
+              </a:rPr>
+              <a:t> of </a:t>
+            </a:r>
+            <a:r>
+              <a:rPr lang="da-DK" dirty="0" err="1">
+                <a:solidFill>
+                  <a:schemeClr val="bg1"/>
+                </a:solidFill>
+              </a:rPr>
+              <a:t>evilness</a:t>
+            </a:r>
+            <a:endParaRPr lang="da-DK" dirty="0">
+              <a:solidFill>
+                <a:schemeClr val="bg1"/>
+              </a:solidFill>
+            </a:endParaRPr>
+          </a:p>
+        </p:txBody>
+      </p:sp>
+    </p:spTree>
+    <p:extLst>
+      <p:ext uri="{BB962C8B-B14F-4D97-AF65-F5344CB8AC3E}">
+        <p14:creationId xmlns:p14="http://schemas.microsoft.com/office/powerpoint/2010/main" val="3512292764"/>
+      </p:ext>
+    </p:extLst>
+  </p:cSld>
+  <p:clrMapOvr>
+    <a:masterClrMapping/>
+  </p:clrMapOvr>
+  <p:transition>
+    <p:fade/>
+  </p:transition>
+</p:sld>
+</file>
+
 <file path=ppt/slides/slide2.xml><?xml version="1.0" encoding="utf-8"?>
 <p:sld xmlns:a="http://schemas.openxmlformats.org/drawingml/2006/main" xmlns:r="http://schemas.openxmlformats.org/officeDocument/2006/relationships" xmlns:p="http://schemas.openxmlformats.org/presentationml/2006/main">
   <p:cSld>
@@ -6302,7 +6970,7 @@
         <p:spPr>
           <a:xfrm>
             <a:off x="274209" y="1212850"/>
-            <a:ext cx="8778240" cy="4702826"/>
+            <a:ext cx="8778240" cy="5096780"/>
           </a:xfrm>
         </p:spPr>
         <p:txBody>
@@ -6310,51 +6978,63 @@
           <a:lstStyle/>
           <a:p>
             <a:r>
-              <a:rPr lang="da-DK" dirty="0" err="1">
-                <a:solidFill>
-                  <a:schemeClr val="bg1"/>
-                </a:solidFill>
-              </a:rPr>
-              <a:t>Xamarin.Forms</a:t>
-            </a:r>
-            <a:endParaRPr lang="da-DK" dirty="0">
+              <a:rPr lang="da-DK" sz="3200" dirty="0">
+                <a:solidFill>
+                  <a:schemeClr val="bg1"/>
+                </a:solidFill>
+              </a:rPr>
+              <a:t>Course Evaluation</a:t>
+            </a:r>
+          </a:p>
+          <a:p>
+            <a:endParaRPr lang="da-DK" sz="3200" dirty="0">
               <a:solidFill>
                 <a:schemeClr val="bg1"/>
               </a:solidFill>
             </a:endParaRPr>
           </a:p>
           <a:p>
-            <a:endParaRPr lang="da-DK" sz="2800" dirty="0">
+            <a:r>
+              <a:rPr lang="da-DK" sz="3200" dirty="0" err="1">
+                <a:solidFill>
+                  <a:schemeClr val="bg1"/>
+                </a:solidFill>
+              </a:rPr>
+              <a:t>Xamarin.Forms</a:t>
+            </a:r>
+            <a:endParaRPr lang="da-DK" sz="3200" dirty="0">
               <a:solidFill>
                 <a:schemeClr val="bg1"/>
               </a:solidFill>
             </a:endParaRPr>
           </a:p>
           <a:p>
-            <a:r>
-              <a:rPr lang="da-DK" dirty="0">
-                <a:solidFill>
-                  <a:schemeClr val="bg1"/>
-                </a:solidFill>
-              </a:rPr>
-              <a:t>Security in ASP.NET, UWP, and </a:t>
-            </a:r>
-            <a:r>
-              <a:rPr lang="da-DK" dirty="0" err="1">
-                <a:solidFill>
-                  <a:schemeClr val="bg1"/>
-                </a:solidFill>
-              </a:rPr>
-              <a:t>Xamarin.Forms</a:t>
-            </a:r>
-            <a:endParaRPr lang="da-DK" dirty="0">
+            <a:endParaRPr lang="da-DK" sz="3200" dirty="0">
               <a:solidFill>
                 <a:schemeClr val="bg1"/>
               </a:solidFill>
             </a:endParaRPr>
           </a:p>
           <a:p>
-            <a:endParaRPr lang="da-DK" dirty="0">
+            <a:r>
+              <a:rPr lang="da-DK" sz="3200" dirty="0" err="1">
+                <a:solidFill>
+                  <a:schemeClr val="bg1"/>
+                </a:solidFill>
+              </a:rPr>
+              <a:t>Consuming</a:t>
+            </a:r>
+            <a:r>
+              <a:rPr lang="da-DK" sz="3200" dirty="0">
+                <a:solidFill>
+                  <a:schemeClr val="bg1"/>
+                </a:solidFill>
+              </a:rPr>
+              <a:t> a REST API</a:t>
+            </a:r>
+          </a:p>
+          <a:p>
+            <a:endParaRPr lang="da-DK" sz="3200" dirty="0">
               <a:solidFill>
                 <a:schemeClr val="bg1"/>
               </a:solidFill>
@@ -6362,37 +7042,29 @@
           </a:p>
           <a:p>
             <a:r>
-              <a:rPr lang="da-DK" dirty="0" err="1">
-                <a:solidFill>
-                  <a:schemeClr val="bg1"/>
-                </a:solidFill>
-              </a:rPr>
-              <a:t>Consuming</a:t>
-            </a:r>
-            <a:r>
-              <a:rPr lang="da-DK" dirty="0">
-                <a:solidFill>
-                  <a:schemeClr val="bg1"/>
-                </a:solidFill>
-              </a:rPr>
-              <a:t> a </a:t>
-            </a:r>
-            <a:r>
-              <a:rPr lang="da-DK">
-                <a:solidFill>
-                  <a:schemeClr val="bg1"/>
-                </a:solidFill>
-              </a:rPr>
-              <a:t>REST API</a:t>
-            </a:r>
-            <a:endParaRPr lang="da-DK" b="1" dirty="0">
+              <a:rPr lang="da-DK" sz="3200" dirty="0">
+                <a:solidFill>
+                  <a:schemeClr val="bg1"/>
+                </a:solidFill>
+              </a:rPr>
+              <a:t>Security in ASP.NET, UWP, and </a:t>
+            </a:r>
+            <a:r>
+              <a:rPr lang="da-DK" sz="3200" dirty="0" err="1">
+                <a:solidFill>
+                  <a:schemeClr val="bg1"/>
+                </a:solidFill>
+              </a:rPr>
+              <a:t>Xamarin.Forms</a:t>
+            </a:r>
+            <a:endParaRPr lang="da-DK" sz="3200" dirty="0">
               <a:solidFill>
                 <a:schemeClr val="bg1"/>
               </a:solidFill>
             </a:endParaRPr>
           </a:p>
           <a:p>
-            <a:endParaRPr lang="da-DK" dirty="0">
+            <a:endParaRPr lang="da-DK" sz="3200" dirty="0">
               <a:solidFill>
                 <a:schemeClr val="bg1"/>
               </a:solidFill>
@@ -6400,7 +7072,7 @@
           </a:p>
           <a:p>
             <a:r>
-              <a:rPr lang="da-DK" dirty="0">
+              <a:rPr lang="da-DK" sz="3200" dirty="0">
                 <a:solidFill>
                   <a:schemeClr val="bg1"/>
                 </a:solidFill>
@@ -6408,14 +7080,14 @@
               <a:t>Final </a:t>
             </a:r>
             <a:r>
-              <a:rPr lang="da-DK" dirty="0" err="1">
+              <a:rPr lang="da-DK" sz="3200" dirty="0" err="1">
                 <a:solidFill>
                   <a:schemeClr val="bg1"/>
                 </a:solidFill>
               </a:rPr>
               <a:t>lecture</a:t>
             </a:r>
-            <a:endParaRPr lang="da-DK" dirty="0">
+            <a:endParaRPr lang="da-DK" sz="3200" dirty="0">
               <a:solidFill>
                 <a:schemeClr val="bg1"/>
               </a:solidFill>
@@ -6440,6 +7112,344 @@
 </file>
 
 <file path=ppt/slides/slide3.xml><?xml version="1.0" encoding="utf-8"?>
+<p:sld xmlns:a="http://schemas.openxmlformats.org/drawingml/2006/main" xmlns:r="http://schemas.openxmlformats.org/officeDocument/2006/relationships" xmlns:p="http://schemas.openxmlformats.org/presentationml/2006/main">
+  <p:cSld>
+    <p:bg>
+      <p:bgPr>
+        <a:solidFill>
+          <a:srgbClr val="BA141A"/>
+        </a:solidFill>
+        <a:effectLst/>
+      </p:bgPr>
+    </p:bg>
+    <p:spTree>
+      <p:nvGrpSpPr>
+        <p:cNvPr id="1" name=""/>
+        <p:cNvGrpSpPr/>
+        <p:nvPr/>
+      </p:nvGrpSpPr>
+      <p:grpSpPr>
+        <a:xfrm>
+          <a:off x="0" y="0"/>
+          <a:ext cx="0" cy="0"/>
+          <a:chOff x="0" y="0"/>
+          <a:chExt cx="0" cy="0"/>
+        </a:xfrm>
+      </p:grpSpPr>
+      <p:sp>
+        <p:nvSpPr>
+          <p:cNvPr id="2" name="Title 1">
+            <a:extLst>
+              <a:ext uri="{FF2B5EF4-FFF2-40B4-BE49-F238E27FC236}">
+                <a16:creationId xmlns:a16="http://schemas.microsoft.com/office/drawing/2014/main" id="{87FECF1F-067C-4666-B0BB-217096BE9BFA}"/>
+              </a:ext>
+            </a:extLst>
+          </p:cNvPr>
+          <p:cNvSpPr>
+            <a:spLocks noGrp="1"/>
+          </p:cNvSpPr>
+          <p:nvPr>
+            <p:ph type="title"/>
+          </p:nvPr>
+        </p:nvSpPr>
+        <p:spPr/>
+        <p:txBody>
+          <a:bodyPr/>
+          <a:lstStyle/>
+          <a:p>
+            <a:r>
+              <a:rPr lang="en-US" dirty="0">
+                <a:solidFill>
+                  <a:schemeClr val="bg1"/>
+                </a:solidFill>
+              </a:rPr>
+              <a:t>Course Evaluation I/II</a:t>
+            </a:r>
+          </a:p>
+        </p:txBody>
+      </p:sp>
+      <p:sp>
+        <p:nvSpPr>
+          <p:cNvPr id="3" name="Text Placeholder 2">
+            <a:extLst>
+              <a:ext uri="{FF2B5EF4-FFF2-40B4-BE49-F238E27FC236}">
+                <a16:creationId xmlns:a16="http://schemas.microsoft.com/office/drawing/2014/main" id="{213BF694-4992-4902-8660-E909EBA5803A}"/>
+              </a:ext>
+            </a:extLst>
+          </p:cNvPr>
+          <p:cNvSpPr>
+            <a:spLocks noGrp="1"/>
+          </p:cNvSpPr>
+          <p:nvPr>
+            <p:ph type="body" sz="quarter" idx="10"/>
+          </p:nvPr>
+        </p:nvSpPr>
+        <p:spPr>
+          <a:xfrm>
+            <a:off x="274209" y="1212850"/>
+            <a:ext cx="8778240" cy="4838248"/>
+          </a:xfrm>
+        </p:spPr>
+        <p:txBody>
+          <a:bodyPr/>
+          <a:lstStyle/>
+          <a:p>
+            <a:r>
+              <a:rPr lang="en-US" dirty="0">
+                <a:solidFill>
+                  <a:schemeClr val="bg1"/>
+                </a:solidFill>
+              </a:rPr>
+              <a:t>Universal Windows Platform and latest bits</a:t>
+            </a:r>
+          </a:p>
+          <a:p>
+            <a:r>
+              <a:rPr lang="en-US" dirty="0">
+                <a:solidFill>
+                  <a:schemeClr val="bg1"/>
+                </a:solidFill>
+              </a:rPr>
+              <a:t>Java</a:t>
+            </a:r>
+          </a:p>
+          <a:p>
+            <a:r>
+              <a:rPr lang="en-US" dirty="0">
+                <a:solidFill>
+                  <a:schemeClr val="bg1"/>
+                </a:solidFill>
+              </a:rPr>
+              <a:t>Mandatory exercises</a:t>
+            </a:r>
+          </a:p>
+          <a:p>
+            <a:r>
+              <a:rPr lang="en-US" dirty="0">
+                <a:solidFill>
+                  <a:schemeClr val="bg1"/>
+                </a:solidFill>
+              </a:rPr>
+              <a:t>The Book </a:t>
+            </a:r>
+          </a:p>
+          <a:p>
+            <a:r>
+              <a:rPr lang="en-US" dirty="0">
+                <a:solidFill>
+                  <a:schemeClr val="bg1"/>
+                </a:solidFill>
+              </a:rPr>
+              <a:t>Microsoft propaganda</a:t>
+            </a:r>
+          </a:p>
+          <a:p>
+            <a:r>
+              <a:rPr lang="en-US" dirty="0">
+                <a:solidFill>
+                  <a:schemeClr val="bg1"/>
+                </a:solidFill>
+              </a:rPr>
+              <a:t>Work load</a:t>
+            </a:r>
+          </a:p>
+          <a:p>
+            <a:r>
+              <a:rPr lang="en-US" dirty="0">
+                <a:solidFill>
+                  <a:schemeClr val="bg1"/>
+                </a:solidFill>
+              </a:rPr>
+              <a:t>Condescending, intimidating, arrogant, know-it-all, mind-blind</a:t>
+            </a:r>
+          </a:p>
+        </p:txBody>
+      </p:sp>
+    </p:spTree>
+    <p:extLst>
+      <p:ext uri="{BB962C8B-B14F-4D97-AF65-F5344CB8AC3E}">
+        <p14:creationId xmlns:p14="http://schemas.microsoft.com/office/powerpoint/2010/main" val="721018324"/>
+      </p:ext>
+    </p:extLst>
+  </p:cSld>
+  <p:clrMapOvr>
+    <a:masterClrMapping/>
+  </p:clrMapOvr>
+  <p:transition>
+    <p:fade/>
+  </p:transition>
+</p:sld>
+</file>
+
+<file path=ppt/slides/slide4.xml><?xml version="1.0" encoding="utf-8"?>
+<p:sld xmlns:a="http://schemas.openxmlformats.org/drawingml/2006/main" xmlns:r="http://schemas.openxmlformats.org/officeDocument/2006/relationships" xmlns:p="http://schemas.openxmlformats.org/presentationml/2006/main">
+  <p:cSld>
+    <p:bg>
+      <p:bgPr>
+        <a:solidFill>
+          <a:srgbClr val="BA141A"/>
+        </a:solidFill>
+        <a:effectLst/>
+      </p:bgPr>
+    </p:bg>
+    <p:spTree>
+      <p:nvGrpSpPr>
+        <p:cNvPr id="1" name=""/>
+        <p:cNvGrpSpPr/>
+        <p:nvPr/>
+      </p:nvGrpSpPr>
+      <p:grpSpPr>
+        <a:xfrm>
+          <a:off x="0" y="0"/>
+          <a:ext cx="0" cy="0"/>
+          <a:chOff x="0" y="0"/>
+          <a:chExt cx="0" cy="0"/>
+        </a:xfrm>
+      </p:grpSpPr>
+      <p:sp>
+        <p:nvSpPr>
+          <p:cNvPr id="2" name="Title 1">
+            <a:extLst>
+              <a:ext uri="{FF2B5EF4-FFF2-40B4-BE49-F238E27FC236}">
+                <a16:creationId xmlns:a16="http://schemas.microsoft.com/office/drawing/2014/main" id="{87FECF1F-067C-4666-B0BB-217096BE9BFA}"/>
+              </a:ext>
+            </a:extLst>
+          </p:cNvPr>
+          <p:cNvSpPr>
+            <a:spLocks noGrp="1"/>
+          </p:cNvSpPr>
+          <p:nvPr>
+            <p:ph type="title"/>
+          </p:nvPr>
+        </p:nvSpPr>
+        <p:spPr/>
+        <p:txBody>
+          <a:bodyPr/>
+          <a:lstStyle/>
+          <a:p>
+            <a:r>
+              <a:rPr lang="en-US" dirty="0">
+                <a:solidFill>
+                  <a:schemeClr val="bg1"/>
+                </a:solidFill>
+              </a:rPr>
+              <a:t>Course Evaluation II/II</a:t>
+            </a:r>
+          </a:p>
+        </p:txBody>
+      </p:sp>
+      <p:sp>
+        <p:nvSpPr>
+          <p:cNvPr id="3" name="Text Placeholder 2">
+            <a:extLst>
+              <a:ext uri="{FF2B5EF4-FFF2-40B4-BE49-F238E27FC236}">
+                <a16:creationId xmlns:a16="http://schemas.microsoft.com/office/drawing/2014/main" id="{213BF694-4992-4902-8660-E909EBA5803A}"/>
+              </a:ext>
+            </a:extLst>
+          </p:cNvPr>
+          <p:cNvSpPr>
+            <a:spLocks noGrp="1"/>
+          </p:cNvSpPr>
+          <p:nvPr>
+            <p:ph type="body" sz="quarter" idx="10"/>
+          </p:nvPr>
+        </p:nvSpPr>
+        <p:spPr>
+          <a:xfrm>
+            <a:off x="274209" y="1212850"/>
+            <a:ext cx="8778240" cy="4339650"/>
+          </a:xfrm>
+        </p:spPr>
+        <p:txBody>
+          <a:bodyPr/>
+          <a:lstStyle/>
+          <a:p>
+            <a:r>
+              <a:rPr lang="en-US" dirty="0">
+                <a:solidFill>
+                  <a:schemeClr val="bg1"/>
+                </a:solidFill>
+              </a:rPr>
+              <a:t>Next year:</a:t>
+            </a:r>
+          </a:p>
+          <a:p>
+            <a:endParaRPr lang="en-US" dirty="0">
+              <a:solidFill>
+                <a:schemeClr val="bg1"/>
+              </a:solidFill>
+            </a:endParaRPr>
+          </a:p>
+          <a:p>
+            <a:r>
+              <a:rPr lang="en-US" dirty="0">
+                <a:solidFill>
+                  <a:schemeClr val="bg1"/>
+                </a:solidFill>
+              </a:rPr>
+              <a:t>Swap lecture days</a:t>
+            </a:r>
+          </a:p>
+          <a:p>
+            <a:r>
+              <a:rPr lang="en-US" dirty="0">
+                <a:solidFill>
+                  <a:schemeClr val="bg1"/>
+                </a:solidFill>
+              </a:rPr>
+              <a:t>New book?</a:t>
+            </a:r>
+          </a:p>
+          <a:p>
+            <a:r>
+              <a:rPr lang="en-US" dirty="0">
+                <a:solidFill>
+                  <a:schemeClr val="bg1"/>
+                </a:solidFill>
+              </a:rPr>
+              <a:t>Reduce GUI part?</a:t>
+            </a:r>
+          </a:p>
+          <a:p>
+            <a:r>
+              <a:rPr lang="en-US" dirty="0">
+                <a:solidFill>
+                  <a:schemeClr val="bg1"/>
+                </a:solidFill>
+              </a:rPr>
+              <a:t>Exercises slightly smaller</a:t>
+            </a:r>
+          </a:p>
+          <a:p>
+            <a:pPr marL="571500" indent="-571500">
+              <a:buFont typeface="Arial" panose="020B0604020202020204" pitchFamily="34" charset="0"/>
+              <a:buChar char="•"/>
+            </a:pPr>
+            <a:endParaRPr lang="en-US" dirty="0">
+              <a:solidFill>
+                <a:schemeClr val="bg1"/>
+              </a:solidFill>
+            </a:endParaRPr>
+          </a:p>
+        </p:txBody>
+      </p:sp>
+    </p:spTree>
+    <p:extLst>
+      <p:ext uri="{BB962C8B-B14F-4D97-AF65-F5344CB8AC3E}">
+        <p14:creationId xmlns:p14="http://schemas.microsoft.com/office/powerpoint/2010/main" val="2811258881"/>
+      </p:ext>
+    </p:extLst>
+  </p:cSld>
+  <p:clrMapOvr>
+    <a:masterClrMapping/>
+  </p:clrMapOvr>
+  <p:transition>
+    <p:fade/>
+  </p:transition>
+</p:sld>
+</file>
+
+<file path=ppt/slides/slide5.xml><?xml version="1.0" encoding="utf-8"?>
 <p:sld xmlns:a="http://schemas.openxmlformats.org/drawingml/2006/main" xmlns:r="http://schemas.openxmlformats.org/officeDocument/2006/relationships" xmlns:p="http://schemas.openxmlformats.org/presentationml/2006/main">
   <p:cSld>
     <p:bg>
@@ -6696,7 +7706,7 @@
 </p:sld>
 </file>
 
-<file path=ppt/slides/slide4.xml><?xml version="1.0" encoding="utf-8"?>
+<file path=ppt/slides/slide6.xml><?xml version="1.0" encoding="utf-8"?>
 <p:sld xmlns:a="http://schemas.openxmlformats.org/drawingml/2006/main" xmlns:r="http://schemas.openxmlformats.org/officeDocument/2006/relationships" xmlns:p="http://schemas.openxmlformats.org/presentationml/2006/main">
   <p:cSld>
     <p:bg>
@@ -7170,545 +8180,6 @@
     <p:extLst>
       <p:ext uri="{BB962C8B-B14F-4D97-AF65-F5344CB8AC3E}">
         <p14:creationId xmlns:p14="http://schemas.microsoft.com/office/powerpoint/2010/main" val="1528964979"/>
-      </p:ext>
-    </p:extLst>
-  </p:cSld>
-  <p:clrMapOvr>
-    <a:masterClrMapping/>
-  </p:clrMapOvr>
-  <p:transition>
-    <p:fade/>
-  </p:transition>
-</p:sld>
-</file>
-
-<file path=ppt/slides/slide5.xml><?xml version="1.0" encoding="utf-8"?>
-<p:sld xmlns:a="http://schemas.openxmlformats.org/drawingml/2006/main" xmlns:r="http://schemas.openxmlformats.org/officeDocument/2006/relationships" xmlns:p="http://schemas.openxmlformats.org/presentationml/2006/main">
-  <p:cSld>
-    <p:bg>
-      <p:bgPr>
-        <a:solidFill>
-          <a:srgbClr val="BA141A"/>
-        </a:solidFill>
-        <a:effectLst/>
-      </p:bgPr>
-    </p:bg>
-    <p:spTree>
-      <p:nvGrpSpPr>
-        <p:cNvPr id="1" name=""/>
-        <p:cNvGrpSpPr/>
-        <p:nvPr/>
-      </p:nvGrpSpPr>
-      <p:grpSpPr>
-        <a:xfrm>
-          <a:off x="0" y="0"/>
-          <a:ext cx="0" cy="0"/>
-          <a:chOff x="0" y="0"/>
-          <a:chExt cx="0" cy="0"/>
-        </a:xfrm>
-      </p:grpSpPr>
-      <p:sp>
-        <p:nvSpPr>
-          <p:cNvPr id="2" name="Title 1"/>
-          <p:cNvSpPr>
-            <a:spLocks noGrp="1"/>
-          </p:cNvSpPr>
-          <p:nvPr>
-            <p:ph type="title"/>
-          </p:nvPr>
-        </p:nvSpPr>
-        <p:spPr/>
-        <p:txBody>
-          <a:bodyPr/>
-          <a:lstStyle/>
-          <a:p>
-            <a:r>
-              <a:rPr lang="da-DK" dirty="0">
-                <a:solidFill>
-                  <a:schemeClr val="bg1"/>
-                </a:solidFill>
-              </a:rPr>
-              <a:t>Final </a:t>
-            </a:r>
-            <a:r>
-              <a:rPr lang="da-DK" dirty="0" err="1">
-                <a:solidFill>
-                  <a:schemeClr val="bg1"/>
-                </a:solidFill>
-              </a:rPr>
-              <a:t>Lecture</a:t>
-            </a:r>
-            <a:endParaRPr lang="da-DK" dirty="0"/>
-          </a:p>
-        </p:txBody>
-      </p:sp>
-      <p:sp>
-        <p:nvSpPr>
-          <p:cNvPr id="3" name="Text Placeholder 2"/>
-          <p:cNvSpPr>
-            <a:spLocks noGrp="1"/>
-          </p:cNvSpPr>
-          <p:nvPr>
-            <p:ph type="body" sz="quarter" idx="10"/>
-          </p:nvPr>
-        </p:nvSpPr>
-        <p:spPr>
-          <a:xfrm>
-            <a:off x="274209" y="1212850"/>
-            <a:ext cx="8778240" cy="1902059"/>
-          </a:xfrm>
-        </p:spPr>
-        <p:txBody>
-          <a:bodyPr/>
-          <a:lstStyle/>
-          <a:p>
-            <a:r>
-              <a:rPr lang="da-DK" dirty="0">
-                <a:solidFill>
-                  <a:schemeClr val="bg1"/>
-                </a:solidFill>
-              </a:rPr>
-              <a:t>23 November 2017</a:t>
-            </a:r>
-          </a:p>
-          <a:p>
-            <a:endParaRPr lang="da-DK" dirty="0">
-              <a:solidFill>
-                <a:schemeClr val="bg1"/>
-              </a:solidFill>
-            </a:endParaRPr>
-          </a:p>
-          <a:p>
-            <a:r>
-              <a:rPr lang="da-DK" dirty="0" err="1">
-                <a:solidFill>
-                  <a:schemeClr val="bg1"/>
-                </a:solidFill>
-              </a:rPr>
-              <a:t>Recap</a:t>
-            </a:r>
-            <a:r>
-              <a:rPr lang="da-DK" dirty="0">
-                <a:solidFill>
-                  <a:schemeClr val="bg1"/>
-                </a:solidFill>
-              </a:rPr>
-              <a:t> / repetition – </a:t>
-            </a:r>
-            <a:r>
-              <a:rPr lang="da-DK" dirty="0" err="1">
-                <a:solidFill>
-                  <a:schemeClr val="bg1"/>
-                </a:solidFill>
-              </a:rPr>
-              <a:t>what</a:t>
-            </a:r>
-            <a:r>
-              <a:rPr lang="da-DK" dirty="0">
-                <a:solidFill>
-                  <a:schemeClr val="bg1"/>
-                </a:solidFill>
-              </a:rPr>
-              <a:t> do </a:t>
-            </a:r>
-            <a:r>
-              <a:rPr lang="da-DK" dirty="0" err="1">
-                <a:solidFill>
-                  <a:schemeClr val="bg1"/>
-                </a:solidFill>
-              </a:rPr>
-              <a:t>you</a:t>
-            </a:r>
-            <a:r>
-              <a:rPr lang="da-DK" dirty="0">
-                <a:solidFill>
-                  <a:schemeClr val="bg1"/>
-                </a:solidFill>
-              </a:rPr>
-              <a:t> </a:t>
-            </a:r>
-            <a:r>
-              <a:rPr lang="da-DK" dirty="0" err="1">
-                <a:solidFill>
-                  <a:schemeClr val="bg1"/>
-                </a:solidFill>
-              </a:rPr>
-              <a:t>need</a:t>
-            </a:r>
-            <a:r>
-              <a:rPr lang="da-DK" dirty="0">
-                <a:solidFill>
-                  <a:schemeClr val="bg1"/>
-                </a:solidFill>
-              </a:rPr>
-              <a:t>?</a:t>
-            </a:r>
-          </a:p>
-        </p:txBody>
-      </p:sp>
-    </p:spTree>
-    <p:extLst>
-      <p:ext uri="{BB962C8B-B14F-4D97-AF65-F5344CB8AC3E}">
-        <p14:creationId xmlns:p14="http://schemas.microsoft.com/office/powerpoint/2010/main" val="3493958456"/>
-      </p:ext>
-    </p:extLst>
-  </p:cSld>
-  <p:clrMapOvr>
-    <a:masterClrMapping/>
-  </p:clrMapOvr>
-  <p:transition>
-    <p:fade/>
-  </p:transition>
-</p:sld>
-</file>
-
-<file path=ppt/slides/slide6.xml><?xml version="1.0" encoding="utf-8"?>
-<p:sld xmlns:a="http://schemas.openxmlformats.org/drawingml/2006/main" xmlns:r="http://schemas.openxmlformats.org/officeDocument/2006/relationships" xmlns:p="http://schemas.openxmlformats.org/presentationml/2006/main">
-  <p:cSld>
-    <p:bg>
-      <p:bgPr>
-        <a:solidFill>
-          <a:srgbClr val="007233"/>
-        </a:solidFill>
-        <a:effectLst/>
-      </p:bgPr>
-    </p:bg>
-    <p:spTree>
-      <p:nvGrpSpPr>
-        <p:cNvPr id="1" name=""/>
-        <p:cNvGrpSpPr/>
-        <p:nvPr/>
-      </p:nvGrpSpPr>
-      <p:grpSpPr>
-        <a:xfrm>
-          <a:off x="0" y="0"/>
-          <a:ext cx="0" cy="0"/>
-          <a:chOff x="0" y="0"/>
-          <a:chExt cx="0" cy="0"/>
-        </a:xfrm>
-      </p:grpSpPr>
-      <p:sp>
-        <p:nvSpPr>
-          <p:cNvPr id="2" name="Title 1">
-            <a:extLst>
-              <a:ext uri="{FF2B5EF4-FFF2-40B4-BE49-F238E27FC236}">
-                <a16:creationId xmlns:a16="http://schemas.microsoft.com/office/drawing/2014/main" id="{872A787B-93B2-4072-91D2-2213BEEBBCF3}"/>
-              </a:ext>
-            </a:extLst>
-          </p:cNvPr>
-          <p:cNvSpPr>
-            <a:spLocks noGrp="1"/>
-          </p:cNvSpPr>
-          <p:nvPr>
-            <p:ph type="title"/>
-          </p:nvPr>
-        </p:nvSpPr>
-        <p:spPr/>
-        <p:txBody>
-          <a:bodyPr/>
-          <a:lstStyle/>
-          <a:p>
-            <a:r>
-              <a:rPr lang="en-US" dirty="0">
-                <a:solidFill>
-                  <a:schemeClr val="bg1"/>
-                </a:solidFill>
-              </a:rPr>
-              <a:t>Swagger I/II</a:t>
-            </a:r>
-          </a:p>
-        </p:txBody>
-      </p:sp>
-      <p:sp>
-        <p:nvSpPr>
-          <p:cNvPr id="3" name="Text Placeholder 2">
-            <a:extLst>
-              <a:ext uri="{FF2B5EF4-FFF2-40B4-BE49-F238E27FC236}">
-                <a16:creationId xmlns:a16="http://schemas.microsoft.com/office/drawing/2014/main" id="{97ADE499-75F6-49F0-8F6D-8C18236064EC}"/>
-              </a:ext>
-            </a:extLst>
-          </p:cNvPr>
-          <p:cNvSpPr>
-            <a:spLocks noGrp="1"/>
-          </p:cNvSpPr>
-          <p:nvPr>
-            <p:ph type="body" sz="quarter" idx="10"/>
-          </p:nvPr>
-        </p:nvSpPr>
-        <p:spPr>
-          <a:xfrm>
-            <a:off x="274209" y="1212850"/>
-            <a:ext cx="8778240" cy="5139869"/>
-          </a:xfrm>
-        </p:spPr>
-        <p:txBody>
-          <a:bodyPr/>
-          <a:lstStyle/>
-          <a:p>
-            <a:r>
-              <a:rPr lang="en-US" sz="2000" dirty="0">
-                <a:solidFill>
-                  <a:schemeClr val="bg1"/>
-                </a:solidFill>
-                <a:latin typeface="Consolas" panose="020B0609020204030204" pitchFamily="49" charset="0"/>
-              </a:rPr>
-              <a:t>PS&gt; Install-Package </a:t>
-            </a:r>
-            <a:r>
-              <a:rPr lang="en-US" sz="2000" dirty="0" err="1">
-                <a:solidFill>
-                  <a:schemeClr val="bg1"/>
-                </a:solidFill>
-                <a:latin typeface="Consolas" panose="020B0609020204030204" pitchFamily="49" charset="0"/>
-              </a:rPr>
-              <a:t>Swashbuckle.AspNetCore</a:t>
-            </a:r>
-            <a:endParaRPr lang="en-US" sz="2000" dirty="0">
-              <a:solidFill>
-                <a:schemeClr val="bg1"/>
-              </a:solidFill>
-              <a:latin typeface="Consolas" panose="020B0609020204030204" pitchFamily="49" charset="0"/>
-            </a:endParaRPr>
-          </a:p>
-          <a:p>
-            <a:endParaRPr lang="en-US" sz="2000" dirty="0">
-              <a:solidFill>
-                <a:schemeClr val="bg1"/>
-              </a:solidFill>
-              <a:latin typeface="Consolas" panose="020B0609020204030204" pitchFamily="49" charset="0"/>
-            </a:endParaRPr>
-          </a:p>
-          <a:p>
-            <a:r>
-              <a:rPr lang="en-US" sz="2000" dirty="0" err="1">
-                <a:solidFill>
-                  <a:schemeClr val="bg1"/>
-                </a:solidFill>
-                <a:latin typeface="Consolas" panose="020B0609020204030204" pitchFamily="49" charset="0"/>
-              </a:rPr>
-              <a:t>services.AddRouting</a:t>
-            </a:r>
-            <a:r>
-              <a:rPr lang="en-US" sz="2000" dirty="0">
-                <a:solidFill>
-                  <a:schemeClr val="bg1"/>
-                </a:solidFill>
-                <a:latin typeface="Consolas" panose="020B0609020204030204" pitchFamily="49" charset="0"/>
-              </a:rPr>
-              <a:t>(options =&gt;</a:t>
-            </a:r>
-          </a:p>
-          <a:p>
-            <a:r>
-              <a:rPr lang="en-US" sz="2000" dirty="0">
-                <a:solidFill>
-                  <a:schemeClr val="bg1"/>
-                </a:solidFill>
-                <a:latin typeface="Consolas" panose="020B0609020204030204" pitchFamily="49" charset="0"/>
-              </a:rPr>
-              <a:t>{</a:t>
-            </a:r>
-          </a:p>
-          <a:p>
-            <a:r>
-              <a:rPr lang="en-US" sz="2000" dirty="0">
-                <a:solidFill>
-                  <a:schemeClr val="bg1"/>
-                </a:solidFill>
-                <a:latin typeface="Consolas" panose="020B0609020204030204" pitchFamily="49" charset="0"/>
-              </a:rPr>
-              <a:t>    </a:t>
-            </a:r>
-            <a:r>
-              <a:rPr lang="en-US" sz="2000" dirty="0" err="1">
-                <a:solidFill>
-                  <a:schemeClr val="bg1"/>
-                </a:solidFill>
-                <a:latin typeface="Consolas" panose="020B0609020204030204" pitchFamily="49" charset="0"/>
-              </a:rPr>
-              <a:t>options.LowercaseUrls</a:t>
-            </a:r>
-            <a:r>
-              <a:rPr lang="en-US" sz="2000" dirty="0">
-                <a:solidFill>
-                  <a:schemeClr val="bg1"/>
-                </a:solidFill>
-                <a:latin typeface="Consolas" panose="020B0609020204030204" pitchFamily="49" charset="0"/>
-              </a:rPr>
-              <a:t> = true;</a:t>
-            </a:r>
-          </a:p>
-          <a:p>
-            <a:r>
-              <a:rPr lang="en-US" sz="2000" dirty="0">
-                <a:solidFill>
-                  <a:schemeClr val="bg1"/>
-                </a:solidFill>
-                <a:latin typeface="Consolas" panose="020B0609020204030204" pitchFamily="49" charset="0"/>
-              </a:rPr>
-              <a:t>});</a:t>
-            </a:r>
-          </a:p>
-          <a:p>
-            <a:endParaRPr lang="en-US" sz="2000" dirty="0">
-              <a:solidFill>
-                <a:schemeClr val="bg1"/>
-              </a:solidFill>
-              <a:latin typeface="Consolas" panose="020B0609020204030204" pitchFamily="49" charset="0"/>
-            </a:endParaRPr>
-          </a:p>
-          <a:p>
-            <a:r>
-              <a:rPr lang="en-US" sz="2000" dirty="0" err="1">
-                <a:solidFill>
-                  <a:schemeClr val="bg1"/>
-                </a:solidFill>
-                <a:latin typeface="Consolas" panose="020B0609020204030204" pitchFamily="49" charset="0"/>
-              </a:rPr>
-              <a:t>services.AddSwaggerGen</a:t>
-            </a:r>
-            <a:r>
-              <a:rPr lang="en-US" sz="2000" dirty="0">
-                <a:solidFill>
-                  <a:schemeClr val="bg1"/>
-                </a:solidFill>
-                <a:latin typeface="Consolas" panose="020B0609020204030204" pitchFamily="49" charset="0"/>
-              </a:rPr>
-              <a:t>(c =&gt;</a:t>
-            </a:r>
-          </a:p>
-          <a:p>
-            <a:r>
-              <a:rPr lang="en-US" sz="2000" dirty="0">
-                <a:solidFill>
-                  <a:schemeClr val="bg1"/>
-                </a:solidFill>
-                <a:latin typeface="Consolas" panose="020B0609020204030204" pitchFamily="49" charset="0"/>
-              </a:rPr>
-              <a:t>{</a:t>
-            </a:r>
-          </a:p>
-          <a:p>
-            <a:r>
-              <a:rPr lang="en-US" sz="2000" dirty="0">
-                <a:solidFill>
-                  <a:schemeClr val="bg1"/>
-                </a:solidFill>
-                <a:latin typeface="Consolas" panose="020B0609020204030204" pitchFamily="49" charset="0"/>
-              </a:rPr>
-              <a:t>    </a:t>
-            </a:r>
-            <a:r>
-              <a:rPr lang="en-US" sz="2000" dirty="0" err="1">
-                <a:solidFill>
-                  <a:schemeClr val="bg1"/>
-                </a:solidFill>
-                <a:latin typeface="Consolas" panose="020B0609020204030204" pitchFamily="49" charset="0"/>
-              </a:rPr>
-              <a:t>c.SwaggerDoc</a:t>
-            </a:r>
-            <a:r>
-              <a:rPr lang="en-US" sz="2000" dirty="0">
-                <a:solidFill>
-                  <a:schemeClr val="bg1"/>
-                </a:solidFill>
-                <a:latin typeface="Consolas" panose="020B0609020204030204" pitchFamily="49" charset="0"/>
-              </a:rPr>
-              <a:t>("v1", new Info { Title = "MVOW B2B API", Version = "v1" });</a:t>
-            </a:r>
-          </a:p>
-          <a:p>
-            <a:r>
-              <a:rPr lang="en-US" sz="2000" dirty="0">
-                <a:solidFill>
-                  <a:schemeClr val="bg1"/>
-                </a:solidFill>
-                <a:latin typeface="Consolas" panose="020B0609020204030204" pitchFamily="49" charset="0"/>
-              </a:rPr>
-              <a:t>    </a:t>
-            </a:r>
-            <a:r>
-              <a:rPr lang="en-US" sz="2000" dirty="0" err="1">
-                <a:solidFill>
-                  <a:schemeClr val="bg1"/>
-                </a:solidFill>
-                <a:latin typeface="Consolas" panose="020B0609020204030204" pitchFamily="49" charset="0"/>
-              </a:rPr>
-              <a:t>c.DocumentFilter</a:t>
-            </a:r>
-            <a:r>
-              <a:rPr lang="en-US" sz="2000" dirty="0">
-                <a:solidFill>
-                  <a:schemeClr val="bg1"/>
-                </a:solidFill>
-                <a:latin typeface="Consolas" panose="020B0609020204030204" pitchFamily="49" charset="0"/>
-              </a:rPr>
-              <a:t>&lt;</a:t>
-            </a:r>
-            <a:r>
-              <a:rPr lang="en-US" sz="2000" dirty="0" err="1">
-                <a:solidFill>
-                  <a:schemeClr val="bg1"/>
-                </a:solidFill>
-                <a:latin typeface="Consolas" panose="020B0609020204030204" pitchFamily="49" charset="0"/>
-              </a:rPr>
-              <a:t>LowerCaseDocumentFilter</a:t>
-            </a:r>
-            <a:r>
-              <a:rPr lang="en-US" sz="2000" dirty="0">
-                <a:solidFill>
-                  <a:schemeClr val="bg1"/>
-                </a:solidFill>
-                <a:latin typeface="Consolas" panose="020B0609020204030204" pitchFamily="49" charset="0"/>
-              </a:rPr>
-              <a:t>&gt;();</a:t>
-            </a:r>
-          </a:p>
-          <a:p>
-            <a:r>
-              <a:rPr lang="en-US" sz="2000" dirty="0">
-                <a:solidFill>
-                  <a:schemeClr val="bg1"/>
-                </a:solidFill>
-                <a:latin typeface="Consolas" panose="020B0609020204030204" pitchFamily="49" charset="0"/>
-              </a:rPr>
-              <a:t>});</a:t>
-            </a:r>
-          </a:p>
-          <a:p>
-            <a:endParaRPr lang="en-US" sz="2000" dirty="0">
-              <a:solidFill>
-                <a:schemeClr val="bg1"/>
-              </a:solidFill>
-              <a:latin typeface="Consolas" panose="020B0609020204030204" pitchFamily="49" charset="0"/>
-            </a:endParaRPr>
-          </a:p>
-          <a:p>
-            <a:r>
-              <a:rPr lang="en-US" sz="2000" dirty="0" err="1">
-                <a:solidFill>
-                  <a:schemeClr val="bg1"/>
-                </a:solidFill>
-                <a:latin typeface="Consolas" panose="020B0609020204030204" pitchFamily="49" charset="0"/>
-              </a:rPr>
-              <a:t>app.UseSwagger</a:t>
-            </a:r>
-            <a:r>
-              <a:rPr lang="en-US" sz="2000" dirty="0">
-                <a:solidFill>
-                  <a:schemeClr val="bg1"/>
-                </a:solidFill>
-                <a:latin typeface="Consolas" panose="020B0609020204030204" pitchFamily="49" charset="0"/>
-              </a:rPr>
-              <a:t>();</a:t>
-            </a:r>
-          </a:p>
-        </p:txBody>
-      </p:sp>
-    </p:spTree>
-    <p:extLst>
-      <p:ext uri="{BB962C8B-B14F-4D97-AF65-F5344CB8AC3E}">
-        <p14:creationId xmlns:p14="http://schemas.microsoft.com/office/powerpoint/2010/main" val="3428255184"/>
       </p:ext>
     </p:extLst>
   </p:cSld>
@@ -7773,6 +8244,365 @@
                   <a:schemeClr val="bg1"/>
                 </a:solidFill>
               </a:rPr>
+              <a:t>Swagger I/II</a:t>
+            </a:r>
+          </a:p>
+        </p:txBody>
+      </p:sp>
+      <p:sp>
+        <p:nvSpPr>
+          <p:cNvPr id="3" name="Text Placeholder 2">
+            <a:extLst>
+              <a:ext uri="{FF2B5EF4-FFF2-40B4-BE49-F238E27FC236}">
+                <a16:creationId xmlns:a16="http://schemas.microsoft.com/office/drawing/2014/main" id="{97ADE499-75F6-49F0-8F6D-8C18236064EC}"/>
+              </a:ext>
+            </a:extLst>
+          </p:cNvPr>
+          <p:cNvSpPr>
+            <a:spLocks noGrp="1"/>
+          </p:cNvSpPr>
+          <p:nvPr>
+            <p:ph type="body" sz="quarter" idx="10"/>
+          </p:nvPr>
+        </p:nvSpPr>
+        <p:spPr>
+          <a:xfrm>
+            <a:off x="274209" y="1212850"/>
+            <a:ext cx="8778240" cy="5139869"/>
+          </a:xfrm>
+        </p:spPr>
+        <p:txBody>
+          <a:bodyPr/>
+          <a:lstStyle/>
+          <a:p>
+            <a:r>
+              <a:rPr lang="en-US" sz="2000" dirty="0">
+                <a:solidFill>
+                  <a:schemeClr val="bg1"/>
+                </a:solidFill>
+                <a:latin typeface="Consolas" panose="020B0609020204030204" pitchFamily="49" charset="0"/>
+              </a:rPr>
+              <a:t>PS&gt; Install-Package </a:t>
+            </a:r>
+            <a:r>
+              <a:rPr lang="en-US" sz="2000" dirty="0" err="1">
+                <a:solidFill>
+                  <a:schemeClr val="bg1"/>
+                </a:solidFill>
+                <a:latin typeface="Consolas" panose="020B0609020204030204" pitchFamily="49" charset="0"/>
+              </a:rPr>
+              <a:t>Swashbuckle.AspNetCore</a:t>
+            </a:r>
+            <a:endParaRPr lang="en-US" sz="2000" dirty="0">
+              <a:solidFill>
+                <a:schemeClr val="bg1"/>
+              </a:solidFill>
+              <a:latin typeface="Consolas" panose="020B0609020204030204" pitchFamily="49" charset="0"/>
+            </a:endParaRPr>
+          </a:p>
+          <a:p>
+            <a:endParaRPr lang="en-US" sz="2000" dirty="0">
+              <a:solidFill>
+                <a:schemeClr val="bg1"/>
+              </a:solidFill>
+              <a:latin typeface="Consolas" panose="020B0609020204030204" pitchFamily="49" charset="0"/>
+            </a:endParaRPr>
+          </a:p>
+          <a:p>
+            <a:r>
+              <a:rPr lang="en-US" sz="2000" dirty="0" err="1">
+                <a:solidFill>
+                  <a:schemeClr val="bg1"/>
+                </a:solidFill>
+                <a:latin typeface="Consolas" panose="020B0609020204030204" pitchFamily="49" charset="0"/>
+              </a:rPr>
+              <a:t>services.AddRouting</a:t>
+            </a:r>
+            <a:r>
+              <a:rPr lang="en-US" sz="2000" dirty="0">
+                <a:solidFill>
+                  <a:schemeClr val="bg1"/>
+                </a:solidFill>
+                <a:latin typeface="Consolas" panose="020B0609020204030204" pitchFamily="49" charset="0"/>
+              </a:rPr>
+              <a:t>(options =&gt;</a:t>
+            </a:r>
+          </a:p>
+          <a:p>
+            <a:r>
+              <a:rPr lang="en-US" sz="2000" dirty="0">
+                <a:solidFill>
+                  <a:schemeClr val="bg1"/>
+                </a:solidFill>
+                <a:latin typeface="Consolas" panose="020B0609020204030204" pitchFamily="49" charset="0"/>
+              </a:rPr>
+              <a:t>{</a:t>
+            </a:r>
+          </a:p>
+          <a:p>
+            <a:r>
+              <a:rPr lang="en-US" sz="2000" dirty="0">
+                <a:solidFill>
+                  <a:schemeClr val="bg1"/>
+                </a:solidFill>
+                <a:latin typeface="Consolas" panose="020B0609020204030204" pitchFamily="49" charset="0"/>
+              </a:rPr>
+              <a:t>    </a:t>
+            </a:r>
+            <a:r>
+              <a:rPr lang="en-US" sz="2000" dirty="0" err="1">
+                <a:solidFill>
+                  <a:schemeClr val="bg1"/>
+                </a:solidFill>
+                <a:latin typeface="Consolas" panose="020B0609020204030204" pitchFamily="49" charset="0"/>
+              </a:rPr>
+              <a:t>options.LowercaseUrls</a:t>
+            </a:r>
+            <a:r>
+              <a:rPr lang="en-US" sz="2000" dirty="0">
+                <a:solidFill>
+                  <a:schemeClr val="bg1"/>
+                </a:solidFill>
+                <a:latin typeface="Consolas" panose="020B0609020204030204" pitchFamily="49" charset="0"/>
+              </a:rPr>
+              <a:t> = true;</a:t>
+            </a:r>
+          </a:p>
+          <a:p>
+            <a:r>
+              <a:rPr lang="en-US" sz="2000" dirty="0">
+                <a:solidFill>
+                  <a:schemeClr val="bg1"/>
+                </a:solidFill>
+                <a:latin typeface="Consolas" panose="020B0609020204030204" pitchFamily="49" charset="0"/>
+              </a:rPr>
+              <a:t>});</a:t>
+            </a:r>
+          </a:p>
+          <a:p>
+            <a:endParaRPr lang="en-US" sz="2000" dirty="0">
+              <a:solidFill>
+                <a:schemeClr val="bg1"/>
+              </a:solidFill>
+              <a:latin typeface="Consolas" panose="020B0609020204030204" pitchFamily="49" charset="0"/>
+            </a:endParaRPr>
+          </a:p>
+          <a:p>
+            <a:r>
+              <a:rPr lang="en-US" sz="2000" dirty="0" err="1">
+                <a:solidFill>
+                  <a:schemeClr val="bg1"/>
+                </a:solidFill>
+                <a:latin typeface="Consolas" panose="020B0609020204030204" pitchFamily="49" charset="0"/>
+              </a:rPr>
+              <a:t>services.AddSwaggerGen</a:t>
+            </a:r>
+            <a:r>
+              <a:rPr lang="en-US" sz="2000" dirty="0">
+                <a:solidFill>
+                  <a:schemeClr val="bg1"/>
+                </a:solidFill>
+                <a:latin typeface="Consolas" panose="020B0609020204030204" pitchFamily="49" charset="0"/>
+              </a:rPr>
+              <a:t>(c =&gt;</a:t>
+            </a:r>
+          </a:p>
+          <a:p>
+            <a:r>
+              <a:rPr lang="en-US" sz="2000" dirty="0">
+                <a:solidFill>
+                  <a:schemeClr val="bg1"/>
+                </a:solidFill>
+                <a:latin typeface="Consolas" panose="020B0609020204030204" pitchFamily="49" charset="0"/>
+              </a:rPr>
+              <a:t>{</a:t>
+            </a:r>
+          </a:p>
+          <a:p>
+            <a:r>
+              <a:rPr lang="en-US" sz="2000" dirty="0">
+                <a:solidFill>
+                  <a:schemeClr val="bg1"/>
+                </a:solidFill>
+                <a:latin typeface="Consolas" panose="020B0609020204030204" pitchFamily="49" charset="0"/>
+              </a:rPr>
+              <a:t>    </a:t>
+            </a:r>
+            <a:r>
+              <a:rPr lang="en-US" sz="2000" dirty="0" err="1">
+                <a:solidFill>
+                  <a:schemeClr val="bg1"/>
+                </a:solidFill>
+                <a:latin typeface="Consolas" panose="020B0609020204030204" pitchFamily="49" charset="0"/>
+              </a:rPr>
+              <a:t>c.SwaggerDoc</a:t>
+            </a:r>
+            <a:r>
+              <a:rPr lang="en-US" sz="2000" dirty="0">
+                <a:solidFill>
+                  <a:schemeClr val="bg1"/>
+                </a:solidFill>
+                <a:latin typeface="Consolas" panose="020B0609020204030204" pitchFamily="49" charset="0"/>
+              </a:rPr>
+              <a:t>("v1", new Info { Title = "MVOW B2B API", Version = "v1" });</a:t>
+            </a:r>
+          </a:p>
+          <a:p>
+            <a:r>
+              <a:rPr lang="en-US" sz="2000" dirty="0">
+                <a:solidFill>
+                  <a:schemeClr val="bg1"/>
+                </a:solidFill>
+                <a:latin typeface="Consolas" panose="020B0609020204030204" pitchFamily="49" charset="0"/>
+              </a:rPr>
+              <a:t>    </a:t>
+            </a:r>
+            <a:r>
+              <a:rPr lang="en-US" sz="2000" dirty="0" err="1">
+                <a:solidFill>
+                  <a:schemeClr val="bg1"/>
+                </a:solidFill>
+                <a:latin typeface="Consolas" panose="020B0609020204030204" pitchFamily="49" charset="0"/>
+              </a:rPr>
+              <a:t>c.DocumentFilter</a:t>
+            </a:r>
+            <a:r>
+              <a:rPr lang="en-US" sz="2000" dirty="0">
+                <a:solidFill>
+                  <a:schemeClr val="bg1"/>
+                </a:solidFill>
+                <a:latin typeface="Consolas" panose="020B0609020204030204" pitchFamily="49" charset="0"/>
+              </a:rPr>
+              <a:t>&lt;</a:t>
+            </a:r>
+            <a:r>
+              <a:rPr lang="en-US" sz="2000" dirty="0" err="1">
+                <a:solidFill>
+                  <a:schemeClr val="bg1"/>
+                </a:solidFill>
+                <a:latin typeface="Consolas" panose="020B0609020204030204" pitchFamily="49" charset="0"/>
+              </a:rPr>
+              <a:t>LowerCaseDocumentFilter</a:t>
+            </a:r>
+            <a:r>
+              <a:rPr lang="en-US" sz="2000" dirty="0">
+                <a:solidFill>
+                  <a:schemeClr val="bg1"/>
+                </a:solidFill>
+                <a:latin typeface="Consolas" panose="020B0609020204030204" pitchFamily="49" charset="0"/>
+              </a:rPr>
+              <a:t>&gt;();</a:t>
+            </a:r>
+          </a:p>
+          <a:p>
+            <a:r>
+              <a:rPr lang="en-US" sz="2000" dirty="0">
+                <a:solidFill>
+                  <a:schemeClr val="bg1"/>
+                </a:solidFill>
+                <a:latin typeface="Consolas" panose="020B0609020204030204" pitchFamily="49" charset="0"/>
+              </a:rPr>
+              <a:t>});</a:t>
+            </a:r>
+          </a:p>
+          <a:p>
+            <a:endParaRPr lang="en-US" sz="2000" dirty="0">
+              <a:solidFill>
+                <a:schemeClr val="bg1"/>
+              </a:solidFill>
+              <a:latin typeface="Consolas" panose="020B0609020204030204" pitchFamily="49" charset="0"/>
+            </a:endParaRPr>
+          </a:p>
+          <a:p>
+            <a:r>
+              <a:rPr lang="en-US" sz="2000" dirty="0" err="1">
+                <a:solidFill>
+                  <a:schemeClr val="bg1"/>
+                </a:solidFill>
+                <a:latin typeface="Consolas" panose="020B0609020204030204" pitchFamily="49" charset="0"/>
+              </a:rPr>
+              <a:t>app.UseSwagger</a:t>
+            </a:r>
+            <a:r>
+              <a:rPr lang="en-US" sz="2000" dirty="0">
+                <a:solidFill>
+                  <a:schemeClr val="bg1"/>
+                </a:solidFill>
+                <a:latin typeface="Consolas" panose="020B0609020204030204" pitchFamily="49" charset="0"/>
+              </a:rPr>
+              <a:t>();</a:t>
+            </a:r>
+          </a:p>
+        </p:txBody>
+      </p:sp>
+    </p:spTree>
+    <p:extLst>
+      <p:ext uri="{BB962C8B-B14F-4D97-AF65-F5344CB8AC3E}">
+        <p14:creationId xmlns:p14="http://schemas.microsoft.com/office/powerpoint/2010/main" val="3428255184"/>
+      </p:ext>
+    </p:extLst>
+  </p:cSld>
+  <p:clrMapOvr>
+    <a:masterClrMapping/>
+  </p:clrMapOvr>
+  <p:transition>
+    <p:fade/>
+  </p:transition>
+</p:sld>
+</file>
+
+<file path=ppt/slides/slide8.xml><?xml version="1.0" encoding="utf-8"?>
+<p:sld xmlns:a="http://schemas.openxmlformats.org/drawingml/2006/main" xmlns:r="http://schemas.openxmlformats.org/officeDocument/2006/relationships" xmlns:p="http://schemas.openxmlformats.org/presentationml/2006/main">
+  <p:cSld>
+    <p:bg>
+      <p:bgPr>
+        <a:solidFill>
+          <a:srgbClr val="007233"/>
+        </a:solidFill>
+        <a:effectLst/>
+      </p:bgPr>
+    </p:bg>
+    <p:spTree>
+      <p:nvGrpSpPr>
+        <p:cNvPr id="1" name=""/>
+        <p:cNvGrpSpPr/>
+        <p:nvPr/>
+      </p:nvGrpSpPr>
+      <p:grpSpPr>
+        <a:xfrm>
+          <a:off x="0" y="0"/>
+          <a:ext cx="0" cy="0"/>
+          <a:chOff x="0" y="0"/>
+          <a:chExt cx="0" cy="0"/>
+        </a:xfrm>
+      </p:grpSpPr>
+      <p:sp>
+        <p:nvSpPr>
+          <p:cNvPr id="2" name="Title 1">
+            <a:extLst>
+              <a:ext uri="{FF2B5EF4-FFF2-40B4-BE49-F238E27FC236}">
+                <a16:creationId xmlns:a16="http://schemas.microsoft.com/office/drawing/2014/main" id="{872A787B-93B2-4072-91D2-2213BEEBBCF3}"/>
+              </a:ext>
+            </a:extLst>
+          </p:cNvPr>
+          <p:cNvSpPr>
+            <a:spLocks noGrp="1"/>
+          </p:cNvSpPr>
+          <p:nvPr>
+            <p:ph type="title"/>
+          </p:nvPr>
+        </p:nvSpPr>
+        <p:spPr/>
+        <p:txBody>
+          <a:bodyPr/>
+          <a:lstStyle/>
+          <a:p>
+            <a:r>
+              <a:rPr lang="en-US" dirty="0">
+                <a:solidFill>
+                  <a:schemeClr val="bg1"/>
+                </a:solidFill>
+              </a:rPr>
               <a:t>Swagger II/II</a:t>
             </a:r>
           </a:p>
@@ -8207,7 +9037,7 @@
 </p:sld>
 </file>
 
-<file path=ppt/slides/slide8.xml><?xml version="1.0" encoding="utf-8"?>
+<file path=ppt/slides/slide9.xml><?xml version="1.0" encoding="utf-8"?>
 <p:sld xmlns:a="http://schemas.openxmlformats.org/drawingml/2006/main" xmlns:r="http://schemas.openxmlformats.org/officeDocument/2006/relationships" xmlns:p="http://schemas.openxmlformats.org/presentationml/2006/main">
   <p:cSld>
     <p:bg>
@@ -8263,14 +9093,7 @@
               </a:rPr>
               <a:t>Lecture</a:t>
             </a:r>
-            <a:r>
-              <a:rPr lang="da-DK" dirty="0">
-                <a:solidFill>
-                  <a:schemeClr val="bg1"/>
-                </a:solidFill>
-              </a:rPr>
-              <a:t> II</a:t>
-            </a:r>
+            <a:endParaRPr lang="da-DK" dirty="0"/>
           </a:p>
         </p:txBody>
       </p:sp>
@@ -8287,7 +9110,7 @@
         <p:spPr>
           <a:xfrm>
             <a:off x="274209" y="1212850"/>
-            <a:ext cx="8778240" cy="4339650"/>
+            <a:ext cx="8778240" cy="1902059"/>
           </a:xfrm>
         </p:spPr>
         <p:txBody>
@@ -8295,59 +9118,15 @@
           <a:lstStyle/>
           <a:p>
             <a:r>
-              <a:rPr lang="da-DK" dirty="0" err="1">
-                <a:solidFill>
-                  <a:schemeClr val="bg1"/>
-                </a:solidFill>
-              </a:rPr>
-              <a:t>Topics</a:t>
-            </a:r>
-            <a:r>
               <a:rPr lang="da-DK" dirty="0">
                 <a:solidFill>
                   <a:schemeClr val="bg1"/>
                 </a:solidFill>
               </a:rPr>
-              <a:t>:</a:t>
-            </a:r>
-          </a:p>
-          <a:p>
-            <a:r>
-              <a:rPr lang="da-DK" dirty="0">
-                <a:solidFill>
-                  <a:schemeClr val="bg1"/>
-                </a:solidFill>
-              </a:rPr>
-              <a:t>Publishing apps to the cloud</a:t>
-            </a:r>
-          </a:p>
-          <a:p>
-            <a:r>
-              <a:rPr lang="da-DK" dirty="0" err="1">
-                <a:solidFill>
-                  <a:schemeClr val="bg1"/>
-                </a:solidFill>
-              </a:rPr>
-              <a:t>Exception</a:t>
-            </a:r>
-            <a:r>
-              <a:rPr lang="da-DK" dirty="0">
-                <a:solidFill>
-                  <a:schemeClr val="bg1"/>
-                </a:solidFill>
-              </a:rPr>
-              <a:t> handling</a:t>
-            </a:r>
-          </a:p>
-          <a:p>
-            <a:r>
-              <a:rPr lang="da-DK" dirty="0" err="1">
-                <a:solidFill>
-                  <a:schemeClr val="bg1"/>
-                </a:solidFill>
-              </a:rPr>
-              <a:t>IDisposable</a:t>
-            </a:r>
+              <a:t>23 November 2017</a:t>
+            </a:r>
+          </a:p>
+          <a:p>
             <a:endParaRPr lang="da-DK" dirty="0">
               <a:solidFill>
                 <a:schemeClr val="bg1"/>
@@ -8361,7 +9140,7 @@
                   <a:schemeClr val="bg1"/>
                 </a:solidFill>
               </a:rPr>
-              <a:t>Settings</a:t>
+              <a:t>Recap</a:t>
             </a:r>
             <a:r>
               <a:rPr lang="da-DK" dirty="0">
@@ -8369,7 +9148,7 @@
                   <a:schemeClr val="bg1"/>
                 </a:solidFill>
               </a:rPr>
-              <a:t> and </a:t>
+              <a:t> / repetition – </a:t>
             </a:r>
             <a:r>
               <a:rPr lang="da-DK" dirty="0" err="1">
@@ -8377,37 +9156,39 @@
                   <a:schemeClr val="bg1"/>
                 </a:solidFill>
               </a:rPr>
-              <a:t>secrets</a:t>
-            </a:r>
-            <a:endParaRPr lang="da-DK" dirty="0">
-              <a:solidFill>
-                <a:schemeClr val="bg1"/>
-              </a:solidFill>
-            </a:endParaRPr>
-          </a:p>
-          <a:p>
+              <a:t>what</a:t>
+            </a:r>
+            <a:r>
+              <a:rPr lang="da-DK" dirty="0">
+                <a:solidFill>
+                  <a:schemeClr val="bg1"/>
+                </a:solidFill>
+              </a:rPr>
+              <a:t> do </a:t>
+            </a:r>
             <a:r>
               <a:rPr lang="da-DK" dirty="0" err="1">
                 <a:solidFill>
                   <a:schemeClr val="bg1"/>
                 </a:solidFill>
               </a:rPr>
-              <a:t>Logging</a:t>
-            </a:r>
-            <a:endParaRPr lang="da-DK" dirty="0">
-              <a:solidFill>
-                <a:schemeClr val="bg1"/>
-              </a:solidFill>
-            </a:endParaRPr>
-          </a:p>
-          <a:p>
+              <a:t>you</a:t>
+            </a:r>
+            <a:r>
+              <a:rPr lang="da-DK" dirty="0">
+                <a:solidFill>
+                  <a:schemeClr val="bg1"/>
+                </a:solidFill>
+              </a:rPr>
+              <a:t> </a:t>
+            </a:r>
             <a:r>
               <a:rPr lang="da-DK" dirty="0" err="1">
                 <a:solidFill>
                   <a:schemeClr val="bg1"/>
                 </a:solidFill>
               </a:rPr>
-              <a:t>Exam</a:t>
+              <a:t>need</a:t>
             </a:r>
             <a:r>
               <a:rPr lang="da-DK" dirty="0">
@@ -8415,44 +9196,15 @@
                   <a:schemeClr val="bg1"/>
                 </a:solidFill>
               </a:rPr>
-              <a:t> format – </a:t>
-            </a:r>
-            <a:r>
-              <a:rPr lang="da-DK" dirty="0" err="1">
-                <a:solidFill>
-                  <a:schemeClr val="bg1"/>
-                </a:solidFill>
-              </a:rPr>
-              <a:t>degrees</a:t>
-            </a:r>
-            <a:r>
-              <a:rPr lang="da-DK" dirty="0">
-                <a:solidFill>
-                  <a:schemeClr val="bg1"/>
-                </a:solidFill>
-              </a:rPr>
-              <a:t> of </a:t>
-            </a:r>
-            <a:r>
-              <a:rPr lang="da-DK" dirty="0" err="1">
-                <a:solidFill>
-                  <a:schemeClr val="bg1"/>
-                </a:solidFill>
-              </a:rPr>
-              <a:t>evilness</a:t>
-            </a:r>
-            <a:endParaRPr lang="da-DK" dirty="0">
-              <a:solidFill>
-                <a:schemeClr val="bg1"/>
-              </a:solidFill>
-            </a:endParaRPr>
+              <a:t>?</a:t>
+            </a:r>
           </a:p>
         </p:txBody>
       </p:sp>
     </p:spTree>
     <p:extLst>
       <p:ext uri="{BB962C8B-B14F-4D97-AF65-F5344CB8AC3E}">
-        <p14:creationId xmlns:p14="http://schemas.microsoft.com/office/powerpoint/2010/main" val="3512292764"/>
+        <p14:creationId xmlns:p14="http://schemas.microsoft.com/office/powerpoint/2010/main" val="3493958456"/>
       </p:ext>
     </p:extLst>
   </p:cSld>
@@ -9326,6 +10078,61 @@
 </file>
 
 <file path=customXml/item1.xml><?xml version="1.0" encoding="utf-8"?>
+<p:properties xmlns:p="http://schemas.microsoft.com/office/2006/metadata/properties" xmlns:xsi="http://www.w3.org/2001/XMLSchema-instance" xmlns:pc="http://schemas.microsoft.com/office/infopath/2007/PartnerControls">
+  <documentManagement>
+    <TrackTaxHTField0 xmlns="2295e2e7-0eeb-498e-8716-217bb2ee6ee3">
+      <Terms xmlns="http://schemas.microsoft.com/office/infopath/2007/PartnerControls"/>
+    </TrackTaxHTField0>
+    <CampaignTaxHTField0 xmlns="2295e2e7-0eeb-498e-8716-217bb2ee6ee3">
+      <Terms xmlns="http://schemas.microsoft.com/office/infopath/2007/PartnerControls"/>
+    </CampaignTaxHTField0>
+    <Event_x0020_End_x0020_Date xmlns="2295e2e7-0eeb-498e-8716-217bb2ee6ee3" xsi:nil="true"/>
+    <Event_x0020_Start_x0020_Date xmlns="2295e2e7-0eeb-498e-8716-217bb2ee6ee3" xsi:nil="true"/>
+    <MS_x0020_Speaker xmlns="2295e2e7-0eeb-498e-8716-217bb2ee6ee3">
+      <UserInfo>
+        <DisplayName/>
+        <AccountId xsi:nil="true"/>
+        <AccountType/>
+      </UserInfo>
+    </MS_x0020_Speaker>
+    <External_x0020_Speaker xmlns="2295e2e7-0eeb-498e-8716-217bb2ee6ee3" xsi:nil="true"/>
+    <Session_x0020_Code xmlns="2295e2e7-0eeb-498e-8716-217bb2ee6ee3" xsi:nil="true"/>
+    <ProductTaxHTField0 xmlns="2295e2e7-0eeb-498e-8716-217bb2ee6ee3">
+      <Terms xmlns="http://schemas.microsoft.com/office/infopath/2007/PartnerControls"/>
+    </ProductTaxHTField0>
+    <Presentation_x0020_Date xmlns="2295e2e7-0eeb-498e-8716-217bb2ee6ee3" xsi:nil="true"/>
+    <Event_x0020_LocationTaxHTField0 xmlns="2295e2e7-0eeb-498e-8716-217bb2ee6ee3">
+      <Terms xmlns="http://schemas.microsoft.com/office/infopath/2007/PartnerControls"/>
+    </Event_x0020_LocationTaxHTField0>
+    <Event1TaxHTField0 xmlns="2295e2e7-0eeb-498e-8716-217bb2ee6ee3">
+      <Terms xmlns="http://schemas.microsoft.com/office/infopath/2007/PartnerControls">
+        <TermInfo xmlns="http://schemas.microsoft.com/office/infopath/2007/PartnerControls">
+          <TermName xmlns="http://schemas.microsoft.com/office/infopath/2007/PartnerControls">Unassigned</TermName>
+          <TermId xmlns="http://schemas.microsoft.com/office/infopath/2007/PartnerControls">e51362f4-782c-41a8-bb7b-e0cfc8669933</TermId>
+        </TermInfo>
+      </Terms>
+    </Event1TaxHTField0>
+    <AudienceTaxHTField0 xmlns="8b529f77-48ab-4581-b468-93f09345b8aa">
+      <Terms xmlns="http://schemas.microsoft.com/office/infopath/2007/PartnerControls"/>
+    </AudienceTaxHTField0>
+    <MS_x0020_Content_x0020_Owner xmlns="2295e2e7-0eeb-498e-8716-217bb2ee6ee3">
+      <UserInfo>
+        <DisplayName/>
+        <AccountId xsi:nil="true"/>
+        <AccountType/>
+      </UserInfo>
+    </MS_x0020_Content_x0020_Owner>
+    <TaxCatchAll xmlns="2295e2e7-0eeb-498e-8716-217bb2ee6ee3">
+      <Value>217</Value>
+    </TaxCatchAll>
+    <Event_x0020_VenueTaxHTField0 xmlns="2295e2e7-0eeb-498e-8716-217bb2ee6ee3">
+      <Terms xmlns="http://schemas.microsoft.com/office/infopath/2007/PartnerControls"/>
+    </Event_x0020_VenueTaxHTField0>
+  </documentManagement>
+</p:properties>
+</file>
+
+<file path=customXml/item2.xml><?xml version="1.0" encoding="utf-8"?>
 <ct:contentTypeSchema xmlns:ct="http://schemas.microsoft.com/office/2006/metadata/contentType" xmlns:ma="http://schemas.microsoft.com/office/2006/metadata/properties/metaAttributes" ct:_="" ma:_="" ma:contentTypeName="PresentationsDoc" ma:contentTypeID="0x010100B88FC3ECA26D1C46B3C4C83281D2EB9C003BBE479AF4108146A616B6B5E7069DBC" ma:contentTypeVersion="61" ma:contentTypeDescription="" ma:contentTypeScope="" ma:versionID="72533711bacf991a4680f48ae6b725f9">
   <xsd:schema xmlns:xsd="http://www.w3.org/2001/XMLSchema" xmlns:xs="http://www.w3.org/2001/XMLSchema" xmlns:p="http://schemas.microsoft.com/office/2006/metadata/properties" xmlns:ns2="2295e2e7-0eeb-498e-8716-217bb2ee6ee3" xmlns:ns3="8b529f77-48ab-4581-b468-93f09345b8aa" targetNamespace="http://schemas.microsoft.com/office/2006/metadata/properties" ma:root="true" ma:fieldsID="dde17010d50e6e632f300eac8dfd378e" ns2:_="" ns3:_="">
     <xsd:import namespace="2295e2e7-0eeb-498e-8716-217bb2ee6ee3"/>
@@ -9604,61 +10411,6 @@
 </ct:contentTypeSchema>
 </file>
 
-<file path=customXml/item2.xml><?xml version="1.0" encoding="utf-8"?>
-<p:properties xmlns:p="http://schemas.microsoft.com/office/2006/metadata/properties" xmlns:xsi="http://www.w3.org/2001/XMLSchema-instance" xmlns:pc="http://schemas.microsoft.com/office/infopath/2007/PartnerControls">
-  <documentManagement>
-    <TrackTaxHTField0 xmlns="2295e2e7-0eeb-498e-8716-217bb2ee6ee3">
-      <Terms xmlns="http://schemas.microsoft.com/office/infopath/2007/PartnerControls"/>
-    </TrackTaxHTField0>
-    <CampaignTaxHTField0 xmlns="2295e2e7-0eeb-498e-8716-217bb2ee6ee3">
-      <Terms xmlns="http://schemas.microsoft.com/office/infopath/2007/PartnerControls"/>
-    </CampaignTaxHTField0>
-    <Event_x0020_End_x0020_Date xmlns="2295e2e7-0eeb-498e-8716-217bb2ee6ee3" xsi:nil="true"/>
-    <Event_x0020_Start_x0020_Date xmlns="2295e2e7-0eeb-498e-8716-217bb2ee6ee3" xsi:nil="true"/>
-    <MS_x0020_Speaker xmlns="2295e2e7-0eeb-498e-8716-217bb2ee6ee3">
-      <UserInfo>
-        <DisplayName/>
-        <AccountId xsi:nil="true"/>
-        <AccountType/>
-      </UserInfo>
-    </MS_x0020_Speaker>
-    <External_x0020_Speaker xmlns="2295e2e7-0eeb-498e-8716-217bb2ee6ee3" xsi:nil="true"/>
-    <Session_x0020_Code xmlns="2295e2e7-0eeb-498e-8716-217bb2ee6ee3" xsi:nil="true"/>
-    <ProductTaxHTField0 xmlns="2295e2e7-0eeb-498e-8716-217bb2ee6ee3">
-      <Terms xmlns="http://schemas.microsoft.com/office/infopath/2007/PartnerControls"/>
-    </ProductTaxHTField0>
-    <Presentation_x0020_Date xmlns="2295e2e7-0eeb-498e-8716-217bb2ee6ee3" xsi:nil="true"/>
-    <Event_x0020_LocationTaxHTField0 xmlns="2295e2e7-0eeb-498e-8716-217bb2ee6ee3">
-      <Terms xmlns="http://schemas.microsoft.com/office/infopath/2007/PartnerControls"/>
-    </Event_x0020_LocationTaxHTField0>
-    <Event1TaxHTField0 xmlns="2295e2e7-0eeb-498e-8716-217bb2ee6ee3">
-      <Terms xmlns="http://schemas.microsoft.com/office/infopath/2007/PartnerControls">
-        <TermInfo xmlns="http://schemas.microsoft.com/office/infopath/2007/PartnerControls">
-          <TermName xmlns="http://schemas.microsoft.com/office/infopath/2007/PartnerControls">Unassigned</TermName>
-          <TermId xmlns="http://schemas.microsoft.com/office/infopath/2007/PartnerControls">e51362f4-782c-41a8-bb7b-e0cfc8669933</TermId>
-        </TermInfo>
-      </Terms>
-    </Event1TaxHTField0>
-    <AudienceTaxHTField0 xmlns="8b529f77-48ab-4581-b468-93f09345b8aa">
-      <Terms xmlns="http://schemas.microsoft.com/office/infopath/2007/PartnerControls"/>
-    </AudienceTaxHTField0>
-    <MS_x0020_Content_x0020_Owner xmlns="2295e2e7-0eeb-498e-8716-217bb2ee6ee3">
-      <UserInfo>
-        <DisplayName/>
-        <AccountId xsi:nil="true"/>
-        <AccountType/>
-      </UserInfo>
-    </MS_x0020_Content_x0020_Owner>
-    <TaxCatchAll xmlns="2295e2e7-0eeb-498e-8716-217bb2ee6ee3">
-      <Value>217</Value>
-    </TaxCatchAll>
-    <Event_x0020_VenueTaxHTField0 xmlns="2295e2e7-0eeb-498e-8716-217bb2ee6ee3">
-      <Terms xmlns="http://schemas.microsoft.com/office/infopath/2007/PartnerControls"/>
-    </Event_x0020_VenueTaxHTField0>
-  </documentManagement>
-</p:properties>
-</file>
-
 <file path=customXml/item3.xml><?xml version="1.0" encoding="utf-8"?>
 <?mso-contentType ?>
 <FormTemplates xmlns="http://schemas.microsoft.com/sharepoint/v3/contenttype/forms">
@@ -9669,6 +10421,23 @@
 </file>
 
 <file path=customXml/itemProps1.xml><?xml version="1.0" encoding="utf-8"?>
+<ds:datastoreItem xmlns:ds="http://schemas.openxmlformats.org/officeDocument/2006/customXml" ds:itemID="{F990F116-B58F-4255-B05B-DA3808E0E5C6}">
+  <ds:schemaRefs>
+    <ds:schemaRef ds:uri="2295e2e7-0eeb-498e-8716-217bb2ee6ee3"/>
+    <ds:schemaRef ds:uri="http://purl.org/dc/terms/"/>
+    <ds:schemaRef ds:uri="http://schemas.microsoft.com/office/2006/documentManagement/types"/>
+    <ds:schemaRef ds:uri="http://schemas.microsoft.com/office/infopath/2007/PartnerControls"/>
+    <ds:schemaRef ds:uri="http://purl.org/dc/elements/1.1/"/>
+    <ds:schemaRef ds:uri="http://schemas.microsoft.com/office/2006/metadata/properties"/>
+    <ds:schemaRef ds:uri="8b529f77-48ab-4581-b468-93f09345b8aa"/>
+    <ds:schemaRef ds:uri="http://schemas.openxmlformats.org/package/2006/metadata/core-properties"/>
+    <ds:schemaRef ds:uri="http://www.w3.org/XML/1998/namespace"/>
+    <ds:schemaRef ds:uri="http://purl.org/dc/dcmitype/"/>
+  </ds:schemaRefs>
+</ds:datastoreItem>
+</file>
+
+<file path=customXml/itemProps2.xml><?xml version="1.0" encoding="utf-8"?>
 <ds:datastoreItem xmlns:ds="http://schemas.openxmlformats.org/officeDocument/2006/customXml" ds:itemID="{A4A71FB1-3FB8-468F-9C64-2246CB74C7D9}">
   <ds:schemaRefs>
     <ds:schemaRef ds:uri="http://schemas.microsoft.com/office/2006/metadata/contentType"/>
@@ -9687,23 +10456,6 @@
 </ds:datastoreItem>
 </file>
 
-<file path=customXml/itemProps2.xml><?xml version="1.0" encoding="utf-8"?>
-<ds:datastoreItem xmlns:ds="http://schemas.openxmlformats.org/officeDocument/2006/customXml" ds:itemID="{F990F116-B58F-4255-B05B-DA3808E0E5C6}">
-  <ds:schemaRefs>
-    <ds:schemaRef ds:uri="2295e2e7-0eeb-498e-8716-217bb2ee6ee3"/>
-    <ds:schemaRef ds:uri="http://purl.org/dc/terms/"/>
-    <ds:schemaRef ds:uri="http://schemas.microsoft.com/office/2006/documentManagement/types"/>
-    <ds:schemaRef ds:uri="http://schemas.microsoft.com/office/infopath/2007/PartnerControls"/>
-    <ds:schemaRef ds:uri="http://purl.org/dc/elements/1.1/"/>
-    <ds:schemaRef ds:uri="http://schemas.microsoft.com/office/2006/metadata/properties"/>
-    <ds:schemaRef ds:uri="8b529f77-48ab-4581-b468-93f09345b8aa"/>
-    <ds:schemaRef ds:uri="http://schemas.openxmlformats.org/package/2006/metadata/core-properties"/>
-    <ds:schemaRef ds:uri="http://www.w3.org/XML/1998/namespace"/>
-    <ds:schemaRef ds:uri="http://purl.org/dc/dcmitype/"/>
-  </ds:schemaRefs>
-</ds:datastoreItem>
-</file>
-
 <file path=customXml/itemProps3.xml><?xml version="1.0" encoding="utf-8"?>
 <ds:datastoreItem xmlns:ds="http://schemas.openxmlformats.org/officeDocument/2006/customXml" ds:itemID="{758FDAC0-319D-4A54-8D8E-1D42CB1F8004}">
   <ds:schemaRefs>

--- a/Slides/Lecture10 - Apps part II.pptx
+++ b/Slides/Lecture10 - Apps part II.pptx
@@ -5,10 +5,10 @@
     <p:sldMasterId id="2147484082" r:id="rId4"/>
   </p:sldMasterIdLst>
   <p:notesMasterIdLst>
-    <p:notesMasterId r:id="rId15"/>
+    <p:notesMasterId r:id="rId16"/>
   </p:notesMasterIdLst>
   <p:handoutMasterIdLst>
-    <p:handoutMasterId r:id="rId16"/>
+    <p:handoutMasterId r:id="rId17"/>
   </p:handoutMasterIdLst>
   <p:sldIdLst>
     <p:sldId id="897" r:id="rId5"/>
@@ -19,8 +19,9 @@
     <p:sldId id="931" r:id="rId10"/>
     <p:sldId id="932" r:id="rId11"/>
     <p:sldId id="933" r:id="rId12"/>
-    <p:sldId id="928" r:id="rId13"/>
-    <p:sldId id="929" r:id="rId14"/>
+    <p:sldId id="937" r:id="rId13"/>
+    <p:sldId id="928" r:id="rId14"/>
+    <p:sldId id="929" r:id="rId15"/>
   </p:sldIdLst>
   <p:sldSz cx="9326563" cy="6994525"/>
   <p:notesSz cx="6858000" cy="9144000"/>
@@ -132,6 +133,7 @@
             <p14:sldId id="931"/>
             <p14:sldId id="932"/>
             <p14:sldId id="933"/>
+            <p14:sldId id="937"/>
             <p14:sldId id="928"/>
             <p14:sldId id="929"/>
           </p14:sldIdLst>
@@ -352,7 +354,7 @@
               <a:rPr lang="en-US" smtClean="0">
                 <a:latin typeface="Segoe UI" pitchFamily="34" charset="0"/>
               </a:rPr>
-              <a:t>11/15/2017</a:t>
+              <a:t>11/16/2017</a:t>
             </a:fld>
             <a:endParaRPr lang="en-US" dirty="0">
               <a:latin typeface="Segoe UI" pitchFamily="34" charset="0"/>
@@ -675,7 +677,7 @@
             <a:fld id="{D51B1278-D92B-4AF3-A9C1-71DD298190CE}" type="datetimeFigureOut">
               <a:rPr lang="en-US" smtClean="0"/>
               <a:pPr/>
-              <a:t>11/15/2017</a:t>
+              <a:t>11/16/2017</a:t>
             </a:fld>
             <a:endParaRPr lang="en-US" dirty="0"/>
           </a:p>
@@ -1080,7 +1082,7 @@
           <a:p>
             <a:fld id="{23C664AC-E9A8-46F0-BB26-995D9E922CBA}" type="datetime1">
               <a:rPr lang="en-US" smtClean="0"/>
-              <a:t>11/15/2017</a:t>
+              <a:t>11/16/2017</a:t>
             </a:fld>
             <a:endParaRPr lang="en-US" dirty="0"/>
           </a:p>
@@ -1281,9 +1283,9 @@
           <a:bodyPr/>
           <a:lstStyle/>
           <a:p>
-            <a:fld id="{664D81C8-F2DB-4680-BACD-87EC6828ADB5}" type="datetime1">
+            <a:fld id="{CFA64FBE-D613-4251-8C47-A46D32E2625C}" type="datetime1">
               <a:rPr lang="en-US" smtClean="0"/>
-              <a:t>11/15/2017</a:t>
+              <a:t>11/16/2017</a:t>
             </a:fld>
             <a:endParaRPr lang="en-US" dirty="0"/>
           </a:p>
@@ -1308,6 +1310,209 @@
               <a:rPr lang="en-US" smtClean="0"/>
               <a:pPr/>
               <a:t>10</a:t>
+            </a:fld>
+            <a:endParaRPr lang="en-US" dirty="0"/>
+          </a:p>
+        </p:txBody>
+      </p:sp>
+    </p:spTree>
+    <p:extLst>
+      <p:ext uri="{BB962C8B-B14F-4D97-AF65-F5344CB8AC3E}">
+        <p14:creationId xmlns:p14="http://schemas.microsoft.com/office/powerpoint/2010/main" val="4004411603"/>
+      </p:ext>
+    </p:extLst>
+  </p:cSld>
+  <p:clrMapOvr>
+    <a:masterClrMapping/>
+  </p:clrMapOvr>
+</p:notes>
+</file>
+
+<file path=ppt/notesSlides/notesSlide11.xml><?xml version="1.0" encoding="utf-8"?>
+<p:notes xmlns:a="http://schemas.openxmlformats.org/drawingml/2006/main" xmlns:r="http://schemas.openxmlformats.org/officeDocument/2006/relationships" xmlns:p="http://schemas.openxmlformats.org/presentationml/2006/main">
+  <p:cSld>
+    <p:spTree>
+      <p:nvGrpSpPr>
+        <p:cNvPr id="1" name=""/>
+        <p:cNvGrpSpPr/>
+        <p:nvPr/>
+      </p:nvGrpSpPr>
+      <p:grpSpPr>
+        <a:xfrm>
+          <a:off x="0" y="0"/>
+          <a:ext cx="0" cy="0"/>
+          <a:chOff x="0" y="0"/>
+          <a:chExt cx="0" cy="0"/>
+        </a:xfrm>
+      </p:grpSpPr>
+      <p:sp>
+        <p:nvSpPr>
+          <p:cNvPr id="2" name="Slide Image Placeholder 1"/>
+          <p:cNvSpPr>
+            <a:spLocks noGrp="1" noRot="1" noChangeAspect="1"/>
+          </p:cNvSpPr>
+          <p:nvPr>
+            <p:ph type="sldImg"/>
+          </p:nvPr>
+        </p:nvSpPr>
+        <p:spPr/>
+      </p:sp>
+      <p:sp>
+        <p:nvSpPr>
+          <p:cNvPr id="3" name="Notes Placeholder 2"/>
+          <p:cNvSpPr>
+            <a:spLocks noGrp="1"/>
+          </p:cNvSpPr>
+          <p:nvPr>
+            <p:ph type="body" idx="1"/>
+          </p:nvPr>
+        </p:nvSpPr>
+        <p:spPr/>
+        <p:txBody>
+          <a:bodyPr/>
+          <a:lstStyle/>
+          <a:p>
+            <a:endParaRPr lang="en-US"/>
+          </a:p>
+        </p:txBody>
+      </p:sp>
+      <p:sp>
+        <p:nvSpPr>
+          <p:cNvPr id="4" name="Header Placeholder 3"/>
+          <p:cNvSpPr>
+            <a:spLocks noGrp="1"/>
+          </p:cNvSpPr>
+          <p:nvPr>
+            <p:ph type="hdr" sz="quarter" idx="10"/>
+          </p:nvPr>
+        </p:nvSpPr>
+        <p:spPr/>
+        <p:txBody>
+          <a:bodyPr/>
+          <a:lstStyle/>
+          <a:p>
+            <a:endParaRPr lang="en-US" dirty="0"/>
+          </a:p>
+        </p:txBody>
+      </p:sp>
+      <p:sp>
+        <p:nvSpPr>
+          <p:cNvPr id="5" name="Footer Placeholder 4"/>
+          <p:cNvSpPr>
+            <a:spLocks noGrp="1"/>
+          </p:cNvSpPr>
+          <p:nvPr>
+            <p:ph type="ftr" sz="quarter" idx="11"/>
+          </p:nvPr>
+        </p:nvSpPr>
+        <p:spPr/>
+        <p:txBody>
+          <a:bodyPr/>
+          <a:lstStyle/>
+          <a:p>
+            <a:pPr defTabSz="914099" eaLnBrk="0" hangingPunct="0"/>
+            <a:r>
+              <a:rPr lang="en-US" sz="400">
+                <a:gradFill>
+                  <a:gsLst>
+                    <a:gs pos="0">
+                      <a:prstClr val="black"/>
+                    </a:gs>
+                    <a:gs pos="100000">
+                      <a:prstClr val="black"/>
+                    </a:gs>
+                  </a:gsLst>
+                  <a:lin ang="5400000" scaled="0"/>
+                </a:gradFill>
+                <a:latin typeface="Segoe UI" pitchFamily="34" charset="0"/>
+                <a:ea typeface="Segoe UI" pitchFamily="34" charset="0"/>
+                <a:cs typeface="Segoe UI" pitchFamily="34" charset="0"/>
+              </a:rPr>
+              <a:t>© 2012 Microsoft Corporation. All rights reserved. Microsoft, Windows, and other product names are or may be registered trademarks and/or trademarks in the U.S. and/or other countries.</a:t>
+            </a:r>
+          </a:p>
+          <a:p>
+            <a:pPr defTabSz="914099" eaLnBrk="0" hangingPunct="0"/>
+            <a:r>
+              <a:rPr lang="en-US" sz="400">
+                <a:gradFill>
+                  <a:gsLst>
+                    <a:gs pos="0">
+                      <a:prstClr val="black"/>
+                    </a:gs>
+                    <a:gs pos="100000">
+                      <a:prstClr val="black"/>
+                    </a:gs>
+                  </a:gsLst>
+                  <a:lin ang="5400000" scaled="0"/>
+                </a:gradFill>
+                <a:latin typeface="Segoe UI" pitchFamily="34" charset="0"/>
+                <a:ea typeface="Segoe UI" pitchFamily="34" charset="0"/>
+                <a:cs typeface="Segoe UI" pitchFamily="34" charset="0"/>
+              </a:rPr>
+              <a:t>The information herein is for informational purposes only and represents the current view of Microsoft Corporation as of the date of this presentation.  Because Microsoft must respond to changing market conditions, it should not be interpreted to be a commitment on the part of Microsoft, and Microsoft cannot guarantee the accuracy of any information provided after the date of this presentation.  MICROSOFT MAKES NO WARRANTIES, EXPRESS, IMPLIED OR STATUTORY, AS TO THE INFORMATION IN THIS PRESENTATION.</a:t>
+            </a:r>
+            <a:endParaRPr lang="en-US" sz="400" dirty="0">
+              <a:gradFill>
+                <a:gsLst>
+                  <a:gs pos="0">
+                    <a:prstClr val="black"/>
+                  </a:gs>
+                  <a:gs pos="100000">
+                    <a:prstClr val="black"/>
+                  </a:gs>
+                </a:gsLst>
+                <a:lin ang="5400000" scaled="0"/>
+              </a:gradFill>
+              <a:latin typeface="Segoe UI" pitchFamily="34" charset="0"/>
+              <a:ea typeface="Segoe UI" pitchFamily="34" charset="0"/>
+              <a:cs typeface="Segoe UI" pitchFamily="34" charset="0"/>
+            </a:endParaRPr>
+          </a:p>
+        </p:txBody>
+      </p:sp>
+      <p:sp>
+        <p:nvSpPr>
+          <p:cNvPr id="6" name="Date Placeholder 5"/>
+          <p:cNvSpPr>
+            <a:spLocks noGrp="1"/>
+          </p:cNvSpPr>
+          <p:nvPr>
+            <p:ph type="dt" idx="12"/>
+          </p:nvPr>
+        </p:nvSpPr>
+        <p:spPr/>
+        <p:txBody>
+          <a:bodyPr/>
+          <a:lstStyle/>
+          <a:p>
+            <a:fld id="{664D81C8-F2DB-4680-BACD-87EC6828ADB5}" type="datetime1">
+              <a:rPr lang="en-US" smtClean="0"/>
+              <a:t>11/16/2017</a:t>
+            </a:fld>
+            <a:endParaRPr lang="en-US" dirty="0"/>
+          </a:p>
+        </p:txBody>
+      </p:sp>
+      <p:sp>
+        <p:nvSpPr>
+          <p:cNvPr id="7" name="Slide Number Placeholder 6"/>
+          <p:cNvSpPr>
+            <a:spLocks noGrp="1"/>
+          </p:cNvSpPr>
+          <p:nvPr>
+            <p:ph type="sldNum" sz="quarter" idx="13"/>
+          </p:nvPr>
+        </p:nvSpPr>
+        <p:spPr/>
+        <p:txBody>
+          <a:bodyPr/>
+          <a:lstStyle/>
+          <a:p>
+            <a:fld id="{B4008EB6-D09E-4580-8CD6-DDB14511944F}" type="slidenum">
+              <a:rPr lang="en-US" smtClean="0"/>
+              <a:pPr/>
+              <a:t>11</a:t>
             </a:fld>
             <a:endParaRPr lang="en-US" dirty="0"/>
           </a:p>
@@ -1486,7 +1691,7 @@
           <a:p>
             <a:fld id="{C4F94B10-4342-40FC-AEC6-5C03AF201BA2}" type="datetime1">
               <a:rPr lang="en-US" smtClean="0"/>
-              <a:t>11/15/2017</a:t>
+              <a:t>11/16/2017</a:t>
             </a:fld>
             <a:endParaRPr lang="en-US" dirty="0"/>
           </a:p>
@@ -1689,7 +1894,7 @@
           <a:p>
             <a:fld id="{CF7A335A-266F-4892-AC8C-510DA7BF2604}" type="datetime1">
               <a:rPr lang="en-US" smtClean="0"/>
-              <a:t>11/15/2017</a:t>
+              <a:t>11/16/2017</a:t>
             </a:fld>
             <a:endParaRPr lang="en-US" dirty="0"/>
           </a:p>
@@ -1892,7 +2097,7 @@
           <a:p>
             <a:fld id="{CF7A335A-266F-4892-AC8C-510DA7BF2604}" type="datetime1">
               <a:rPr lang="en-US" smtClean="0"/>
-              <a:t>11/15/2017</a:t>
+              <a:t>11/16/2017</a:t>
             </a:fld>
             <a:endParaRPr lang="en-US" dirty="0"/>
           </a:p>
@@ -2095,7 +2300,7 @@
           <a:p>
             <a:fld id="{39AB06BC-B772-4253-9B97-59D9DCD16D68}" type="datetime1">
               <a:rPr lang="en-US" smtClean="0"/>
-              <a:t>11/15/2017</a:t>
+              <a:t>11/16/2017</a:t>
             </a:fld>
             <a:endParaRPr lang="en-US" dirty="0"/>
           </a:p>
@@ -2298,7 +2503,7 @@
           <a:p>
             <a:fld id="{39AB06BC-B772-4253-9B97-59D9DCD16D68}" type="datetime1">
               <a:rPr lang="en-US" smtClean="0"/>
-              <a:t>11/15/2017</a:t>
+              <a:t>11/16/2017</a:t>
             </a:fld>
             <a:endParaRPr lang="en-US" dirty="0"/>
           </a:p>
@@ -2501,7 +2706,7 @@
           <a:p>
             <a:fld id="{53596968-992A-414E-8ED3-8C05A9EDAB51}" type="datetime1">
               <a:rPr lang="en-US" smtClean="0"/>
-              <a:t>11/15/2017</a:t>
+              <a:t>11/16/2017</a:t>
             </a:fld>
             <a:endParaRPr lang="en-US" dirty="0"/>
           </a:p>
@@ -2704,7 +2909,7 @@
           <a:p>
             <a:fld id="{53596968-992A-414E-8ED3-8C05A9EDAB51}" type="datetime1">
               <a:rPr lang="en-US" smtClean="0"/>
-              <a:t>11/15/2017</a:t>
+              <a:t>11/16/2017</a:t>
             </a:fld>
             <a:endParaRPr lang="en-US" dirty="0"/>
           </a:p>
@@ -2905,9 +3110,9 @@
           <a:bodyPr/>
           <a:lstStyle/>
           <a:p>
-            <a:fld id="{CFA64FBE-D613-4251-8C47-A46D32E2625C}" type="datetime1">
+            <a:fld id="{53596968-992A-414E-8ED3-8C05A9EDAB51}" type="datetime1">
               <a:rPr lang="en-US" smtClean="0"/>
-              <a:t>11/15/2017</a:t>
+              <a:t>11/16/2017</a:t>
             </a:fld>
             <a:endParaRPr lang="en-US" dirty="0"/>
           </a:p>
@@ -2940,7 +3145,7 @@
     </p:spTree>
     <p:extLst>
       <p:ext uri="{BB962C8B-B14F-4D97-AF65-F5344CB8AC3E}">
-        <p14:creationId xmlns:p14="http://schemas.microsoft.com/office/powerpoint/2010/main" val="4004411603"/>
+        <p14:creationId xmlns:p14="http://schemas.microsoft.com/office/powerpoint/2010/main" val="2725805068"/>
       </p:ext>
     </p:extLst>
   </p:cSld>
@@ -6704,14 +6909,7 @@
               </a:rPr>
               <a:t>Lecture</a:t>
             </a:r>
-            <a:r>
-              <a:rPr lang="da-DK" dirty="0">
-                <a:solidFill>
-                  <a:schemeClr val="bg1"/>
-                </a:solidFill>
-              </a:rPr>
-              <a:t> II</a:t>
-            </a:r>
+            <a:endParaRPr lang="da-DK" dirty="0"/>
           </a:p>
         </p:txBody>
       </p:sp>
@@ -6728,7 +6926,7 @@
         <p:spPr>
           <a:xfrm>
             <a:off x="274209" y="1212850"/>
-            <a:ext cx="8778240" cy="4339650"/>
+            <a:ext cx="8778240" cy="1902059"/>
           </a:xfrm>
         </p:spPr>
         <p:txBody>
@@ -6736,59 +6934,15 @@
           <a:lstStyle/>
           <a:p>
             <a:r>
-              <a:rPr lang="da-DK" dirty="0" err="1">
+              <a:rPr lang="da-DK" dirty="0">
                 <a:solidFill>
                   <a:schemeClr val="bg1"/>
                 </a:solidFill>
               </a:rPr>
-              <a:t>Topics</a:t>
-            </a:r>
-            <a:r>
-              <a:rPr lang="da-DK" dirty="0">
-                <a:solidFill>
-                  <a:schemeClr val="bg1"/>
-                </a:solidFill>
-              </a:rPr>
-              <a:t>:</a:t>
-            </a:r>
-          </a:p>
-          <a:p>
-            <a:r>
-              <a:rPr lang="da-DK" dirty="0">
-                <a:solidFill>
-                  <a:schemeClr val="bg1"/>
-                </a:solidFill>
-              </a:rPr>
-              <a:t>Publishing apps to the cloud</a:t>
-            </a:r>
-          </a:p>
-          <a:p>
-            <a:r>
-              <a:rPr lang="da-DK" dirty="0" err="1">
-                <a:solidFill>
-                  <a:schemeClr val="bg1"/>
-                </a:solidFill>
-              </a:rPr>
-              <a:t>Exception</a:t>
-            </a:r>
-            <a:r>
-              <a:rPr lang="da-DK" dirty="0">
-                <a:solidFill>
-                  <a:schemeClr val="bg1"/>
-                </a:solidFill>
-              </a:rPr>
-              <a:t> handling</a:t>
-            </a:r>
-          </a:p>
-          <a:p>
-            <a:r>
-              <a:rPr lang="da-DK" dirty="0" err="1">
-                <a:solidFill>
-                  <a:schemeClr val="bg1"/>
-                </a:solidFill>
-              </a:rPr>
-              <a:t>IDisposable</a:t>
-            </a:r>
+              <a:t>23 November 2017</a:t>
+            </a:r>
+          </a:p>
+          <a:p>
             <a:endParaRPr lang="da-DK" dirty="0">
               <a:solidFill>
                 <a:schemeClr val="bg1"/>
@@ -6802,7 +6956,7 @@
                   <a:schemeClr val="bg1"/>
                 </a:solidFill>
               </a:rPr>
-              <a:t>Settings</a:t>
+              <a:t>Recap</a:t>
             </a:r>
             <a:r>
               <a:rPr lang="da-DK" dirty="0">
@@ -6810,7 +6964,7 @@
                   <a:schemeClr val="bg1"/>
                 </a:solidFill>
               </a:rPr>
-              <a:t> and </a:t>
+              <a:t> / repetition – </a:t>
             </a:r>
             <a:r>
               <a:rPr lang="da-DK" dirty="0" err="1">
@@ -6818,7 +6972,207 @@
                   <a:schemeClr val="bg1"/>
                 </a:solidFill>
               </a:rPr>
-              <a:t>secrets</a:t>
+              <a:t>what</a:t>
+            </a:r>
+            <a:r>
+              <a:rPr lang="da-DK" dirty="0">
+                <a:solidFill>
+                  <a:schemeClr val="bg1"/>
+                </a:solidFill>
+              </a:rPr>
+              <a:t> do </a:t>
+            </a:r>
+            <a:r>
+              <a:rPr lang="da-DK" dirty="0" err="1">
+                <a:solidFill>
+                  <a:schemeClr val="bg1"/>
+                </a:solidFill>
+              </a:rPr>
+              <a:t>you</a:t>
+            </a:r>
+            <a:r>
+              <a:rPr lang="da-DK" dirty="0">
+                <a:solidFill>
+                  <a:schemeClr val="bg1"/>
+                </a:solidFill>
+              </a:rPr>
+              <a:t> </a:t>
+            </a:r>
+            <a:r>
+              <a:rPr lang="da-DK" dirty="0" err="1">
+                <a:solidFill>
+                  <a:schemeClr val="bg1"/>
+                </a:solidFill>
+              </a:rPr>
+              <a:t>need</a:t>
+            </a:r>
+            <a:r>
+              <a:rPr lang="da-DK" dirty="0">
+                <a:solidFill>
+                  <a:schemeClr val="bg1"/>
+                </a:solidFill>
+              </a:rPr>
+              <a:t>?</a:t>
+            </a:r>
+          </a:p>
+        </p:txBody>
+      </p:sp>
+    </p:spTree>
+    <p:extLst>
+      <p:ext uri="{BB962C8B-B14F-4D97-AF65-F5344CB8AC3E}">
+        <p14:creationId xmlns:p14="http://schemas.microsoft.com/office/powerpoint/2010/main" val="3493958456"/>
+      </p:ext>
+    </p:extLst>
+  </p:cSld>
+  <p:clrMapOvr>
+    <a:masterClrMapping/>
+  </p:clrMapOvr>
+  <p:transition>
+    <p:fade/>
+  </p:transition>
+</p:sld>
+</file>
+
+<file path=ppt/slides/slide11.xml><?xml version="1.0" encoding="utf-8"?>
+<p:sld xmlns:a="http://schemas.openxmlformats.org/drawingml/2006/main" xmlns:r="http://schemas.openxmlformats.org/officeDocument/2006/relationships" xmlns:p="http://schemas.openxmlformats.org/presentationml/2006/main">
+  <p:cSld>
+    <p:bg>
+      <p:bgPr>
+        <a:solidFill>
+          <a:srgbClr val="BA141A"/>
+        </a:solidFill>
+        <a:effectLst/>
+      </p:bgPr>
+    </p:bg>
+    <p:spTree>
+      <p:nvGrpSpPr>
+        <p:cNvPr id="1" name=""/>
+        <p:cNvGrpSpPr/>
+        <p:nvPr/>
+      </p:nvGrpSpPr>
+      <p:grpSpPr>
+        <a:xfrm>
+          <a:off x="0" y="0"/>
+          <a:ext cx="0" cy="0"/>
+          <a:chOff x="0" y="0"/>
+          <a:chExt cx="0" cy="0"/>
+        </a:xfrm>
+      </p:grpSpPr>
+      <p:sp>
+        <p:nvSpPr>
+          <p:cNvPr id="2" name="Title 1"/>
+          <p:cNvSpPr>
+            <a:spLocks noGrp="1"/>
+          </p:cNvSpPr>
+          <p:nvPr>
+            <p:ph type="title"/>
+          </p:nvPr>
+        </p:nvSpPr>
+        <p:spPr/>
+        <p:txBody>
+          <a:bodyPr/>
+          <a:lstStyle/>
+          <a:p>
+            <a:r>
+              <a:rPr lang="da-DK" dirty="0">
+                <a:solidFill>
+                  <a:schemeClr val="bg1"/>
+                </a:solidFill>
+              </a:rPr>
+              <a:t>Final </a:t>
+            </a:r>
+            <a:r>
+              <a:rPr lang="da-DK" dirty="0" err="1">
+                <a:solidFill>
+                  <a:schemeClr val="bg1"/>
+                </a:solidFill>
+              </a:rPr>
+              <a:t>Lecture</a:t>
+            </a:r>
+            <a:r>
+              <a:rPr lang="da-DK" dirty="0">
+                <a:solidFill>
+                  <a:schemeClr val="bg1"/>
+                </a:solidFill>
+              </a:rPr>
+              <a:t> II</a:t>
+            </a:r>
+          </a:p>
+        </p:txBody>
+      </p:sp>
+      <p:sp>
+        <p:nvSpPr>
+          <p:cNvPr id="3" name="Text Placeholder 2"/>
+          <p:cNvSpPr>
+            <a:spLocks noGrp="1"/>
+          </p:cNvSpPr>
+          <p:nvPr>
+            <p:ph type="body" sz="quarter" idx="10"/>
+          </p:nvPr>
+        </p:nvSpPr>
+        <p:spPr>
+          <a:xfrm>
+            <a:off x="274209" y="1212850"/>
+            <a:ext cx="8778240" cy="4949047"/>
+          </a:xfrm>
+        </p:spPr>
+        <p:txBody>
+          <a:bodyPr/>
+          <a:lstStyle/>
+          <a:p>
+            <a:r>
+              <a:rPr lang="da-DK" dirty="0" err="1">
+                <a:solidFill>
+                  <a:schemeClr val="bg1"/>
+                </a:solidFill>
+              </a:rPr>
+              <a:t>Topics</a:t>
+            </a:r>
+            <a:r>
+              <a:rPr lang="da-DK" dirty="0">
+                <a:solidFill>
+                  <a:schemeClr val="bg1"/>
+                </a:solidFill>
+              </a:rPr>
+              <a:t>:</a:t>
+            </a:r>
+          </a:p>
+          <a:p>
+            <a:r>
+              <a:rPr lang="da-DK" dirty="0">
+                <a:solidFill>
+                  <a:schemeClr val="bg1"/>
+                </a:solidFill>
+              </a:rPr>
+              <a:t>Publishing apps to the cloud</a:t>
+            </a:r>
+          </a:p>
+          <a:p>
+            <a:r>
+              <a:rPr lang="da-DK" dirty="0" err="1">
+                <a:solidFill>
+                  <a:schemeClr val="bg1"/>
+                </a:solidFill>
+              </a:rPr>
+              <a:t>Exception</a:t>
+            </a:r>
+            <a:r>
+              <a:rPr lang="da-DK" dirty="0">
+                <a:solidFill>
+                  <a:schemeClr val="bg1"/>
+                </a:solidFill>
+              </a:rPr>
+              <a:t> handling</a:t>
+            </a:r>
+          </a:p>
+          <a:p>
+            <a:r>
+              <a:rPr lang="da-DK" dirty="0" err="1">
+                <a:solidFill>
+                  <a:schemeClr val="bg1"/>
+                </a:solidFill>
+              </a:rPr>
+              <a:t>IDisposable</a:t>
             </a:r>
             <a:endParaRPr lang="da-DK" dirty="0">
               <a:solidFill>
@@ -6833,7 +7187,23 @@
                   <a:schemeClr val="bg1"/>
                 </a:solidFill>
               </a:rPr>
-              <a:t>Logging</a:t>
+              <a:t>Settings</a:t>
+            </a:r>
+            <a:r>
+              <a:rPr lang="da-DK" dirty="0">
+                <a:solidFill>
+                  <a:schemeClr val="bg1"/>
+                </a:solidFill>
+              </a:rPr>
+              <a:t> and </a:t>
+            </a:r>
+            <a:r>
+              <a:rPr lang="da-DK" dirty="0" err="1">
+                <a:solidFill>
+                  <a:schemeClr val="bg1"/>
+                </a:solidFill>
+              </a:rPr>
+              <a:t>secrets</a:t>
             </a:r>
             <a:endParaRPr lang="da-DK" dirty="0">
               <a:solidFill>
@@ -6848,45 +7218,70 @@
                   <a:schemeClr val="bg1"/>
                 </a:solidFill>
               </a:rPr>
-              <a:t>Exam</a:t>
-            </a:r>
-            <a:r>
-              <a:rPr lang="da-DK" dirty="0">
-                <a:solidFill>
-                  <a:schemeClr val="bg1"/>
-                </a:solidFill>
-              </a:rPr>
-              <a:t> format – </a:t>
-            </a:r>
-            <a:r>
-              <a:rPr lang="da-DK" dirty="0" err="1">
-                <a:solidFill>
-                  <a:schemeClr val="bg1"/>
-                </a:solidFill>
-              </a:rPr>
-              <a:t>degrees</a:t>
-            </a:r>
-            <a:r>
-              <a:rPr lang="da-DK" dirty="0">
-                <a:solidFill>
-                  <a:schemeClr val="bg1"/>
-                </a:solidFill>
-              </a:rPr>
-              <a:t> of </a:t>
-            </a:r>
-            <a:r>
-              <a:rPr lang="da-DK" dirty="0" err="1">
-                <a:solidFill>
-                  <a:schemeClr val="bg1"/>
-                </a:solidFill>
-              </a:rPr>
-              <a:t>evilness</a:t>
+              <a:t>Logging</a:t>
             </a:r>
             <a:endParaRPr lang="da-DK" dirty="0">
               <a:solidFill>
                 <a:schemeClr val="bg1"/>
               </a:solidFill>
             </a:endParaRPr>
+          </a:p>
+          <a:p>
+            <a:r>
+              <a:rPr lang="da-DK" dirty="0">
+                <a:solidFill>
+                  <a:schemeClr val="bg1"/>
+                </a:solidFill>
+              </a:rPr>
+              <a:t>Security in UWP and </a:t>
+            </a:r>
+            <a:r>
+              <a:rPr lang="da-DK" dirty="0" err="1">
+                <a:solidFill>
+                  <a:schemeClr val="bg1"/>
+                </a:solidFill>
+              </a:rPr>
+              <a:t>Xamarin.Forms</a:t>
+            </a:r>
+            <a:endParaRPr lang="da-DK" dirty="0">
+              <a:solidFill>
+                <a:schemeClr val="bg1"/>
+              </a:solidFill>
+            </a:endParaRPr>
+          </a:p>
+          <a:p>
+            <a:r>
+              <a:rPr lang="da-DK" dirty="0" err="1">
+                <a:solidFill>
+                  <a:schemeClr val="bg1"/>
+                </a:solidFill>
+              </a:rPr>
+              <a:t>Entity</a:t>
+            </a:r>
+            <a:r>
+              <a:rPr lang="da-DK" dirty="0">
+                <a:solidFill>
+                  <a:schemeClr val="bg1"/>
+                </a:solidFill>
+              </a:rPr>
+              <a:t> Framework Core – </a:t>
+            </a:r>
+            <a:r>
+              <a:rPr lang="da-DK" dirty="0" err="1">
+                <a:solidFill>
+                  <a:schemeClr val="bg1"/>
+                </a:solidFill>
+              </a:rPr>
+              <a:t>what</a:t>
+            </a:r>
+            <a:r>
+              <a:rPr lang="da-DK" dirty="0">
+                <a:solidFill>
+                  <a:schemeClr val="bg1"/>
+                </a:solidFill>
+              </a:rPr>
+              <a:t>?</a:t>
+            </a:r>
           </a:p>
         </p:txBody>
       </p:sp>
@@ -7047,17 +7442,25 @@
                   <a:schemeClr val="bg1"/>
                 </a:solidFill>
               </a:rPr>
-              <a:t>Security in ASP.NET, UWP, and </a:t>
-            </a:r>
-            <a:r>
-              <a:rPr lang="da-DK" sz="3200" dirty="0" err="1">
+              <a:t>Security in ASP.NET, </a:t>
+            </a:r>
+            <a:r>
+              <a:rPr lang="da-DK" sz="3200" strike="sngStrike" dirty="0">
                 <a:solidFill>
                   <a:schemeClr val="bg1"/>
                 </a:solidFill>
               </a:rPr>
+              <a:t>UWP, and </a:t>
+            </a:r>
+            <a:r>
+              <a:rPr lang="da-DK" sz="3200" strike="sngStrike" dirty="0" err="1">
+                <a:solidFill>
+                  <a:schemeClr val="bg1"/>
+                </a:solidFill>
+              </a:rPr>
               <a:t>Xamarin.Forms</a:t>
             </a:r>
-            <a:endParaRPr lang="da-DK" sz="3200" dirty="0">
+            <a:endParaRPr lang="da-DK" sz="3200" strike="sngStrike" dirty="0">
               <a:solidFill>
                 <a:schemeClr val="bg1"/>
               </a:solidFill>
@@ -7187,7 +7590,7 @@
         <p:spPr>
           <a:xfrm>
             <a:off x="274209" y="1212850"/>
-            <a:ext cx="8778240" cy="4838248"/>
+            <a:ext cx="8778240" cy="3730252"/>
           </a:xfrm>
         </p:spPr>
         <p:txBody>
@@ -7251,16 +7654,6 @@
                 </a:solidFill>
               </a:rPr>
               <a:t>Work load</a:t>
-            </a:r>
-          </a:p>
-          <a:p>
-            <a:r>
-              <a:rPr lang="en-US" dirty="0">
-                <a:solidFill>
-                  <a:schemeClr val="bg1"/>
-                </a:solidFill>
-              </a:rPr>
-              <a:t>Condescending, intimidating, arrogant, know-it-all, mind-blind</a:t>
             </a:r>
           </a:p>
         </p:txBody>
@@ -7357,12 +7750,29 @@
         <p:spPr>
           <a:xfrm>
             <a:off x="274209" y="1212850"/>
-            <a:ext cx="8778240" cy="4339650"/>
+            <a:ext cx="8778240" cy="6057043"/>
           </a:xfrm>
         </p:spPr>
         <p:txBody>
           <a:bodyPr/>
           <a:lstStyle/>
+          <a:p>
+            <a:r>
+              <a:rPr lang="en-US" dirty="0">
+                <a:solidFill>
+                  <a:schemeClr val="bg1"/>
+                </a:solidFill>
+              </a:rPr>
+              <a:t>Condescending, intimidating, arrogant, know-it-all, mind-blind</a:t>
+            </a:r>
+          </a:p>
+          <a:p>
+            <a:endParaRPr lang="en-US" dirty="0">
+              <a:solidFill>
+                <a:schemeClr val="bg1"/>
+              </a:solidFill>
+            </a:endParaRPr>
+          </a:p>
           <a:p>
             <a:r>
               <a:rPr lang="en-US" dirty="0">
@@ -8251,287 +8661,500 @@
       </p:sp>
       <p:sp>
         <p:nvSpPr>
-          <p:cNvPr id="3" name="Text Placeholder 2">
+          <p:cNvPr id="4" name="Rectangle 3">
             <a:extLst>
               <a:ext uri="{FF2B5EF4-FFF2-40B4-BE49-F238E27FC236}">
-                <a16:creationId xmlns:a16="http://schemas.microsoft.com/office/drawing/2014/main" id="{97ADE499-75F6-49F0-8F6D-8C18236064EC}"/>
+                <a16:creationId xmlns:a16="http://schemas.microsoft.com/office/drawing/2014/main" id="{75070CDA-B221-4D4C-A47E-3D8D44C6D9E8}"/>
               </a:ext>
             </a:extLst>
           </p:cNvPr>
-          <p:cNvSpPr>
-            <a:spLocks noGrp="1"/>
-          </p:cNvSpPr>
-          <p:nvPr>
-            <p:ph type="body" sz="quarter" idx="10"/>
-          </p:nvPr>
+          <p:cNvSpPr/>
+          <p:nvPr/>
         </p:nvSpPr>
         <p:spPr>
           <a:xfrm>
-            <a:off x="274209" y="1212850"/>
-            <a:ext cx="8778240" cy="5139869"/>
+            <a:off x="365648" y="1530317"/>
+            <a:ext cx="4397807" cy="369332"/>
           </a:xfrm>
+          <a:prstGeom prst="rect">
+            <a:avLst/>
+          </a:prstGeom>
         </p:spPr>
         <p:txBody>
-          <a:bodyPr/>
+          <a:bodyPr wrap="none">
+            <a:spAutoFit/>
+          </a:bodyPr>
           <a:lstStyle/>
           <a:p>
             <a:r>
-              <a:rPr lang="en-US" sz="2000" dirty="0">
-                <a:solidFill>
-                  <a:schemeClr val="bg1"/>
-                </a:solidFill>
-                <a:latin typeface="Consolas" panose="020B0609020204030204" pitchFamily="49" charset="0"/>
+              <a:rPr lang="en-US" dirty="0">
+                <a:solidFill>
+                  <a:srgbClr val="DDDDDD"/>
+                </a:solidFill>
+                <a:latin typeface="Menlo"/>
               </a:rPr>
               <a:t>PS&gt; Install-Package </a:t>
             </a:r>
             <a:r>
-              <a:rPr lang="en-US" sz="2000" dirty="0" err="1">
-                <a:solidFill>
-                  <a:schemeClr val="bg1"/>
-                </a:solidFill>
-                <a:latin typeface="Consolas" panose="020B0609020204030204" pitchFamily="49" charset="0"/>
+              <a:rPr lang="en-US" dirty="0" err="1">
+                <a:solidFill>
+                  <a:srgbClr val="DDDDDD"/>
+                </a:solidFill>
+                <a:latin typeface="Menlo"/>
               </a:rPr>
               <a:t>Swashbuckle.AspNetCore</a:t>
             </a:r>
-            <a:endParaRPr lang="en-US" sz="2000" dirty="0">
+            <a:endParaRPr lang="en-US" dirty="0"/>
+          </a:p>
+        </p:txBody>
+      </p:sp>
+      <p:sp>
+        <p:nvSpPr>
+          <p:cNvPr id="7" name="Rectangle 6">
+            <a:extLst>
+              <a:ext uri="{FF2B5EF4-FFF2-40B4-BE49-F238E27FC236}">
+                <a16:creationId xmlns:a16="http://schemas.microsoft.com/office/drawing/2014/main" id="{3893ED3A-56CB-475D-9254-A32836BF56A9}"/>
+              </a:ext>
+            </a:extLst>
+          </p:cNvPr>
+          <p:cNvSpPr/>
+          <p:nvPr/>
+        </p:nvSpPr>
+        <p:spPr>
+          <a:xfrm>
+            <a:off x="365648" y="2217116"/>
+            <a:ext cx="8412388" cy="3416320"/>
+          </a:xfrm>
+          <a:prstGeom prst="rect">
+            <a:avLst/>
+          </a:prstGeom>
+        </p:spPr>
+        <p:txBody>
+          <a:bodyPr wrap="square">
+            <a:spAutoFit/>
+          </a:bodyPr>
+          <a:lstStyle/>
+          <a:p>
+            <a:r>
+              <a:rPr lang="en-US" dirty="0" err="1">
+                <a:solidFill>
+                  <a:srgbClr val="9CDCFE"/>
+                </a:solidFill>
+                <a:latin typeface="Consolas" panose="020B0609020204030204" pitchFamily="49" charset="0"/>
+              </a:rPr>
+              <a:t>services</a:t>
+            </a:r>
+            <a:r>
+              <a:rPr lang="en-US" dirty="0" err="1">
+                <a:solidFill>
+                  <a:srgbClr val="D4D4D4"/>
+                </a:solidFill>
+                <a:latin typeface="Consolas" panose="020B0609020204030204" pitchFamily="49" charset="0"/>
+              </a:rPr>
+              <a:t>.</a:t>
+            </a:r>
+            <a:r>
+              <a:rPr lang="en-US" dirty="0" err="1">
+                <a:solidFill>
+                  <a:srgbClr val="DCDCAA"/>
+                </a:solidFill>
+                <a:latin typeface="Consolas" panose="020B0609020204030204" pitchFamily="49" charset="0"/>
+              </a:rPr>
+              <a:t>AddRouting</a:t>
+            </a:r>
+            <a:r>
+              <a:rPr lang="en-US" dirty="0">
+                <a:solidFill>
+                  <a:srgbClr val="D4D4D4"/>
+                </a:solidFill>
+                <a:latin typeface="Consolas" panose="020B0609020204030204" pitchFamily="49" charset="0"/>
+              </a:rPr>
+              <a:t>(options =&gt;</a:t>
+            </a:r>
+          </a:p>
+          <a:p>
+            <a:r>
+              <a:rPr lang="en-US" dirty="0">
+                <a:solidFill>
+                  <a:srgbClr val="D4D4D4"/>
+                </a:solidFill>
+                <a:latin typeface="Consolas" panose="020B0609020204030204" pitchFamily="49" charset="0"/>
+              </a:rPr>
+              <a:t>{</a:t>
+            </a:r>
+          </a:p>
+          <a:p>
+            <a:r>
+              <a:rPr lang="en-US" dirty="0">
+                <a:solidFill>
+                  <a:srgbClr val="9CDCFE"/>
+                </a:solidFill>
+                <a:latin typeface="Consolas" panose="020B0609020204030204" pitchFamily="49" charset="0"/>
+              </a:rPr>
+              <a:t>    </a:t>
+            </a:r>
+            <a:r>
+              <a:rPr lang="en-US" dirty="0" err="1">
+                <a:solidFill>
+                  <a:srgbClr val="9CDCFE"/>
+                </a:solidFill>
+                <a:latin typeface="Consolas" panose="020B0609020204030204" pitchFamily="49" charset="0"/>
+              </a:rPr>
+              <a:t>options</a:t>
+            </a:r>
+            <a:r>
+              <a:rPr lang="en-US" dirty="0" err="1">
+                <a:solidFill>
+                  <a:srgbClr val="D4D4D4"/>
+                </a:solidFill>
+                <a:latin typeface="Consolas" panose="020B0609020204030204" pitchFamily="49" charset="0"/>
+              </a:rPr>
+              <a:t>.</a:t>
+            </a:r>
+            <a:r>
+              <a:rPr lang="en-US" dirty="0" err="1">
+                <a:solidFill>
+                  <a:srgbClr val="9CDCFE"/>
+                </a:solidFill>
+                <a:latin typeface="Consolas" panose="020B0609020204030204" pitchFamily="49" charset="0"/>
+              </a:rPr>
+              <a:t>LowercaseUrls</a:t>
+            </a:r>
+            <a:r>
+              <a:rPr lang="en-US" dirty="0">
+                <a:solidFill>
+                  <a:srgbClr val="D4D4D4"/>
+                </a:solidFill>
+                <a:latin typeface="Consolas" panose="020B0609020204030204" pitchFamily="49" charset="0"/>
+              </a:rPr>
+              <a:t> = </a:t>
+            </a:r>
+            <a:r>
+              <a:rPr lang="en-US" dirty="0">
+                <a:solidFill>
+                  <a:srgbClr val="569CD6"/>
+                </a:solidFill>
+                <a:latin typeface="Consolas" panose="020B0609020204030204" pitchFamily="49" charset="0"/>
+              </a:rPr>
+              <a:t>true</a:t>
+            </a:r>
+            <a:r>
+              <a:rPr lang="en-US" dirty="0">
+                <a:solidFill>
+                  <a:srgbClr val="D4D4D4"/>
+                </a:solidFill>
+                <a:latin typeface="Consolas" panose="020B0609020204030204" pitchFamily="49" charset="0"/>
+              </a:rPr>
+              <a:t>;</a:t>
+            </a:r>
+          </a:p>
+          <a:p>
+            <a:r>
+              <a:rPr lang="en-US" dirty="0">
+                <a:solidFill>
+                  <a:srgbClr val="D4D4D4"/>
+                </a:solidFill>
+                <a:latin typeface="Consolas" panose="020B0609020204030204" pitchFamily="49" charset="0"/>
+              </a:rPr>
+              <a:t>});</a:t>
+            </a:r>
+          </a:p>
+          <a:p>
+            <a:br>
+              <a:rPr lang="en-US" dirty="0">
+                <a:solidFill>
+                  <a:srgbClr val="D4D4D4"/>
+                </a:solidFill>
+                <a:latin typeface="Consolas" panose="020B0609020204030204" pitchFamily="49" charset="0"/>
+              </a:rPr>
+            </a:br>
+            <a:r>
+              <a:rPr lang="en-US" dirty="0" err="1">
+                <a:solidFill>
+                  <a:srgbClr val="9CDCFE"/>
+                </a:solidFill>
+                <a:latin typeface="Consolas" panose="020B0609020204030204" pitchFamily="49" charset="0"/>
+              </a:rPr>
+              <a:t>services</a:t>
+            </a:r>
+            <a:r>
+              <a:rPr lang="en-US" dirty="0" err="1">
+                <a:solidFill>
+                  <a:srgbClr val="D4D4D4"/>
+                </a:solidFill>
+                <a:latin typeface="Consolas" panose="020B0609020204030204" pitchFamily="49" charset="0"/>
+              </a:rPr>
+              <a:t>.</a:t>
+            </a:r>
+            <a:r>
+              <a:rPr lang="en-US" dirty="0" err="1">
+                <a:solidFill>
+                  <a:srgbClr val="DCDCAA"/>
+                </a:solidFill>
+                <a:latin typeface="Consolas" panose="020B0609020204030204" pitchFamily="49" charset="0"/>
+              </a:rPr>
+              <a:t>AddSwaggerGen</a:t>
+            </a:r>
+            <a:r>
+              <a:rPr lang="en-US" dirty="0">
+                <a:solidFill>
+                  <a:srgbClr val="D4D4D4"/>
+                </a:solidFill>
+                <a:latin typeface="Consolas" panose="020B0609020204030204" pitchFamily="49" charset="0"/>
+              </a:rPr>
+              <a:t>(c =&gt;</a:t>
+            </a:r>
+          </a:p>
+          <a:p>
+            <a:r>
+              <a:rPr lang="en-US" dirty="0">
+                <a:solidFill>
+                  <a:srgbClr val="D4D4D4"/>
+                </a:solidFill>
+                <a:latin typeface="Consolas" panose="020B0609020204030204" pitchFamily="49" charset="0"/>
+              </a:rPr>
+              <a:t>{</a:t>
+            </a:r>
+          </a:p>
+          <a:p>
+            <a:r>
+              <a:rPr lang="en-US" dirty="0">
+                <a:solidFill>
+                  <a:srgbClr val="9CDCFE"/>
+                </a:solidFill>
+                <a:latin typeface="Consolas" panose="020B0609020204030204" pitchFamily="49" charset="0"/>
+              </a:rPr>
+              <a:t>    </a:t>
+            </a:r>
+            <a:r>
+              <a:rPr lang="en-US" dirty="0" err="1">
+                <a:solidFill>
+                  <a:srgbClr val="9CDCFE"/>
+                </a:solidFill>
+                <a:latin typeface="Consolas" panose="020B0609020204030204" pitchFamily="49" charset="0"/>
+              </a:rPr>
+              <a:t>c</a:t>
+            </a:r>
+            <a:r>
+              <a:rPr lang="en-US" dirty="0" err="1">
+                <a:solidFill>
+                  <a:srgbClr val="D4D4D4"/>
+                </a:solidFill>
+                <a:latin typeface="Consolas" panose="020B0609020204030204" pitchFamily="49" charset="0"/>
+              </a:rPr>
+              <a:t>.</a:t>
+            </a:r>
+            <a:r>
+              <a:rPr lang="en-US" dirty="0" err="1">
+                <a:solidFill>
+                  <a:srgbClr val="DCDCAA"/>
+                </a:solidFill>
+                <a:latin typeface="Consolas" panose="020B0609020204030204" pitchFamily="49" charset="0"/>
+              </a:rPr>
+              <a:t>SwaggerDoc</a:t>
+            </a:r>
+            <a:r>
+              <a:rPr lang="en-US" dirty="0">
+                <a:solidFill>
+                  <a:srgbClr val="D4D4D4"/>
+                </a:solidFill>
+                <a:latin typeface="Consolas" panose="020B0609020204030204" pitchFamily="49" charset="0"/>
+              </a:rPr>
+              <a:t>(</a:t>
+            </a:r>
+            <a:r>
+              <a:rPr lang="en-US" dirty="0">
+                <a:solidFill>
+                  <a:srgbClr val="CE9178"/>
+                </a:solidFill>
+                <a:latin typeface="Consolas" panose="020B0609020204030204" pitchFamily="49" charset="0"/>
+              </a:rPr>
+              <a:t>"v1"</a:t>
+            </a:r>
+            <a:r>
+              <a:rPr lang="en-US" dirty="0">
+                <a:solidFill>
+                  <a:srgbClr val="D4D4D4"/>
+                </a:solidFill>
+                <a:latin typeface="Consolas" panose="020B0609020204030204" pitchFamily="49" charset="0"/>
+              </a:rPr>
+              <a:t>, </a:t>
+            </a:r>
+            <a:r>
+              <a:rPr lang="en-US" dirty="0">
+                <a:solidFill>
+                  <a:srgbClr val="569CD6"/>
+                </a:solidFill>
+                <a:latin typeface="Consolas" panose="020B0609020204030204" pitchFamily="49" charset="0"/>
+              </a:rPr>
+              <a:t>new</a:t>
+            </a:r>
+            <a:r>
+              <a:rPr lang="en-US" dirty="0">
+                <a:solidFill>
+                  <a:srgbClr val="D4D4D4"/>
+                </a:solidFill>
+                <a:latin typeface="Consolas" panose="020B0609020204030204" pitchFamily="49" charset="0"/>
+              </a:rPr>
+              <a:t> Info { </a:t>
+            </a:r>
+            <a:r>
+              <a:rPr lang="en-US" dirty="0">
+                <a:solidFill>
+                  <a:srgbClr val="9CDCFE"/>
+                </a:solidFill>
+                <a:latin typeface="Consolas" panose="020B0609020204030204" pitchFamily="49" charset="0"/>
+              </a:rPr>
+              <a:t>Title</a:t>
+            </a:r>
+            <a:r>
+              <a:rPr lang="en-US" dirty="0">
+                <a:solidFill>
+                  <a:srgbClr val="D4D4D4"/>
+                </a:solidFill>
+                <a:latin typeface="Consolas" panose="020B0609020204030204" pitchFamily="49" charset="0"/>
+              </a:rPr>
+              <a:t> = </a:t>
+            </a:r>
+            <a:r>
+              <a:rPr lang="en-US" dirty="0">
+                <a:solidFill>
+                  <a:srgbClr val="CE9178"/>
+                </a:solidFill>
+                <a:latin typeface="Consolas" panose="020B0609020204030204" pitchFamily="49" charset="0"/>
+              </a:rPr>
+              <a:t>"My API"</a:t>
+            </a:r>
+            <a:r>
+              <a:rPr lang="en-US" dirty="0">
+                <a:solidFill>
+                  <a:srgbClr val="D4D4D4"/>
+                </a:solidFill>
+                <a:latin typeface="Consolas" panose="020B0609020204030204" pitchFamily="49" charset="0"/>
+              </a:rPr>
+              <a:t>, </a:t>
+            </a:r>
+            <a:r>
+              <a:rPr lang="en-US" dirty="0">
+                <a:solidFill>
+                  <a:srgbClr val="9CDCFE"/>
+                </a:solidFill>
+                <a:latin typeface="Consolas" panose="020B0609020204030204" pitchFamily="49" charset="0"/>
+              </a:rPr>
+              <a:t>Version</a:t>
+            </a:r>
+            <a:r>
+              <a:rPr lang="en-US" dirty="0">
+                <a:solidFill>
+                  <a:srgbClr val="D4D4D4"/>
+                </a:solidFill>
+                <a:latin typeface="Consolas" panose="020B0609020204030204" pitchFamily="49" charset="0"/>
+              </a:rPr>
+              <a:t> = </a:t>
+            </a:r>
+            <a:r>
+              <a:rPr lang="en-US" dirty="0">
+                <a:solidFill>
+                  <a:srgbClr val="CE9178"/>
+                </a:solidFill>
+                <a:latin typeface="Consolas" panose="020B0609020204030204" pitchFamily="49" charset="0"/>
+              </a:rPr>
+              <a:t>"v1"</a:t>
+            </a:r>
+            <a:r>
+              <a:rPr lang="en-US" dirty="0">
+                <a:solidFill>
+                  <a:srgbClr val="D4D4D4"/>
+                </a:solidFill>
+                <a:latin typeface="Consolas" panose="020B0609020204030204" pitchFamily="49" charset="0"/>
+              </a:rPr>
+              <a:t> });</a:t>
+            </a:r>
+          </a:p>
+          <a:p>
+            <a:r>
+              <a:rPr lang="en-US" dirty="0">
+                <a:solidFill>
+                  <a:srgbClr val="9CDCFE"/>
+                </a:solidFill>
+                <a:latin typeface="Consolas" panose="020B0609020204030204" pitchFamily="49" charset="0"/>
+              </a:rPr>
+              <a:t>    </a:t>
+            </a:r>
+            <a:r>
+              <a:rPr lang="en-US" dirty="0" err="1">
+                <a:solidFill>
+                  <a:srgbClr val="9CDCFE"/>
+                </a:solidFill>
+                <a:latin typeface="Consolas" panose="020B0609020204030204" pitchFamily="49" charset="0"/>
+              </a:rPr>
+              <a:t>c</a:t>
+            </a:r>
+            <a:r>
+              <a:rPr lang="en-US" dirty="0" err="1">
+                <a:solidFill>
+                  <a:srgbClr val="D4D4D4"/>
+                </a:solidFill>
+                <a:latin typeface="Consolas" panose="020B0609020204030204" pitchFamily="49" charset="0"/>
+              </a:rPr>
+              <a:t>.</a:t>
+            </a:r>
+            <a:r>
+              <a:rPr lang="en-US" dirty="0" err="1">
+                <a:solidFill>
+                  <a:srgbClr val="DCDCAA"/>
+                </a:solidFill>
+                <a:latin typeface="Consolas" panose="020B0609020204030204" pitchFamily="49" charset="0"/>
+              </a:rPr>
+              <a:t>DocumentFilter</a:t>
+            </a:r>
+            <a:r>
+              <a:rPr lang="en-US" dirty="0">
+                <a:solidFill>
+                  <a:srgbClr val="D4D4D4"/>
+                </a:solidFill>
+                <a:latin typeface="Consolas" panose="020B0609020204030204" pitchFamily="49" charset="0"/>
+              </a:rPr>
+              <a:t>&lt;</a:t>
+            </a:r>
+            <a:r>
+              <a:rPr lang="en-US" dirty="0" err="1">
+                <a:solidFill>
+                  <a:srgbClr val="D4D4D4"/>
+                </a:solidFill>
+                <a:latin typeface="Consolas" panose="020B0609020204030204" pitchFamily="49" charset="0"/>
+              </a:rPr>
+              <a:t>LowerCaseDocumentFilter</a:t>
+            </a:r>
+            <a:r>
+              <a:rPr lang="en-US" dirty="0">
+                <a:solidFill>
+                  <a:srgbClr val="D4D4D4"/>
+                </a:solidFill>
+                <a:latin typeface="Consolas" panose="020B0609020204030204" pitchFamily="49" charset="0"/>
+              </a:rPr>
+              <a:t>&gt;();</a:t>
+            </a:r>
+          </a:p>
+          <a:p>
+            <a:r>
+              <a:rPr lang="en-US" dirty="0">
+                <a:solidFill>
+                  <a:srgbClr val="D4D4D4"/>
+                </a:solidFill>
+                <a:latin typeface="Consolas" panose="020B0609020204030204" pitchFamily="49" charset="0"/>
+              </a:rPr>
+              <a:t>});</a:t>
+            </a:r>
+          </a:p>
+          <a:p>
+            <a:endParaRPr lang="en-US" b="0" dirty="0">
               <a:solidFill>
-                <a:schemeClr val="bg1"/>
+                <a:srgbClr val="D4D4D4"/>
               </a:solidFill>
+              <a:effectLst/>
               <a:latin typeface="Consolas" panose="020B0609020204030204" pitchFamily="49" charset="0"/>
             </a:endParaRPr>
-          </a:p>
-          <a:p>
-            <a:endParaRPr lang="en-US" sz="2000" dirty="0">
-              <a:solidFill>
-                <a:schemeClr val="bg1"/>
-              </a:solidFill>
-              <a:latin typeface="Consolas" panose="020B0609020204030204" pitchFamily="49" charset="0"/>
-            </a:endParaRPr>
-          </a:p>
-          <a:p>
-            <a:r>
-              <a:rPr lang="en-US" sz="2000" dirty="0" err="1">
-                <a:solidFill>
-                  <a:schemeClr val="bg1"/>
-                </a:solidFill>
-                <a:latin typeface="Consolas" panose="020B0609020204030204" pitchFamily="49" charset="0"/>
-              </a:rPr>
-              <a:t>services.AddRouting</a:t>
-            </a:r>
-            <a:r>
-              <a:rPr lang="en-US" sz="2000" dirty="0">
-                <a:solidFill>
-                  <a:schemeClr val="bg1"/>
-                </a:solidFill>
-                <a:latin typeface="Consolas" panose="020B0609020204030204" pitchFamily="49" charset="0"/>
-              </a:rPr>
-              <a:t>(options =&gt;</a:t>
-            </a:r>
-          </a:p>
-          <a:p>
-            <a:r>
-              <a:rPr lang="en-US" sz="2000" dirty="0">
-                <a:solidFill>
-                  <a:schemeClr val="bg1"/>
-                </a:solidFill>
-                <a:latin typeface="Consolas" panose="020B0609020204030204" pitchFamily="49" charset="0"/>
-              </a:rPr>
-              <a:t>{</a:t>
-            </a:r>
-          </a:p>
-          <a:p>
-            <a:r>
-              <a:rPr lang="en-US" sz="2000" dirty="0">
-                <a:solidFill>
-                  <a:schemeClr val="bg1"/>
-                </a:solidFill>
-                <a:latin typeface="Consolas" panose="020B0609020204030204" pitchFamily="49" charset="0"/>
-              </a:rPr>
-              <a:t>    </a:t>
-            </a:r>
-            <a:r>
-              <a:rPr lang="en-US" sz="2000" dirty="0" err="1">
-                <a:solidFill>
-                  <a:schemeClr val="bg1"/>
-                </a:solidFill>
-                <a:latin typeface="Consolas" panose="020B0609020204030204" pitchFamily="49" charset="0"/>
-              </a:rPr>
-              <a:t>options.LowercaseUrls</a:t>
-            </a:r>
-            <a:r>
-              <a:rPr lang="en-US" sz="2000" dirty="0">
-                <a:solidFill>
-                  <a:schemeClr val="bg1"/>
-                </a:solidFill>
-                <a:latin typeface="Consolas" panose="020B0609020204030204" pitchFamily="49" charset="0"/>
-              </a:rPr>
-              <a:t> = true;</a:t>
-            </a:r>
-          </a:p>
-          <a:p>
-            <a:r>
-              <a:rPr lang="en-US" sz="2000" dirty="0">
-                <a:solidFill>
-                  <a:schemeClr val="bg1"/>
-                </a:solidFill>
-                <a:latin typeface="Consolas" panose="020B0609020204030204" pitchFamily="49" charset="0"/>
-              </a:rPr>
-              <a:t>});</a:t>
-            </a:r>
-          </a:p>
-          <a:p>
-            <a:endParaRPr lang="en-US" sz="2000" dirty="0">
-              <a:solidFill>
-                <a:schemeClr val="bg1"/>
-              </a:solidFill>
-              <a:latin typeface="Consolas" panose="020B0609020204030204" pitchFamily="49" charset="0"/>
-            </a:endParaRPr>
-          </a:p>
-          <a:p>
-            <a:r>
-              <a:rPr lang="en-US" sz="2000" dirty="0" err="1">
-                <a:solidFill>
-                  <a:schemeClr val="bg1"/>
-                </a:solidFill>
-                <a:latin typeface="Consolas" panose="020B0609020204030204" pitchFamily="49" charset="0"/>
-              </a:rPr>
-              <a:t>services.AddSwaggerGen</a:t>
-            </a:r>
-            <a:r>
-              <a:rPr lang="en-US" sz="2000" dirty="0">
-                <a:solidFill>
-                  <a:schemeClr val="bg1"/>
-                </a:solidFill>
-                <a:latin typeface="Consolas" panose="020B0609020204030204" pitchFamily="49" charset="0"/>
-              </a:rPr>
-              <a:t>(c =&gt;</a:t>
-            </a:r>
-          </a:p>
-          <a:p>
-            <a:r>
-              <a:rPr lang="en-US" sz="2000" dirty="0">
-                <a:solidFill>
-                  <a:schemeClr val="bg1"/>
-                </a:solidFill>
-                <a:latin typeface="Consolas" panose="020B0609020204030204" pitchFamily="49" charset="0"/>
-              </a:rPr>
-              <a:t>{</a:t>
-            </a:r>
-          </a:p>
-          <a:p>
-            <a:r>
-              <a:rPr lang="en-US" sz="2000" dirty="0">
-                <a:solidFill>
-                  <a:schemeClr val="bg1"/>
-                </a:solidFill>
-                <a:latin typeface="Consolas" panose="020B0609020204030204" pitchFamily="49" charset="0"/>
-              </a:rPr>
-              <a:t>    </a:t>
-            </a:r>
-            <a:r>
-              <a:rPr lang="en-US" sz="2000" dirty="0" err="1">
-                <a:solidFill>
-                  <a:schemeClr val="bg1"/>
-                </a:solidFill>
-                <a:latin typeface="Consolas" panose="020B0609020204030204" pitchFamily="49" charset="0"/>
-              </a:rPr>
-              <a:t>c.SwaggerDoc</a:t>
-            </a:r>
-            <a:r>
-              <a:rPr lang="en-US" sz="2000" dirty="0">
-                <a:solidFill>
-                  <a:schemeClr val="bg1"/>
-                </a:solidFill>
-                <a:latin typeface="Consolas" panose="020B0609020204030204" pitchFamily="49" charset="0"/>
-              </a:rPr>
-              <a:t>("v1", new Info { Title = "MVOW B2B API", Version = "v1" });</a:t>
-            </a:r>
-          </a:p>
-          <a:p>
-            <a:r>
-              <a:rPr lang="en-US" sz="2000" dirty="0">
-                <a:solidFill>
-                  <a:schemeClr val="bg1"/>
-                </a:solidFill>
-                <a:latin typeface="Consolas" panose="020B0609020204030204" pitchFamily="49" charset="0"/>
-              </a:rPr>
-              <a:t>    </a:t>
-            </a:r>
-            <a:r>
-              <a:rPr lang="en-US" sz="2000" dirty="0" err="1">
-                <a:solidFill>
-                  <a:schemeClr val="bg1"/>
-                </a:solidFill>
-                <a:latin typeface="Consolas" panose="020B0609020204030204" pitchFamily="49" charset="0"/>
-              </a:rPr>
-              <a:t>c.DocumentFilter</a:t>
-            </a:r>
-            <a:r>
-              <a:rPr lang="en-US" sz="2000" dirty="0">
-                <a:solidFill>
-                  <a:schemeClr val="bg1"/>
-                </a:solidFill>
-                <a:latin typeface="Consolas" panose="020B0609020204030204" pitchFamily="49" charset="0"/>
-              </a:rPr>
-              <a:t>&lt;</a:t>
-            </a:r>
-            <a:r>
-              <a:rPr lang="en-US" sz="2000" dirty="0" err="1">
-                <a:solidFill>
-                  <a:schemeClr val="bg1"/>
-                </a:solidFill>
-                <a:latin typeface="Consolas" panose="020B0609020204030204" pitchFamily="49" charset="0"/>
-              </a:rPr>
-              <a:t>LowerCaseDocumentFilter</a:t>
-            </a:r>
-            <a:r>
-              <a:rPr lang="en-US" sz="2000" dirty="0">
-                <a:solidFill>
-                  <a:schemeClr val="bg1"/>
-                </a:solidFill>
-                <a:latin typeface="Consolas" panose="020B0609020204030204" pitchFamily="49" charset="0"/>
-              </a:rPr>
-              <a:t>&gt;();</a:t>
-            </a:r>
-          </a:p>
-          <a:p>
-            <a:r>
-              <a:rPr lang="en-US" sz="2000" dirty="0">
-                <a:solidFill>
-                  <a:schemeClr val="bg1"/>
-                </a:solidFill>
-                <a:latin typeface="Consolas" panose="020B0609020204030204" pitchFamily="49" charset="0"/>
-              </a:rPr>
-              <a:t>});</a:t>
-            </a:r>
-          </a:p>
-          <a:p>
-            <a:endParaRPr lang="en-US" sz="2000" dirty="0">
-              <a:solidFill>
-                <a:schemeClr val="bg1"/>
-              </a:solidFill>
-              <a:latin typeface="Consolas" panose="020B0609020204030204" pitchFamily="49" charset="0"/>
-            </a:endParaRPr>
-          </a:p>
-          <a:p>
-            <a:r>
-              <a:rPr lang="en-US" sz="2000" dirty="0" err="1">
-                <a:solidFill>
-                  <a:schemeClr val="bg1"/>
-                </a:solidFill>
-                <a:latin typeface="Consolas" panose="020B0609020204030204" pitchFamily="49" charset="0"/>
-              </a:rPr>
-              <a:t>app.UseSwagger</a:t>
-            </a:r>
-            <a:r>
-              <a:rPr lang="en-US" sz="2000" dirty="0">
-                <a:solidFill>
-                  <a:schemeClr val="bg1"/>
-                </a:solidFill>
-                <a:latin typeface="Consolas" panose="020B0609020204030204" pitchFamily="49" charset="0"/>
-              </a:rPr>
-              <a:t>();</a:t>
-            </a:r>
           </a:p>
         </p:txBody>
       </p:sp>
@@ -8626,8 +9249,8 @@
         </p:nvSpPr>
         <p:spPr>
           <a:xfrm>
-            <a:off x="274209" y="1212850"/>
-            <a:ext cx="8778240" cy="5416868"/>
+            <a:off x="315732" y="6268721"/>
+            <a:ext cx="8778240" cy="461665"/>
           </a:xfrm>
         </p:spPr>
         <p:txBody>
@@ -8635,13 +9258,22 @@
           <a:lstStyle/>
           <a:p>
             <a:r>
+              <a:rPr lang="en-US" sz="2000" dirty="0">
+                <a:solidFill>
+                  <a:schemeClr val="bg1"/>
+                </a:solidFill>
+                <a:latin typeface="Consolas" panose="020B0609020204030204" pitchFamily="49" charset="0"/>
+              </a:rPr>
+              <a:t>"</a:t>
+            </a:r>
+            <a:r>
               <a:rPr lang="en-US" sz="2000" dirty="0" err="1">
                 <a:solidFill>
                   <a:schemeClr val="bg1"/>
                 </a:solidFill>
                 <a:latin typeface="Consolas" panose="020B0609020204030204" pitchFamily="49" charset="0"/>
               </a:rPr>
-              <a:t>app.UseSwaggerUI</a:t>
+              <a:t>launchUrl</a:t>
             </a:r>
             <a:r>
               <a:rPr lang="en-US" sz="2000" dirty="0">
@@ -8650,79 +9282,18 @@
                 </a:solidFill>
                 <a:latin typeface="Consolas" panose="020B0609020204030204" pitchFamily="49" charset="0"/>
               </a:rPr>
-              <a:t>(c =&gt;</a:t>
-            </a:r>
-          </a:p>
-          <a:p>
+              <a:t>": </a:t>
+            </a:r>
             <a:r>
               <a:rPr lang="en-US" sz="2000" dirty="0">
                 <a:solidFill>
                   <a:schemeClr val="bg1"/>
                 </a:solidFill>
                 <a:latin typeface="Consolas" panose="020B0609020204030204" pitchFamily="49" charset="0"/>
-              </a:rPr>
-              <a:t>{</a:t>
-            </a:r>
-          </a:p>
-          <a:p>
-            <a:r>
-              <a:rPr lang="en-US" sz="2000" dirty="0">
-                <a:solidFill>
-                  <a:schemeClr val="bg1"/>
-                </a:solidFill>
-                <a:latin typeface="Consolas" panose="020B0609020204030204" pitchFamily="49" charset="0"/>
-              </a:rPr>
-              <a:t>    </a:t>
-            </a:r>
-            <a:r>
-              <a:rPr lang="en-US" sz="2000" dirty="0" err="1">
-                <a:solidFill>
-                  <a:schemeClr val="bg1"/>
-                </a:solidFill>
-                <a:latin typeface="Consolas" panose="020B0609020204030204" pitchFamily="49" charset="0"/>
-              </a:rPr>
-              <a:t>c.SwaggerEndpoint</a:t>
-            </a:r>
-            <a:r>
-              <a:rPr lang="en-US" sz="2000" dirty="0">
-                <a:solidFill>
-                  <a:schemeClr val="bg1"/>
-                </a:solidFill>
-                <a:latin typeface="Consolas" panose="020B0609020204030204" pitchFamily="49" charset="0"/>
-              </a:rPr>
-              <a:t>("/swagger/v1/</a:t>
-            </a:r>
-            <a:r>
-              <a:rPr lang="en-US" sz="2000" dirty="0" err="1">
-                <a:solidFill>
-                  <a:schemeClr val="bg1"/>
-                </a:solidFill>
-                <a:latin typeface="Consolas" panose="020B0609020204030204" pitchFamily="49" charset="0"/>
-              </a:rPr>
-              <a:t>swagger.json</a:t>
-            </a:r>
-            <a:r>
-              <a:rPr lang="en-US" sz="2000" dirty="0">
-                <a:solidFill>
-                  <a:schemeClr val="bg1"/>
-                </a:solidFill>
-                <a:latin typeface="Consolas" panose="020B0609020204030204" pitchFamily="49" charset="0"/>
-              </a:rPr>
-              <a:t>", “My API");</a:t>
-            </a:r>
-          </a:p>
-          <a:p>
-            <a:r>
-              <a:rPr lang="en-US" sz="2000" dirty="0">
-                <a:solidFill>
-                  <a:schemeClr val="bg1"/>
-                </a:solidFill>
-                <a:latin typeface="Consolas" panose="020B0609020204030204" pitchFamily="49" charset="0"/>
-              </a:rPr>
-              <a:t>});</a:t>
-            </a:r>
-          </a:p>
-          <a:p>
+                <a:hlinkClick r:id="rId3"/>
+              </a:rPr>
+              <a:t>http://localhost:[port]/swagger/</a:t>
+            </a:r>
             <a:endParaRPr lang="en-US" sz="2000" dirty="0">
               <a:solidFill>
                 <a:schemeClr val="bg1"/>
@@ -8730,55 +9301,352 @@
               <a:latin typeface="Consolas" panose="020B0609020204030204" pitchFamily="49" charset="0"/>
             </a:endParaRPr>
           </a:p>
-          <a:p>
-            <a:r>
-              <a:rPr lang="en-US" sz="2000" dirty="0">
-                <a:solidFill>
-                  <a:schemeClr val="bg1"/>
-                </a:solidFill>
-                <a:latin typeface="Consolas" panose="020B0609020204030204" pitchFamily="49" charset="0"/>
-              </a:rPr>
-              <a:t>public class </a:t>
-            </a:r>
-            <a:r>
-              <a:rPr lang="en-US" sz="2000" dirty="0" err="1">
-                <a:solidFill>
-                  <a:schemeClr val="bg1"/>
+        </p:txBody>
+      </p:sp>
+      <p:sp>
+        <p:nvSpPr>
+          <p:cNvPr id="5" name="Rectangle 4">
+            <a:extLst>
+              <a:ext uri="{FF2B5EF4-FFF2-40B4-BE49-F238E27FC236}">
+                <a16:creationId xmlns:a16="http://schemas.microsoft.com/office/drawing/2014/main" id="{951933E1-7E42-4722-B804-8D9827A2C193}"/>
+              </a:ext>
+            </a:extLst>
+          </p:cNvPr>
+          <p:cNvSpPr/>
+          <p:nvPr/>
+        </p:nvSpPr>
+        <p:spPr>
+          <a:xfrm>
+            <a:off x="315732" y="1212850"/>
+            <a:ext cx="8279425" cy="1754326"/>
+          </a:xfrm>
+          <a:prstGeom prst="rect">
+            <a:avLst/>
+          </a:prstGeom>
+        </p:spPr>
+        <p:txBody>
+          <a:bodyPr wrap="square">
+            <a:spAutoFit/>
+          </a:bodyPr>
+          <a:lstStyle/>
+          <a:p>
+            <a:r>
+              <a:rPr lang="en-US" dirty="0" err="1">
+                <a:solidFill>
+                  <a:srgbClr val="9CDCFE"/>
+                </a:solidFill>
+                <a:latin typeface="Consolas" panose="020B0609020204030204" pitchFamily="49" charset="0"/>
+              </a:rPr>
+              <a:t>app</a:t>
+            </a:r>
+            <a:r>
+              <a:rPr lang="en-US" dirty="0" err="1">
+                <a:solidFill>
+                  <a:srgbClr val="D4D4D4"/>
+                </a:solidFill>
+                <a:latin typeface="Consolas" panose="020B0609020204030204" pitchFamily="49" charset="0"/>
+              </a:rPr>
+              <a:t>.</a:t>
+            </a:r>
+            <a:r>
+              <a:rPr lang="en-US" dirty="0" err="1">
+                <a:solidFill>
+                  <a:srgbClr val="DCDCAA"/>
+                </a:solidFill>
+                <a:latin typeface="Consolas" panose="020B0609020204030204" pitchFamily="49" charset="0"/>
+              </a:rPr>
+              <a:t>UseSwagger</a:t>
+            </a:r>
+            <a:r>
+              <a:rPr lang="en-US" dirty="0">
+                <a:solidFill>
+                  <a:srgbClr val="D4D4D4"/>
+                </a:solidFill>
+                <a:latin typeface="Consolas" panose="020B0609020204030204" pitchFamily="49" charset="0"/>
+              </a:rPr>
+              <a:t>();</a:t>
+            </a:r>
+          </a:p>
+          <a:p>
+            <a:br>
+              <a:rPr lang="en-US" dirty="0">
+                <a:solidFill>
+                  <a:srgbClr val="D4D4D4"/>
+                </a:solidFill>
+                <a:latin typeface="Consolas" panose="020B0609020204030204" pitchFamily="49" charset="0"/>
+              </a:rPr>
+            </a:br>
+            <a:r>
+              <a:rPr lang="en-US" dirty="0" err="1">
+                <a:solidFill>
+                  <a:srgbClr val="9CDCFE"/>
+                </a:solidFill>
+                <a:latin typeface="Consolas" panose="020B0609020204030204" pitchFamily="49" charset="0"/>
+              </a:rPr>
+              <a:t>app</a:t>
+            </a:r>
+            <a:r>
+              <a:rPr lang="en-US" dirty="0" err="1">
+                <a:solidFill>
+                  <a:srgbClr val="D4D4D4"/>
+                </a:solidFill>
+                <a:latin typeface="Consolas" panose="020B0609020204030204" pitchFamily="49" charset="0"/>
+              </a:rPr>
+              <a:t>.</a:t>
+            </a:r>
+            <a:r>
+              <a:rPr lang="en-US" dirty="0" err="1">
+                <a:solidFill>
+                  <a:srgbClr val="DCDCAA"/>
+                </a:solidFill>
+                <a:latin typeface="Consolas" panose="020B0609020204030204" pitchFamily="49" charset="0"/>
+              </a:rPr>
+              <a:t>UseSwaggerUI</a:t>
+            </a:r>
+            <a:r>
+              <a:rPr lang="en-US" dirty="0">
+                <a:solidFill>
+                  <a:srgbClr val="D4D4D4"/>
+                </a:solidFill>
+                <a:latin typeface="Consolas" panose="020B0609020204030204" pitchFamily="49" charset="0"/>
+              </a:rPr>
+              <a:t>(c =&gt;</a:t>
+            </a:r>
+          </a:p>
+          <a:p>
+            <a:r>
+              <a:rPr lang="en-US" dirty="0">
+                <a:solidFill>
+                  <a:srgbClr val="D4D4D4"/>
+                </a:solidFill>
+                <a:latin typeface="Consolas" panose="020B0609020204030204" pitchFamily="49" charset="0"/>
+              </a:rPr>
+              <a:t>{</a:t>
+            </a:r>
+          </a:p>
+          <a:p>
+            <a:r>
+              <a:rPr lang="en-US" dirty="0">
+                <a:solidFill>
+                  <a:srgbClr val="9CDCFE"/>
+                </a:solidFill>
+                <a:latin typeface="Consolas" panose="020B0609020204030204" pitchFamily="49" charset="0"/>
+              </a:rPr>
+              <a:t>    </a:t>
+            </a:r>
+            <a:r>
+              <a:rPr lang="en-US" dirty="0" err="1">
+                <a:solidFill>
+                  <a:srgbClr val="9CDCFE"/>
+                </a:solidFill>
+                <a:latin typeface="Consolas" panose="020B0609020204030204" pitchFamily="49" charset="0"/>
+              </a:rPr>
+              <a:t>c</a:t>
+            </a:r>
+            <a:r>
+              <a:rPr lang="en-US" dirty="0" err="1">
+                <a:solidFill>
+                  <a:srgbClr val="D4D4D4"/>
+                </a:solidFill>
+                <a:latin typeface="Consolas" panose="020B0609020204030204" pitchFamily="49" charset="0"/>
+              </a:rPr>
+              <a:t>.</a:t>
+            </a:r>
+            <a:r>
+              <a:rPr lang="en-US" dirty="0" err="1">
+                <a:solidFill>
+                  <a:srgbClr val="DCDCAA"/>
+                </a:solidFill>
+                <a:latin typeface="Consolas" panose="020B0609020204030204" pitchFamily="49" charset="0"/>
+              </a:rPr>
+              <a:t>SwaggerEndpoint</a:t>
+            </a:r>
+            <a:r>
+              <a:rPr lang="en-US" dirty="0">
+                <a:solidFill>
+                  <a:srgbClr val="D4D4D4"/>
+                </a:solidFill>
+                <a:latin typeface="Consolas" panose="020B0609020204030204" pitchFamily="49" charset="0"/>
+              </a:rPr>
+              <a:t>(</a:t>
+            </a:r>
+            <a:r>
+              <a:rPr lang="en-US" dirty="0">
+                <a:solidFill>
+                  <a:srgbClr val="CE9178"/>
+                </a:solidFill>
+                <a:latin typeface="Consolas" panose="020B0609020204030204" pitchFamily="49" charset="0"/>
+              </a:rPr>
+              <a:t>"/swagger/v1/</a:t>
+            </a:r>
+            <a:r>
+              <a:rPr lang="en-US" dirty="0" err="1">
+                <a:solidFill>
+                  <a:srgbClr val="CE9178"/>
+                </a:solidFill>
+                <a:latin typeface="Consolas" panose="020B0609020204030204" pitchFamily="49" charset="0"/>
+              </a:rPr>
+              <a:t>swagger.json</a:t>
+            </a:r>
+            <a:r>
+              <a:rPr lang="en-US" dirty="0">
+                <a:solidFill>
+                  <a:srgbClr val="CE9178"/>
+                </a:solidFill>
+                <a:latin typeface="Consolas" panose="020B0609020204030204" pitchFamily="49" charset="0"/>
+              </a:rPr>
+              <a:t>"</a:t>
+            </a:r>
+            <a:r>
+              <a:rPr lang="en-US" dirty="0">
+                <a:solidFill>
+                  <a:srgbClr val="D4D4D4"/>
+                </a:solidFill>
+                <a:latin typeface="Consolas" panose="020B0609020204030204" pitchFamily="49" charset="0"/>
+              </a:rPr>
+              <a:t>, </a:t>
+            </a:r>
+            <a:r>
+              <a:rPr lang="en-US" dirty="0">
+                <a:solidFill>
+                  <a:srgbClr val="CE9178"/>
+                </a:solidFill>
+                <a:latin typeface="Consolas" panose="020B0609020204030204" pitchFamily="49" charset="0"/>
+              </a:rPr>
+              <a:t>"My API"</a:t>
+            </a:r>
+            <a:r>
+              <a:rPr lang="en-US" dirty="0">
+                <a:solidFill>
+                  <a:srgbClr val="D4D4D4"/>
+                </a:solidFill>
+                <a:latin typeface="Consolas" panose="020B0609020204030204" pitchFamily="49" charset="0"/>
+              </a:rPr>
+              <a:t>);</a:t>
+            </a:r>
+          </a:p>
+          <a:p>
+            <a:r>
+              <a:rPr lang="en-US" dirty="0">
+                <a:solidFill>
+                  <a:srgbClr val="D4D4D4"/>
+                </a:solidFill>
+                <a:latin typeface="Consolas" panose="020B0609020204030204" pitchFamily="49" charset="0"/>
+              </a:rPr>
+              <a:t>});</a:t>
+            </a:r>
+            <a:endParaRPr lang="en-US" b="0" dirty="0">
+              <a:solidFill>
+                <a:srgbClr val="D4D4D4"/>
+              </a:solidFill>
+              <a:effectLst/>
+              <a:latin typeface="Consolas" panose="020B0609020204030204" pitchFamily="49" charset="0"/>
+            </a:endParaRPr>
+          </a:p>
+        </p:txBody>
+      </p:sp>
+      <p:sp>
+        <p:nvSpPr>
+          <p:cNvPr id="6" name="Rectangle 5">
+            <a:extLst>
+              <a:ext uri="{FF2B5EF4-FFF2-40B4-BE49-F238E27FC236}">
+                <a16:creationId xmlns:a16="http://schemas.microsoft.com/office/drawing/2014/main" id="{273DF37E-308D-47EB-81E1-453F60B21827}"/>
+              </a:ext>
+            </a:extLst>
+          </p:cNvPr>
+          <p:cNvSpPr/>
+          <p:nvPr/>
+        </p:nvSpPr>
+        <p:spPr>
+          <a:xfrm>
+            <a:off x="365648" y="3314384"/>
+            <a:ext cx="8595266" cy="2585323"/>
+          </a:xfrm>
+          <a:prstGeom prst="rect">
+            <a:avLst/>
+          </a:prstGeom>
+        </p:spPr>
+        <p:txBody>
+          <a:bodyPr wrap="square">
+            <a:spAutoFit/>
+          </a:bodyPr>
+          <a:lstStyle/>
+          <a:p>
+            <a:r>
+              <a:rPr lang="en-US" dirty="0">
+                <a:solidFill>
+                  <a:srgbClr val="569CD6"/>
+                </a:solidFill>
+                <a:latin typeface="Consolas" panose="020B0609020204030204" pitchFamily="49" charset="0"/>
+              </a:rPr>
+              <a:t>public</a:t>
+            </a:r>
+            <a:r>
+              <a:rPr lang="en-US" dirty="0">
+                <a:solidFill>
+                  <a:srgbClr val="D4D4D4"/>
+                </a:solidFill>
+                <a:latin typeface="Consolas" panose="020B0609020204030204" pitchFamily="49" charset="0"/>
+              </a:rPr>
+              <a:t> </a:t>
+            </a:r>
+            <a:r>
+              <a:rPr lang="en-US" dirty="0">
+                <a:solidFill>
+                  <a:srgbClr val="569CD6"/>
+                </a:solidFill>
+                <a:latin typeface="Consolas" panose="020B0609020204030204" pitchFamily="49" charset="0"/>
+              </a:rPr>
+              <a:t>class</a:t>
+            </a:r>
+            <a:r>
+              <a:rPr lang="en-US" dirty="0">
+                <a:solidFill>
+                  <a:srgbClr val="D4D4D4"/>
+                </a:solidFill>
+                <a:latin typeface="Consolas" panose="020B0609020204030204" pitchFamily="49" charset="0"/>
+              </a:rPr>
+              <a:t> </a:t>
+            </a:r>
+            <a:r>
+              <a:rPr lang="en-US" dirty="0" err="1">
+                <a:solidFill>
+                  <a:srgbClr val="4EC9B0"/>
                 </a:solidFill>
                 <a:latin typeface="Consolas" panose="020B0609020204030204" pitchFamily="49" charset="0"/>
               </a:rPr>
               <a:t>LowerCaseDocumentFilter</a:t>
             </a:r>
             <a:r>
-              <a:rPr lang="en-US" sz="2000" dirty="0">
-                <a:solidFill>
-                  <a:schemeClr val="bg1"/>
+              <a:rPr lang="en-US" dirty="0">
+                <a:solidFill>
+                  <a:srgbClr val="D4D4D4"/>
                 </a:solidFill>
                 <a:latin typeface="Consolas" panose="020B0609020204030204" pitchFamily="49" charset="0"/>
               </a:rPr>
               <a:t> : </a:t>
             </a:r>
             <a:r>
-              <a:rPr lang="en-US" sz="2000" dirty="0" err="1">
-                <a:solidFill>
-                  <a:schemeClr val="bg1"/>
+              <a:rPr lang="en-US" dirty="0" err="1">
+                <a:solidFill>
+                  <a:srgbClr val="4EC9B0"/>
                 </a:solidFill>
                 <a:latin typeface="Consolas" panose="020B0609020204030204" pitchFamily="49" charset="0"/>
               </a:rPr>
               <a:t>IDocumentFilter</a:t>
             </a:r>
-            <a:endParaRPr lang="en-US" sz="2000" dirty="0">
+            <a:endParaRPr lang="en-US" dirty="0">
               <a:solidFill>
-                <a:schemeClr val="bg1"/>
+                <a:srgbClr val="D4D4D4"/>
               </a:solidFill>
               <a:latin typeface="Consolas" panose="020B0609020204030204" pitchFamily="49" charset="0"/>
             </a:endParaRPr>
           </a:p>
           <a:p>
             <a:r>
-              <a:rPr lang="en-US" sz="2000" dirty="0">
-                <a:solidFill>
-                  <a:schemeClr val="bg1"/>
+              <a:rPr lang="en-US" dirty="0">
+                <a:solidFill>
+                  <a:srgbClr val="D4D4D4"/>
                 </a:solidFill>
                 <a:latin typeface="Consolas" panose="020B0609020204030204" pitchFamily="49" charset="0"/>
               </a:rPr>
@@ -8787,63 +9655,90 @@
           </a:p>
           <a:p>
             <a:r>
-              <a:rPr lang="en-US" sz="2000" dirty="0">
-                <a:solidFill>
-                  <a:schemeClr val="bg1"/>
-                </a:solidFill>
-                <a:latin typeface="Consolas" panose="020B0609020204030204" pitchFamily="49" charset="0"/>
-              </a:rPr>
-              <a:t>    public void Apply(</a:t>
-            </a:r>
-            <a:r>
-              <a:rPr lang="en-US" sz="2000" dirty="0" err="1">
-                <a:solidFill>
-                  <a:schemeClr val="bg1"/>
+              <a:rPr lang="en-US" dirty="0">
+                <a:solidFill>
+                  <a:srgbClr val="569CD6"/>
+                </a:solidFill>
+                <a:latin typeface="Consolas" panose="020B0609020204030204" pitchFamily="49" charset="0"/>
+              </a:rPr>
+              <a:t>    public</a:t>
+            </a:r>
+            <a:r>
+              <a:rPr lang="en-US" dirty="0">
+                <a:solidFill>
+                  <a:srgbClr val="D4D4D4"/>
+                </a:solidFill>
+                <a:latin typeface="Consolas" panose="020B0609020204030204" pitchFamily="49" charset="0"/>
+              </a:rPr>
+              <a:t> void </a:t>
+            </a:r>
+            <a:r>
+              <a:rPr lang="en-US" dirty="0">
+                <a:solidFill>
+                  <a:srgbClr val="DCDCAA"/>
+                </a:solidFill>
+                <a:latin typeface="Consolas" panose="020B0609020204030204" pitchFamily="49" charset="0"/>
+              </a:rPr>
+              <a:t>Apply</a:t>
+            </a:r>
+            <a:r>
+              <a:rPr lang="en-US" dirty="0">
+                <a:solidFill>
+                  <a:srgbClr val="D4D4D4"/>
+                </a:solidFill>
+                <a:latin typeface="Consolas" panose="020B0609020204030204" pitchFamily="49" charset="0"/>
+              </a:rPr>
+              <a:t>(</a:t>
+            </a:r>
+            <a:r>
+              <a:rPr lang="en-US" dirty="0" err="1">
+                <a:solidFill>
+                  <a:srgbClr val="4EC9B0"/>
                 </a:solidFill>
                 <a:latin typeface="Consolas" panose="020B0609020204030204" pitchFamily="49" charset="0"/>
               </a:rPr>
               <a:t>SwaggerDocument</a:t>
             </a:r>
             <a:r>
-              <a:rPr lang="en-US" sz="2000" dirty="0">
-                <a:solidFill>
-                  <a:schemeClr val="bg1"/>
+              <a:rPr lang="en-US" dirty="0">
+                <a:solidFill>
+                  <a:srgbClr val="D4D4D4"/>
                 </a:solidFill>
                 <a:latin typeface="Consolas" panose="020B0609020204030204" pitchFamily="49" charset="0"/>
               </a:rPr>
               <a:t> </a:t>
             </a:r>
             <a:r>
-              <a:rPr lang="en-US" sz="2000" dirty="0" err="1">
-                <a:solidFill>
-                  <a:schemeClr val="bg1"/>
+              <a:rPr lang="en-US" dirty="0" err="1">
+                <a:solidFill>
+                  <a:srgbClr val="D4D4D4"/>
                 </a:solidFill>
                 <a:latin typeface="Consolas" panose="020B0609020204030204" pitchFamily="49" charset="0"/>
               </a:rPr>
               <a:t>swaggerDoc</a:t>
             </a:r>
             <a:r>
-              <a:rPr lang="en-US" sz="2000" dirty="0">
-                <a:solidFill>
-                  <a:schemeClr val="bg1"/>
+              <a:rPr lang="en-US" dirty="0">
+                <a:solidFill>
+                  <a:srgbClr val="D4D4D4"/>
                 </a:solidFill>
                 <a:latin typeface="Consolas" panose="020B0609020204030204" pitchFamily="49" charset="0"/>
               </a:rPr>
               <a:t>, </a:t>
             </a:r>
             <a:r>
-              <a:rPr lang="en-US" sz="2000" dirty="0" err="1">
-                <a:solidFill>
-                  <a:schemeClr val="bg1"/>
+              <a:rPr lang="en-US" dirty="0" err="1">
+                <a:solidFill>
+                  <a:srgbClr val="4EC9B0"/>
                 </a:solidFill>
                 <a:latin typeface="Consolas" panose="020B0609020204030204" pitchFamily="49" charset="0"/>
               </a:rPr>
               <a:t>DocumentFilterContext</a:t>
             </a:r>
             <a:r>
-              <a:rPr lang="en-US" sz="2000" dirty="0">
-                <a:solidFill>
-                  <a:schemeClr val="bg1"/>
+              <a:rPr lang="en-US" dirty="0">
+                <a:solidFill>
+                  <a:srgbClr val="D4D4D4"/>
                 </a:solidFill>
                 <a:latin typeface="Consolas" panose="020B0609020204030204" pitchFamily="49" charset="0"/>
               </a:rPr>
@@ -8852,9 +9747,9 @@
           </a:p>
           <a:p>
             <a:r>
-              <a:rPr lang="en-US" sz="2000" dirty="0">
-                <a:solidFill>
-                  <a:schemeClr val="bg1"/>
+              <a:rPr lang="en-US" dirty="0">
+                <a:solidFill>
+                  <a:srgbClr val="D4D4D4"/>
                 </a:solidFill>
                 <a:latin typeface="Consolas" panose="020B0609020204030204" pitchFamily="49" charset="0"/>
               </a:rPr>
@@ -8863,81 +9758,200 @@
           </a:p>
           <a:p>
             <a:r>
-              <a:rPr lang="en-US" sz="2000" dirty="0">
-                <a:solidFill>
-                  <a:schemeClr val="bg1"/>
+              <a:rPr lang="en-US" dirty="0">
+                <a:solidFill>
+                  <a:srgbClr val="9CDCFE"/>
                 </a:solidFill>
                 <a:latin typeface="Consolas" panose="020B0609020204030204" pitchFamily="49" charset="0"/>
               </a:rPr>
               <a:t>        </a:t>
             </a:r>
             <a:r>
-              <a:rPr lang="en-US" sz="2000" dirty="0" err="1">
-                <a:solidFill>
-                  <a:schemeClr val="bg1"/>
-                </a:solidFill>
-                <a:latin typeface="Consolas" panose="020B0609020204030204" pitchFamily="49" charset="0"/>
-              </a:rPr>
-              <a:t>swaggerDoc.Paths</a:t>
-            </a:r>
-            <a:r>
-              <a:rPr lang="en-US" sz="2000" dirty="0">
-                <a:solidFill>
-                  <a:schemeClr val="bg1"/>
+              <a:rPr lang="en-US" dirty="0" err="1">
+                <a:solidFill>
+                  <a:srgbClr val="9CDCFE"/>
+                </a:solidFill>
+                <a:latin typeface="Consolas" panose="020B0609020204030204" pitchFamily="49" charset="0"/>
+              </a:rPr>
+              <a:t>swaggerDoc</a:t>
+            </a:r>
+            <a:r>
+              <a:rPr lang="en-US" dirty="0" err="1">
+                <a:solidFill>
+                  <a:srgbClr val="D4D4D4"/>
+                </a:solidFill>
+                <a:latin typeface="Consolas" panose="020B0609020204030204" pitchFamily="49" charset="0"/>
+              </a:rPr>
+              <a:t>.</a:t>
+            </a:r>
+            <a:r>
+              <a:rPr lang="en-US" dirty="0" err="1">
+                <a:solidFill>
+                  <a:srgbClr val="9CDCFE"/>
+                </a:solidFill>
+                <a:latin typeface="Consolas" panose="020B0609020204030204" pitchFamily="49" charset="0"/>
+              </a:rPr>
+              <a:t>Paths</a:t>
+            </a:r>
+            <a:r>
+              <a:rPr lang="en-US" dirty="0">
+                <a:solidFill>
+                  <a:srgbClr val="D4D4D4"/>
                 </a:solidFill>
                 <a:latin typeface="Consolas" panose="020B0609020204030204" pitchFamily="49" charset="0"/>
               </a:rPr>
               <a:t> = </a:t>
             </a:r>
             <a:r>
-              <a:rPr lang="en-US" sz="2000" dirty="0" err="1">
-                <a:solidFill>
-                  <a:schemeClr val="bg1"/>
-                </a:solidFill>
-                <a:latin typeface="Consolas" panose="020B0609020204030204" pitchFamily="49" charset="0"/>
-              </a:rPr>
-              <a:t>swaggerDoc.Paths.ToDictionary</a:t>
-            </a:r>
-            <a:r>
-              <a:rPr lang="en-US" sz="2000" dirty="0">
-                <a:solidFill>
-                  <a:schemeClr val="bg1"/>
-                </a:solidFill>
-                <a:latin typeface="Consolas" panose="020B0609020204030204" pitchFamily="49" charset="0"/>
-              </a:rPr>
-              <a:t>(d =&gt; </a:t>
-            </a:r>
-            <a:r>
-              <a:rPr lang="en-US" sz="2000" dirty="0" err="1">
-                <a:solidFill>
-                  <a:schemeClr val="bg1"/>
-                </a:solidFill>
-                <a:latin typeface="Consolas" panose="020B0609020204030204" pitchFamily="49" charset="0"/>
-              </a:rPr>
-              <a:t>d.Key.ToLower</a:t>
-            </a:r>
-            <a:r>
-              <a:rPr lang="en-US" sz="2000" dirty="0">
-                <a:solidFill>
-                  <a:schemeClr val="bg1"/>
+              <a:rPr lang="en-US" dirty="0" err="1">
+                <a:solidFill>
+                  <a:srgbClr val="9CDCFE"/>
+                </a:solidFill>
+                <a:latin typeface="Consolas" panose="020B0609020204030204" pitchFamily="49" charset="0"/>
+              </a:rPr>
+              <a:t>swaggerDoc</a:t>
+            </a:r>
+            <a:r>
+              <a:rPr lang="en-US" dirty="0" err="1">
+                <a:solidFill>
+                  <a:srgbClr val="D4D4D4"/>
+                </a:solidFill>
+                <a:latin typeface="Consolas" panose="020B0609020204030204" pitchFamily="49" charset="0"/>
+              </a:rPr>
+              <a:t>.</a:t>
+            </a:r>
+            <a:r>
+              <a:rPr lang="en-US" dirty="0" err="1">
+                <a:solidFill>
+                  <a:srgbClr val="9CDCFE"/>
+                </a:solidFill>
+                <a:latin typeface="Consolas" panose="020B0609020204030204" pitchFamily="49" charset="0"/>
+              </a:rPr>
+              <a:t>Paths</a:t>
+            </a:r>
+            <a:r>
+              <a:rPr lang="en-US" dirty="0" err="1">
+                <a:solidFill>
+                  <a:srgbClr val="D4D4D4"/>
+                </a:solidFill>
+                <a:latin typeface="Consolas" panose="020B0609020204030204" pitchFamily="49" charset="0"/>
+              </a:rPr>
+              <a:t>.</a:t>
+            </a:r>
+            <a:r>
+              <a:rPr lang="en-US" dirty="0" err="1">
+                <a:solidFill>
+                  <a:srgbClr val="DCDCAA"/>
+                </a:solidFill>
+                <a:latin typeface="Consolas" panose="020B0609020204030204" pitchFamily="49" charset="0"/>
+              </a:rPr>
+              <a:t>ToDictionary</a:t>
+            </a:r>
+            <a:r>
+              <a:rPr lang="en-US" dirty="0">
+                <a:solidFill>
+                  <a:srgbClr val="D4D4D4"/>
+                </a:solidFill>
+                <a:latin typeface="Consolas" panose="020B0609020204030204" pitchFamily="49" charset="0"/>
+              </a:rPr>
+              <a:t>(d =&gt;     </a:t>
+            </a:r>
+          </a:p>
+          <a:p>
+            <a:r>
+              <a:rPr lang="en-US" dirty="0">
+                <a:solidFill>
+                  <a:srgbClr val="D4D4D4"/>
+                </a:solidFill>
+                <a:latin typeface="Consolas" panose="020B0609020204030204" pitchFamily="49" charset="0"/>
+              </a:rPr>
+              <a:t>            </a:t>
+            </a:r>
+            <a:r>
+              <a:rPr lang="en-US" dirty="0" err="1">
+                <a:solidFill>
+                  <a:srgbClr val="9CDCFE"/>
+                </a:solidFill>
+                <a:latin typeface="Consolas" panose="020B0609020204030204" pitchFamily="49" charset="0"/>
+              </a:rPr>
+              <a:t>d</a:t>
+            </a:r>
+            <a:r>
+              <a:rPr lang="en-US" dirty="0" err="1">
+                <a:solidFill>
+                  <a:srgbClr val="D4D4D4"/>
+                </a:solidFill>
+                <a:latin typeface="Consolas" panose="020B0609020204030204" pitchFamily="49" charset="0"/>
+              </a:rPr>
+              <a:t>.</a:t>
+            </a:r>
+            <a:r>
+              <a:rPr lang="en-US" dirty="0" err="1">
+                <a:solidFill>
+                  <a:srgbClr val="9CDCFE"/>
+                </a:solidFill>
+                <a:latin typeface="Consolas" panose="020B0609020204030204" pitchFamily="49" charset="0"/>
+              </a:rPr>
+              <a:t>Key</a:t>
+            </a:r>
+            <a:r>
+              <a:rPr lang="en-US" dirty="0" err="1">
+                <a:solidFill>
+                  <a:srgbClr val="D4D4D4"/>
+                </a:solidFill>
+                <a:latin typeface="Consolas" panose="020B0609020204030204" pitchFamily="49" charset="0"/>
+              </a:rPr>
+              <a:t>.</a:t>
+            </a:r>
+            <a:r>
+              <a:rPr lang="en-US" dirty="0" err="1">
+                <a:solidFill>
+                  <a:srgbClr val="DCDCAA"/>
+                </a:solidFill>
+                <a:latin typeface="Consolas" panose="020B0609020204030204" pitchFamily="49" charset="0"/>
+              </a:rPr>
+              <a:t>ToLower</a:t>
+            </a:r>
+            <a:r>
+              <a:rPr lang="en-US" dirty="0">
+                <a:solidFill>
+                  <a:srgbClr val="D4D4D4"/>
                 </a:solidFill>
                 <a:latin typeface="Consolas" panose="020B0609020204030204" pitchFamily="49" charset="0"/>
               </a:rPr>
               <a:t>(), d =&gt; </a:t>
             </a:r>
             <a:r>
-              <a:rPr lang="en-US" sz="2000" dirty="0" err="1">
-                <a:solidFill>
-                  <a:schemeClr val="bg1"/>
-                </a:solidFill>
-                <a:latin typeface="Consolas" panose="020B0609020204030204" pitchFamily="49" charset="0"/>
-              </a:rPr>
-              <a:t>d.Value</a:t>
-            </a:r>
-            <a:r>
-              <a:rPr lang="en-US" sz="2000" dirty="0">
-                <a:solidFill>
-                  <a:schemeClr val="bg1"/>
+              <a:rPr lang="en-US" dirty="0" err="1">
+                <a:solidFill>
+                  <a:srgbClr val="9CDCFE"/>
+                </a:solidFill>
+                <a:latin typeface="Consolas" panose="020B0609020204030204" pitchFamily="49" charset="0"/>
+              </a:rPr>
+              <a:t>d</a:t>
+            </a:r>
+            <a:r>
+              <a:rPr lang="en-US" dirty="0" err="1">
+                <a:solidFill>
+                  <a:srgbClr val="D4D4D4"/>
+                </a:solidFill>
+                <a:latin typeface="Consolas" panose="020B0609020204030204" pitchFamily="49" charset="0"/>
+              </a:rPr>
+              <a:t>.</a:t>
+            </a:r>
+            <a:r>
+              <a:rPr lang="en-US" dirty="0" err="1">
+                <a:solidFill>
+                  <a:srgbClr val="9CDCFE"/>
+                </a:solidFill>
+                <a:latin typeface="Consolas" panose="020B0609020204030204" pitchFamily="49" charset="0"/>
+              </a:rPr>
+              <a:t>Value</a:t>
+            </a:r>
+            <a:r>
+              <a:rPr lang="en-US" dirty="0">
+                <a:solidFill>
+                  <a:srgbClr val="D4D4D4"/>
                 </a:solidFill>
                 <a:latin typeface="Consolas" panose="020B0609020204030204" pitchFamily="49" charset="0"/>
               </a:rPr>
@@ -8946,9 +9960,9 @@
           </a:p>
           <a:p>
             <a:r>
-              <a:rPr lang="en-US" sz="2000" dirty="0">
-                <a:solidFill>
-                  <a:schemeClr val="bg1"/>
+              <a:rPr lang="en-US" dirty="0">
+                <a:solidFill>
+                  <a:srgbClr val="D4D4D4"/>
                 </a:solidFill>
                 <a:latin typeface="Consolas" panose="020B0609020204030204" pitchFamily="49" charset="0"/>
               </a:rPr>
@@ -8957,65 +9971,19 @@
           </a:p>
           <a:p>
             <a:r>
-              <a:rPr lang="en-US" sz="2000" dirty="0">
-                <a:solidFill>
-                  <a:schemeClr val="bg1"/>
+              <a:rPr lang="en-US" dirty="0">
+                <a:solidFill>
+                  <a:srgbClr val="D4D4D4"/>
                 </a:solidFill>
                 <a:latin typeface="Consolas" panose="020B0609020204030204" pitchFamily="49" charset="0"/>
               </a:rPr>
               <a:t>}</a:t>
             </a:r>
-          </a:p>
-          <a:p>
-            <a:endParaRPr lang="en-US" sz="2000" dirty="0">
+            <a:endParaRPr lang="en-US" b="0" dirty="0">
               <a:solidFill>
-                <a:schemeClr val="bg1"/>
+                <a:srgbClr val="D4D4D4"/>
               </a:solidFill>
-              <a:latin typeface="Consolas" panose="020B0609020204030204" pitchFamily="49" charset="0"/>
-            </a:endParaRPr>
-          </a:p>
-          <a:p>
-            <a:r>
-              <a:rPr lang="en-US" sz="2000" dirty="0">
-                <a:solidFill>
-                  <a:schemeClr val="bg1"/>
-                </a:solidFill>
-                <a:latin typeface="Consolas" panose="020B0609020204030204" pitchFamily="49" charset="0"/>
-              </a:rPr>
-              <a:t>"</a:t>
-            </a:r>
-            <a:r>
-              <a:rPr lang="en-US" sz="2000" dirty="0" err="1">
-                <a:solidFill>
-                  <a:schemeClr val="bg1"/>
-                </a:solidFill>
-                <a:latin typeface="Consolas" panose="020B0609020204030204" pitchFamily="49" charset="0"/>
-              </a:rPr>
-              <a:t>launchUrl</a:t>
-            </a:r>
-            <a:r>
-              <a:rPr lang="en-US" sz="2000" dirty="0">
-                <a:solidFill>
-                  <a:schemeClr val="bg1"/>
-                </a:solidFill>
-                <a:latin typeface="Consolas" panose="020B0609020204030204" pitchFamily="49" charset="0"/>
-              </a:rPr>
-              <a:t>": </a:t>
-            </a:r>
-            <a:r>
-              <a:rPr lang="en-US" sz="2000" dirty="0">
-                <a:solidFill>
-                  <a:schemeClr val="bg1"/>
-                </a:solidFill>
-                <a:latin typeface="Consolas" panose="020B0609020204030204" pitchFamily="49" charset="0"/>
-                <a:hlinkClick r:id="rId3"/>
-              </a:rPr>
-              <a:t>https://localhost:[port]/swagger/</a:t>
-            </a:r>
-            <a:endParaRPr lang="en-US" sz="2000" dirty="0">
-              <a:solidFill>
-                <a:schemeClr val="bg1"/>
-              </a:solidFill>
+              <a:effectLst/>
               <a:latin typeface="Consolas" panose="020B0609020204030204" pitchFamily="49" charset="0"/>
             </a:endParaRPr>
           </a:p>
@@ -9043,7 +10011,7 @@
     <p:bg>
       <p:bgPr>
         <a:solidFill>
-          <a:srgbClr val="BA141A"/>
+          <a:srgbClr val="505050"/>
         </a:solidFill>
         <a:effectLst/>
       </p:bgPr>
@@ -9064,7 +10032,13 @@
       </p:grpSpPr>
       <p:sp>
         <p:nvSpPr>
-          <p:cNvPr id="2" name="Title 1"/>
+          <p:cNvPr id="2" name="Title 1">
+            <a:extLst>
+              <a:ext uri="{FF2B5EF4-FFF2-40B4-BE49-F238E27FC236}">
+                <a16:creationId xmlns:a16="http://schemas.microsoft.com/office/drawing/2014/main" id="{872A787B-93B2-4072-91D2-2213BEEBBCF3}"/>
+              </a:ext>
+            </a:extLst>
+          </p:cNvPr>
           <p:cNvSpPr>
             <a:spLocks noGrp="1"/>
           </p:cNvSpPr>
@@ -9078,28 +10052,25 @@
           <a:lstStyle/>
           <a:p>
             <a:r>
-              <a:rPr lang="da-DK" dirty="0">
+              <a:rPr lang="en-US" dirty="0">
                 <a:solidFill>
                   <a:schemeClr val="bg1"/>
                 </a:solidFill>
               </a:rPr>
-              <a:t>Final </a:t>
-            </a:r>
-            <a:r>
-              <a:rPr lang="da-DK" dirty="0" err="1">
-                <a:solidFill>
-                  <a:schemeClr val="bg1"/>
-                </a:solidFill>
-              </a:rPr>
-              <a:t>Lecture</a:t>
-            </a:r>
-            <a:endParaRPr lang="da-DK" dirty="0"/>
-          </a:p>
-        </p:txBody>
-      </p:sp>
-      <p:sp>
-        <p:nvSpPr>
-          <p:cNvPr id="3" name="Text Placeholder 2"/>
+              <a:t>Security in ASP.NET Core</a:t>
+            </a:r>
+          </a:p>
+        </p:txBody>
+      </p:sp>
+      <p:sp>
+        <p:nvSpPr>
+          <p:cNvPr id="3" name="Text Placeholder 2">
+            <a:extLst>
+              <a:ext uri="{FF2B5EF4-FFF2-40B4-BE49-F238E27FC236}">
+                <a16:creationId xmlns:a16="http://schemas.microsoft.com/office/drawing/2014/main" id="{97ADE499-75F6-49F0-8F6D-8C18236064EC}"/>
+              </a:ext>
+            </a:extLst>
+          </p:cNvPr>
           <p:cNvSpPr>
             <a:spLocks noGrp="1"/>
           </p:cNvSpPr>
@@ -9110,7 +10081,7 @@
         <p:spPr>
           <a:xfrm>
             <a:off x="274209" y="1212850"/>
-            <a:ext cx="8778240" cy="1902059"/>
+            <a:ext cx="8778240" cy="2511457"/>
           </a:xfrm>
         </p:spPr>
         <p:txBody>
@@ -9118,16 +10089,26 @@
           <a:lstStyle/>
           <a:p>
             <a:r>
-              <a:rPr lang="da-DK" dirty="0">
+              <a:rPr lang="en-US" dirty="0">
                 <a:solidFill>
                   <a:schemeClr val="bg1"/>
                 </a:solidFill>
               </a:rPr>
-              <a:t>23 November 2017</a:t>
-            </a:r>
-          </a:p>
-          <a:p>
-            <a:endParaRPr lang="da-DK" dirty="0">
+              <a:t>File -&gt; New Project</a:t>
+            </a:r>
+          </a:p>
+          <a:p>
+            <a:r>
+              <a:rPr lang="en-US" dirty="0">
+                <a:solidFill>
+                  <a:schemeClr val="bg1"/>
+                </a:solidFill>
+              </a:rPr>
+              <a:t>(Copy setup to exiting project)</a:t>
+            </a:r>
+          </a:p>
+          <a:p>
+            <a:endParaRPr lang="en-US" dirty="0">
               <a:solidFill>
                 <a:schemeClr val="bg1"/>
               </a:solidFill>
@@ -9135,76 +10116,399 @@
           </a:p>
           <a:p>
             <a:r>
-              <a:rPr lang="da-DK" dirty="0" err="1">
+              <a:rPr lang="en-US" dirty="0">
                 <a:solidFill>
                   <a:schemeClr val="bg1"/>
                 </a:solidFill>
               </a:rPr>
-              <a:t>Recap</a:t>
-            </a:r>
-            <a:r>
-              <a:rPr lang="da-DK" dirty="0">
-                <a:solidFill>
-                  <a:schemeClr val="bg1"/>
-                </a:solidFill>
-              </a:rPr>
-              <a:t> / repetition – </a:t>
-            </a:r>
-            <a:r>
-              <a:rPr lang="da-DK" dirty="0" err="1">
-                <a:solidFill>
-                  <a:schemeClr val="bg1"/>
-                </a:solidFill>
-              </a:rPr>
-              <a:t>what</a:t>
-            </a:r>
-            <a:r>
-              <a:rPr lang="da-DK" dirty="0">
-                <a:solidFill>
-                  <a:schemeClr val="bg1"/>
-                </a:solidFill>
-              </a:rPr>
-              <a:t> do </a:t>
-            </a:r>
-            <a:r>
-              <a:rPr lang="da-DK" dirty="0" err="1">
-                <a:solidFill>
-                  <a:schemeClr val="bg1"/>
-                </a:solidFill>
-              </a:rPr>
-              <a:t>you</a:t>
-            </a:r>
-            <a:r>
-              <a:rPr lang="da-DK" dirty="0">
-                <a:solidFill>
-                  <a:schemeClr val="bg1"/>
-                </a:solidFill>
+              <a:t>Enable SSL</a:t>
+            </a:r>
+          </a:p>
+        </p:txBody>
+      </p:sp>
+      <p:sp>
+        <p:nvSpPr>
+          <p:cNvPr id="4" name="Rectangle 3">
+            <a:extLst>
+              <a:ext uri="{FF2B5EF4-FFF2-40B4-BE49-F238E27FC236}">
+                <a16:creationId xmlns:a16="http://schemas.microsoft.com/office/drawing/2014/main" id="{A3831088-3CA2-441D-B32A-269F3E792769}"/>
+              </a:ext>
+            </a:extLst>
+          </p:cNvPr>
+          <p:cNvSpPr/>
+          <p:nvPr/>
+        </p:nvSpPr>
+        <p:spPr>
+          <a:xfrm>
+            <a:off x="365648" y="3771579"/>
+            <a:ext cx="6949364" cy="1200329"/>
+          </a:xfrm>
+          <a:prstGeom prst="rect">
+            <a:avLst/>
+          </a:prstGeom>
+        </p:spPr>
+        <p:txBody>
+          <a:bodyPr wrap="square">
+            <a:spAutoFit/>
+          </a:bodyPr>
+          <a:lstStyle/>
+          <a:p>
+            <a:r>
+              <a:rPr lang="en-US" dirty="0" err="1">
+                <a:solidFill>
+                  <a:srgbClr val="9CDCFE"/>
+                </a:solidFill>
+                <a:latin typeface="Consolas" panose="020B0609020204030204" pitchFamily="49" charset="0"/>
+              </a:rPr>
+              <a:t>services</a:t>
+            </a:r>
+            <a:r>
+              <a:rPr lang="en-US" dirty="0" err="1">
+                <a:solidFill>
+                  <a:srgbClr val="D4D4D4"/>
+                </a:solidFill>
+                <a:latin typeface="Consolas" panose="020B0609020204030204" pitchFamily="49" charset="0"/>
+              </a:rPr>
+              <a:t>.</a:t>
+            </a:r>
+            <a:r>
+              <a:rPr lang="en-US" dirty="0" err="1">
+                <a:solidFill>
+                  <a:srgbClr val="DCDCAA"/>
+                </a:solidFill>
+                <a:latin typeface="Consolas" panose="020B0609020204030204" pitchFamily="49" charset="0"/>
+              </a:rPr>
+              <a:t>Configure</a:t>
+            </a:r>
+            <a:r>
+              <a:rPr lang="en-US" dirty="0">
+                <a:solidFill>
+                  <a:srgbClr val="D4D4D4"/>
+                </a:solidFill>
+                <a:latin typeface="Consolas" panose="020B0609020204030204" pitchFamily="49" charset="0"/>
+              </a:rPr>
+              <a:t>&lt;</a:t>
+            </a:r>
+            <a:r>
+              <a:rPr lang="en-US" dirty="0" err="1">
+                <a:solidFill>
+                  <a:srgbClr val="D4D4D4"/>
+                </a:solidFill>
+                <a:latin typeface="Consolas" panose="020B0609020204030204" pitchFamily="49" charset="0"/>
+              </a:rPr>
+              <a:t>MvcOptions</a:t>
+            </a:r>
+            <a:r>
+              <a:rPr lang="en-US" dirty="0">
+                <a:solidFill>
+                  <a:srgbClr val="D4D4D4"/>
+                </a:solidFill>
+                <a:latin typeface="Consolas" panose="020B0609020204030204" pitchFamily="49" charset="0"/>
+              </a:rPr>
+              <a:t>&gt;(options =&gt;</a:t>
+            </a:r>
+          </a:p>
+          <a:p>
+            <a:r>
+              <a:rPr lang="en-US" dirty="0">
+                <a:solidFill>
+                  <a:srgbClr val="D4D4D4"/>
+                </a:solidFill>
+                <a:latin typeface="Consolas" panose="020B0609020204030204" pitchFamily="49" charset="0"/>
+              </a:rPr>
+              <a:t>{</a:t>
+            </a:r>
+          </a:p>
+          <a:p>
+            <a:r>
+              <a:rPr lang="en-US" dirty="0">
+                <a:solidFill>
+                  <a:srgbClr val="9CDCFE"/>
+                </a:solidFill>
+                <a:latin typeface="Consolas" panose="020B0609020204030204" pitchFamily="49" charset="0"/>
+              </a:rPr>
+              <a:t>    </a:t>
+            </a:r>
+            <a:r>
+              <a:rPr lang="en-US" dirty="0" err="1">
+                <a:solidFill>
+                  <a:srgbClr val="9CDCFE"/>
+                </a:solidFill>
+                <a:latin typeface="Consolas" panose="020B0609020204030204" pitchFamily="49" charset="0"/>
+              </a:rPr>
+              <a:t>options</a:t>
+            </a:r>
+            <a:r>
+              <a:rPr lang="en-US" dirty="0" err="1">
+                <a:solidFill>
+                  <a:srgbClr val="D4D4D4"/>
+                </a:solidFill>
+                <a:latin typeface="Consolas" panose="020B0609020204030204" pitchFamily="49" charset="0"/>
+              </a:rPr>
+              <a:t>.</a:t>
+            </a:r>
+            <a:r>
+              <a:rPr lang="en-US" dirty="0" err="1">
+                <a:solidFill>
+                  <a:srgbClr val="9CDCFE"/>
+                </a:solidFill>
+                <a:latin typeface="Consolas" panose="020B0609020204030204" pitchFamily="49" charset="0"/>
+              </a:rPr>
+              <a:t>Filters</a:t>
+            </a:r>
+            <a:r>
+              <a:rPr lang="en-US" dirty="0" err="1">
+                <a:solidFill>
+                  <a:srgbClr val="D4D4D4"/>
+                </a:solidFill>
+                <a:latin typeface="Consolas" panose="020B0609020204030204" pitchFamily="49" charset="0"/>
+              </a:rPr>
+              <a:t>.</a:t>
+            </a:r>
+            <a:r>
+              <a:rPr lang="en-US" dirty="0" err="1">
+                <a:solidFill>
+                  <a:srgbClr val="DCDCAA"/>
+                </a:solidFill>
+                <a:latin typeface="Consolas" panose="020B0609020204030204" pitchFamily="49" charset="0"/>
+              </a:rPr>
+              <a:t>Add</a:t>
+            </a:r>
+            <a:r>
+              <a:rPr lang="en-US" dirty="0">
+                <a:solidFill>
+                  <a:srgbClr val="D4D4D4"/>
+                </a:solidFill>
+                <a:latin typeface="Consolas" panose="020B0609020204030204" pitchFamily="49" charset="0"/>
+              </a:rPr>
+              <a:t>(</a:t>
+            </a:r>
+            <a:r>
+              <a:rPr lang="en-US" dirty="0">
+                <a:solidFill>
+                  <a:srgbClr val="569CD6"/>
+                </a:solidFill>
+                <a:latin typeface="Consolas" panose="020B0609020204030204" pitchFamily="49" charset="0"/>
+              </a:rPr>
+              <a:t>new</a:t>
+            </a:r>
+            <a:r>
+              <a:rPr lang="en-US" dirty="0">
+                <a:solidFill>
+                  <a:srgbClr val="D4D4D4"/>
+                </a:solidFill>
+                <a:latin typeface="Consolas" panose="020B0609020204030204" pitchFamily="49" charset="0"/>
               </a:rPr>
               <a:t> </a:t>
             </a:r>
             <a:r>
-              <a:rPr lang="da-DK" dirty="0" err="1">
-                <a:solidFill>
-                  <a:schemeClr val="bg1"/>
-                </a:solidFill>
-              </a:rPr>
-              <a:t>need</a:t>
-            </a:r>
-            <a:r>
-              <a:rPr lang="da-DK" dirty="0">
-                <a:solidFill>
-                  <a:schemeClr val="bg1"/>
-                </a:solidFill>
-              </a:rPr>
-              <a:t>?</a:t>
-            </a:r>
+              <a:rPr lang="en-US" dirty="0" err="1">
+                <a:solidFill>
+                  <a:srgbClr val="D4D4D4"/>
+                </a:solidFill>
+                <a:latin typeface="Consolas" panose="020B0609020204030204" pitchFamily="49" charset="0"/>
+              </a:rPr>
+              <a:t>RequireHttpsAttribute</a:t>
+            </a:r>
+            <a:r>
+              <a:rPr lang="en-US" dirty="0">
+                <a:solidFill>
+                  <a:srgbClr val="D4D4D4"/>
+                </a:solidFill>
+                <a:latin typeface="Consolas" panose="020B0609020204030204" pitchFamily="49" charset="0"/>
+              </a:rPr>
+              <a:t>());</a:t>
+            </a:r>
+          </a:p>
+          <a:p>
+            <a:r>
+              <a:rPr lang="en-US" dirty="0">
+                <a:solidFill>
+                  <a:srgbClr val="D4D4D4"/>
+                </a:solidFill>
+                <a:latin typeface="Consolas" panose="020B0609020204030204" pitchFamily="49" charset="0"/>
+              </a:rPr>
+              <a:t>});</a:t>
+            </a:r>
+            <a:endParaRPr lang="en-US" b="0" dirty="0">
+              <a:solidFill>
+                <a:srgbClr val="D4D4D4"/>
+              </a:solidFill>
+              <a:effectLst/>
+              <a:latin typeface="Consolas" panose="020B0609020204030204" pitchFamily="49" charset="0"/>
+            </a:endParaRPr>
+          </a:p>
+        </p:txBody>
+      </p:sp>
+      <p:sp>
+        <p:nvSpPr>
+          <p:cNvPr id="5" name="Rectangle 4">
+            <a:extLst>
+              <a:ext uri="{FF2B5EF4-FFF2-40B4-BE49-F238E27FC236}">
+                <a16:creationId xmlns:a16="http://schemas.microsoft.com/office/drawing/2014/main" id="{5FFF0931-8010-42B0-B8E0-D902310CA893}"/>
+              </a:ext>
+            </a:extLst>
+          </p:cNvPr>
+          <p:cNvSpPr/>
+          <p:nvPr/>
+        </p:nvSpPr>
+        <p:spPr>
+          <a:xfrm>
+            <a:off x="365648" y="5143164"/>
+            <a:ext cx="6305761" cy="923330"/>
+          </a:xfrm>
+          <a:prstGeom prst="rect">
+            <a:avLst/>
+          </a:prstGeom>
+        </p:spPr>
+        <p:txBody>
+          <a:bodyPr wrap="square">
+            <a:spAutoFit/>
+          </a:bodyPr>
+          <a:lstStyle/>
+          <a:p>
+            <a:r>
+              <a:rPr lang="en-US" dirty="0" err="1">
+                <a:solidFill>
+                  <a:srgbClr val="569CD6"/>
+                </a:solidFill>
+                <a:latin typeface="Consolas" panose="020B0609020204030204" pitchFamily="49" charset="0"/>
+              </a:rPr>
+              <a:t>var</a:t>
+            </a:r>
+            <a:r>
+              <a:rPr lang="en-US" dirty="0">
+                <a:solidFill>
+                  <a:srgbClr val="D4D4D4"/>
+                </a:solidFill>
+                <a:latin typeface="Consolas" panose="020B0609020204030204" pitchFamily="49" charset="0"/>
+              </a:rPr>
+              <a:t> options = </a:t>
+            </a:r>
+            <a:r>
+              <a:rPr lang="en-US" dirty="0">
+                <a:solidFill>
+                  <a:srgbClr val="569CD6"/>
+                </a:solidFill>
+                <a:latin typeface="Consolas" panose="020B0609020204030204" pitchFamily="49" charset="0"/>
+              </a:rPr>
+              <a:t>new</a:t>
+            </a:r>
+            <a:r>
+              <a:rPr lang="en-US" dirty="0">
+                <a:solidFill>
+                  <a:srgbClr val="D4D4D4"/>
+                </a:solidFill>
+                <a:latin typeface="Consolas" panose="020B0609020204030204" pitchFamily="49" charset="0"/>
+              </a:rPr>
+              <a:t> </a:t>
+            </a:r>
+            <a:r>
+              <a:rPr lang="en-US" dirty="0" err="1">
+                <a:solidFill>
+                  <a:srgbClr val="D4D4D4"/>
+                </a:solidFill>
+                <a:latin typeface="Consolas" panose="020B0609020204030204" pitchFamily="49" charset="0"/>
+              </a:rPr>
+              <a:t>RewriteOptions</a:t>
+            </a:r>
+            <a:r>
+              <a:rPr lang="en-US" dirty="0">
+                <a:solidFill>
+                  <a:srgbClr val="D4D4D4"/>
+                </a:solidFill>
+                <a:latin typeface="Consolas" panose="020B0609020204030204" pitchFamily="49" charset="0"/>
+              </a:rPr>
+              <a:t>().</a:t>
+            </a:r>
+            <a:r>
+              <a:rPr lang="en-US" dirty="0" err="1">
+                <a:solidFill>
+                  <a:srgbClr val="DCDCAA"/>
+                </a:solidFill>
+                <a:latin typeface="Consolas" panose="020B0609020204030204" pitchFamily="49" charset="0"/>
+              </a:rPr>
+              <a:t>AddRedirectToHttps</a:t>
+            </a:r>
+            <a:r>
+              <a:rPr lang="en-US" dirty="0">
+                <a:solidFill>
+                  <a:srgbClr val="D4D4D4"/>
+                </a:solidFill>
+                <a:latin typeface="Consolas" panose="020B0609020204030204" pitchFamily="49" charset="0"/>
+              </a:rPr>
+              <a:t>();</a:t>
+            </a:r>
+          </a:p>
+          <a:p>
+            <a:r>
+              <a:rPr lang="en-US" dirty="0" err="1">
+                <a:solidFill>
+                  <a:srgbClr val="9CDCFE"/>
+                </a:solidFill>
+                <a:latin typeface="Consolas" panose="020B0609020204030204" pitchFamily="49" charset="0"/>
+              </a:rPr>
+              <a:t>app</a:t>
+            </a:r>
+            <a:r>
+              <a:rPr lang="en-US" dirty="0" err="1">
+                <a:solidFill>
+                  <a:srgbClr val="D4D4D4"/>
+                </a:solidFill>
+                <a:latin typeface="Consolas" panose="020B0609020204030204" pitchFamily="49" charset="0"/>
+              </a:rPr>
+              <a:t>.</a:t>
+            </a:r>
+            <a:r>
+              <a:rPr lang="en-US" dirty="0" err="1">
+                <a:solidFill>
+                  <a:srgbClr val="DCDCAA"/>
+                </a:solidFill>
+                <a:latin typeface="Consolas" panose="020B0609020204030204" pitchFamily="49" charset="0"/>
+              </a:rPr>
+              <a:t>UseRewriter</a:t>
+            </a:r>
+            <a:r>
+              <a:rPr lang="en-US" dirty="0">
+                <a:solidFill>
+                  <a:srgbClr val="D4D4D4"/>
+                </a:solidFill>
+                <a:latin typeface="Consolas" panose="020B0609020204030204" pitchFamily="49" charset="0"/>
+              </a:rPr>
+              <a:t>(</a:t>
+            </a:r>
+            <a:r>
+              <a:rPr lang="en-US" dirty="0">
+                <a:solidFill>
+                  <a:srgbClr val="9CDCFE"/>
+                </a:solidFill>
+                <a:latin typeface="Consolas" panose="020B0609020204030204" pitchFamily="49" charset="0"/>
+              </a:rPr>
+              <a:t>options</a:t>
+            </a:r>
+            <a:r>
+              <a:rPr lang="en-US" dirty="0">
+                <a:solidFill>
+                  <a:srgbClr val="D4D4D4"/>
+                </a:solidFill>
+                <a:latin typeface="Consolas" panose="020B0609020204030204" pitchFamily="49" charset="0"/>
+              </a:rPr>
+              <a:t>);</a:t>
+            </a:r>
+            <a:endParaRPr lang="en-US" b="0" dirty="0">
+              <a:solidFill>
+                <a:srgbClr val="D4D4D4"/>
+              </a:solidFill>
+              <a:effectLst/>
+              <a:latin typeface="Consolas" panose="020B0609020204030204" pitchFamily="49" charset="0"/>
+            </a:endParaRPr>
           </a:p>
         </p:txBody>
       </p:sp>
     </p:spTree>
     <p:extLst>
       <p:ext uri="{BB962C8B-B14F-4D97-AF65-F5344CB8AC3E}">
-        <p14:creationId xmlns:p14="http://schemas.microsoft.com/office/powerpoint/2010/main" val="3493958456"/>
+        <p14:creationId xmlns:p14="http://schemas.microsoft.com/office/powerpoint/2010/main" val="141274833"/>
       </p:ext>
     </p:extLst>
   </p:cSld>
@@ -10078,6 +11382,15 @@
 </file>
 
 <file path=customXml/item1.xml><?xml version="1.0" encoding="utf-8"?>
+<?mso-contentType ?>
+<FormTemplates xmlns="http://schemas.microsoft.com/sharepoint/v3/contenttype/forms">
+  <Display>DocumentLibraryForm</Display>
+  <Edit>DocumentLibraryForm</Edit>
+  <New>DocumentLibraryForm</New>
+</FormTemplates>
+</file>
+
+<file path=customXml/item2.xml><?xml version="1.0" encoding="utf-8"?>
 <p:properties xmlns:p="http://schemas.microsoft.com/office/2006/metadata/properties" xmlns:xsi="http://www.w3.org/2001/XMLSchema-instance" xmlns:pc="http://schemas.microsoft.com/office/infopath/2007/PartnerControls">
   <documentManagement>
     <TrackTaxHTField0 xmlns="2295e2e7-0eeb-498e-8716-217bb2ee6ee3">
@@ -10132,7 +11445,7 @@
 </p:properties>
 </file>
 
-<file path=customXml/item2.xml><?xml version="1.0" encoding="utf-8"?>
+<file path=customXml/item3.xml><?xml version="1.0" encoding="utf-8"?>
 <ct:contentTypeSchema xmlns:ct="http://schemas.microsoft.com/office/2006/metadata/contentType" xmlns:ma="http://schemas.microsoft.com/office/2006/metadata/properties/metaAttributes" ct:_="" ma:_="" ma:contentTypeName="PresentationsDoc" ma:contentTypeID="0x010100B88FC3ECA26D1C46B3C4C83281D2EB9C003BBE479AF4108146A616B6B5E7069DBC" ma:contentTypeVersion="61" ma:contentTypeDescription="" ma:contentTypeScope="" ma:versionID="72533711bacf991a4680f48ae6b725f9">
   <xsd:schema xmlns:xsd="http://www.w3.org/2001/XMLSchema" xmlns:xs="http://www.w3.org/2001/XMLSchema" xmlns:p="http://schemas.microsoft.com/office/2006/metadata/properties" xmlns:ns2="2295e2e7-0eeb-498e-8716-217bb2ee6ee3" xmlns:ns3="8b529f77-48ab-4581-b468-93f09345b8aa" targetNamespace="http://schemas.microsoft.com/office/2006/metadata/properties" ma:root="true" ma:fieldsID="dde17010d50e6e632f300eac8dfd378e" ns2:_="" ns3:_="">
     <xsd:import namespace="2295e2e7-0eeb-498e-8716-217bb2ee6ee3"/>
@@ -10411,16 +11724,15 @@
 </ct:contentTypeSchema>
 </file>
 
-<file path=customXml/item3.xml><?xml version="1.0" encoding="utf-8"?>
-<?mso-contentType ?>
-<FormTemplates xmlns="http://schemas.microsoft.com/sharepoint/v3/contenttype/forms">
-  <Display>DocumentLibraryForm</Display>
-  <Edit>DocumentLibraryForm</Edit>
-  <New>DocumentLibraryForm</New>
-</FormTemplates>
+<file path=customXml/itemProps1.xml><?xml version="1.0" encoding="utf-8"?>
+<ds:datastoreItem xmlns:ds="http://schemas.openxmlformats.org/officeDocument/2006/customXml" ds:itemID="{758FDAC0-319D-4A54-8D8E-1D42CB1F8004}">
+  <ds:schemaRefs>
+    <ds:schemaRef ds:uri="http://schemas.microsoft.com/sharepoint/v3/contenttype/forms"/>
+  </ds:schemaRefs>
+</ds:datastoreItem>
 </file>
 
-<file path=customXml/itemProps1.xml><?xml version="1.0" encoding="utf-8"?>
+<file path=customXml/itemProps2.xml><?xml version="1.0" encoding="utf-8"?>
 <ds:datastoreItem xmlns:ds="http://schemas.openxmlformats.org/officeDocument/2006/customXml" ds:itemID="{F990F116-B58F-4255-B05B-DA3808E0E5C6}">
   <ds:schemaRefs>
     <ds:schemaRef ds:uri="2295e2e7-0eeb-498e-8716-217bb2ee6ee3"/>
@@ -10437,7 +11749,7 @@
 </ds:datastoreItem>
 </file>
 
-<file path=customXml/itemProps2.xml><?xml version="1.0" encoding="utf-8"?>
+<file path=customXml/itemProps3.xml><?xml version="1.0" encoding="utf-8"?>
 <ds:datastoreItem xmlns:ds="http://schemas.openxmlformats.org/officeDocument/2006/customXml" ds:itemID="{A4A71FB1-3FB8-468F-9C64-2246CB74C7D9}">
   <ds:schemaRefs>
     <ds:schemaRef ds:uri="http://schemas.microsoft.com/office/2006/metadata/contentType"/>
@@ -10454,12 +11766,4 @@
     <ds:schemaRef ds:uri="http://schemas.microsoft.com/internal/obd"/>
   </ds:schemaRefs>
 </ds:datastoreItem>
-</file>
-
-<file path=customXml/itemProps3.xml><?xml version="1.0" encoding="utf-8"?>
-<ds:datastoreItem xmlns:ds="http://schemas.openxmlformats.org/officeDocument/2006/customXml" ds:itemID="{758FDAC0-319D-4A54-8D8E-1D42CB1F8004}">
-  <ds:schemaRefs>
-    <ds:schemaRef ds:uri="http://schemas.microsoft.com/sharepoint/v3/contenttype/forms"/>
-  </ds:schemaRefs>
-</ds:datastoreItem>
 </file>
--- a/Slides/Lecture10 - Apps part II.pptx
+++ b/Slides/Lecture10 - Apps part II.pptx
@@ -11391,61 +11391,6 @@
 </file>
 
 <file path=customXml/item2.xml><?xml version="1.0" encoding="utf-8"?>
-<p:properties xmlns:p="http://schemas.microsoft.com/office/2006/metadata/properties" xmlns:xsi="http://www.w3.org/2001/XMLSchema-instance" xmlns:pc="http://schemas.microsoft.com/office/infopath/2007/PartnerControls">
-  <documentManagement>
-    <TrackTaxHTField0 xmlns="2295e2e7-0eeb-498e-8716-217bb2ee6ee3">
-      <Terms xmlns="http://schemas.microsoft.com/office/infopath/2007/PartnerControls"/>
-    </TrackTaxHTField0>
-    <CampaignTaxHTField0 xmlns="2295e2e7-0eeb-498e-8716-217bb2ee6ee3">
-      <Terms xmlns="http://schemas.microsoft.com/office/infopath/2007/PartnerControls"/>
-    </CampaignTaxHTField0>
-    <Event_x0020_End_x0020_Date xmlns="2295e2e7-0eeb-498e-8716-217bb2ee6ee3" xsi:nil="true"/>
-    <Event_x0020_Start_x0020_Date xmlns="2295e2e7-0eeb-498e-8716-217bb2ee6ee3" xsi:nil="true"/>
-    <MS_x0020_Speaker xmlns="2295e2e7-0eeb-498e-8716-217bb2ee6ee3">
-      <UserInfo>
-        <DisplayName/>
-        <AccountId xsi:nil="true"/>
-        <AccountType/>
-      </UserInfo>
-    </MS_x0020_Speaker>
-    <External_x0020_Speaker xmlns="2295e2e7-0eeb-498e-8716-217bb2ee6ee3" xsi:nil="true"/>
-    <Session_x0020_Code xmlns="2295e2e7-0eeb-498e-8716-217bb2ee6ee3" xsi:nil="true"/>
-    <ProductTaxHTField0 xmlns="2295e2e7-0eeb-498e-8716-217bb2ee6ee3">
-      <Terms xmlns="http://schemas.microsoft.com/office/infopath/2007/PartnerControls"/>
-    </ProductTaxHTField0>
-    <Presentation_x0020_Date xmlns="2295e2e7-0eeb-498e-8716-217bb2ee6ee3" xsi:nil="true"/>
-    <Event_x0020_LocationTaxHTField0 xmlns="2295e2e7-0eeb-498e-8716-217bb2ee6ee3">
-      <Terms xmlns="http://schemas.microsoft.com/office/infopath/2007/PartnerControls"/>
-    </Event_x0020_LocationTaxHTField0>
-    <Event1TaxHTField0 xmlns="2295e2e7-0eeb-498e-8716-217bb2ee6ee3">
-      <Terms xmlns="http://schemas.microsoft.com/office/infopath/2007/PartnerControls">
-        <TermInfo xmlns="http://schemas.microsoft.com/office/infopath/2007/PartnerControls">
-          <TermName xmlns="http://schemas.microsoft.com/office/infopath/2007/PartnerControls">Unassigned</TermName>
-          <TermId xmlns="http://schemas.microsoft.com/office/infopath/2007/PartnerControls">e51362f4-782c-41a8-bb7b-e0cfc8669933</TermId>
-        </TermInfo>
-      </Terms>
-    </Event1TaxHTField0>
-    <AudienceTaxHTField0 xmlns="8b529f77-48ab-4581-b468-93f09345b8aa">
-      <Terms xmlns="http://schemas.microsoft.com/office/infopath/2007/PartnerControls"/>
-    </AudienceTaxHTField0>
-    <MS_x0020_Content_x0020_Owner xmlns="2295e2e7-0eeb-498e-8716-217bb2ee6ee3">
-      <UserInfo>
-        <DisplayName/>
-        <AccountId xsi:nil="true"/>
-        <AccountType/>
-      </UserInfo>
-    </MS_x0020_Content_x0020_Owner>
-    <TaxCatchAll xmlns="2295e2e7-0eeb-498e-8716-217bb2ee6ee3">
-      <Value>217</Value>
-    </TaxCatchAll>
-    <Event_x0020_VenueTaxHTField0 xmlns="2295e2e7-0eeb-498e-8716-217bb2ee6ee3">
-      <Terms xmlns="http://schemas.microsoft.com/office/infopath/2007/PartnerControls"/>
-    </Event_x0020_VenueTaxHTField0>
-  </documentManagement>
-</p:properties>
-</file>
-
-<file path=customXml/item3.xml><?xml version="1.0" encoding="utf-8"?>
 <ct:contentTypeSchema xmlns:ct="http://schemas.microsoft.com/office/2006/metadata/contentType" xmlns:ma="http://schemas.microsoft.com/office/2006/metadata/properties/metaAttributes" ct:_="" ma:_="" ma:contentTypeName="PresentationsDoc" ma:contentTypeID="0x010100B88FC3ECA26D1C46B3C4C83281D2EB9C003BBE479AF4108146A616B6B5E7069DBC" ma:contentTypeVersion="61" ma:contentTypeDescription="" ma:contentTypeScope="" ma:versionID="72533711bacf991a4680f48ae6b725f9">
   <xsd:schema xmlns:xsd="http://www.w3.org/2001/XMLSchema" xmlns:xs="http://www.w3.org/2001/XMLSchema" xmlns:p="http://schemas.microsoft.com/office/2006/metadata/properties" xmlns:ns2="2295e2e7-0eeb-498e-8716-217bb2ee6ee3" xmlns:ns3="8b529f77-48ab-4581-b468-93f09345b8aa" targetNamespace="http://schemas.microsoft.com/office/2006/metadata/properties" ma:root="true" ma:fieldsID="dde17010d50e6e632f300eac8dfd378e" ns2:_="" ns3:_="">
     <xsd:import namespace="2295e2e7-0eeb-498e-8716-217bb2ee6ee3"/>
@@ -11724,6 +11669,61 @@
 </ct:contentTypeSchema>
 </file>
 
+<file path=customXml/item3.xml><?xml version="1.0" encoding="utf-8"?>
+<p:properties xmlns:p="http://schemas.microsoft.com/office/2006/metadata/properties" xmlns:xsi="http://www.w3.org/2001/XMLSchema-instance" xmlns:pc="http://schemas.microsoft.com/office/infopath/2007/PartnerControls">
+  <documentManagement>
+    <TrackTaxHTField0 xmlns="2295e2e7-0eeb-498e-8716-217bb2ee6ee3">
+      <Terms xmlns="http://schemas.microsoft.com/office/infopath/2007/PartnerControls"/>
+    </TrackTaxHTField0>
+    <CampaignTaxHTField0 xmlns="2295e2e7-0eeb-498e-8716-217bb2ee6ee3">
+      <Terms xmlns="http://schemas.microsoft.com/office/infopath/2007/PartnerControls"/>
+    </CampaignTaxHTField0>
+    <Event_x0020_End_x0020_Date xmlns="2295e2e7-0eeb-498e-8716-217bb2ee6ee3" xsi:nil="true"/>
+    <Event_x0020_Start_x0020_Date xmlns="2295e2e7-0eeb-498e-8716-217bb2ee6ee3" xsi:nil="true"/>
+    <MS_x0020_Speaker xmlns="2295e2e7-0eeb-498e-8716-217bb2ee6ee3">
+      <UserInfo>
+        <DisplayName/>
+        <AccountId xsi:nil="true"/>
+        <AccountType/>
+      </UserInfo>
+    </MS_x0020_Speaker>
+    <External_x0020_Speaker xmlns="2295e2e7-0eeb-498e-8716-217bb2ee6ee3" xsi:nil="true"/>
+    <Session_x0020_Code xmlns="2295e2e7-0eeb-498e-8716-217bb2ee6ee3" xsi:nil="true"/>
+    <ProductTaxHTField0 xmlns="2295e2e7-0eeb-498e-8716-217bb2ee6ee3">
+      <Terms xmlns="http://schemas.microsoft.com/office/infopath/2007/PartnerControls"/>
+    </ProductTaxHTField0>
+    <Presentation_x0020_Date xmlns="2295e2e7-0eeb-498e-8716-217bb2ee6ee3" xsi:nil="true"/>
+    <Event_x0020_LocationTaxHTField0 xmlns="2295e2e7-0eeb-498e-8716-217bb2ee6ee3">
+      <Terms xmlns="http://schemas.microsoft.com/office/infopath/2007/PartnerControls"/>
+    </Event_x0020_LocationTaxHTField0>
+    <Event1TaxHTField0 xmlns="2295e2e7-0eeb-498e-8716-217bb2ee6ee3">
+      <Terms xmlns="http://schemas.microsoft.com/office/infopath/2007/PartnerControls">
+        <TermInfo xmlns="http://schemas.microsoft.com/office/infopath/2007/PartnerControls">
+          <TermName xmlns="http://schemas.microsoft.com/office/infopath/2007/PartnerControls">Unassigned</TermName>
+          <TermId xmlns="http://schemas.microsoft.com/office/infopath/2007/PartnerControls">e51362f4-782c-41a8-bb7b-e0cfc8669933</TermId>
+        </TermInfo>
+      </Terms>
+    </Event1TaxHTField0>
+    <AudienceTaxHTField0 xmlns="8b529f77-48ab-4581-b468-93f09345b8aa">
+      <Terms xmlns="http://schemas.microsoft.com/office/infopath/2007/PartnerControls"/>
+    </AudienceTaxHTField0>
+    <MS_x0020_Content_x0020_Owner xmlns="2295e2e7-0eeb-498e-8716-217bb2ee6ee3">
+      <UserInfo>
+        <DisplayName/>
+        <AccountId xsi:nil="true"/>
+        <AccountType/>
+      </UserInfo>
+    </MS_x0020_Content_x0020_Owner>
+    <TaxCatchAll xmlns="2295e2e7-0eeb-498e-8716-217bb2ee6ee3">
+      <Value>217</Value>
+    </TaxCatchAll>
+    <Event_x0020_VenueTaxHTField0 xmlns="2295e2e7-0eeb-498e-8716-217bb2ee6ee3">
+      <Terms xmlns="http://schemas.microsoft.com/office/infopath/2007/PartnerControls"/>
+    </Event_x0020_VenueTaxHTField0>
+  </documentManagement>
+</p:properties>
+</file>
+
 <file path=customXml/itemProps1.xml><?xml version="1.0" encoding="utf-8"?>
 <ds:datastoreItem xmlns:ds="http://schemas.openxmlformats.org/officeDocument/2006/customXml" ds:itemID="{758FDAC0-319D-4A54-8D8E-1D42CB1F8004}">
   <ds:schemaRefs>
@@ -11733,23 +11733,6 @@
 </file>
 
 <file path=customXml/itemProps2.xml><?xml version="1.0" encoding="utf-8"?>
-<ds:datastoreItem xmlns:ds="http://schemas.openxmlformats.org/officeDocument/2006/customXml" ds:itemID="{F990F116-B58F-4255-B05B-DA3808E0E5C6}">
-  <ds:schemaRefs>
-    <ds:schemaRef ds:uri="2295e2e7-0eeb-498e-8716-217bb2ee6ee3"/>
-    <ds:schemaRef ds:uri="http://purl.org/dc/terms/"/>
-    <ds:schemaRef ds:uri="http://schemas.microsoft.com/office/2006/documentManagement/types"/>
-    <ds:schemaRef ds:uri="http://schemas.microsoft.com/office/infopath/2007/PartnerControls"/>
-    <ds:schemaRef ds:uri="http://purl.org/dc/elements/1.1/"/>
-    <ds:schemaRef ds:uri="http://schemas.microsoft.com/office/2006/metadata/properties"/>
-    <ds:schemaRef ds:uri="8b529f77-48ab-4581-b468-93f09345b8aa"/>
-    <ds:schemaRef ds:uri="http://schemas.openxmlformats.org/package/2006/metadata/core-properties"/>
-    <ds:schemaRef ds:uri="http://www.w3.org/XML/1998/namespace"/>
-    <ds:schemaRef ds:uri="http://purl.org/dc/dcmitype/"/>
-  </ds:schemaRefs>
-</ds:datastoreItem>
-</file>
-
-<file path=customXml/itemProps3.xml><?xml version="1.0" encoding="utf-8"?>
 <ds:datastoreItem xmlns:ds="http://schemas.openxmlformats.org/officeDocument/2006/customXml" ds:itemID="{A4A71FB1-3FB8-468F-9C64-2246CB74C7D9}">
   <ds:schemaRefs>
     <ds:schemaRef ds:uri="http://schemas.microsoft.com/office/2006/metadata/contentType"/>
@@ -11766,4 +11749,21 @@
     <ds:schemaRef ds:uri="http://schemas.microsoft.com/internal/obd"/>
   </ds:schemaRefs>
 </ds:datastoreItem>
+</file>
+
+<file path=customXml/itemProps3.xml><?xml version="1.0" encoding="utf-8"?>
+<ds:datastoreItem xmlns:ds="http://schemas.openxmlformats.org/officeDocument/2006/customXml" ds:itemID="{F990F116-B58F-4255-B05B-DA3808E0E5C6}">
+  <ds:schemaRefs>
+    <ds:schemaRef ds:uri="2295e2e7-0eeb-498e-8716-217bb2ee6ee3"/>
+    <ds:schemaRef ds:uri="http://purl.org/dc/terms/"/>
+    <ds:schemaRef ds:uri="http://schemas.microsoft.com/office/2006/documentManagement/types"/>
+    <ds:schemaRef ds:uri="http://schemas.microsoft.com/office/infopath/2007/PartnerControls"/>
+    <ds:schemaRef ds:uri="http://purl.org/dc/elements/1.1/"/>
+    <ds:schemaRef ds:uri="http://schemas.microsoft.com/office/2006/metadata/properties"/>
+    <ds:schemaRef ds:uri="8b529f77-48ab-4581-b468-93f09345b8aa"/>
+    <ds:schemaRef ds:uri="http://schemas.openxmlformats.org/package/2006/metadata/core-properties"/>
+    <ds:schemaRef ds:uri="http://www.w3.org/XML/1998/namespace"/>
+    <ds:schemaRef ds:uri="http://purl.org/dc/dcmitype/"/>
+  </ds:schemaRefs>
+</ds:datastoreItem>
 </file>
--- a/Slides/Lecture10 - Apps part II.pptx
+++ b/Slides/Lecture10 - Apps part II.pptx
@@ -354,7 +354,7 @@
               <a:rPr lang="en-US" smtClean="0">
                 <a:latin typeface="Segoe UI" pitchFamily="34" charset="0"/>
               </a:rPr>
-              <a:t>11/16/2017</a:t>
+              <a:t>11/22/2017</a:t>
             </a:fld>
             <a:endParaRPr lang="en-US" dirty="0">
               <a:latin typeface="Segoe UI" pitchFamily="34" charset="0"/>
@@ -677,7 +677,7 @@
             <a:fld id="{D51B1278-D92B-4AF3-A9C1-71DD298190CE}" type="datetimeFigureOut">
               <a:rPr lang="en-US" smtClean="0"/>
               <a:pPr/>
-              <a:t>11/16/2017</a:t>
+              <a:t>11/22/2017</a:t>
             </a:fld>
             <a:endParaRPr lang="en-US" dirty="0"/>
           </a:p>
@@ -1082,7 +1082,7 @@
           <a:p>
             <a:fld id="{23C664AC-E9A8-46F0-BB26-995D9E922CBA}" type="datetime1">
               <a:rPr lang="en-US" smtClean="0"/>
-              <a:t>11/16/2017</a:t>
+              <a:t>11/22/2017</a:t>
             </a:fld>
             <a:endParaRPr lang="en-US" dirty="0"/>
           </a:p>
@@ -1285,7 +1285,7 @@
           <a:p>
             <a:fld id="{CFA64FBE-D613-4251-8C47-A46D32E2625C}" type="datetime1">
               <a:rPr lang="en-US" smtClean="0"/>
-              <a:t>11/16/2017</a:t>
+              <a:t>11/22/2017</a:t>
             </a:fld>
             <a:endParaRPr lang="en-US" dirty="0"/>
           </a:p>
@@ -1488,7 +1488,7 @@
           <a:p>
             <a:fld id="{664D81C8-F2DB-4680-BACD-87EC6828ADB5}" type="datetime1">
               <a:rPr lang="en-US" smtClean="0"/>
-              <a:t>11/16/2017</a:t>
+              <a:t>11/22/2017</a:t>
             </a:fld>
             <a:endParaRPr lang="en-US" dirty="0"/>
           </a:p>
@@ -1691,7 +1691,7 @@
           <a:p>
             <a:fld id="{C4F94B10-4342-40FC-AEC6-5C03AF201BA2}" type="datetime1">
               <a:rPr lang="en-US" smtClean="0"/>
-              <a:t>11/16/2017</a:t>
+              <a:t>11/22/2017</a:t>
             </a:fld>
             <a:endParaRPr lang="en-US" dirty="0"/>
           </a:p>
@@ -1894,7 +1894,7 @@
           <a:p>
             <a:fld id="{CF7A335A-266F-4892-AC8C-510DA7BF2604}" type="datetime1">
               <a:rPr lang="en-US" smtClean="0"/>
-              <a:t>11/16/2017</a:t>
+              <a:t>11/22/2017</a:t>
             </a:fld>
             <a:endParaRPr lang="en-US" dirty="0"/>
           </a:p>
@@ -2097,7 +2097,7 @@
           <a:p>
             <a:fld id="{CF7A335A-266F-4892-AC8C-510DA7BF2604}" type="datetime1">
               <a:rPr lang="en-US" smtClean="0"/>
-              <a:t>11/16/2017</a:t>
+              <a:t>11/22/2017</a:t>
             </a:fld>
             <a:endParaRPr lang="en-US" dirty="0"/>
           </a:p>
@@ -2300,7 +2300,7 @@
           <a:p>
             <a:fld id="{39AB06BC-B772-4253-9B97-59D9DCD16D68}" type="datetime1">
               <a:rPr lang="en-US" smtClean="0"/>
-              <a:t>11/16/2017</a:t>
+              <a:t>11/22/2017</a:t>
             </a:fld>
             <a:endParaRPr lang="en-US" dirty="0"/>
           </a:p>
@@ -2503,7 +2503,7 @@
           <a:p>
             <a:fld id="{39AB06BC-B772-4253-9B97-59D9DCD16D68}" type="datetime1">
               <a:rPr lang="en-US" smtClean="0"/>
-              <a:t>11/16/2017</a:t>
+              <a:t>11/22/2017</a:t>
             </a:fld>
             <a:endParaRPr lang="en-US" dirty="0"/>
           </a:p>
@@ -2706,7 +2706,7 @@
           <a:p>
             <a:fld id="{53596968-992A-414E-8ED3-8C05A9EDAB51}" type="datetime1">
               <a:rPr lang="en-US" smtClean="0"/>
-              <a:t>11/16/2017</a:t>
+              <a:t>11/22/2017</a:t>
             </a:fld>
             <a:endParaRPr lang="en-US" dirty="0"/>
           </a:p>
@@ -2909,7 +2909,7 @@
           <a:p>
             <a:fld id="{53596968-992A-414E-8ED3-8C05A9EDAB51}" type="datetime1">
               <a:rPr lang="en-US" smtClean="0"/>
-              <a:t>11/16/2017</a:t>
+              <a:t>11/22/2017</a:t>
             </a:fld>
             <a:endParaRPr lang="en-US" dirty="0"/>
           </a:p>
@@ -3112,7 +3112,7 @@
           <a:p>
             <a:fld id="{53596968-992A-414E-8ED3-8C05A9EDAB51}" type="datetime1">
               <a:rPr lang="en-US" smtClean="0"/>
-              <a:t>11/16/2017</a:t>
+              <a:t>11/22/2017</a:t>
             </a:fld>
             <a:endParaRPr lang="en-US" dirty="0"/>
           </a:p>
@@ -6825,6 +6825,25 @@
               <a:rPr lang="en-US" dirty="0"/>
               <a:t>ITU</a:t>
             </a:r>
+          </a:p>
+          <a:p>
+            <a:r>
+              <a:rPr lang="en-US" err="1">
+                <a:hlinkClick r:id="rId3"/>
+              </a:rPr>
+              <a:t>rnie</a:t>
+            </a:r>
+            <a:r>
+              <a:rPr lang="en-US">
+                <a:hlinkClick r:id="rId3"/>
+              </a:rPr>
+              <a:t>@itu.dk</a:t>
+            </a:r>
+            <a:r>
+              <a:rPr lang="en-US"/>
+              <a:t> </a:t>
+            </a:r>
+            <a:endParaRPr lang="en-US" dirty="0"/>
           </a:p>
         </p:txBody>
       </p:sp>
@@ -11382,12 +11401,58 @@
 </file>
 
 <file path=customXml/item1.xml><?xml version="1.0" encoding="utf-8"?>
-<?mso-contentType ?>
-<FormTemplates xmlns="http://schemas.microsoft.com/sharepoint/v3/contenttype/forms">
-  <Display>DocumentLibraryForm</Display>
-  <Edit>DocumentLibraryForm</Edit>
-  <New>DocumentLibraryForm</New>
-</FormTemplates>
+<p:properties xmlns:p="http://schemas.microsoft.com/office/2006/metadata/properties" xmlns:xsi="http://www.w3.org/2001/XMLSchema-instance" xmlns:pc="http://schemas.microsoft.com/office/infopath/2007/PartnerControls">
+  <documentManagement>
+    <TrackTaxHTField0 xmlns="2295e2e7-0eeb-498e-8716-217bb2ee6ee3">
+      <Terms xmlns="http://schemas.microsoft.com/office/infopath/2007/PartnerControls"/>
+    </TrackTaxHTField0>
+    <CampaignTaxHTField0 xmlns="2295e2e7-0eeb-498e-8716-217bb2ee6ee3">
+      <Terms xmlns="http://schemas.microsoft.com/office/infopath/2007/PartnerControls"/>
+    </CampaignTaxHTField0>
+    <Event_x0020_End_x0020_Date xmlns="2295e2e7-0eeb-498e-8716-217bb2ee6ee3" xsi:nil="true"/>
+    <Event_x0020_Start_x0020_Date xmlns="2295e2e7-0eeb-498e-8716-217bb2ee6ee3" xsi:nil="true"/>
+    <MS_x0020_Speaker xmlns="2295e2e7-0eeb-498e-8716-217bb2ee6ee3">
+      <UserInfo>
+        <DisplayName/>
+        <AccountId xsi:nil="true"/>
+        <AccountType/>
+      </UserInfo>
+    </MS_x0020_Speaker>
+    <External_x0020_Speaker xmlns="2295e2e7-0eeb-498e-8716-217bb2ee6ee3" xsi:nil="true"/>
+    <Session_x0020_Code xmlns="2295e2e7-0eeb-498e-8716-217bb2ee6ee3" xsi:nil="true"/>
+    <ProductTaxHTField0 xmlns="2295e2e7-0eeb-498e-8716-217bb2ee6ee3">
+      <Terms xmlns="http://schemas.microsoft.com/office/infopath/2007/PartnerControls"/>
+    </ProductTaxHTField0>
+    <Presentation_x0020_Date xmlns="2295e2e7-0eeb-498e-8716-217bb2ee6ee3" xsi:nil="true"/>
+    <Event_x0020_LocationTaxHTField0 xmlns="2295e2e7-0eeb-498e-8716-217bb2ee6ee3">
+      <Terms xmlns="http://schemas.microsoft.com/office/infopath/2007/PartnerControls"/>
+    </Event_x0020_LocationTaxHTField0>
+    <Event1TaxHTField0 xmlns="2295e2e7-0eeb-498e-8716-217bb2ee6ee3">
+      <Terms xmlns="http://schemas.microsoft.com/office/infopath/2007/PartnerControls">
+        <TermInfo xmlns="http://schemas.microsoft.com/office/infopath/2007/PartnerControls">
+          <TermName xmlns="http://schemas.microsoft.com/office/infopath/2007/PartnerControls">Unassigned</TermName>
+          <TermId xmlns="http://schemas.microsoft.com/office/infopath/2007/PartnerControls">e51362f4-782c-41a8-bb7b-e0cfc8669933</TermId>
+        </TermInfo>
+      </Terms>
+    </Event1TaxHTField0>
+    <AudienceTaxHTField0 xmlns="8b529f77-48ab-4581-b468-93f09345b8aa">
+      <Terms xmlns="http://schemas.microsoft.com/office/infopath/2007/PartnerControls"/>
+    </AudienceTaxHTField0>
+    <MS_x0020_Content_x0020_Owner xmlns="2295e2e7-0eeb-498e-8716-217bb2ee6ee3">
+      <UserInfo>
+        <DisplayName/>
+        <AccountId xsi:nil="true"/>
+        <AccountType/>
+      </UserInfo>
+    </MS_x0020_Content_x0020_Owner>
+    <TaxCatchAll xmlns="2295e2e7-0eeb-498e-8716-217bb2ee6ee3">
+      <Value>217</Value>
+    </TaxCatchAll>
+    <Event_x0020_VenueTaxHTField0 xmlns="2295e2e7-0eeb-498e-8716-217bb2ee6ee3">
+      <Terms xmlns="http://schemas.microsoft.com/office/infopath/2007/PartnerControls"/>
+    </Event_x0020_VenueTaxHTField0>
+  </documentManagement>
+</p:properties>
 </file>
 
 <file path=customXml/item2.xml><?xml version="1.0" encoding="utf-8"?>
@@ -11670,64 +11735,27 @@
 </file>
 
 <file path=customXml/item3.xml><?xml version="1.0" encoding="utf-8"?>
-<p:properties xmlns:p="http://schemas.microsoft.com/office/2006/metadata/properties" xmlns:xsi="http://www.w3.org/2001/XMLSchema-instance" xmlns:pc="http://schemas.microsoft.com/office/infopath/2007/PartnerControls">
-  <documentManagement>
-    <TrackTaxHTField0 xmlns="2295e2e7-0eeb-498e-8716-217bb2ee6ee3">
-      <Terms xmlns="http://schemas.microsoft.com/office/infopath/2007/PartnerControls"/>
-    </TrackTaxHTField0>
-    <CampaignTaxHTField0 xmlns="2295e2e7-0eeb-498e-8716-217bb2ee6ee3">
-      <Terms xmlns="http://schemas.microsoft.com/office/infopath/2007/PartnerControls"/>
-    </CampaignTaxHTField0>
-    <Event_x0020_End_x0020_Date xmlns="2295e2e7-0eeb-498e-8716-217bb2ee6ee3" xsi:nil="true"/>
-    <Event_x0020_Start_x0020_Date xmlns="2295e2e7-0eeb-498e-8716-217bb2ee6ee3" xsi:nil="true"/>
-    <MS_x0020_Speaker xmlns="2295e2e7-0eeb-498e-8716-217bb2ee6ee3">
-      <UserInfo>
-        <DisplayName/>
-        <AccountId xsi:nil="true"/>
-        <AccountType/>
-      </UserInfo>
-    </MS_x0020_Speaker>
-    <External_x0020_Speaker xmlns="2295e2e7-0eeb-498e-8716-217bb2ee6ee3" xsi:nil="true"/>
-    <Session_x0020_Code xmlns="2295e2e7-0eeb-498e-8716-217bb2ee6ee3" xsi:nil="true"/>
-    <ProductTaxHTField0 xmlns="2295e2e7-0eeb-498e-8716-217bb2ee6ee3">
-      <Terms xmlns="http://schemas.microsoft.com/office/infopath/2007/PartnerControls"/>
-    </ProductTaxHTField0>
-    <Presentation_x0020_Date xmlns="2295e2e7-0eeb-498e-8716-217bb2ee6ee3" xsi:nil="true"/>
-    <Event_x0020_LocationTaxHTField0 xmlns="2295e2e7-0eeb-498e-8716-217bb2ee6ee3">
-      <Terms xmlns="http://schemas.microsoft.com/office/infopath/2007/PartnerControls"/>
-    </Event_x0020_LocationTaxHTField0>
-    <Event1TaxHTField0 xmlns="2295e2e7-0eeb-498e-8716-217bb2ee6ee3">
-      <Terms xmlns="http://schemas.microsoft.com/office/infopath/2007/PartnerControls">
-        <TermInfo xmlns="http://schemas.microsoft.com/office/infopath/2007/PartnerControls">
-          <TermName xmlns="http://schemas.microsoft.com/office/infopath/2007/PartnerControls">Unassigned</TermName>
-          <TermId xmlns="http://schemas.microsoft.com/office/infopath/2007/PartnerControls">e51362f4-782c-41a8-bb7b-e0cfc8669933</TermId>
-        </TermInfo>
-      </Terms>
-    </Event1TaxHTField0>
-    <AudienceTaxHTField0 xmlns="8b529f77-48ab-4581-b468-93f09345b8aa">
-      <Terms xmlns="http://schemas.microsoft.com/office/infopath/2007/PartnerControls"/>
-    </AudienceTaxHTField0>
-    <MS_x0020_Content_x0020_Owner xmlns="2295e2e7-0eeb-498e-8716-217bb2ee6ee3">
-      <UserInfo>
-        <DisplayName/>
-        <AccountId xsi:nil="true"/>
-        <AccountType/>
-      </UserInfo>
-    </MS_x0020_Content_x0020_Owner>
-    <TaxCatchAll xmlns="2295e2e7-0eeb-498e-8716-217bb2ee6ee3">
-      <Value>217</Value>
-    </TaxCatchAll>
-    <Event_x0020_VenueTaxHTField0 xmlns="2295e2e7-0eeb-498e-8716-217bb2ee6ee3">
-      <Terms xmlns="http://schemas.microsoft.com/office/infopath/2007/PartnerControls"/>
-    </Event_x0020_VenueTaxHTField0>
-  </documentManagement>
-</p:properties>
+<?mso-contentType ?>
+<FormTemplates xmlns="http://schemas.microsoft.com/sharepoint/v3/contenttype/forms">
+  <Display>DocumentLibraryForm</Display>
+  <Edit>DocumentLibraryForm</Edit>
+  <New>DocumentLibraryForm</New>
+</FormTemplates>
 </file>
 
 <file path=customXml/itemProps1.xml><?xml version="1.0" encoding="utf-8"?>
-<ds:datastoreItem xmlns:ds="http://schemas.openxmlformats.org/officeDocument/2006/customXml" ds:itemID="{758FDAC0-319D-4A54-8D8E-1D42CB1F8004}">
+<ds:datastoreItem xmlns:ds="http://schemas.openxmlformats.org/officeDocument/2006/customXml" ds:itemID="{F990F116-B58F-4255-B05B-DA3808E0E5C6}">
   <ds:schemaRefs>
-    <ds:schemaRef ds:uri="http://schemas.microsoft.com/sharepoint/v3/contenttype/forms"/>
+    <ds:schemaRef ds:uri="2295e2e7-0eeb-498e-8716-217bb2ee6ee3"/>
+    <ds:schemaRef ds:uri="http://purl.org/dc/terms/"/>
+    <ds:schemaRef ds:uri="http://schemas.microsoft.com/office/2006/documentManagement/types"/>
+    <ds:schemaRef ds:uri="http://schemas.microsoft.com/office/infopath/2007/PartnerControls"/>
+    <ds:schemaRef ds:uri="http://purl.org/dc/elements/1.1/"/>
+    <ds:schemaRef ds:uri="http://schemas.microsoft.com/office/2006/metadata/properties"/>
+    <ds:schemaRef ds:uri="8b529f77-48ab-4581-b468-93f09345b8aa"/>
+    <ds:schemaRef ds:uri="http://schemas.openxmlformats.org/package/2006/metadata/core-properties"/>
+    <ds:schemaRef ds:uri="http://www.w3.org/XML/1998/namespace"/>
+    <ds:schemaRef ds:uri="http://purl.org/dc/dcmitype/"/>
   </ds:schemaRefs>
 </ds:datastoreItem>
 </file>
@@ -11752,18 +11780,9 @@
 </file>
 
 <file path=customXml/itemProps3.xml><?xml version="1.0" encoding="utf-8"?>
-<ds:datastoreItem xmlns:ds="http://schemas.openxmlformats.org/officeDocument/2006/customXml" ds:itemID="{F990F116-B58F-4255-B05B-DA3808E0E5C6}">
+<ds:datastoreItem xmlns:ds="http://schemas.openxmlformats.org/officeDocument/2006/customXml" ds:itemID="{758FDAC0-319D-4A54-8D8E-1D42CB1F8004}">
   <ds:schemaRefs>
-    <ds:schemaRef ds:uri="2295e2e7-0eeb-498e-8716-217bb2ee6ee3"/>
-    <ds:schemaRef ds:uri="http://purl.org/dc/terms/"/>
-    <ds:schemaRef ds:uri="http://schemas.microsoft.com/office/2006/documentManagement/types"/>
-    <ds:schemaRef ds:uri="http://schemas.microsoft.com/office/infopath/2007/PartnerControls"/>
-    <ds:schemaRef ds:uri="http://purl.org/dc/elements/1.1/"/>
-    <ds:schemaRef ds:uri="http://schemas.microsoft.com/office/2006/metadata/properties"/>
-    <ds:schemaRef ds:uri="8b529f77-48ab-4581-b468-93f09345b8aa"/>
-    <ds:schemaRef ds:uri="http://schemas.openxmlformats.org/package/2006/metadata/core-properties"/>
-    <ds:schemaRef ds:uri="http://www.w3.org/XML/1998/namespace"/>
-    <ds:schemaRef ds:uri="http://purl.org/dc/dcmitype/"/>
+    <ds:schemaRef ds:uri="http://schemas.microsoft.com/sharepoint/v3/contenttype/forms"/>
   </ds:schemaRefs>
 </ds:datastoreItem>
 </file>